--- a/presentation.pptx
+++ b/presentation.pptx
@@ -8,13 +8,15 @@
     <p:sldId id="298" r:id="rId5"/>
     <p:sldId id="301" r:id="rId6"/>
     <p:sldId id="302" r:id="rId7"/>
-    <p:sldId id="303" r:id="rId8"/>
-    <p:sldId id="304" r:id="rId9"/>
-    <p:sldId id="305" r:id="rId10"/>
-    <p:sldId id="306" r:id="rId11"/>
-    <p:sldId id="307" r:id="rId12"/>
-    <p:sldId id="308" r:id="rId13"/>
-    <p:sldId id="309" r:id="rId14"/>
+    <p:sldId id="310" r:id="rId8"/>
+    <p:sldId id="311" r:id="rId9"/>
+    <p:sldId id="303" r:id="rId10"/>
+    <p:sldId id="304" r:id="rId11"/>
+    <p:sldId id="305" r:id="rId12"/>
+    <p:sldId id="306" r:id="rId13"/>
+    <p:sldId id="307" r:id="rId14"/>
+    <p:sldId id="308" r:id="rId15"/>
+    <p:sldId id="309" r:id="rId16"/>
   </p:sldIdLst>
   <p:sldSz cx="12192000" cy="6858000"/>
   <p:notesSz cx="6858000" cy="9144000"/>
@@ -5607,6 +5609,184 @@
           <p:cNvPr id="2" name="Title 1">
             <a:extLst>
               <a:ext uri="{FF2B5EF4-FFF2-40B4-BE49-F238E27FC236}">
+                <a16:creationId xmlns:a16="http://schemas.microsoft.com/office/drawing/2014/main" id="{446CBE06-FA0E-401D-96A6-48A5BB928C46}"/>
+              </a:ext>
+            </a:extLst>
+          </p:cNvPr>
+          <p:cNvSpPr>
+            <a:spLocks noGrp="1"/>
+          </p:cNvSpPr>
+          <p:nvPr>
+            <p:ph type="title"/>
+          </p:nvPr>
+        </p:nvSpPr>
+        <p:spPr/>
+        <p:txBody>
+          <a:bodyPr>
+            <a:normAutofit fontScale="90000"/>
+          </a:bodyPr>
+          <a:lstStyle/>
+          <a:p>
+            <a:r>
+              <a:rPr lang="en-US" dirty="0"/>
+              <a:t>ANOVA/ ordinary least squares (again, if we can get it working right)</a:t>
+            </a:r>
+          </a:p>
+        </p:txBody>
+      </p:sp>
+      <p:sp>
+        <p:nvSpPr>
+          <p:cNvPr id="3" name="Content Placeholder 2">
+            <a:extLst>
+              <a:ext uri="{FF2B5EF4-FFF2-40B4-BE49-F238E27FC236}">
+                <a16:creationId xmlns:a16="http://schemas.microsoft.com/office/drawing/2014/main" id="{9745DC1A-FACE-453D-B3BB-DD6833060B7D}"/>
+              </a:ext>
+            </a:extLst>
+          </p:cNvPr>
+          <p:cNvSpPr>
+            <a:spLocks noGrp="1"/>
+          </p:cNvSpPr>
+          <p:nvPr>
+            <p:ph idx="1"/>
+          </p:nvPr>
+        </p:nvSpPr>
+        <p:spPr/>
+        <p:txBody>
+          <a:bodyPr/>
+          <a:lstStyle/>
+          <a:p>
+            <a:endParaRPr lang="en-US"/>
+          </a:p>
+        </p:txBody>
+      </p:sp>
+    </p:spTree>
+    <p:extLst>
+      <p:ext uri="{BB962C8B-B14F-4D97-AF65-F5344CB8AC3E}">
+        <p14:creationId xmlns:p14="http://schemas.microsoft.com/office/powerpoint/2010/main" val="3935500864"/>
+      </p:ext>
+    </p:extLst>
+  </p:cSld>
+  <p:clrMapOvr>
+    <a:masterClrMapping/>
+  </p:clrMapOvr>
+</p:sld>
+</file>
+
+<file path=ppt/slides/slide11.xml><?xml version="1.0" encoding="utf-8"?>
+<p:sld xmlns:a="http://schemas.openxmlformats.org/drawingml/2006/main" xmlns:r="http://schemas.openxmlformats.org/officeDocument/2006/relationships" xmlns:p="http://schemas.openxmlformats.org/presentationml/2006/main">
+  <p:cSld>
+    <p:spTree>
+      <p:nvGrpSpPr>
+        <p:cNvPr id="1" name=""/>
+        <p:cNvGrpSpPr/>
+        <p:nvPr/>
+      </p:nvGrpSpPr>
+      <p:grpSpPr>
+        <a:xfrm>
+          <a:off x="0" y="0"/>
+          <a:ext cx="0" cy="0"/>
+          <a:chOff x="0" y="0"/>
+          <a:chExt cx="0" cy="0"/>
+        </a:xfrm>
+      </p:grpSpPr>
+      <p:sp>
+        <p:nvSpPr>
+          <p:cNvPr id="2" name="Title 1">
+            <a:extLst>
+              <a:ext uri="{FF2B5EF4-FFF2-40B4-BE49-F238E27FC236}">
+                <a16:creationId xmlns:a16="http://schemas.microsoft.com/office/drawing/2014/main" id="{5EB616CF-1A75-4758-A1D9-DCAFAF76B967}"/>
+              </a:ext>
+            </a:extLst>
+          </p:cNvPr>
+          <p:cNvSpPr>
+            <a:spLocks noGrp="1"/>
+          </p:cNvSpPr>
+          <p:nvPr>
+            <p:ph type="title"/>
+          </p:nvPr>
+        </p:nvSpPr>
+        <p:spPr/>
+        <p:txBody>
+          <a:bodyPr>
+            <a:normAutofit fontScale="90000"/>
+          </a:bodyPr>
+          <a:lstStyle/>
+          <a:p>
+            <a:r>
+              <a:rPr lang="en-US" dirty="0"/>
+              <a:t>Summary of findings, re-visit </a:t>
+            </a:r>
+            <a:r>
+              <a:rPr lang="en-US" dirty="0" err="1"/>
+              <a:t>hypothesies</a:t>
+            </a:r>
+            <a:r>
+              <a:rPr lang="en-US" dirty="0"/>
+              <a:t> and say what happened with them and if they are good and all that kind of stuff</a:t>
+            </a:r>
+          </a:p>
+        </p:txBody>
+      </p:sp>
+      <p:sp>
+        <p:nvSpPr>
+          <p:cNvPr id="3" name="Content Placeholder 2">
+            <a:extLst>
+              <a:ext uri="{FF2B5EF4-FFF2-40B4-BE49-F238E27FC236}">
+                <a16:creationId xmlns:a16="http://schemas.microsoft.com/office/drawing/2014/main" id="{F5013E97-3D30-40D5-B6BD-99C0D2D62DA3}"/>
+              </a:ext>
+            </a:extLst>
+          </p:cNvPr>
+          <p:cNvSpPr>
+            <a:spLocks noGrp="1"/>
+          </p:cNvSpPr>
+          <p:nvPr>
+            <p:ph idx="1"/>
+          </p:nvPr>
+        </p:nvSpPr>
+        <p:spPr/>
+        <p:txBody>
+          <a:bodyPr/>
+          <a:lstStyle/>
+          <a:p>
+            <a:endParaRPr lang="en-US"/>
+          </a:p>
+        </p:txBody>
+      </p:sp>
+    </p:spTree>
+    <p:extLst>
+      <p:ext uri="{BB962C8B-B14F-4D97-AF65-F5344CB8AC3E}">
+        <p14:creationId xmlns:p14="http://schemas.microsoft.com/office/powerpoint/2010/main" val="2661428305"/>
+      </p:ext>
+    </p:extLst>
+  </p:cSld>
+  <p:clrMapOvr>
+    <a:masterClrMapping/>
+  </p:clrMapOvr>
+</p:sld>
+</file>
+
+<file path=ppt/slides/slide12.xml><?xml version="1.0" encoding="utf-8"?>
+<p:sld xmlns:a="http://schemas.openxmlformats.org/drawingml/2006/main" xmlns:r="http://schemas.openxmlformats.org/officeDocument/2006/relationships" xmlns:p="http://schemas.openxmlformats.org/presentationml/2006/main">
+  <p:cSld>
+    <p:spTree>
+      <p:nvGrpSpPr>
+        <p:cNvPr id="1" name=""/>
+        <p:cNvGrpSpPr/>
+        <p:nvPr/>
+      </p:nvGrpSpPr>
+      <p:grpSpPr>
+        <a:xfrm>
+          <a:off x="0" y="0"/>
+          <a:ext cx="0" cy="0"/>
+          <a:chOff x="0" y="0"/>
+          <a:chExt cx="0" cy="0"/>
+        </a:xfrm>
+      </p:grpSpPr>
+      <p:sp>
+        <p:nvSpPr>
+          <p:cNvPr id="2" name="Title 1">
+            <a:extLst>
+              <a:ext uri="{FF2B5EF4-FFF2-40B4-BE49-F238E27FC236}">
                 <a16:creationId xmlns:a16="http://schemas.microsoft.com/office/drawing/2014/main" id="{5E055E48-8955-49AA-9C19-D9BDE0901F3E}"/>
               </a:ext>
             </a:extLst>
@@ -6547,6 +6727,238 @@
           <p:cNvPr id="2" name="Title 1">
             <a:extLst>
               <a:ext uri="{FF2B5EF4-FFF2-40B4-BE49-F238E27FC236}">
+                <a16:creationId xmlns:a16="http://schemas.microsoft.com/office/drawing/2014/main" id="{B03DCE5E-E952-F245-95F9-BD99478DC974}"/>
+              </a:ext>
+            </a:extLst>
+          </p:cNvPr>
+          <p:cNvSpPr>
+            <a:spLocks noGrp="1"/>
+          </p:cNvSpPr>
+          <p:nvPr>
+            <p:ph type="title"/>
+          </p:nvPr>
+        </p:nvSpPr>
+        <p:spPr/>
+        <p:txBody>
+          <a:bodyPr/>
+          <a:lstStyle/>
+          <a:p>
+            <a:r>
+              <a:rPr lang="en-US" dirty="0"/>
+              <a:t>Limitations</a:t>
+            </a:r>
+          </a:p>
+        </p:txBody>
+      </p:sp>
+      <p:sp>
+        <p:nvSpPr>
+          <p:cNvPr id="3" name="Content Placeholder 2">
+            <a:extLst>
+              <a:ext uri="{FF2B5EF4-FFF2-40B4-BE49-F238E27FC236}">
+                <a16:creationId xmlns:a16="http://schemas.microsoft.com/office/drawing/2014/main" id="{B268871E-E018-8841-BC8F-5B8908E70C36}"/>
+              </a:ext>
+            </a:extLst>
+          </p:cNvPr>
+          <p:cNvSpPr>
+            <a:spLocks noGrp="1"/>
+          </p:cNvSpPr>
+          <p:nvPr>
+            <p:ph idx="1"/>
+          </p:nvPr>
+        </p:nvSpPr>
+        <p:spPr/>
+        <p:txBody>
+          <a:bodyPr/>
+          <a:lstStyle/>
+          <a:p>
+            <a:r>
+              <a:rPr lang="en-US" dirty="0">
+                <a:solidFill>
+                  <a:schemeClr val="tx1"/>
+                </a:solidFill>
+              </a:rPr>
+              <a:t>The data used only goes back to the beginning of the pandemic, roughly March 2020. The baseline used is five weeks from the beginning of the year 2020.</a:t>
+            </a:r>
+          </a:p>
+          <a:p>
+            <a:endParaRPr lang="en-US" dirty="0">
+              <a:solidFill>
+                <a:schemeClr val="tx1"/>
+              </a:solidFill>
+            </a:endParaRPr>
+          </a:p>
+        </p:txBody>
+      </p:sp>
+    </p:spTree>
+    <p:extLst>
+      <p:ext uri="{BB962C8B-B14F-4D97-AF65-F5344CB8AC3E}">
+        <p14:creationId xmlns:p14="http://schemas.microsoft.com/office/powerpoint/2010/main" val="4003385310"/>
+      </p:ext>
+    </p:extLst>
+  </p:cSld>
+  <p:clrMapOvr>
+    <a:masterClrMapping/>
+  </p:clrMapOvr>
+</p:sld>
+</file>
+
+<file path=ppt/slides/slide5.xml><?xml version="1.0" encoding="utf-8"?>
+<p:sld xmlns:a="http://schemas.openxmlformats.org/drawingml/2006/main" xmlns:r="http://schemas.openxmlformats.org/officeDocument/2006/relationships" xmlns:p="http://schemas.openxmlformats.org/presentationml/2006/main">
+  <p:cSld>
+    <p:spTree>
+      <p:nvGrpSpPr>
+        <p:cNvPr id="1" name=""/>
+        <p:cNvGrpSpPr/>
+        <p:nvPr/>
+      </p:nvGrpSpPr>
+      <p:grpSpPr>
+        <a:xfrm>
+          <a:off x="0" y="0"/>
+          <a:ext cx="0" cy="0"/>
+          <a:chOff x="0" y="0"/>
+          <a:chExt cx="0" cy="0"/>
+        </a:xfrm>
+      </p:grpSpPr>
+      <p:sp>
+        <p:nvSpPr>
+          <p:cNvPr id="2" name="Title 1">
+            <a:extLst>
+              <a:ext uri="{FF2B5EF4-FFF2-40B4-BE49-F238E27FC236}">
+                <a16:creationId xmlns:a16="http://schemas.microsoft.com/office/drawing/2014/main" id="{2F87D453-7D8B-B048-A347-04E30ABE6517}"/>
+              </a:ext>
+            </a:extLst>
+          </p:cNvPr>
+          <p:cNvSpPr>
+            <a:spLocks noGrp="1"/>
+          </p:cNvSpPr>
+          <p:nvPr>
+            <p:ph type="title"/>
+          </p:nvPr>
+        </p:nvSpPr>
+        <p:spPr/>
+        <p:txBody>
+          <a:bodyPr/>
+          <a:lstStyle/>
+          <a:p>
+            <a:r>
+              <a:rPr lang="en-US" dirty="0"/>
+              <a:t>Methods</a:t>
+            </a:r>
+          </a:p>
+        </p:txBody>
+      </p:sp>
+      <p:sp>
+        <p:nvSpPr>
+          <p:cNvPr id="3" name="Content Placeholder 2">
+            <a:extLst>
+              <a:ext uri="{FF2B5EF4-FFF2-40B4-BE49-F238E27FC236}">
+                <a16:creationId xmlns:a16="http://schemas.microsoft.com/office/drawing/2014/main" id="{96B3EFBE-F49C-A049-86CE-DE07F1229708}"/>
+              </a:ext>
+            </a:extLst>
+          </p:cNvPr>
+          <p:cNvSpPr>
+            <a:spLocks noGrp="1"/>
+          </p:cNvSpPr>
+          <p:nvPr>
+            <p:ph idx="1"/>
+          </p:nvPr>
+        </p:nvSpPr>
+        <p:spPr/>
+        <p:txBody>
+          <a:bodyPr/>
+          <a:lstStyle/>
+          <a:p>
+            <a:r>
+              <a:rPr lang="en-US" dirty="0">
+                <a:solidFill>
+                  <a:schemeClr val="tx1"/>
+                </a:solidFill>
+              </a:rPr>
+              <a:t>Merge – Combined years 2020 and 2021 data</a:t>
+            </a:r>
+          </a:p>
+          <a:p>
+            <a:r>
+              <a:rPr lang="en-US" dirty="0">
+                <a:solidFill>
+                  <a:schemeClr val="tx1"/>
+                </a:solidFill>
+              </a:rPr>
+              <a:t>Drop columns – Drop data not relevant to hypothesis</a:t>
+            </a:r>
+          </a:p>
+          <a:p>
+            <a:r>
+              <a:rPr lang="en-US" dirty="0">
+                <a:solidFill>
+                  <a:schemeClr val="tx1"/>
+                </a:solidFill>
+              </a:rPr>
+              <a:t>Datetime - To convert date column data into actual dates</a:t>
+            </a:r>
+          </a:p>
+          <a:p>
+            <a:r>
+              <a:rPr lang="en-US" dirty="0" err="1">
+                <a:solidFill>
+                  <a:schemeClr val="tx1"/>
+                </a:solidFill>
+              </a:rPr>
+              <a:t>Matplotlib.dates</a:t>
+            </a:r>
+            <a:r>
+              <a:rPr lang="en-US" dirty="0">
+                <a:solidFill>
+                  <a:schemeClr val="tx1"/>
+                </a:solidFill>
+              </a:rPr>
+              <a:t> – to plot dates as x-axis tick marks</a:t>
+            </a:r>
+          </a:p>
+          <a:p>
+            <a:endParaRPr lang="en-US" dirty="0">
+              <a:solidFill>
+                <a:schemeClr val="tx1"/>
+              </a:solidFill>
+            </a:endParaRPr>
+          </a:p>
+        </p:txBody>
+      </p:sp>
+    </p:spTree>
+    <p:extLst>
+      <p:ext uri="{BB962C8B-B14F-4D97-AF65-F5344CB8AC3E}">
+        <p14:creationId xmlns:p14="http://schemas.microsoft.com/office/powerpoint/2010/main" val="3615541719"/>
+      </p:ext>
+    </p:extLst>
+  </p:cSld>
+  <p:clrMapOvr>
+    <a:masterClrMapping/>
+  </p:clrMapOvr>
+</p:sld>
+</file>
+
+<file path=ppt/slides/slide6.xml><?xml version="1.0" encoding="utf-8"?>
+<p:sld xmlns:a="http://schemas.openxmlformats.org/drawingml/2006/main" xmlns:r="http://schemas.openxmlformats.org/officeDocument/2006/relationships" xmlns:p="http://schemas.openxmlformats.org/presentationml/2006/main">
+  <p:cSld>
+    <p:spTree>
+      <p:nvGrpSpPr>
+        <p:cNvPr id="1" name=""/>
+        <p:cNvGrpSpPr/>
+        <p:nvPr/>
+      </p:nvGrpSpPr>
+      <p:grpSpPr>
+        <a:xfrm>
+          <a:off x="0" y="0"/>
+          <a:ext cx="0" cy="0"/>
+          <a:chOff x="0" y="0"/>
+          <a:chExt cx="0" cy="0"/>
+        </a:xfrm>
+      </p:grpSpPr>
+      <p:sp>
+        <p:nvSpPr>
+          <p:cNvPr id="2" name="Title 1">
+            <a:extLst>
+              <a:ext uri="{FF2B5EF4-FFF2-40B4-BE49-F238E27FC236}">
                 <a16:creationId xmlns:a16="http://schemas.microsoft.com/office/drawing/2014/main" id="{CB2C0901-96C1-4CEF-B9C7-7A21131A3A5E}"/>
               </a:ext>
             </a:extLst>
@@ -6612,172 +7024,6 @@
 </p:sld>
 </file>
 
-<file path=ppt/slides/slide5.xml><?xml version="1.0" encoding="utf-8"?>
-<p:sld xmlns:a="http://schemas.openxmlformats.org/drawingml/2006/main" xmlns:r="http://schemas.openxmlformats.org/officeDocument/2006/relationships" xmlns:p="http://schemas.openxmlformats.org/presentationml/2006/main">
-  <p:cSld>
-    <p:spTree>
-      <p:nvGrpSpPr>
-        <p:cNvPr id="1" name=""/>
-        <p:cNvGrpSpPr/>
-        <p:nvPr/>
-      </p:nvGrpSpPr>
-      <p:grpSpPr>
-        <a:xfrm>
-          <a:off x="0" y="0"/>
-          <a:ext cx="0" cy="0"/>
-          <a:chOff x="0" y="0"/>
-          <a:chExt cx="0" cy="0"/>
-        </a:xfrm>
-      </p:grpSpPr>
-      <p:sp>
-        <p:nvSpPr>
-          <p:cNvPr id="2" name="Title 1">
-            <a:extLst>
-              <a:ext uri="{FF2B5EF4-FFF2-40B4-BE49-F238E27FC236}">
-                <a16:creationId xmlns:a16="http://schemas.microsoft.com/office/drawing/2014/main" id="{152E58B8-0290-4A78-821D-05F5CABB8AC7}"/>
-              </a:ext>
-            </a:extLst>
-          </p:cNvPr>
-          <p:cNvSpPr>
-            <a:spLocks noGrp="1"/>
-          </p:cNvSpPr>
-          <p:nvPr>
-            <p:ph type="title"/>
-          </p:nvPr>
-        </p:nvSpPr>
-        <p:spPr/>
-        <p:txBody>
-          <a:bodyPr/>
-          <a:lstStyle/>
-          <a:p>
-            <a:r>
-              <a:rPr lang="en-US" dirty="0"/>
-              <a:t>Graphs of interesting states</a:t>
-            </a:r>
-          </a:p>
-        </p:txBody>
-      </p:sp>
-      <p:sp>
-        <p:nvSpPr>
-          <p:cNvPr id="3" name="Content Placeholder 2">
-            <a:extLst>
-              <a:ext uri="{FF2B5EF4-FFF2-40B4-BE49-F238E27FC236}">
-                <a16:creationId xmlns:a16="http://schemas.microsoft.com/office/drawing/2014/main" id="{876D9C93-09A4-4901-A598-30E55F67A4EC}"/>
-              </a:ext>
-            </a:extLst>
-          </p:cNvPr>
-          <p:cNvSpPr>
-            <a:spLocks noGrp="1"/>
-          </p:cNvSpPr>
-          <p:nvPr>
-            <p:ph idx="1"/>
-          </p:nvPr>
-        </p:nvSpPr>
-        <p:spPr/>
-        <p:txBody>
-          <a:bodyPr/>
-          <a:lstStyle/>
-          <a:p>
-            <a:endParaRPr lang="en-US"/>
-          </a:p>
-        </p:txBody>
-      </p:sp>
-    </p:spTree>
-    <p:extLst>
-      <p:ext uri="{BB962C8B-B14F-4D97-AF65-F5344CB8AC3E}">
-        <p14:creationId xmlns:p14="http://schemas.microsoft.com/office/powerpoint/2010/main" val="1394950397"/>
-      </p:ext>
-    </p:extLst>
-  </p:cSld>
-  <p:clrMapOvr>
-    <a:masterClrMapping/>
-  </p:clrMapOvr>
-</p:sld>
-</file>
-
-<file path=ppt/slides/slide6.xml><?xml version="1.0" encoding="utf-8"?>
-<p:sld xmlns:a="http://schemas.openxmlformats.org/drawingml/2006/main" xmlns:r="http://schemas.openxmlformats.org/officeDocument/2006/relationships" xmlns:p="http://schemas.openxmlformats.org/presentationml/2006/main">
-  <p:cSld>
-    <p:spTree>
-      <p:nvGrpSpPr>
-        <p:cNvPr id="1" name=""/>
-        <p:cNvGrpSpPr/>
-        <p:nvPr/>
-      </p:nvGrpSpPr>
-      <p:grpSpPr>
-        <a:xfrm>
-          <a:off x="0" y="0"/>
-          <a:ext cx="0" cy="0"/>
-          <a:chOff x="0" y="0"/>
-          <a:chExt cx="0" cy="0"/>
-        </a:xfrm>
-      </p:grpSpPr>
-      <p:sp>
-        <p:nvSpPr>
-          <p:cNvPr id="2" name="Title 1">
-            <a:extLst>
-              <a:ext uri="{FF2B5EF4-FFF2-40B4-BE49-F238E27FC236}">
-                <a16:creationId xmlns:a16="http://schemas.microsoft.com/office/drawing/2014/main" id="{DD7F1410-A8AF-4F3C-87A4-EDFC2EB7FC68}"/>
-              </a:ext>
-            </a:extLst>
-          </p:cNvPr>
-          <p:cNvSpPr>
-            <a:spLocks noGrp="1"/>
-          </p:cNvSpPr>
-          <p:nvPr>
-            <p:ph type="title"/>
-          </p:nvPr>
-        </p:nvSpPr>
-        <p:spPr/>
-        <p:txBody>
-          <a:bodyPr/>
-          <a:lstStyle/>
-          <a:p>
-            <a:r>
-              <a:rPr lang="en-US" dirty="0"/>
-              <a:t>YoY graphs</a:t>
-            </a:r>
-          </a:p>
-        </p:txBody>
-      </p:sp>
-      <p:sp>
-        <p:nvSpPr>
-          <p:cNvPr id="3" name="Content Placeholder 2">
-            <a:extLst>
-              <a:ext uri="{FF2B5EF4-FFF2-40B4-BE49-F238E27FC236}">
-                <a16:creationId xmlns:a16="http://schemas.microsoft.com/office/drawing/2014/main" id="{2F02A98F-67DC-4EFB-B0A2-C8E49CD8FBFF}"/>
-              </a:ext>
-            </a:extLst>
-          </p:cNvPr>
-          <p:cNvSpPr>
-            <a:spLocks noGrp="1"/>
-          </p:cNvSpPr>
-          <p:nvPr>
-            <p:ph idx="1"/>
-          </p:nvPr>
-        </p:nvSpPr>
-        <p:spPr/>
-        <p:txBody>
-          <a:bodyPr/>
-          <a:lstStyle/>
-          <a:p>
-            <a:endParaRPr lang="en-US"/>
-          </a:p>
-        </p:txBody>
-      </p:sp>
-    </p:spTree>
-    <p:extLst>
-      <p:ext uri="{BB962C8B-B14F-4D97-AF65-F5344CB8AC3E}">
-        <p14:creationId xmlns:p14="http://schemas.microsoft.com/office/powerpoint/2010/main" val="3078164528"/>
-      </p:ext>
-    </p:extLst>
-  </p:cSld>
-  <p:clrMapOvr>
-    <a:masterClrMapping/>
-  </p:clrMapOvr>
-</p:sld>
-</file>
-
 <file path=ppt/slides/slide7.xml><?xml version="1.0" encoding="utf-8"?>
 <p:sld xmlns:a="http://schemas.openxmlformats.org/drawingml/2006/main" xmlns:r="http://schemas.openxmlformats.org/officeDocument/2006/relationships" xmlns:p="http://schemas.openxmlformats.org/presentationml/2006/main">
   <p:cSld>
@@ -6800,7 +7046,7 @@
           <p:cNvPr id="2" name="Title 1">
             <a:extLst>
               <a:ext uri="{FF2B5EF4-FFF2-40B4-BE49-F238E27FC236}">
-                <a16:creationId xmlns:a16="http://schemas.microsoft.com/office/drawing/2014/main" id="{BCF6BFCD-257A-40B2-ACF5-D9FBD751C7DB}"/>
+                <a16:creationId xmlns:a16="http://schemas.microsoft.com/office/drawing/2014/main" id="{152E58B8-0290-4A78-821D-05F5CABB8AC7}"/>
               </a:ext>
             </a:extLst>
           </p:cNvPr>
@@ -6818,7 +7064,7 @@
           <a:p>
             <a:r>
               <a:rPr lang="en-US" dirty="0"/>
-              <a:t>Heatmap of variables (if I can get it working)</a:t>
+              <a:t>Graphs of interesting states</a:t>
             </a:r>
           </a:p>
         </p:txBody>
@@ -6828,7 +7074,7 @@
           <p:cNvPr id="3" name="Content Placeholder 2">
             <a:extLst>
               <a:ext uri="{FF2B5EF4-FFF2-40B4-BE49-F238E27FC236}">
-                <a16:creationId xmlns:a16="http://schemas.microsoft.com/office/drawing/2014/main" id="{AF2A7004-B938-4B21-8115-3C7E69E675ED}"/>
+                <a16:creationId xmlns:a16="http://schemas.microsoft.com/office/drawing/2014/main" id="{876D9C93-09A4-4901-A598-30E55F67A4EC}"/>
               </a:ext>
             </a:extLst>
           </p:cNvPr>
@@ -6851,7 +7097,7 @@
     </p:spTree>
     <p:extLst>
       <p:ext uri="{BB962C8B-B14F-4D97-AF65-F5344CB8AC3E}">
-        <p14:creationId xmlns:p14="http://schemas.microsoft.com/office/powerpoint/2010/main" val="2087543059"/>
+        <p14:creationId xmlns:p14="http://schemas.microsoft.com/office/powerpoint/2010/main" val="1394950397"/>
       </p:ext>
     </p:extLst>
   </p:cSld>
@@ -6883,7 +7129,7 @@
           <p:cNvPr id="2" name="Title 1">
             <a:extLst>
               <a:ext uri="{FF2B5EF4-FFF2-40B4-BE49-F238E27FC236}">
-                <a16:creationId xmlns:a16="http://schemas.microsoft.com/office/drawing/2014/main" id="{446CBE06-FA0E-401D-96A6-48A5BB928C46}"/>
+                <a16:creationId xmlns:a16="http://schemas.microsoft.com/office/drawing/2014/main" id="{DD7F1410-A8AF-4F3C-87A4-EDFC2EB7FC68}"/>
               </a:ext>
             </a:extLst>
           </p:cNvPr>
@@ -6896,14 +7142,12 @@
         </p:nvSpPr>
         <p:spPr/>
         <p:txBody>
-          <a:bodyPr>
-            <a:normAutofit fontScale="90000"/>
-          </a:bodyPr>
+          <a:bodyPr/>
           <a:lstStyle/>
           <a:p>
             <a:r>
               <a:rPr lang="en-US" dirty="0"/>
-              <a:t>ANOVA/ ordinary least squares (again, if we can get it working right)</a:t>
+              <a:t>YoY graphs</a:t>
             </a:r>
           </a:p>
         </p:txBody>
@@ -6913,7 +7157,7 @@
           <p:cNvPr id="3" name="Content Placeholder 2">
             <a:extLst>
               <a:ext uri="{FF2B5EF4-FFF2-40B4-BE49-F238E27FC236}">
-                <a16:creationId xmlns:a16="http://schemas.microsoft.com/office/drawing/2014/main" id="{9745DC1A-FACE-453D-B3BB-DD6833060B7D}"/>
+                <a16:creationId xmlns:a16="http://schemas.microsoft.com/office/drawing/2014/main" id="{2F02A98F-67DC-4EFB-B0A2-C8E49CD8FBFF}"/>
               </a:ext>
             </a:extLst>
           </p:cNvPr>
@@ -6936,7 +7180,7 @@
     </p:spTree>
     <p:extLst>
       <p:ext uri="{BB962C8B-B14F-4D97-AF65-F5344CB8AC3E}">
-        <p14:creationId xmlns:p14="http://schemas.microsoft.com/office/powerpoint/2010/main" val="3935500864"/>
+        <p14:creationId xmlns:p14="http://schemas.microsoft.com/office/powerpoint/2010/main" val="3078164528"/>
       </p:ext>
     </p:extLst>
   </p:cSld>
@@ -6968,7 +7212,7 @@
           <p:cNvPr id="2" name="Title 1">
             <a:extLst>
               <a:ext uri="{FF2B5EF4-FFF2-40B4-BE49-F238E27FC236}">
-                <a16:creationId xmlns:a16="http://schemas.microsoft.com/office/drawing/2014/main" id="{5EB616CF-1A75-4758-A1D9-DCAFAF76B967}"/>
+                <a16:creationId xmlns:a16="http://schemas.microsoft.com/office/drawing/2014/main" id="{BCF6BFCD-257A-40B2-ACF5-D9FBD751C7DB}"/>
               </a:ext>
             </a:extLst>
           </p:cNvPr>
@@ -6981,22 +7225,12 @@
         </p:nvSpPr>
         <p:spPr/>
         <p:txBody>
-          <a:bodyPr>
-            <a:normAutofit fontScale="90000"/>
-          </a:bodyPr>
+          <a:bodyPr/>
           <a:lstStyle/>
           <a:p>
             <a:r>
               <a:rPr lang="en-US" dirty="0"/>
-              <a:t>Summary of findings, re-visit </a:t>
-            </a:r>
-            <a:r>
-              <a:rPr lang="en-US" dirty="0" err="1"/>
-              <a:t>hypothesies</a:t>
-            </a:r>
-            <a:r>
-              <a:rPr lang="en-US" dirty="0"/>
-              <a:t> and say what happened with them and if they are good and all that kind of stuff</a:t>
+              <a:t>Heatmap of variables (if I can get it working)</a:t>
             </a:r>
           </a:p>
         </p:txBody>
@@ -7006,7 +7240,7 @@
           <p:cNvPr id="3" name="Content Placeholder 2">
             <a:extLst>
               <a:ext uri="{FF2B5EF4-FFF2-40B4-BE49-F238E27FC236}">
-                <a16:creationId xmlns:a16="http://schemas.microsoft.com/office/drawing/2014/main" id="{F5013E97-3D30-40D5-B6BD-99C0D2D62DA3}"/>
+                <a16:creationId xmlns:a16="http://schemas.microsoft.com/office/drawing/2014/main" id="{AF2A7004-B938-4B21-8115-3C7E69E675ED}"/>
               </a:ext>
             </a:extLst>
           </p:cNvPr>
@@ -7029,7 +7263,7 @@
     </p:spTree>
     <p:extLst>
       <p:ext uri="{BB962C8B-B14F-4D97-AF65-F5344CB8AC3E}">
-        <p14:creationId xmlns:p14="http://schemas.microsoft.com/office/powerpoint/2010/main" val="2661428305"/>
+        <p14:creationId xmlns:p14="http://schemas.microsoft.com/office/powerpoint/2010/main" val="2087543059"/>
       </p:ext>
     </p:extLst>
   </p:cSld>

--- a/presentation.pptx
+++ b/presentation.pptx
@@ -314,7 +314,7 @@
           <a:p>
             <a:fld id="{9184DA70-C731-4C70-880D-CCD4705E623C}" type="datetime1">
               <a:rPr lang="en-US" smtClean="0"/>
-              <a:t>5/3/21</a:t>
+              <a:t>5/4/2021</a:t>
             </a:fld>
             <a:endParaRPr lang="en-US" dirty="0"/>
           </a:p>
@@ -750,7 +750,7 @@
           <a:p>
             <a:fld id="{62D6E202-B606-4609-B914-27C9371A1F6D}" type="datetime1">
               <a:rPr lang="en-US" smtClean="0"/>
-              <a:t>5/3/21</a:t>
+              <a:t>5/4/2021</a:t>
             </a:fld>
             <a:endParaRPr lang="en-US" dirty="0"/>
           </a:p>
@@ -1001,7 +1001,7 @@
           <a:p>
             <a:fld id="{62D6E202-B606-4609-B914-27C9371A1F6D}" type="datetime1">
               <a:rPr lang="en-US" smtClean="0"/>
-              <a:t>5/3/21</a:t>
+              <a:t>5/4/2021</a:t>
             </a:fld>
             <a:endParaRPr lang="en-US" dirty="0"/>
           </a:p>
@@ -1310,7 +1310,7 @@
           <a:p>
             <a:fld id="{62D6E202-B606-4609-B914-27C9371A1F6D}" type="datetime1">
               <a:rPr lang="en-US" smtClean="0"/>
-              <a:t>5/3/21</a:t>
+              <a:t>5/4/2021</a:t>
             </a:fld>
             <a:endParaRPr lang="en-US" dirty="0"/>
           </a:p>
@@ -1629,7 +1629,7 @@
           <a:p>
             <a:fld id="{62D6E202-B606-4609-B914-27C9371A1F6D}" type="datetime1">
               <a:rPr lang="en-US" smtClean="0"/>
-              <a:t>5/3/21</a:t>
+              <a:t>5/4/2021</a:t>
             </a:fld>
             <a:endParaRPr lang="en-US" dirty="0"/>
           </a:p>
@@ -1932,7 +1932,7 @@
           <a:p>
             <a:fld id="{62D6E202-B606-4609-B914-27C9371A1F6D}" type="datetime1">
               <a:rPr lang="en-US" smtClean="0"/>
-              <a:t>5/3/21</a:t>
+              <a:t>5/4/2021</a:t>
             </a:fld>
             <a:endParaRPr lang="en-US" dirty="0"/>
           </a:p>
@@ -2300,7 +2300,7 @@
           <a:p>
             <a:fld id="{62D6E202-B606-4609-B914-27C9371A1F6D}" type="datetime1">
               <a:rPr lang="en-US" smtClean="0"/>
-              <a:t>5/3/21</a:t>
+              <a:t>5/4/2021</a:t>
             </a:fld>
             <a:endParaRPr lang="en-US" dirty="0"/>
           </a:p>
@@ -2475,7 +2475,7 @@
           <a:p>
             <a:fld id="{62D6E202-B606-4609-B914-27C9371A1F6D}" type="datetime1">
               <a:rPr lang="en-US" smtClean="0"/>
-              <a:t>5/3/21</a:t>
+              <a:t>5/4/2021</a:t>
             </a:fld>
             <a:endParaRPr lang="en-US" dirty="0"/>
           </a:p>
@@ -2656,7 +2656,7 @@
           <a:p>
             <a:fld id="{62D6E202-B606-4609-B914-27C9371A1F6D}" type="datetime1">
               <a:rPr lang="en-US" smtClean="0"/>
-              <a:t>5/3/21</a:t>
+              <a:t>5/4/2021</a:t>
             </a:fld>
             <a:endParaRPr lang="en-US" dirty="0"/>
           </a:p>
@@ -2827,7 +2827,7 @@
           <a:p>
             <a:fld id="{4BE1D723-8F53-4F53-90B0-1982A396982E}" type="datetime1">
               <a:rPr lang="en-US" smtClean="0"/>
-              <a:t>5/3/21</a:t>
+              <a:t>5/4/2021</a:t>
             </a:fld>
             <a:endParaRPr lang="en-US" dirty="0"/>
           </a:p>
@@ -3077,7 +3077,7 @@
           <a:p>
             <a:fld id="{97669AF7-7BEB-44E4-9852-375E34362B5B}" type="datetime1">
               <a:rPr lang="en-US" smtClean="0"/>
-              <a:t>5/3/21</a:t>
+              <a:t>5/4/2021</a:t>
             </a:fld>
             <a:endParaRPr lang="en-US" dirty="0"/>
           </a:p>
@@ -3313,7 +3313,7 @@
           <a:p>
             <a:fld id="{BAAAC38D-0552-4C82-B593-E6124DFADBE2}" type="datetime1">
               <a:rPr lang="en-US" smtClean="0"/>
-              <a:t>5/3/21</a:t>
+              <a:t>5/4/2021</a:t>
             </a:fld>
             <a:endParaRPr lang="en-US" dirty="0"/>
           </a:p>
@@ -3695,7 +3695,7 @@
           <a:p>
             <a:fld id="{D9DF0F1C-5577-4ACB-BB62-DF8F3C494C7E}" type="datetime1">
               <a:rPr lang="en-US" smtClean="0"/>
-              <a:t>5/3/21</a:t>
+              <a:t>5/4/2021</a:t>
             </a:fld>
             <a:endParaRPr lang="en-US" dirty="0"/>
           </a:p>
@@ -3813,7 +3813,7 @@
           <a:p>
             <a:fld id="{1775B394-D9F9-4F0C-B15D-605F45CB9E9F}" type="datetime1">
               <a:rPr lang="en-US" smtClean="0"/>
-              <a:t>5/3/21</a:t>
+              <a:t>5/4/2021</a:t>
             </a:fld>
             <a:endParaRPr lang="en-US" dirty="0"/>
           </a:p>
@@ -3908,7 +3908,7 @@
           <a:p>
             <a:fld id="{39667345-2558-425A-8533-9BFDBCE15005}" type="datetime1">
               <a:rPr lang="en-US" smtClean="0"/>
-              <a:t>5/3/21</a:t>
+              <a:t>5/4/2021</a:t>
             </a:fld>
             <a:endParaRPr lang="en-US" dirty="0"/>
           </a:p>
@@ -4163,7 +4163,7 @@
           <a:p>
             <a:fld id="{92BEA474-078D-4E9B-9B14-09A87B19DC46}" type="datetime1">
               <a:rPr lang="en-US" smtClean="0"/>
-              <a:t>5/3/21</a:t>
+              <a:t>5/4/2021</a:t>
             </a:fld>
             <a:endParaRPr lang="en-US" dirty="0"/>
           </a:p>
@@ -4447,7 +4447,7 @@
           <a:p>
             <a:fld id="{4907D986-8816-4272-A432-0437A28A9828}" type="datetime1">
               <a:rPr lang="en-US" smtClean="0"/>
-              <a:t>5/3/21</a:t>
+              <a:t>5/4/2021</a:t>
             </a:fld>
             <a:endParaRPr lang="en-US" dirty="0"/>
           </a:p>
@@ -4854,7 +4854,7 @@
           <a:p>
             <a:fld id="{62D6E202-B606-4609-B914-27C9371A1F6D}" type="datetime1">
               <a:rPr lang="en-US" smtClean="0"/>
-              <a:t>5/3/21</a:t>
+              <a:t>5/4/2021</a:t>
             </a:fld>
             <a:endParaRPr lang="en-US" dirty="0"/>
           </a:p>
@@ -7006,8 +7006,8 @@
         </p:blipFill>
         <p:spPr>
           <a:xfrm>
-            <a:off x="1738313" y="685800"/>
-            <a:ext cx="6426200" cy="3614738"/>
+            <a:off x="2079516" y="111396"/>
+            <a:ext cx="8032967" cy="4518544"/>
           </a:xfrm>
         </p:spPr>
       </p:pic>
@@ -7059,41 +7059,47 @@
         </p:nvSpPr>
         <p:spPr/>
         <p:txBody>
-          <a:bodyPr/>
+          <a:bodyPr>
+            <a:normAutofit/>
+          </a:bodyPr>
           <a:lstStyle/>
           <a:p>
             <a:r>
               <a:rPr lang="en-US" dirty="0"/>
-              <a:t>Graphs of interesting states</a:t>
-            </a:r>
-          </a:p>
-        </p:txBody>
-      </p:sp>
-      <p:sp>
-        <p:nvSpPr>
-          <p:cNvPr id="3" name="Content Placeholder 2">
+              <a:t>Grocery and pharmacy state graph</a:t>
+            </a:r>
+          </a:p>
+        </p:txBody>
+      </p:sp>
+      <p:pic>
+        <p:nvPicPr>
+          <p:cNvPr id="5" name="Content Placeholder 4" descr="Chart&#10;&#10;Description automatically generated">
             <a:extLst>
               <a:ext uri="{FF2B5EF4-FFF2-40B4-BE49-F238E27FC236}">
-                <a16:creationId xmlns:a16="http://schemas.microsoft.com/office/drawing/2014/main" id="{876D9C93-09A4-4901-A598-30E55F67A4EC}"/>
+                <a16:creationId xmlns:a16="http://schemas.microsoft.com/office/drawing/2014/main" id="{38DFF0C0-C32B-43F1-ACB9-FAC853A4E340}"/>
               </a:ext>
             </a:extLst>
           </p:cNvPr>
-          <p:cNvSpPr>
-            <a:spLocks noGrp="1"/>
-          </p:cNvSpPr>
+          <p:cNvPicPr>
+            <a:picLocks noGrp="1" noChangeAspect="1"/>
+          </p:cNvPicPr>
           <p:nvPr>
             <p:ph idx="1"/>
           </p:nvPr>
-        </p:nvSpPr>
-        <p:spPr/>
-        <p:txBody>
-          <a:bodyPr/>
-          <a:lstStyle/>
-          <a:p>
-            <a:endParaRPr lang="en-US"/>
-          </a:p>
-        </p:txBody>
-      </p:sp>
+        </p:nvPicPr>
+        <p:blipFill>
+          <a:blip r:embed="rId2"/>
+          <a:stretch>
+            <a:fillRect/>
+          </a:stretch>
+        </p:blipFill>
+        <p:spPr>
+          <a:xfrm>
+            <a:off x="949018" y="213321"/>
+            <a:ext cx="8766482" cy="4274011"/>
+          </a:xfrm>
+        </p:spPr>
+      </p:pic>
     </p:spTree>
     <p:extLst>
       <p:ext uri="{BB962C8B-B14F-4D97-AF65-F5344CB8AC3E}">
@@ -7147,36 +7153,40 @@
           <a:p>
             <a:r>
               <a:rPr lang="en-US" dirty="0"/>
-              <a:t>YoY graphs</a:t>
-            </a:r>
-          </a:p>
-        </p:txBody>
-      </p:sp>
-      <p:sp>
-        <p:nvSpPr>
-          <p:cNvPr id="3" name="Content Placeholder 2">
+              <a:t>Retail state graph</a:t>
+            </a:r>
+          </a:p>
+        </p:txBody>
+      </p:sp>
+      <p:pic>
+        <p:nvPicPr>
+          <p:cNvPr id="5" name="Content Placeholder 4" descr="Chart, line chart&#10;&#10;Description automatically generated">
             <a:extLst>
               <a:ext uri="{FF2B5EF4-FFF2-40B4-BE49-F238E27FC236}">
-                <a16:creationId xmlns:a16="http://schemas.microsoft.com/office/drawing/2014/main" id="{2F02A98F-67DC-4EFB-B0A2-C8E49CD8FBFF}"/>
+                <a16:creationId xmlns:a16="http://schemas.microsoft.com/office/drawing/2014/main" id="{FEC95E30-1BEA-443E-83A9-7FE2BD1BAB54}"/>
               </a:ext>
             </a:extLst>
           </p:cNvPr>
-          <p:cNvSpPr>
-            <a:spLocks noGrp="1"/>
-          </p:cNvSpPr>
+          <p:cNvPicPr>
+            <a:picLocks noGrp="1" noChangeAspect="1"/>
+          </p:cNvPicPr>
           <p:nvPr>
             <p:ph idx="1"/>
           </p:nvPr>
-        </p:nvSpPr>
-        <p:spPr/>
-        <p:txBody>
-          <a:bodyPr/>
-          <a:lstStyle/>
-          <a:p>
-            <a:endParaRPr lang="en-US"/>
-          </a:p>
-        </p:txBody>
-      </p:sp>
+        </p:nvPicPr>
+        <p:blipFill>
+          <a:blip r:embed="rId2"/>
+          <a:stretch>
+            <a:fillRect/>
+          </a:stretch>
+        </p:blipFill>
+        <p:spPr>
+          <a:xfrm>
+            <a:off x="1244293" y="685800"/>
+            <a:ext cx="7414239" cy="3614738"/>
+          </a:xfrm>
+        </p:spPr>
+      </p:pic>
     </p:spTree>
     <p:extLst>
       <p:ext uri="{BB962C8B-B14F-4D97-AF65-F5344CB8AC3E}">
@@ -7235,31 +7245,35 @@
           </a:p>
         </p:txBody>
       </p:sp>
-      <p:sp>
-        <p:nvSpPr>
-          <p:cNvPr id="3" name="Content Placeholder 2">
+      <p:pic>
+        <p:nvPicPr>
+          <p:cNvPr id="5" name="Content Placeholder 4" descr="A map of the countries/regions&#10;&#10;Description automatically generated with low confidence">
             <a:extLst>
               <a:ext uri="{FF2B5EF4-FFF2-40B4-BE49-F238E27FC236}">
-                <a16:creationId xmlns:a16="http://schemas.microsoft.com/office/drawing/2014/main" id="{AF2A7004-B938-4B21-8115-3C7E69E675ED}"/>
+                <a16:creationId xmlns:a16="http://schemas.microsoft.com/office/drawing/2014/main" id="{8DDCD218-05C4-4809-B329-E13845E99FB6}"/>
               </a:ext>
             </a:extLst>
           </p:cNvPr>
-          <p:cNvSpPr>
-            <a:spLocks noGrp="1"/>
-          </p:cNvSpPr>
+          <p:cNvPicPr>
+            <a:picLocks noGrp="1" noChangeAspect="1"/>
+          </p:cNvPicPr>
           <p:nvPr>
             <p:ph idx="1"/>
           </p:nvPr>
-        </p:nvSpPr>
-        <p:spPr/>
-        <p:txBody>
-          <a:bodyPr/>
-          <a:lstStyle/>
-          <a:p>
-            <a:endParaRPr lang="en-US"/>
-          </a:p>
-        </p:txBody>
-      </p:sp>
+        </p:nvPicPr>
+        <p:blipFill>
+          <a:blip r:embed="rId2"/>
+          <a:stretch>
+            <a:fillRect/>
+          </a:stretch>
+        </p:blipFill>
+        <p:spPr>
+          <a:xfrm>
+            <a:off x="2139950" y="685800"/>
+            <a:ext cx="5622925" cy="3614738"/>
+          </a:xfrm>
+        </p:spPr>
+      </p:pic>
     </p:spTree>
     <p:extLst>
       <p:ext uri="{BB962C8B-B14F-4D97-AF65-F5344CB8AC3E}">
@@ -7548,24 +7562,6 @@
 </file>
 
 <file path=customXml/item1.xml><?xml version="1.0" encoding="utf-8"?>
-<p:properties xmlns:p="http://schemas.microsoft.com/office/2006/metadata/properties" xmlns:xsi="http://www.w3.org/2001/XMLSchema-instance" xmlns:pc="http://schemas.microsoft.com/office/infopath/2007/PartnerControls">
-  <documentManagement>
-    <Status xmlns="71af3243-3dd4-4a8d-8c0d-dd76da1f02a5">Not started</Status>
-    <MediaServiceKeyPoints xmlns="71af3243-3dd4-4a8d-8c0d-dd76da1f02a5" xsi:nil="true"/>
-  </documentManagement>
-</p:properties>
-</file>
-
-<file path=customXml/item2.xml><?xml version="1.0" encoding="utf-8"?>
-<?mso-contentType ?>
-<FormTemplates xmlns="http://schemas.microsoft.com/sharepoint/v3/contenttype/forms">
-  <Display>DocumentLibraryForm</Display>
-  <Edit>DocumentLibraryForm</Edit>
-  <New>DocumentLibraryForm</New>
-</FormTemplates>
-</file>
-
-<file path=customXml/item3.xml><?xml version="1.0" encoding="utf-8"?>
 <ct:contentTypeSchema xmlns:ct="http://schemas.microsoft.com/office/2006/metadata/contentType" xmlns:ma="http://schemas.microsoft.com/office/2006/metadata/properties/metaAttributes" ct:_="" ma:_="" ma:contentTypeName="Document" ma:contentTypeID="0x01010079F111ED35F8CC479449609E8A0923A6" ma:contentTypeVersion="12" ma:contentTypeDescription="Create a new document." ma:contentTypeScope="" ma:versionID="a410dd7f93c95333ffa1b60ed6adedd1">
   <xsd:schema xmlns:xsd="http://www.w3.org/2001/XMLSchema" xmlns:xs="http://www.w3.org/2001/XMLSchema" xmlns:p="http://schemas.microsoft.com/office/2006/metadata/properties" xmlns:ns2="71af3243-3dd4-4a8d-8c0d-dd76da1f02a5" xmlns:ns3="16c05727-aa75-4e4a-9b5f-8a80a1165891" targetNamespace="http://schemas.microsoft.com/office/2006/metadata/properties" ma:root="true" ma:fieldsID="a936d9baba76aa3866493feff160faab" ns2:_="" ns3:_="">
     <xsd:import namespace="71af3243-3dd4-4a8d-8c0d-dd76da1f02a5"/>
@@ -7786,25 +7782,25 @@
 </ct:contentTypeSchema>
 </file>
 
-<file path=customXml/itemProps1.xml><?xml version="1.0" encoding="utf-8"?>
-<ds:datastoreItem xmlns:ds="http://schemas.openxmlformats.org/officeDocument/2006/customXml" ds:itemID="{A03EEFF0-FB57-4CB4-8BFC-DF397689E2ED}">
-  <ds:schemaRefs>
-    <ds:schemaRef ds:uri="http://schemas.microsoft.com/office/2006/metadata/properties"/>
-    <ds:schemaRef ds:uri="http://schemas.microsoft.com/office/infopath/2007/PartnerControls"/>
-    <ds:schemaRef ds:uri="71af3243-3dd4-4a8d-8c0d-dd76da1f02a5"/>
-  </ds:schemaRefs>
-</ds:datastoreItem>
+<file path=customXml/item2.xml><?xml version="1.0" encoding="utf-8"?>
+<?mso-contentType ?>
+<FormTemplates xmlns="http://schemas.microsoft.com/sharepoint/v3/contenttype/forms">
+  <Display>DocumentLibraryForm</Display>
+  <Edit>DocumentLibraryForm</Edit>
+  <New>DocumentLibraryForm</New>
+</FormTemplates>
 </file>
 
-<file path=customXml/itemProps2.xml><?xml version="1.0" encoding="utf-8"?>
-<ds:datastoreItem xmlns:ds="http://schemas.openxmlformats.org/officeDocument/2006/customXml" ds:itemID="{AA3F7EDC-E5B4-4BBC-9D2A-CBE6D46C37AD}">
-  <ds:schemaRefs>
-    <ds:schemaRef ds:uri="http://schemas.microsoft.com/sharepoint/v3/contenttype/forms"/>
-  </ds:schemaRefs>
-</ds:datastoreItem>
+<file path=customXml/item3.xml><?xml version="1.0" encoding="utf-8"?>
+<p:properties xmlns:p="http://schemas.microsoft.com/office/2006/metadata/properties" xmlns:xsi="http://www.w3.org/2001/XMLSchema-instance" xmlns:pc="http://schemas.microsoft.com/office/infopath/2007/PartnerControls">
+  <documentManagement>
+    <Status xmlns="71af3243-3dd4-4a8d-8c0d-dd76da1f02a5">Not started</Status>
+    <MediaServiceKeyPoints xmlns="71af3243-3dd4-4a8d-8c0d-dd76da1f02a5" xsi:nil="true"/>
+  </documentManagement>
+</p:properties>
 </file>
 
-<file path=customXml/itemProps3.xml><?xml version="1.0" encoding="utf-8"?>
+<file path=customXml/itemProps1.xml><?xml version="1.0" encoding="utf-8"?>
 <ds:datastoreItem xmlns:ds="http://schemas.openxmlformats.org/officeDocument/2006/customXml" ds:itemID="{93932EF5-314F-409E-8020-FEE5FA0795B9}">
   <ds:schemaRefs>
     <ds:schemaRef ds:uri="http://schemas.microsoft.com/office/2006/metadata/contentType"/>
@@ -7821,4 +7817,22 @@
     <ds:schemaRef ds:uri="http://schemas.microsoft.com/internal/obd"/>
   </ds:schemaRefs>
 </ds:datastoreItem>
+</file>
+
+<file path=customXml/itemProps2.xml><?xml version="1.0" encoding="utf-8"?>
+<ds:datastoreItem xmlns:ds="http://schemas.openxmlformats.org/officeDocument/2006/customXml" ds:itemID="{AA3F7EDC-E5B4-4BBC-9D2A-CBE6D46C37AD}">
+  <ds:schemaRefs>
+    <ds:schemaRef ds:uri="http://schemas.microsoft.com/sharepoint/v3/contenttype/forms"/>
+  </ds:schemaRefs>
+</ds:datastoreItem>
+</file>
+
+<file path=customXml/itemProps3.xml><?xml version="1.0" encoding="utf-8"?>
+<ds:datastoreItem xmlns:ds="http://schemas.openxmlformats.org/officeDocument/2006/customXml" ds:itemID="{A03EEFF0-FB57-4CB4-8BFC-DF397689E2ED}">
+  <ds:schemaRefs>
+    <ds:schemaRef ds:uri="http://schemas.microsoft.com/office/2006/metadata/properties"/>
+    <ds:schemaRef ds:uri="http://schemas.microsoft.com/office/infopath/2007/PartnerControls"/>
+    <ds:schemaRef ds:uri="71af3243-3dd4-4a8d-8c0d-dd76da1f02a5"/>
+  </ds:schemaRefs>
+</ds:datastoreItem>
 </file>
--- a/presentation.pptx
+++ b/presentation.pptx
@@ -10,13 +10,14 @@
     <p:sldId id="302" r:id="rId7"/>
     <p:sldId id="310" r:id="rId8"/>
     <p:sldId id="311" r:id="rId9"/>
-    <p:sldId id="303" r:id="rId10"/>
-    <p:sldId id="304" r:id="rId11"/>
-    <p:sldId id="305" r:id="rId12"/>
-    <p:sldId id="306" r:id="rId13"/>
-    <p:sldId id="307" r:id="rId14"/>
-    <p:sldId id="308" r:id="rId15"/>
-    <p:sldId id="309" r:id="rId16"/>
+    <p:sldId id="307" r:id="rId10"/>
+    <p:sldId id="303" r:id="rId11"/>
+    <p:sldId id="304" r:id="rId12"/>
+    <p:sldId id="305" r:id="rId13"/>
+    <p:sldId id="312" r:id="rId14"/>
+    <p:sldId id="306" r:id="rId15"/>
+    <p:sldId id="308" r:id="rId16"/>
+    <p:sldId id="309" r:id="rId17"/>
   </p:sldIdLst>
   <p:sldSz cx="12192000" cy="6858000"/>
   <p:notesSz cx="6858000" cy="9144000"/>
@@ -5609,7 +5610,7 @@
           <p:cNvPr id="2" name="Title 1">
             <a:extLst>
               <a:ext uri="{FF2B5EF4-FFF2-40B4-BE49-F238E27FC236}">
-                <a16:creationId xmlns:a16="http://schemas.microsoft.com/office/drawing/2014/main" id="{446CBE06-FA0E-401D-96A6-48A5BB928C46}"/>
+                <a16:creationId xmlns:a16="http://schemas.microsoft.com/office/drawing/2014/main" id="{BB4E9A05-DAF2-4E60-90C7-DEC3ABD8C529}"/>
               </a:ext>
             </a:extLst>
           </p:cNvPr>
@@ -5622,14 +5623,12 @@
         </p:nvSpPr>
         <p:spPr/>
         <p:txBody>
-          <a:bodyPr>
-            <a:normAutofit fontScale="90000"/>
-          </a:bodyPr>
+          <a:bodyPr/>
           <a:lstStyle/>
           <a:p>
             <a:r>
               <a:rPr lang="en-US" dirty="0"/>
-              <a:t>ANOVA/ ordinary least squares (again, if we can get it working right)</a:t>
+              <a:t>Lets put the YOY line stuff here</a:t>
             </a:r>
           </a:p>
         </p:txBody>
@@ -5639,7 +5638,7 @@
           <p:cNvPr id="3" name="Content Placeholder 2">
             <a:extLst>
               <a:ext uri="{FF2B5EF4-FFF2-40B4-BE49-F238E27FC236}">
-                <a16:creationId xmlns:a16="http://schemas.microsoft.com/office/drawing/2014/main" id="{9745DC1A-FACE-453D-B3BB-DD6833060B7D}"/>
+                <a16:creationId xmlns:a16="http://schemas.microsoft.com/office/drawing/2014/main" id="{8C2AAB57-B239-4F34-B945-202B10580994}"/>
               </a:ext>
             </a:extLst>
           </p:cNvPr>
@@ -5662,7 +5661,7 @@
     </p:spTree>
     <p:extLst>
       <p:ext uri="{BB962C8B-B14F-4D97-AF65-F5344CB8AC3E}">
-        <p14:creationId xmlns:p14="http://schemas.microsoft.com/office/powerpoint/2010/main" val="3935500864"/>
+        <p14:creationId xmlns:p14="http://schemas.microsoft.com/office/powerpoint/2010/main" val="21956008"/>
       </p:ext>
     </p:extLst>
   </p:cSld>
@@ -5694,6 +5693,93 @@
           <p:cNvPr id="2" name="Title 1">
             <a:extLst>
               <a:ext uri="{FF2B5EF4-FFF2-40B4-BE49-F238E27FC236}">
+                <a16:creationId xmlns:a16="http://schemas.microsoft.com/office/drawing/2014/main" id="{BCF6BFCD-257A-40B2-ACF5-D9FBD751C7DB}"/>
+              </a:ext>
+            </a:extLst>
+          </p:cNvPr>
+          <p:cNvSpPr>
+            <a:spLocks noGrp="1"/>
+          </p:cNvSpPr>
+          <p:nvPr>
+            <p:ph type="title"/>
+          </p:nvPr>
+        </p:nvSpPr>
+        <p:spPr/>
+        <p:txBody>
+          <a:bodyPr/>
+          <a:lstStyle/>
+          <a:p>
+            <a:r>
+              <a:rPr lang="en-US" dirty="0"/>
+              <a:t>Heatmap of variables (if I can get it working)</a:t>
+            </a:r>
+          </a:p>
+        </p:txBody>
+      </p:sp>
+      <p:pic>
+        <p:nvPicPr>
+          <p:cNvPr id="5" name="Content Placeholder 4" descr="A map of the countries/regions&#10;&#10;Description automatically generated with low confidence">
+            <a:extLst>
+              <a:ext uri="{FF2B5EF4-FFF2-40B4-BE49-F238E27FC236}">
+                <a16:creationId xmlns:a16="http://schemas.microsoft.com/office/drawing/2014/main" id="{8DDCD218-05C4-4809-B329-E13845E99FB6}"/>
+              </a:ext>
+            </a:extLst>
+          </p:cNvPr>
+          <p:cNvPicPr>
+            <a:picLocks noGrp="1" noChangeAspect="1"/>
+          </p:cNvPicPr>
+          <p:nvPr>
+            <p:ph idx="1"/>
+          </p:nvPr>
+        </p:nvPicPr>
+        <p:blipFill>
+          <a:blip r:embed="rId2"/>
+          <a:stretch>
+            <a:fillRect/>
+          </a:stretch>
+        </p:blipFill>
+        <p:spPr>
+          <a:xfrm>
+            <a:off x="2139950" y="685800"/>
+            <a:ext cx="5622925" cy="3614738"/>
+          </a:xfrm>
+        </p:spPr>
+      </p:pic>
+    </p:spTree>
+    <p:extLst>
+      <p:ext uri="{BB962C8B-B14F-4D97-AF65-F5344CB8AC3E}">
+        <p14:creationId xmlns:p14="http://schemas.microsoft.com/office/powerpoint/2010/main" val="2087543059"/>
+      </p:ext>
+    </p:extLst>
+  </p:cSld>
+  <p:clrMapOvr>
+    <a:masterClrMapping/>
+  </p:clrMapOvr>
+</p:sld>
+</file>
+
+<file path=ppt/slides/slide12.xml><?xml version="1.0" encoding="utf-8"?>
+<p:sld xmlns:a="http://schemas.openxmlformats.org/drawingml/2006/main" xmlns:r="http://schemas.openxmlformats.org/officeDocument/2006/relationships" xmlns:p="http://schemas.openxmlformats.org/presentationml/2006/main">
+  <p:cSld>
+    <p:spTree>
+      <p:nvGrpSpPr>
+        <p:cNvPr id="1" name=""/>
+        <p:cNvGrpSpPr/>
+        <p:nvPr/>
+      </p:nvGrpSpPr>
+      <p:grpSpPr>
+        <a:xfrm>
+          <a:off x="0" y="0"/>
+          <a:ext cx="0" cy="0"/>
+          <a:chOff x="0" y="0"/>
+          <a:chExt cx="0" cy="0"/>
+        </a:xfrm>
+      </p:grpSpPr>
+      <p:sp>
+        <p:nvSpPr>
+          <p:cNvPr id="2" name="Title 1">
+            <a:extLst>
+              <a:ext uri="{FF2B5EF4-FFF2-40B4-BE49-F238E27FC236}">
                 <a16:creationId xmlns:a16="http://schemas.microsoft.com/office/drawing/2014/main" id="{5EB616CF-1A75-4758-A1D9-DCAFAF76B967}"/>
               </a:ext>
             </a:extLst>
@@ -5765,7 +5851,7 @@
 </p:sld>
 </file>
 
-<file path=ppt/slides/slide12.xml><?xml version="1.0" encoding="utf-8"?>
+<file path=ppt/slides/slide13.xml><?xml version="1.0" encoding="utf-8"?>
 <p:sld xmlns:a="http://schemas.openxmlformats.org/drawingml/2006/main" xmlns:r="http://schemas.openxmlformats.org/officeDocument/2006/relationships" xmlns:p="http://schemas.openxmlformats.org/presentationml/2006/main">
   <p:cSld>
     <p:spTree>
@@ -6777,7 +6863,27 @@
                   <a:schemeClr val="tx1"/>
                 </a:solidFill>
               </a:rPr>
-              <a:t>The data used only goes back to the beginning of the pandemic, roughly March 2020. The baseline used is five weeks from the beginning of the year 2020.</a:t>
+              <a:t>The data used only goes back to the beginning of the pandemic, roughly March 2020. </a:t>
+            </a:r>
+          </a:p>
+          <a:p>
+            <a:r>
+              <a:rPr lang="en-US" dirty="0">
+                <a:solidFill>
+                  <a:schemeClr val="tx1"/>
+                </a:solidFill>
+              </a:rPr>
+              <a:t>The baseline used is five weeks from the beginning of the year 2020. There is no way to determine if the baseline is a representative week. </a:t>
+            </a:r>
+          </a:p>
+          <a:p>
+            <a:r>
+              <a:rPr lang="en-US" dirty="0">
+                <a:solidFill>
+                  <a:schemeClr val="tx1"/>
+                </a:solidFill>
+              </a:rPr>
+              <a:t>We do not have enough movement data from before the pandemic to establish a good baseline. </a:t>
             </a:r>
           </a:p>
           <a:p>
@@ -6916,6 +7022,24 @@
             </a:r>
           </a:p>
           <a:p>
+            <a:r>
+              <a:rPr lang="en-US" dirty="0" err="1">
+                <a:solidFill>
+                  <a:schemeClr val="tx1"/>
+                </a:solidFill>
+              </a:rPr>
+              <a:t>Plotly</a:t>
+            </a:r>
+            <a:r>
+              <a:rPr lang="en-US" dirty="0">
+                <a:solidFill>
+                  <a:schemeClr val="tx1"/>
+                </a:solidFill>
+              </a:rPr>
+              <a:t> was used for the heatmap. </a:t>
+            </a:r>
+          </a:p>
+          <a:p>
             <a:endParaRPr lang="en-US" dirty="0">
               <a:solidFill>
                 <a:schemeClr val="tx1"/>
@@ -6959,6 +7083,310 @@
           <p:cNvPr id="2" name="Title 1">
             <a:extLst>
               <a:ext uri="{FF2B5EF4-FFF2-40B4-BE49-F238E27FC236}">
+                <a16:creationId xmlns:a16="http://schemas.microsoft.com/office/drawing/2014/main" id="{446CBE06-FA0E-401D-96A6-48A5BB928C46}"/>
+              </a:ext>
+            </a:extLst>
+          </p:cNvPr>
+          <p:cNvSpPr>
+            <a:spLocks noGrp="1"/>
+          </p:cNvSpPr>
+          <p:nvPr>
+            <p:ph type="title"/>
+          </p:nvPr>
+        </p:nvSpPr>
+        <p:spPr>
+          <a:xfrm>
+            <a:off x="851992" y="309615"/>
+            <a:ext cx="8534400" cy="1507067"/>
+          </a:xfrm>
+        </p:spPr>
+        <p:txBody>
+          <a:bodyPr>
+            <a:normAutofit/>
+          </a:bodyPr>
+          <a:lstStyle/>
+          <a:p>
+            <a:r>
+              <a:rPr lang="en-US" dirty="0"/>
+              <a:t>ANOVA</a:t>
+            </a:r>
+          </a:p>
+        </p:txBody>
+      </p:sp>
+      <p:sp>
+        <p:nvSpPr>
+          <p:cNvPr id="4" name="TextBox 3">
+            <a:extLst>
+              <a:ext uri="{FF2B5EF4-FFF2-40B4-BE49-F238E27FC236}">
+                <a16:creationId xmlns:a16="http://schemas.microsoft.com/office/drawing/2014/main" id="{A1E9553E-53CF-49DB-B19B-B7E91B0BE908}"/>
+              </a:ext>
+            </a:extLst>
+          </p:cNvPr>
+          <p:cNvSpPr txBox="1"/>
+          <p:nvPr/>
+        </p:nvSpPr>
+        <p:spPr>
+          <a:xfrm>
+            <a:off x="1644242" y="2306972"/>
+            <a:ext cx="9244668" cy="923330"/>
+          </a:xfrm>
+          <a:prstGeom prst="rect">
+            <a:avLst/>
+          </a:prstGeom>
+          <a:noFill/>
+        </p:spPr>
+        <p:txBody>
+          <a:bodyPr wrap="square" rtlCol="0">
+            <a:spAutoFit/>
+          </a:bodyPr>
+          <a:lstStyle/>
+          <a:p>
+            <a:r>
+              <a:rPr lang="en-US" dirty="0"/>
+              <a:t>With a p-value so small that it is not within the precision scope of a floating point number, we feel confident in rejecting the null hypothesis, and saying that the relationship between cases and people’s movement is statistically significant. </a:t>
+            </a:r>
+          </a:p>
+        </p:txBody>
+      </p:sp>
+      <p:sp>
+        <p:nvSpPr>
+          <p:cNvPr id="5" name="TextBox 4">
+            <a:extLst>
+              <a:ext uri="{FF2B5EF4-FFF2-40B4-BE49-F238E27FC236}">
+                <a16:creationId xmlns:a16="http://schemas.microsoft.com/office/drawing/2014/main" id="{9316CE6F-8E8B-4898-AA23-8E1BD967A709}"/>
+              </a:ext>
+            </a:extLst>
+          </p:cNvPr>
+          <p:cNvSpPr txBox="1"/>
+          <p:nvPr/>
+        </p:nvSpPr>
+        <p:spPr>
+          <a:xfrm>
+            <a:off x="1778466" y="4035105"/>
+            <a:ext cx="6568580" cy="1200329"/>
+          </a:xfrm>
+          <a:prstGeom prst="rect">
+            <a:avLst/>
+          </a:prstGeom>
+          <a:noFill/>
+        </p:spPr>
+        <p:txBody>
+          <a:bodyPr wrap="square" rtlCol="0">
+            <a:spAutoFit/>
+          </a:bodyPr>
+          <a:lstStyle/>
+          <a:p>
+            <a:r>
+              <a:rPr lang="en-US" dirty="0"/>
+              <a:t>ANOVA NUM NUMS:</a:t>
+            </a:r>
+            <a:br>
+              <a:rPr lang="en-US" dirty="0"/>
+            </a:br>
+            <a:r>
+              <a:rPr lang="en-US" dirty="0"/>
+              <a:t>F- statistic: </a:t>
+            </a:r>
+            <a:r>
+              <a:rPr kumimoji="0" lang="en-US" altLang="en-US" sz="1800" b="0" i="0" u="none" strike="noStrike" cap="none" normalizeH="0" baseline="0" dirty="0">
+                <a:ln>
+                  <a:noFill/>
+                </a:ln>
+                <a:effectLst/>
+                <a:latin typeface="var(--vscode-editor-font-family)"/>
+              </a:rPr>
+              <a:t>462.39777712696065</a:t>
+            </a:r>
+          </a:p>
+          <a:p>
+            <a:r>
+              <a:rPr lang="en-US" dirty="0">
+                <a:latin typeface="var(--vscode-editor-font-family)"/>
+              </a:rPr>
+              <a:t>P-Value: 0.0</a:t>
+            </a:r>
+            <a:br>
+              <a:rPr lang="en-US" dirty="0"/>
+            </a:br>
+            <a:endParaRPr lang="en-US" dirty="0"/>
+          </a:p>
+        </p:txBody>
+      </p:sp>
+      <p:sp>
+        <p:nvSpPr>
+          <p:cNvPr id="6" name="Rectangle 1">
+            <a:extLst>
+              <a:ext uri="{FF2B5EF4-FFF2-40B4-BE49-F238E27FC236}">
+                <a16:creationId xmlns:a16="http://schemas.microsoft.com/office/drawing/2014/main" id="{DEC74051-D7DD-4348-8044-9D6D8DE9DB71}"/>
+              </a:ext>
+            </a:extLst>
+          </p:cNvPr>
+          <p:cNvSpPr>
+            <a:spLocks noChangeArrowheads="1"/>
+          </p:cNvSpPr>
+          <p:nvPr/>
+        </p:nvSpPr>
+        <p:spPr bwMode="auto">
+          <a:xfrm>
+            <a:off x="0" y="0"/>
+            <a:ext cx="12192000" cy="457200"/>
+          </a:xfrm>
+          <a:prstGeom prst="rect">
+            <a:avLst/>
+          </a:prstGeom>
+          <a:solidFill>
+            <a:srgbClr val="1E1E1E"/>
+          </a:solidFill>
+          <a:ln>
+            <a:noFill/>
+          </a:ln>
+          <a:effectLst/>
+          <a:extLst>
+            <a:ext uri="{91240B29-F687-4F45-9708-019B960494DF}">
+              <a14:hiddenLine xmlns:a14="http://schemas.microsoft.com/office/drawing/2010/main" w="9525">
+                <a:solidFill>
+                  <a:schemeClr val="tx1"/>
+                </a:solidFill>
+                <a:miter lim="800000"/>
+                <a:headEnd/>
+                <a:tailEnd/>
+              </a14:hiddenLine>
+            </a:ext>
+            <a:ext uri="{AF507438-7753-43E0-B8FC-AC1667EBCBE1}">
+              <a14:hiddenEffects xmlns:a14="http://schemas.microsoft.com/office/drawing/2010/main">
+                <a:effectLst>
+                  <a:outerShdw dist="35921" dir="2700000" algn="ctr" rotWithShape="0">
+                    <a:schemeClr val="bg2"/>
+                  </a:outerShdw>
+                </a:effectLst>
+              </a14:hiddenEffects>
+            </a:ext>
+          </a:extLst>
+        </p:spPr>
+        <p:txBody>
+          <a:bodyPr vert="horz" wrap="none" lIns="91440" tIns="45720" rIns="91440" bIns="45720" numCol="1" anchor="ctr" anchorCtr="0" compatLnSpc="1">
+            <a:prstTxWarp prst="textNoShape">
+              <a:avLst/>
+            </a:prstTxWarp>
+            <a:spAutoFit/>
+          </a:bodyPr>
+          <a:lstStyle/>
+          <a:p>
+            <a:pPr marL="0" marR="0" lvl="0" indent="0" algn="l" defTabSz="914400" rtl="0" eaLnBrk="0" fontAlgn="base" latinLnBrk="0" hangingPunct="0">
+              <a:lnSpc>
+                <a:spcPct val="100000"/>
+              </a:lnSpc>
+              <a:spcBef>
+                <a:spcPct val="0"/>
+              </a:spcBef>
+              <a:spcAft>
+                <a:spcPct val="0"/>
+              </a:spcAft>
+              <a:buClrTx/>
+              <a:buSzTx/>
+              <a:buFontTx/>
+              <a:buNone/>
+              <a:tabLst/>
+            </a:pPr>
+            <a:r>
+              <a:rPr kumimoji="0" lang="en-US" altLang="en-US" sz="1000" b="0" i="0" u="none" strike="noStrike" cap="none" normalizeH="0" baseline="0" dirty="0">
+                <a:ln>
+                  <a:noFill/>
+                </a:ln>
+                <a:solidFill>
+                  <a:srgbClr val="D4D4D4"/>
+                </a:solidFill>
+                <a:effectLst/>
+                <a:latin typeface="var(--vscode-editor-font-family)"/>
+              </a:rPr>
+              <a:t>statistic=462.39777712696065, </a:t>
+            </a:r>
+            <a:r>
+              <a:rPr kumimoji="0" lang="en-US" altLang="en-US" sz="1000" b="0" i="0" u="none" strike="noStrike" cap="none" normalizeH="0" baseline="0" dirty="0" err="1">
+                <a:ln>
+                  <a:noFill/>
+                </a:ln>
+                <a:solidFill>
+                  <a:srgbClr val="D4D4D4"/>
+                </a:solidFill>
+                <a:effectLst/>
+                <a:latin typeface="var(--vscode-editor-font-family)"/>
+              </a:rPr>
+              <a:t>pvalue</a:t>
+            </a:r>
+            <a:r>
+              <a:rPr kumimoji="0" lang="en-US" altLang="en-US" sz="1000" b="0" i="0" u="none" strike="noStrike" cap="none" normalizeH="0" baseline="0" dirty="0">
+                <a:ln>
+                  <a:noFill/>
+                </a:ln>
+                <a:solidFill>
+                  <a:srgbClr val="D4D4D4"/>
+                </a:solidFill>
+                <a:effectLst/>
+                <a:latin typeface="var(--vscode-editor-font-family)"/>
+              </a:rPr>
+              <a:t>=0.0)</a:t>
+            </a:r>
+            <a:r>
+              <a:rPr kumimoji="0" lang="en-US" altLang="en-US" sz="800" b="0" i="0" u="none" strike="noStrike" cap="none" normalizeH="0" baseline="0" dirty="0">
+                <a:ln>
+                  <a:noFill/>
+                </a:ln>
+                <a:solidFill>
+                  <a:schemeClr val="tx1"/>
+                </a:solidFill>
+                <a:effectLst/>
+              </a:rPr>
+              <a:t> </a:t>
+            </a:r>
+            <a:endParaRPr kumimoji="0" lang="en-US" altLang="en-US" sz="1800" b="0" i="0" u="none" strike="noStrike" cap="none" normalizeH="0" baseline="0" dirty="0">
+              <a:ln>
+                <a:noFill/>
+              </a:ln>
+              <a:solidFill>
+                <a:schemeClr val="tx1"/>
+              </a:solidFill>
+              <a:effectLst/>
+              <a:latin typeface="Arial" panose="020B0604020202020204" pitchFamily="34" charset="0"/>
+            </a:endParaRPr>
+          </a:p>
+        </p:txBody>
+      </p:sp>
+    </p:spTree>
+    <p:extLst>
+      <p:ext uri="{BB962C8B-B14F-4D97-AF65-F5344CB8AC3E}">
+        <p14:creationId xmlns:p14="http://schemas.microsoft.com/office/powerpoint/2010/main" val="3935500864"/>
+      </p:ext>
+    </p:extLst>
+  </p:cSld>
+  <p:clrMapOvr>
+    <a:masterClrMapping/>
+  </p:clrMapOvr>
+</p:sld>
+</file>
+
+<file path=ppt/slides/slide7.xml><?xml version="1.0" encoding="utf-8"?>
+<p:sld xmlns:a="http://schemas.openxmlformats.org/drawingml/2006/main" xmlns:r="http://schemas.openxmlformats.org/officeDocument/2006/relationships" xmlns:p="http://schemas.openxmlformats.org/presentationml/2006/main">
+  <p:cSld>
+    <p:spTree>
+      <p:nvGrpSpPr>
+        <p:cNvPr id="1" name=""/>
+        <p:cNvGrpSpPr/>
+        <p:nvPr/>
+      </p:nvGrpSpPr>
+      <p:grpSpPr>
+        <a:xfrm>
+          <a:off x="0" y="0"/>
+          <a:ext cx="0" cy="0"/>
+          <a:chOff x="0" y="0"/>
+          <a:chExt cx="0" cy="0"/>
+        </a:xfrm>
+      </p:grpSpPr>
+      <p:sp>
+        <p:nvSpPr>
+          <p:cNvPr id="2" name="Title 1">
+            <a:extLst>
+              <a:ext uri="{FF2B5EF4-FFF2-40B4-BE49-F238E27FC236}">
                 <a16:creationId xmlns:a16="http://schemas.microsoft.com/office/drawing/2014/main" id="{CB2C0901-96C1-4CEF-B9C7-7A21131A3A5E}"/>
               </a:ext>
             </a:extLst>
@@ -7024,7 +7452,7 @@
 </p:sld>
 </file>
 
-<file path=ppt/slides/slide7.xml><?xml version="1.0" encoding="utf-8"?>
+<file path=ppt/slides/slide8.xml><?xml version="1.0" encoding="utf-8"?>
 <p:sld xmlns:a="http://schemas.openxmlformats.org/drawingml/2006/main" xmlns:r="http://schemas.openxmlformats.org/officeDocument/2006/relationships" xmlns:p="http://schemas.openxmlformats.org/presentationml/2006/main">
   <p:cSld>
     <p:spTree>
@@ -7113,7 +7541,7 @@
 </p:sld>
 </file>
 
-<file path=ppt/slides/slide8.xml><?xml version="1.0" encoding="utf-8"?>
+<file path=ppt/slides/slide9.xml><?xml version="1.0" encoding="utf-8"?>
 <p:sld xmlns:a="http://schemas.openxmlformats.org/drawingml/2006/main" xmlns:r="http://schemas.openxmlformats.org/officeDocument/2006/relationships" xmlns:p="http://schemas.openxmlformats.org/presentationml/2006/main">
   <p:cSld>
     <p:spTree>
@@ -7191,93 +7619,6 @@
     <p:extLst>
       <p:ext uri="{BB962C8B-B14F-4D97-AF65-F5344CB8AC3E}">
         <p14:creationId xmlns:p14="http://schemas.microsoft.com/office/powerpoint/2010/main" val="3078164528"/>
-      </p:ext>
-    </p:extLst>
-  </p:cSld>
-  <p:clrMapOvr>
-    <a:masterClrMapping/>
-  </p:clrMapOvr>
-</p:sld>
-</file>
-
-<file path=ppt/slides/slide9.xml><?xml version="1.0" encoding="utf-8"?>
-<p:sld xmlns:a="http://schemas.openxmlformats.org/drawingml/2006/main" xmlns:r="http://schemas.openxmlformats.org/officeDocument/2006/relationships" xmlns:p="http://schemas.openxmlformats.org/presentationml/2006/main">
-  <p:cSld>
-    <p:spTree>
-      <p:nvGrpSpPr>
-        <p:cNvPr id="1" name=""/>
-        <p:cNvGrpSpPr/>
-        <p:nvPr/>
-      </p:nvGrpSpPr>
-      <p:grpSpPr>
-        <a:xfrm>
-          <a:off x="0" y="0"/>
-          <a:ext cx="0" cy="0"/>
-          <a:chOff x="0" y="0"/>
-          <a:chExt cx="0" cy="0"/>
-        </a:xfrm>
-      </p:grpSpPr>
-      <p:sp>
-        <p:nvSpPr>
-          <p:cNvPr id="2" name="Title 1">
-            <a:extLst>
-              <a:ext uri="{FF2B5EF4-FFF2-40B4-BE49-F238E27FC236}">
-                <a16:creationId xmlns:a16="http://schemas.microsoft.com/office/drawing/2014/main" id="{BCF6BFCD-257A-40B2-ACF5-D9FBD751C7DB}"/>
-              </a:ext>
-            </a:extLst>
-          </p:cNvPr>
-          <p:cNvSpPr>
-            <a:spLocks noGrp="1"/>
-          </p:cNvSpPr>
-          <p:nvPr>
-            <p:ph type="title"/>
-          </p:nvPr>
-        </p:nvSpPr>
-        <p:spPr/>
-        <p:txBody>
-          <a:bodyPr/>
-          <a:lstStyle/>
-          <a:p>
-            <a:r>
-              <a:rPr lang="en-US" dirty="0"/>
-              <a:t>Heatmap of variables (if I can get it working)</a:t>
-            </a:r>
-          </a:p>
-        </p:txBody>
-      </p:sp>
-      <p:pic>
-        <p:nvPicPr>
-          <p:cNvPr id="5" name="Content Placeholder 4" descr="A map of the countries/regions&#10;&#10;Description automatically generated with low confidence">
-            <a:extLst>
-              <a:ext uri="{FF2B5EF4-FFF2-40B4-BE49-F238E27FC236}">
-                <a16:creationId xmlns:a16="http://schemas.microsoft.com/office/drawing/2014/main" id="{8DDCD218-05C4-4809-B329-E13845E99FB6}"/>
-              </a:ext>
-            </a:extLst>
-          </p:cNvPr>
-          <p:cNvPicPr>
-            <a:picLocks noGrp="1" noChangeAspect="1"/>
-          </p:cNvPicPr>
-          <p:nvPr>
-            <p:ph idx="1"/>
-          </p:nvPr>
-        </p:nvPicPr>
-        <p:blipFill>
-          <a:blip r:embed="rId2"/>
-          <a:stretch>
-            <a:fillRect/>
-          </a:stretch>
-        </p:blipFill>
-        <p:spPr>
-          <a:xfrm>
-            <a:off x="2139950" y="685800"/>
-            <a:ext cx="5622925" cy="3614738"/>
-          </a:xfrm>
-        </p:spPr>
-      </p:pic>
-    </p:spTree>
-    <p:extLst>
-      <p:ext uri="{BB962C8B-B14F-4D97-AF65-F5344CB8AC3E}">
-        <p14:creationId xmlns:p14="http://schemas.microsoft.com/office/powerpoint/2010/main" val="2087543059"/>
       </p:ext>
     </p:extLst>
   </p:cSld>

--- a/presentation.pptx
+++ b/presentation.pptx
@@ -10,13 +10,17 @@
     <p:sldId id="302" r:id="rId7"/>
     <p:sldId id="310" r:id="rId8"/>
     <p:sldId id="311" r:id="rId9"/>
-    <p:sldId id="303" r:id="rId10"/>
-    <p:sldId id="304" r:id="rId11"/>
-    <p:sldId id="305" r:id="rId12"/>
-    <p:sldId id="306" r:id="rId13"/>
-    <p:sldId id="307" r:id="rId14"/>
-    <p:sldId id="308" r:id="rId15"/>
-    <p:sldId id="309" r:id="rId16"/>
+    <p:sldId id="307" r:id="rId10"/>
+    <p:sldId id="303" r:id="rId11"/>
+    <p:sldId id="304" r:id="rId12"/>
+    <p:sldId id="305" r:id="rId13"/>
+    <p:sldId id="314" r:id="rId14"/>
+    <p:sldId id="315" r:id="rId15"/>
+    <p:sldId id="316" r:id="rId16"/>
+    <p:sldId id="312" r:id="rId17"/>
+    <p:sldId id="306" r:id="rId18"/>
+    <p:sldId id="308" r:id="rId19"/>
+    <p:sldId id="313" r:id="rId20"/>
   </p:sldIdLst>
   <p:sldSz cx="12192000" cy="6858000"/>
   <p:notesSz cx="6858000" cy="9144000"/>
@@ -314,7 +318,7 @@
           <a:p>
             <a:fld id="{9184DA70-C731-4C70-880D-CCD4705E623C}" type="datetime1">
               <a:rPr lang="en-US" smtClean="0"/>
-              <a:t>5/3/21</a:t>
+              <a:t>5/4/21</a:t>
             </a:fld>
             <a:endParaRPr lang="en-US" dirty="0"/>
           </a:p>
@@ -750,7 +754,7 @@
           <a:p>
             <a:fld id="{62D6E202-B606-4609-B914-27C9371A1F6D}" type="datetime1">
               <a:rPr lang="en-US" smtClean="0"/>
-              <a:t>5/3/21</a:t>
+              <a:t>5/4/21</a:t>
             </a:fld>
             <a:endParaRPr lang="en-US" dirty="0"/>
           </a:p>
@@ -1001,7 +1005,7 @@
           <a:p>
             <a:fld id="{62D6E202-B606-4609-B914-27C9371A1F6D}" type="datetime1">
               <a:rPr lang="en-US" smtClean="0"/>
-              <a:t>5/3/21</a:t>
+              <a:t>5/4/21</a:t>
             </a:fld>
             <a:endParaRPr lang="en-US" dirty="0"/>
           </a:p>
@@ -1310,7 +1314,7 @@
           <a:p>
             <a:fld id="{62D6E202-B606-4609-B914-27C9371A1F6D}" type="datetime1">
               <a:rPr lang="en-US" smtClean="0"/>
-              <a:t>5/3/21</a:t>
+              <a:t>5/4/21</a:t>
             </a:fld>
             <a:endParaRPr lang="en-US" dirty="0"/>
           </a:p>
@@ -1629,7 +1633,7 @@
           <a:p>
             <a:fld id="{62D6E202-B606-4609-B914-27C9371A1F6D}" type="datetime1">
               <a:rPr lang="en-US" smtClean="0"/>
-              <a:t>5/3/21</a:t>
+              <a:t>5/4/21</a:t>
             </a:fld>
             <a:endParaRPr lang="en-US" dirty="0"/>
           </a:p>
@@ -1932,7 +1936,7 @@
           <a:p>
             <a:fld id="{62D6E202-B606-4609-B914-27C9371A1F6D}" type="datetime1">
               <a:rPr lang="en-US" smtClean="0"/>
-              <a:t>5/3/21</a:t>
+              <a:t>5/4/21</a:t>
             </a:fld>
             <a:endParaRPr lang="en-US" dirty="0"/>
           </a:p>
@@ -2300,7 +2304,7 @@
           <a:p>
             <a:fld id="{62D6E202-B606-4609-B914-27C9371A1F6D}" type="datetime1">
               <a:rPr lang="en-US" smtClean="0"/>
-              <a:t>5/3/21</a:t>
+              <a:t>5/4/21</a:t>
             </a:fld>
             <a:endParaRPr lang="en-US" dirty="0"/>
           </a:p>
@@ -2475,7 +2479,7 @@
           <a:p>
             <a:fld id="{62D6E202-B606-4609-B914-27C9371A1F6D}" type="datetime1">
               <a:rPr lang="en-US" smtClean="0"/>
-              <a:t>5/3/21</a:t>
+              <a:t>5/4/21</a:t>
             </a:fld>
             <a:endParaRPr lang="en-US" dirty="0"/>
           </a:p>
@@ -2656,7 +2660,7 @@
           <a:p>
             <a:fld id="{62D6E202-B606-4609-B914-27C9371A1F6D}" type="datetime1">
               <a:rPr lang="en-US" smtClean="0"/>
-              <a:t>5/3/21</a:t>
+              <a:t>5/4/21</a:t>
             </a:fld>
             <a:endParaRPr lang="en-US" dirty="0"/>
           </a:p>
@@ -2827,7 +2831,7 @@
           <a:p>
             <a:fld id="{4BE1D723-8F53-4F53-90B0-1982A396982E}" type="datetime1">
               <a:rPr lang="en-US" smtClean="0"/>
-              <a:t>5/3/21</a:t>
+              <a:t>5/4/21</a:t>
             </a:fld>
             <a:endParaRPr lang="en-US" dirty="0"/>
           </a:p>
@@ -3077,7 +3081,7 @@
           <a:p>
             <a:fld id="{97669AF7-7BEB-44E4-9852-375E34362B5B}" type="datetime1">
               <a:rPr lang="en-US" smtClean="0"/>
-              <a:t>5/3/21</a:t>
+              <a:t>5/4/21</a:t>
             </a:fld>
             <a:endParaRPr lang="en-US" dirty="0"/>
           </a:p>
@@ -3313,7 +3317,7 @@
           <a:p>
             <a:fld id="{BAAAC38D-0552-4C82-B593-E6124DFADBE2}" type="datetime1">
               <a:rPr lang="en-US" smtClean="0"/>
-              <a:t>5/3/21</a:t>
+              <a:t>5/4/21</a:t>
             </a:fld>
             <a:endParaRPr lang="en-US" dirty="0"/>
           </a:p>
@@ -3695,7 +3699,7 @@
           <a:p>
             <a:fld id="{D9DF0F1C-5577-4ACB-BB62-DF8F3C494C7E}" type="datetime1">
               <a:rPr lang="en-US" smtClean="0"/>
-              <a:t>5/3/21</a:t>
+              <a:t>5/4/21</a:t>
             </a:fld>
             <a:endParaRPr lang="en-US" dirty="0"/>
           </a:p>
@@ -3813,7 +3817,7 @@
           <a:p>
             <a:fld id="{1775B394-D9F9-4F0C-B15D-605F45CB9E9F}" type="datetime1">
               <a:rPr lang="en-US" smtClean="0"/>
-              <a:t>5/3/21</a:t>
+              <a:t>5/4/21</a:t>
             </a:fld>
             <a:endParaRPr lang="en-US" dirty="0"/>
           </a:p>
@@ -3908,7 +3912,7 @@
           <a:p>
             <a:fld id="{39667345-2558-425A-8533-9BFDBCE15005}" type="datetime1">
               <a:rPr lang="en-US" smtClean="0"/>
-              <a:t>5/3/21</a:t>
+              <a:t>5/4/21</a:t>
             </a:fld>
             <a:endParaRPr lang="en-US" dirty="0"/>
           </a:p>
@@ -4163,7 +4167,7 @@
           <a:p>
             <a:fld id="{92BEA474-078D-4E9B-9B14-09A87B19DC46}" type="datetime1">
               <a:rPr lang="en-US" smtClean="0"/>
-              <a:t>5/3/21</a:t>
+              <a:t>5/4/21</a:t>
             </a:fld>
             <a:endParaRPr lang="en-US" dirty="0"/>
           </a:p>
@@ -4447,7 +4451,7 @@
           <a:p>
             <a:fld id="{4907D986-8816-4272-A432-0437A28A9828}" type="datetime1">
               <a:rPr lang="en-US" smtClean="0"/>
-              <a:t>5/3/21</a:t>
+              <a:t>5/4/21</a:t>
             </a:fld>
             <a:endParaRPr lang="en-US" dirty="0"/>
           </a:p>
@@ -4854,7 +4858,7 @@
           <a:p>
             <a:fld id="{62D6E202-B606-4609-B914-27C9371A1F6D}" type="datetime1">
               <a:rPr lang="en-US" smtClean="0"/>
-              <a:t>5/3/21</a:t>
+              <a:t>5/4/21</a:t>
             </a:fld>
             <a:endParaRPr lang="en-US" dirty="0"/>
           </a:p>
@@ -5609,7 +5613,7 @@
           <p:cNvPr id="2" name="Title 1">
             <a:extLst>
               <a:ext uri="{FF2B5EF4-FFF2-40B4-BE49-F238E27FC236}">
-                <a16:creationId xmlns:a16="http://schemas.microsoft.com/office/drawing/2014/main" id="{446CBE06-FA0E-401D-96A6-48A5BB928C46}"/>
+                <a16:creationId xmlns:a16="http://schemas.microsoft.com/office/drawing/2014/main" id="{172685EB-9451-4644-BB8C-1887E09914D9}"/>
               </a:ext>
             </a:extLst>
           </p:cNvPr>
@@ -5620,49 +5624,91 @@
             <p:ph type="title"/>
           </p:nvPr>
         </p:nvSpPr>
-        <p:spPr/>
-        <p:txBody>
-          <a:bodyPr>
-            <a:normAutofit fontScale="90000"/>
-          </a:bodyPr>
+        <p:spPr>
+          <a:xfrm>
+            <a:off x="581181" y="4624915"/>
+            <a:ext cx="9734796" cy="1507067"/>
+          </a:xfrm>
+        </p:spPr>
+        <p:txBody>
+          <a:bodyPr/>
           <a:lstStyle/>
           <a:p>
             <a:r>
               <a:rPr lang="en-US" dirty="0"/>
-              <a:t>ANOVA/ ordinary least squares (again, if we can get it working right)</a:t>
-            </a:r>
-          </a:p>
-        </p:txBody>
-      </p:sp>
-      <p:sp>
-        <p:nvSpPr>
-          <p:cNvPr id="3" name="Content Placeholder 2">
+              <a:t>Grocery and pharmacy comparison</a:t>
+            </a:r>
+          </a:p>
+        </p:txBody>
+      </p:sp>
+      <p:pic>
+        <p:nvPicPr>
+          <p:cNvPr id="6" name="Content Placeholder 5">
             <a:extLst>
               <a:ext uri="{FF2B5EF4-FFF2-40B4-BE49-F238E27FC236}">
-                <a16:creationId xmlns:a16="http://schemas.microsoft.com/office/drawing/2014/main" id="{9745DC1A-FACE-453D-B3BB-DD6833060B7D}"/>
+                <a16:creationId xmlns:a16="http://schemas.microsoft.com/office/drawing/2014/main" id="{9229A8E9-1B53-4E4B-A297-87F5C154A13C}"/>
               </a:ext>
             </a:extLst>
           </p:cNvPr>
-          <p:cNvSpPr>
-            <a:spLocks noGrp="1"/>
-          </p:cNvSpPr>
-          <p:nvPr>
-            <p:ph idx="1"/>
-          </p:nvPr>
-        </p:nvSpPr>
-        <p:spPr/>
-        <p:txBody>
-          <a:bodyPr/>
-          <a:lstStyle/>
-          <a:p>
-            <a:endParaRPr lang="en-US"/>
-          </a:p>
-        </p:txBody>
-      </p:sp>
+          <p:cNvPicPr>
+            <a:picLocks noGrp="1" noChangeAspect="1"/>
+          </p:cNvPicPr>
+          <p:nvPr>
+            <p:ph sz="half" idx="1"/>
+          </p:nvPr>
+        </p:nvPicPr>
+        <p:blipFill>
+          <a:blip r:embed="rId2"/>
+          <a:stretch>
+            <a:fillRect/>
+          </a:stretch>
+        </p:blipFill>
+        <p:spPr>
+          <a:xfrm>
+            <a:off x="5835763" y="723902"/>
+            <a:ext cx="4937125" cy="3291416"/>
+          </a:xfrm>
+          <a:solidFill>
+            <a:schemeClr val="tx1"/>
+          </a:solidFill>
+        </p:spPr>
+      </p:pic>
+      <p:pic>
+        <p:nvPicPr>
+          <p:cNvPr id="8" name="Content Placeholder 7">
+            <a:extLst>
+              <a:ext uri="{FF2B5EF4-FFF2-40B4-BE49-F238E27FC236}">
+                <a16:creationId xmlns:a16="http://schemas.microsoft.com/office/drawing/2014/main" id="{A44E0A42-3522-7348-BAC5-17F68F6D6803}"/>
+              </a:ext>
+            </a:extLst>
+          </p:cNvPr>
+          <p:cNvPicPr>
+            <a:picLocks noGrp="1" noChangeAspect="1"/>
+          </p:cNvPicPr>
+          <p:nvPr>
+            <p:ph sz="half" idx="2"/>
+          </p:nvPr>
+        </p:nvPicPr>
+        <p:blipFill>
+          <a:blip r:embed="rId3"/>
+          <a:stretch>
+            <a:fillRect/>
+          </a:stretch>
+        </p:blipFill>
+        <p:spPr>
+          <a:xfrm>
+            <a:off x="684212" y="726018"/>
+            <a:ext cx="4933950" cy="3289300"/>
+          </a:xfrm>
+          <a:solidFill>
+            <a:schemeClr val="tx1"/>
+          </a:solidFill>
+        </p:spPr>
+      </p:pic>
     </p:spTree>
     <p:extLst>
       <p:ext uri="{BB962C8B-B14F-4D97-AF65-F5344CB8AC3E}">
-        <p14:creationId xmlns:p14="http://schemas.microsoft.com/office/powerpoint/2010/main" val="3935500864"/>
+        <p14:creationId xmlns:p14="http://schemas.microsoft.com/office/powerpoint/2010/main" val="1692805677"/>
       </p:ext>
     </p:extLst>
   </p:cSld>
@@ -5694,7 +5740,7 @@
           <p:cNvPr id="2" name="Title 1">
             <a:extLst>
               <a:ext uri="{FF2B5EF4-FFF2-40B4-BE49-F238E27FC236}">
-                <a16:creationId xmlns:a16="http://schemas.microsoft.com/office/drawing/2014/main" id="{5EB616CF-1A75-4758-A1D9-DCAFAF76B967}"/>
+                <a16:creationId xmlns:a16="http://schemas.microsoft.com/office/drawing/2014/main" id="{172685EB-9451-4644-BB8C-1887E09914D9}"/>
               </a:ext>
             </a:extLst>
           </p:cNvPr>
@@ -5705,57 +5751,91 @@
             <p:ph type="title"/>
           </p:nvPr>
         </p:nvSpPr>
-        <p:spPr/>
-        <p:txBody>
-          <a:bodyPr>
-            <a:normAutofit fontScale="90000"/>
-          </a:bodyPr>
+        <p:spPr>
+          <a:xfrm>
+            <a:off x="684211" y="4487332"/>
+            <a:ext cx="9000701" cy="1810437"/>
+          </a:xfrm>
+        </p:spPr>
+        <p:txBody>
+          <a:bodyPr/>
           <a:lstStyle/>
           <a:p>
             <a:r>
               <a:rPr lang="en-US" dirty="0"/>
-              <a:t>Summary of findings, re-visit </a:t>
-            </a:r>
-            <a:r>
-              <a:rPr lang="en-US" dirty="0" err="1"/>
-              <a:t>hypothesies</a:t>
-            </a:r>
-            <a:r>
-              <a:rPr lang="en-US" dirty="0"/>
-              <a:t> and say what happened with them and if they are good and all that kind of stuff</a:t>
-            </a:r>
-          </a:p>
-        </p:txBody>
-      </p:sp>
-      <p:sp>
-        <p:nvSpPr>
-          <p:cNvPr id="3" name="Content Placeholder 2">
+              <a:t>Retail and recreation comparison</a:t>
+            </a:r>
+          </a:p>
+        </p:txBody>
+      </p:sp>
+      <p:pic>
+        <p:nvPicPr>
+          <p:cNvPr id="6" name="Content Placeholder 5">
             <a:extLst>
               <a:ext uri="{FF2B5EF4-FFF2-40B4-BE49-F238E27FC236}">
-                <a16:creationId xmlns:a16="http://schemas.microsoft.com/office/drawing/2014/main" id="{F5013E97-3D30-40D5-B6BD-99C0D2D62DA3}"/>
+                <a16:creationId xmlns:a16="http://schemas.microsoft.com/office/drawing/2014/main" id="{3A9574D8-174E-534D-81D6-56F2285789ED}"/>
               </a:ext>
             </a:extLst>
           </p:cNvPr>
-          <p:cNvSpPr>
-            <a:spLocks noGrp="1"/>
-          </p:cNvSpPr>
-          <p:nvPr>
-            <p:ph idx="1"/>
-          </p:nvPr>
-        </p:nvSpPr>
-        <p:spPr/>
-        <p:txBody>
-          <a:bodyPr/>
-          <a:lstStyle/>
-          <a:p>
-            <a:endParaRPr lang="en-US"/>
-          </a:p>
-        </p:txBody>
-      </p:sp>
+          <p:cNvPicPr>
+            <a:picLocks noGrp="1" noChangeAspect="1"/>
+          </p:cNvPicPr>
+          <p:nvPr>
+            <p:ph sz="half" idx="1"/>
+          </p:nvPr>
+        </p:nvPicPr>
+        <p:blipFill>
+          <a:blip r:embed="rId2"/>
+          <a:stretch>
+            <a:fillRect/>
+          </a:stretch>
+        </p:blipFill>
+        <p:spPr>
+          <a:xfrm>
+            <a:off x="684213" y="847461"/>
+            <a:ext cx="4937125" cy="3291416"/>
+          </a:xfrm>
+          <a:solidFill>
+            <a:schemeClr val="tx1"/>
+          </a:solidFill>
+        </p:spPr>
+      </p:pic>
+      <p:pic>
+        <p:nvPicPr>
+          <p:cNvPr id="8" name="Content Placeholder 7">
+            <a:extLst>
+              <a:ext uri="{FF2B5EF4-FFF2-40B4-BE49-F238E27FC236}">
+                <a16:creationId xmlns:a16="http://schemas.microsoft.com/office/drawing/2014/main" id="{265D2112-5BE1-B24D-8784-4EC5FD79EA63}"/>
+              </a:ext>
+            </a:extLst>
+          </p:cNvPr>
+          <p:cNvPicPr>
+            <a:picLocks noGrp="1" noChangeAspect="1"/>
+          </p:cNvPicPr>
+          <p:nvPr>
+            <p:ph sz="half" idx="2"/>
+          </p:nvPr>
+        </p:nvPicPr>
+        <p:blipFill>
+          <a:blip r:embed="rId3"/>
+          <a:stretch>
+            <a:fillRect/>
+          </a:stretch>
+        </p:blipFill>
+        <p:spPr>
+          <a:xfrm>
+            <a:off x="5808663" y="848519"/>
+            <a:ext cx="4933950" cy="3289300"/>
+          </a:xfrm>
+          <a:solidFill>
+            <a:schemeClr val="tx1"/>
+          </a:solidFill>
+        </p:spPr>
+      </p:pic>
     </p:spTree>
     <p:extLst>
       <p:ext uri="{BB962C8B-B14F-4D97-AF65-F5344CB8AC3E}">
-        <p14:creationId xmlns:p14="http://schemas.microsoft.com/office/powerpoint/2010/main" val="2661428305"/>
+        <p14:creationId xmlns:p14="http://schemas.microsoft.com/office/powerpoint/2010/main" val="701807338"/>
       </p:ext>
     </p:extLst>
   </p:cSld>
@@ -5787,7 +5867,7 @@
           <p:cNvPr id="2" name="Title 1">
             <a:extLst>
               <a:ext uri="{FF2B5EF4-FFF2-40B4-BE49-F238E27FC236}">
-                <a16:creationId xmlns:a16="http://schemas.microsoft.com/office/drawing/2014/main" id="{5E055E48-8955-49AA-9C19-D9BDE0901F3E}"/>
+                <a16:creationId xmlns:a16="http://schemas.microsoft.com/office/drawing/2014/main" id="{172685EB-9451-4644-BB8C-1887E09914D9}"/>
               </a:ext>
             </a:extLst>
           </p:cNvPr>
@@ -5800,34 +5880,350 @@
         </p:nvSpPr>
         <p:spPr/>
         <p:txBody>
+          <a:bodyPr/>
+          <a:lstStyle/>
+          <a:p>
+            <a:r>
+              <a:rPr lang="en-US" dirty="0"/>
+              <a:t>Transit station comparison</a:t>
+            </a:r>
+          </a:p>
+        </p:txBody>
+      </p:sp>
+      <p:pic>
+        <p:nvPicPr>
+          <p:cNvPr id="6" name="Content Placeholder 5">
+            <a:extLst>
+              <a:ext uri="{FF2B5EF4-FFF2-40B4-BE49-F238E27FC236}">
+                <a16:creationId xmlns:a16="http://schemas.microsoft.com/office/drawing/2014/main" id="{07E4C37E-29EC-B642-9C63-DD4208A2388B}"/>
+              </a:ext>
+            </a:extLst>
+          </p:cNvPr>
+          <p:cNvPicPr>
+            <a:picLocks noGrp="1" noChangeAspect="1"/>
+          </p:cNvPicPr>
+          <p:nvPr>
+            <p:ph sz="half" idx="1"/>
+          </p:nvPr>
+        </p:nvPicPr>
+        <p:blipFill>
+          <a:blip r:embed="rId2"/>
+          <a:stretch>
+            <a:fillRect/>
+          </a:stretch>
+        </p:blipFill>
+        <p:spPr>
+          <a:xfrm>
+            <a:off x="684213" y="847461"/>
+            <a:ext cx="4937125" cy="3291416"/>
+          </a:xfrm>
+          <a:solidFill>
+            <a:schemeClr val="tx1"/>
+          </a:solidFill>
+        </p:spPr>
+      </p:pic>
+      <p:pic>
+        <p:nvPicPr>
+          <p:cNvPr id="8" name="Content Placeholder 7">
+            <a:extLst>
+              <a:ext uri="{FF2B5EF4-FFF2-40B4-BE49-F238E27FC236}">
+                <a16:creationId xmlns:a16="http://schemas.microsoft.com/office/drawing/2014/main" id="{E164724F-4DA9-1047-925A-908B92593EB9}"/>
+              </a:ext>
+            </a:extLst>
+          </p:cNvPr>
+          <p:cNvPicPr>
+            <a:picLocks noGrp="1" noChangeAspect="1"/>
+          </p:cNvPicPr>
+          <p:nvPr>
+            <p:ph sz="half" idx="2"/>
+          </p:nvPr>
+        </p:nvPicPr>
+        <p:blipFill>
+          <a:blip r:embed="rId3"/>
+          <a:stretch>
+            <a:fillRect/>
+          </a:stretch>
+        </p:blipFill>
+        <p:spPr>
+          <a:xfrm>
+            <a:off x="5808663" y="848519"/>
+            <a:ext cx="4933950" cy="3289300"/>
+          </a:xfrm>
+          <a:solidFill>
+            <a:schemeClr val="tx1"/>
+          </a:solidFill>
+        </p:spPr>
+      </p:pic>
+    </p:spTree>
+    <p:extLst>
+      <p:ext uri="{BB962C8B-B14F-4D97-AF65-F5344CB8AC3E}">
+        <p14:creationId xmlns:p14="http://schemas.microsoft.com/office/powerpoint/2010/main" val="504997362"/>
+      </p:ext>
+    </p:extLst>
+  </p:cSld>
+  <p:clrMapOvr>
+    <a:masterClrMapping/>
+  </p:clrMapOvr>
+</p:sld>
+</file>
+
+<file path=ppt/slides/slide13.xml><?xml version="1.0" encoding="utf-8"?>
+<p:sld xmlns:a="http://schemas.openxmlformats.org/drawingml/2006/main" xmlns:r="http://schemas.openxmlformats.org/officeDocument/2006/relationships" xmlns:p="http://schemas.openxmlformats.org/presentationml/2006/main">
+  <p:cSld>
+    <p:spTree>
+      <p:nvGrpSpPr>
+        <p:cNvPr id="1" name=""/>
+        <p:cNvGrpSpPr/>
+        <p:nvPr/>
+      </p:nvGrpSpPr>
+      <p:grpSpPr>
+        <a:xfrm>
+          <a:off x="0" y="0"/>
+          <a:ext cx="0" cy="0"/>
+          <a:chOff x="0" y="0"/>
+          <a:chExt cx="0" cy="0"/>
+        </a:xfrm>
+      </p:grpSpPr>
+      <p:sp>
+        <p:nvSpPr>
+          <p:cNvPr id="2" name="Title 1">
+            <a:extLst>
+              <a:ext uri="{FF2B5EF4-FFF2-40B4-BE49-F238E27FC236}">
+                <a16:creationId xmlns:a16="http://schemas.microsoft.com/office/drawing/2014/main" id="{BB4E9A05-DAF2-4E60-90C7-DEC3ABD8C529}"/>
+              </a:ext>
+            </a:extLst>
+          </p:cNvPr>
+          <p:cNvSpPr>
+            <a:spLocks noGrp="1"/>
+          </p:cNvSpPr>
+          <p:nvPr>
+            <p:ph type="title"/>
+          </p:nvPr>
+        </p:nvSpPr>
+        <p:spPr/>
+        <p:txBody>
+          <a:bodyPr/>
+          <a:lstStyle/>
+          <a:p>
+            <a:r>
+              <a:rPr lang="en-US" dirty="0"/>
+              <a:t>Workplace comparison</a:t>
+            </a:r>
+          </a:p>
+        </p:txBody>
+      </p:sp>
+      <p:pic>
+        <p:nvPicPr>
+          <p:cNvPr id="7" name="Content Placeholder 6">
+            <a:extLst>
+              <a:ext uri="{FF2B5EF4-FFF2-40B4-BE49-F238E27FC236}">
+                <a16:creationId xmlns:a16="http://schemas.microsoft.com/office/drawing/2014/main" id="{43B7A296-F041-E546-ACEE-615D3B56F2BB}"/>
+              </a:ext>
+            </a:extLst>
+          </p:cNvPr>
+          <p:cNvPicPr>
+            <a:picLocks noGrp="1" noChangeAspect="1"/>
+          </p:cNvPicPr>
+          <p:nvPr>
+            <p:ph sz="half" idx="1"/>
+          </p:nvPr>
+        </p:nvPicPr>
+        <p:blipFill>
+          <a:blip r:embed="rId2"/>
+          <a:stretch>
+            <a:fillRect/>
+          </a:stretch>
+        </p:blipFill>
+        <p:spPr>
+          <a:xfrm>
+            <a:off x="684213" y="847461"/>
+            <a:ext cx="4937125" cy="3291416"/>
+          </a:xfrm>
+          <a:solidFill>
+            <a:schemeClr val="tx1"/>
+          </a:solidFill>
+        </p:spPr>
+      </p:pic>
+      <p:pic>
+        <p:nvPicPr>
+          <p:cNvPr id="9" name="Content Placeholder 8">
+            <a:extLst>
+              <a:ext uri="{FF2B5EF4-FFF2-40B4-BE49-F238E27FC236}">
+                <a16:creationId xmlns:a16="http://schemas.microsoft.com/office/drawing/2014/main" id="{3D730261-315D-9D4E-B519-93CC7C634AB0}"/>
+              </a:ext>
+            </a:extLst>
+          </p:cNvPr>
+          <p:cNvPicPr>
+            <a:picLocks noGrp="1" noChangeAspect="1"/>
+          </p:cNvPicPr>
+          <p:nvPr>
+            <p:ph sz="half" idx="2"/>
+          </p:nvPr>
+        </p:nvPicPr>
+        <p:blipFill>
+          <a:blip r:embed="rId3"/>
+          <a:stretch>
+            <a:fillRect/>
+          </a:stretch>
+        </p:blipFill>
+        <p:spPr>
+          <a:xfrm>
+            <a:off x="5808663" y="848519"/>
+            <a:ext cx="4933950" cy="3289300"/>
+          </a:xfrm>
+          <a:solidFill>
+            <a:schemeClr val="tx1"/>
+          </a:solidFill>
+        </p:spPr>
+      </p:pic>
+    </p:spTree>
+    <p:extLst>
+      <p:ext uri="{BB962C8B-B14F-4D97-AF65-F5344CB8AC3E}">
+        <p14:creationId xmlns:p14="http://schemas.microsoft.com/office/powerpoint/2010/main" val="21956008"/>
+      </p:ext>
+    </p:extLst>
+  </p:cSld>
+  <p:clrMapOvr>
+    <a:masterClrMapping/>
+  </p:clrMapOvr>
+</p:sld>
+</file>
+
+<file path=ppt/slides/slide14.xml><?xml version="1.0" encoding="utf-8"?>
+<p:sld xmlns:a="http://schemas.openxmlformats.org/drawingml/2006/main" xmlns:r="http://schemas.openxmlformats.org/officeDocument/2006/relationships" xmlns:p="http://schemas.openxmlformats.org/presentationml/2006/main">
+  <p:cSld>
+    <p:spTree>
+      <p:nvGrpSpPr>
+        <p:cNvPr id="1" name=""/>
+        <p:cNvGrpSpPr/>
+        <p:nvPr/>
+      </p:nvGrpSpPr>
+      <p:grpSpPr>
+        <a:xfrm>
+          <a:off x="0" y="0"/>
+          <a:ext cx="0" cy="0"/>
+          <a:chOff x="0" y="0"/>
+          <a:chExt cx="0" cy="0"/>
+        </a:xfrm>
+      </p:grpSpPr>
+      <p:sp>
+        <p:nvSpPr>
+          <p:cNvPr id="2" name="Title 1">
+            <a:extLst>
+              <a:ext uri="{FF2B5EF4-FFF2-40B4-BE49-F238E27FC236}">
+                <a16:creationId xmlns:a16="http://schemas.microsoft.com/office/drawing/2014/main" id="{BCF6BFCD-257A-40B2-ACF5-D9FBD751C7DB}"/>
+              </a:ext>
+            </a:extLst>
+          </p:cNvPr>
+          <p:cNvSpPr>
+            <a:spLocks noGrp="1"/>
+          </p:cNvSpPr>
+          <p:nvPr>
+            <p:ph type="title"/>
+          </p:nvPr>
+        </p:nvSpPr>
+        <p:spPr>
+          <a:xfrm>
+            <a:off x="167426" y="5267459"/>
+            <a:ext cx="11346288" cy="1507067"/>
+          </a:xfrm>
+        </p:spPr>
+        <p:txBody>
+          <a:bodyPr/>
+          <a:lstStyle/>
+          <a:p>
+            <a:r>
+              <a:rPr lang="en-US" dirty="0"/>
+              <a:t>Heatmap of retail visits during pandemic</a:t>
+            </a:r>
+          </a:p>
+        </p:txBody>
+      </p:sp>
+      <p:pic>
+        <p:nvPicPr>
+          <p:cNvPr id="5" name="Content Placeholder 4" descr="A map of the countries/regions&#10;&#10;Description automatically generated with low confidence">
+            <a:extLst>
+              <a:ext uri="{FF2B5EF4-FFF2-40B4-BE49-F238E27FC236}">
+                <a16:creationId xmlns:a16="http://schemas.microsoft.com/office/drawing/2014/main" id="{8DDCD218-05C4-4809-B329-E13845E99FB6}"/>
+              </a:ext>
+            </a:extLst>
+          </p:cNvPr>
+          <p:cNvPicPr>
+            <a:picLocks noGrp="1" noChangeAspect="1"/>
+          </p:cNvPicPr>
+          <p:nvPr>
+            <p:ph idx="1"/>
+          </p:nvPr>
+        </p:nvPicPr>
+        <p:blipFill>
+          <a:blip r:embed="rId2"/>
+          <a:stretch>
+            <a:fillRect/>
+          </a:stretch>
+        </p:blipFill>
+        <p:spPr>
+          <a:xfrm>
+            <a:off x="2042160" y="240045"/>
+            <a:ext cx="8107679" cy="5212080"/>
+          </a:xfrm>
+        </p:spPr>
+      </p:pic>
+    </p:spTree>
+    <p:extLst>
+      <p:ext uri="{BB962C8B-B14F-4D97-AF65-F5344CB8AC3E}">
+        <p14:creationId xmlns:p14="http://schemas.microsoft.com/office/powerpoint/2010/main" val="2087543059"/>
+      </p:ext>
+    </p:extLst>
+  </p:cSld>
+  <p:clrMapOvr>
+    <a:masterClrMapping/>
+  </p:clrMapOvr>
+</p:sld>
+</file>
+
+<file path=ppt/slides/slide15.xml><?xml version="1.0" encoding="utf-8"?>
+<p:sld xmlns:a="http://schemas.openxmlformats.org/drawingml/2006/main" xmlns:r="http://schemas.openxmlformats.org/officeDocument/2006/relationships" xmlns:p="http://schemas.openxmlformats.org/presentationml/2006/main">
+  <p:cSld>
+    <p:spTree>
+      <p:nvGrpSpPr>
+        <p:cNvPr id="1" name=""/>
+        <p:cNvGrpSpPr/>
+        <p:nvPr/>
+      </p:nvGrpSpPr>
+      <p:grpSpPr>
+        <a:xfrm>
+          <a:off x="0" y="0"/>
+          <a:ext cx="0" cy="0"/>
+          <a:chOff x="0" y="0"/>
+          <a:chExt cx="0" cy="0"/>
+        </a:xfrm>
+      </p:grpSpPr>
+      <p:sp>
+        <p:nvSpPr>
+          <p:cNvPr id="2" name="Title 1">
+            <a:extLst>
+              <a:ext uri="{FF2B5EF4-FFF2-40B4-BE49-F238E27FC236}">
+                <a16:creationId xmlns:a16="http://schemas.microsoft.com/office/drawing/2014/main" id="{5EB616CF-1A75-4758-A1D9-DCAFAF76B967}"/>
+              </a:ext>
+            </a:extLst>
+          </p:cNvPr>
+          <p:cNvSpPr>
+            <a:spLocks noGrp="1"/>
+          </p:cNvSpPr>
+          <p:nvPr>
+            <p:ph type="title"/>
+          </p:nvPr>
+        </p:nvSpPr>
+        <p:spPr/>
+        <p:txBody>
           <a:bodyPr>
-            <a:normAutofit fontScale="90000"/>
+            <a:normAutofit/>
           </a:bodyPr>
           <a:lstStyle/>
           <a:p>
             <a:r>
               <a:rPr lang="en-US" dirty="0"/>
-              <a:t>QUESTIONS????? (or maybe some other </a:t>
-            </a:r>
-            <a:r>
-              <a:rPr lang="en-US" dirty="0" err="1"/>
-              <a:t>kinda</a:t>
-            </a:r>
-            <a:r>
-              <a:rPr lang="en-US" dirty="0"/>
-              <a:t> thing I </a:t>
-            </a:r>
-            <a:r>
-              <a:rPr lang="en-US" dirty="0" err="1"/>
-              <a:t>dunno</a:t>
-            </a:r>
-            <a:r>
-              <a:rPr lang="en-US" dirty="0"/>
-              <a:t> I feel like the last slide </a:t>
-            </a:r>
-            <a:r>
-              <a:rPr lang="en-US"/>
-              <a:t>is always questions)</a:t>
+              <a:t>summary</a:t>
             </a:r>
           </a:p>
         </p:txBody>
@@ -5837,7 +6233,7 @@
           <p:cNvPr id="3" name="Content Placeholder 2">
             <a:extLst>
               <a:ext uri="{FF2B5EF4-FFF2-40B4-BE49-F238E27FC236}">
-                <a16:creationId xmlns:a16="http://schemas.microsoft.com/office/drawing/2014/main" id="{F8F6BD0A-B7BA-40B2-A839-5FC615478F7E}"/>
+                <a16:creationId xmlns:a16="http://schemas.microsoft.com/office/drawing/2014/main" id="{F5013E97-3D30-40D5-B6BD-99C0D2D62DA3}"/>
               </a:ext>
             </a:extLst>
           </p:cNvPr>
@@ -5860,7 +6256,65 @@
     </p:spTree>
     <p:extLst>
       <p:ext uri="{BB962C8B-B14F-4D97-AF65-F5344CB8AC3E}">
-        <p14:creationId xmlns:p14="http://schemas.microsoft.com/office/powerpoint/2010/main" val="2810938858"/>
+        <p14:creationId xmlns:p14="http://schemas.microsoft.com/office/powerpoint/2010/main" val="2661428305"/>
+      </p:ext>
+    </p:extLst>
+  </p:cSld>
+  <p:clrMapOvr>
+    <a:masterClrMapping/>
+  </p:clrMapOvr>
+</p:sld>
+</file>
+
+<file path=ppt/slides/slide16.xml><?xml version="1.0" encoding="utf-8"?>
+<p:sld xmlns:a="http://schemas.openxmlformats.org/drawingml/2006/main" xmlns:r="http://schemas.openxmlformats.org/officeDocument/2006/relationships" xmlns:p="http://schemas.openxmlformats.org/presentationml/2006/main">
+  <p:cSld>
+    <p:spTree>
+      <p:nvGrpSpPr>
+        <p:cNvPr id="1" name=""/>
+        <p:cNvGrpSpPr/>
+        <p:nvPr/>
+      </p:nvGrpSpPr>
+      <p:grpSpPr>
+        <a:xfrm>
+          <a:off x="0" y="0"/>
+          <a:ext cx="0" cy="0"/>
+          <a:chOff x="0" y="0"/>
+          <a:chExt cx="0" cy="0"/>
+        </a:xfrm>
+      </p:grpSpPr>
+      <p:sp>
+        <p:nvSpPr>
+          <p:cNvPr id="2" name="Title 1">
+            <a:extLst>
+              <a:ext uri="{FF2B5EF4-FFF2-40B4-BE49-F238E27FC236}">
+                <a16:creationId xmlns:a16="http://schemas.microsoft.com/office/drawing/2014/main" id="{EAFC60FF-2626-9342-81CC-398155965C32}"/>
+              </a:ext>
+            </a:extLst>
+          </p:cNvPr>
+          <p:cNvSpPr>
+            <a:spLocks noGrp="1"/>
+          </p:cNvSpPr>
+          <p:nvPr>
+            <p:ph type="title"/>
+          </p:nvPr>
+        </p:nvSpPr>
+        <p:spPr/>
+        <p:txBody>
+          <a:bodyPr/>
+          <a:lstStyle/>
+          <a:p>
+            <a:r>
+              <a:rPr lang="en-US" dirty="0"/>
+              <a:t>Any Questions?</a:t>
+            </a:r>
+          </a:p>
+        </p:txBody>
+      </p:sp>
+    </p:spTree>
+    <p:extLst>
+      <p:ext uri="{BB962C8B-B14F-4D97-AF65-F5344CB8AC3E}">
+        <p14:creationId xmlns:p14="http://schemas.microsoft.com/office/powerpoint/2010/main" val="1485530803"/>
       </p:ext>
     </p:extLst>
   </p:cSld>
@@ -5981,12 +6435,28 @@
           <a:lstStyle/>
           <a:p>
             <a:r>
-              <a:rPr lang="en-US">
+              <a:rPr lang="en-US" dirty="0">
                 <a:solidFill>
                   <a:srgbClr val="FFFFFF"/>
                 </a:solidFill>
               </a:rPr>
-              <a:t>Source: support.google.com/covid10-mobility</a:t>
+              <a:t>Source: </a:t>
+            </a:r>
+            <a:r>
+              <a:rPr lang="en-US" dirty="0" err="1">
+                <a:solidFill>
+                  <a:srgbClr val="FFFFFF"/>
+                </a:solidFill>
+              </a:rPr>
+              <a:t>www.google.com</a:t>
+            </a:r>
+            <a:r>
+              <a:rPr lang="en-US" dirty="0">
+                <a:solidFill>
+                  <a:srgbClr val="FFFFFF"/>
+                </a:solidFill>
+              </a:rPr>
+              <a:t>/covid19/mobility/</a:t>
             </a:r>
           </a:p>
         </p:txBody>
@@ -6777,8 +7247,45 @@
                   <a:schemeClr val="tx1"/>
                 </a:solidFill>
               </a:rPr>
-              <a:t>The data used only goes back to the beginning of the pandemic, roughly March 2020. The baseline used is five weeks from the beginning of the year 2020.</a:t>
-            </a:r>
+              <a:t>The data used only goes back to the beginning of the pandemic, roughly March 2020. </a:t>
+            </a:r>
+          </a:p>
+          <a:p>
+            <a:r>
+              <a:rPr lang="en-US" dirty="0">
+                <a:solidFill>
+                  <a:schemeClr val="tx1"/>
+                </a:solidFill>
+              </a:rPr>
+              <a:t>The baseline used is five weeks from the beginning of the year 2020. There is no way to determine if the baseline is a representative week. </a:t>
+            </a:r>
+          </a:p>
+          <a:p>
+            <a:r>
+              <a:rPr lang="en-US" dirty="0">
+                <a:solidFill>
+                  <a:schemeClr val="tx1"/>
+                </a:solidFill>
+              </a:rPr>
+              <a:t>We do not have enough movement data from before the pandemic to establish a good baseline. </a:t>
+            </a:r>
+          </a:p>
+          <a:p>
+            <a:r>
+              <a:rPr lang="en-US" dirty="0">
+                <a:solidFill>
+                  <a:schemeClr val="tx1"/>
+                </a:solidFill>
+              </a:rPr>
+              <a:t>Parks also are a place that fluctuates based on the time of year. Visitation will be higher during the warmer months. </a:t>
+            </a:r>
+          </a:p>
+          <a:p>
+            <a:endParaRPr lang="en-US" dirty="0">
+              <a:solidFill>
+                <a:schemeClr val="tx1"/>
+              </a:solidFill>
+            </a:endParaRPr>
           </a:p>
           <a:p>
             <a:endParaRPr lang="en-US" dirty="0">
@@ -6916,6 +7423,24 @@
             </a:r>
           </a:p>
           <a:p>
+            <a:r>
+              <a:rPr lang="en-US" dirty="0" err="1">
+                <a:solidFill>
+                  <a:schemeClr val="tx1"/>
+                </a:solidFill>
+              </a:rPr>
+              <a:t>Plotly</a:t>
+            </a:r>
+            <a:r>
+              <a:rPr lang="en-US" dirty="0">
+                <a:solidFill>
+                  <a:schemeClr val="tx1"/>
+                </a:solidFill>
+              </a:rPr>
+              <a:t> was used for the heatmap. </a:t>
+            </a:r>
+          </a:p>
+          <a:p>
             <a:endParaRPr lang="en-US" dirty="0">
               <a:solidFill>
                 <a:schemeClr val="tx1"/>
@@ -6959,7 +7484,7 @@
           <p:cNvPr id="2" name="Title 1">
             <a:extLst>
               <a:ext uri="{FF2B5EF4-FFF2-40B4-BE49-F238E27FC236}">
-                <a16:creationId xmlns:a16="http://schemas.microsoft.com/office/drawing/2014/main" id="{CB2C0901-96C1-4CEF-B9C7-7A21131A3A5E}"/>
+                <a16:creationId xmlns:a16="http://schemas.microsoft.com/office/drawing/2014/main" id="{446CBE06-FA0E-401D-96A6-48A5BB928C46}"/>
               </a:ext>
             </a:extLst>
           </p:cNvPr>
@@ -6970,51 +7495,268 @@
             <p:ph type="title"/>
           </p:nvPr>
         </p:nvSpPr>
-        <p:spPr/>
-        <p:txBody>
-          <a:bodyPr/>
+        <p:spPr>
+          <a:xfrm>
+            <a:off x="851992" y="309615"/>
+            <a:ext cx="8534400" cy="1507067"/>
+          </a:xfrm>
+        </p:spPr>
+        <p:txBody>
+          <a:bodyPr>
+            <a:normAutofit/>
+          </a:bodyPr>
           <a:lstStyle/>
           <a:p>
             <a:r>
               <a:rPr lang="en-US" dirty="0"/>
-              <a:t>Graph of all the data nationwide</a:t>
-            </a:r>
-          </a:p>
-        </p:txBody>
-      </p:sp>
-      <p:pic>
-        <p:nvPicPr>
-          <p:cNvPr id="5" name="Content Placeholder 4">
+              <a:t>ANOVA</a:t>
+            </a:r>
+          </a:p>
+        </p:txBody>
+      </p:sp>
+      <p:sp>
+        <p:nvSpPr>
+          <p:cNvPr id="4" name="TextBox 3">
             <a:extLst>
               <a:ext uri="{FF2B5EF4-FFF2-40B4-BE49-F238E27FC236}">
-                <a16:creationId xmlns:a16="http://schemas.microsoft.com/office/drawing/2014/main" id="{7DE26B88-B396-E344-B7CC-B90D4137F7FD}"/>
+                <a16:creationId xmlns:a16="http://schemas.microsoft.com/office/drawing/2014/main" id="{A1E9553E-53CF-49DB-B19B-B7E91B0BE908}"/>
               </a:ext>
             </a:extLst>
           </p:cNvPr>
-          <p:cNvPicPr>
-            <a:picLocks noGrp="1" noChangeAspect="1"/>
-          </p:cNvPicPr>
-          <p:nvPr>
-            <p:ph idx="1"/>
-          </p:nvPr>
-        </p:nvPicPr>
-        <p:blipFill>
-          <a:blip r:embed="rId2"/>
-          <a:stretch>
-            <a:fillRect/>
-          </a:stretch>
-        </p:blipFill>
+          <p:cNvSpPr txBox="1"/>
+          <p:nvPr/>
+        </p:nvSpPr>
         <p:spPr>
           <a:xfrm>
-            <a:off x="1738313" y="685800"/>
-            <a:ext cx="6426200" cy="3614738"/>
+            <a:off x="1644242" y="2306972"/>
+            <a:ext cx="9244668" cy="923330"/>
           </a:xfrm>
+          <a:prstGeom prst="rect">
+            <a:avLst/>
+          </a:prstGeom>
+          <a:noFill/>
         </p:spPr>
-      </p:pic>
+        <p:txBody>
+          <a:bodyPr wrap="square" rtlCol="0">
+            <a:spAutoFit/>
+          </a:bodyPr>
+          <a:lstStyle/>
+          <a:p>
+            <a:r>
+              <a:rPr lang="en-US" dirty="0"/>
+              <a:t>With a p-value so small that it is not within the precision scope of a floating point number, we feel confident in rejecting the null hypothesis, and saying that the relationship between cases and people’s movement is statistically significant. </a:t>
+            </a:r>
+          </a:p>
+        </p:txBody>
+      </p:sp>
+      <p:sp>
+        <p:nvSpPr>
+          <p:cNvPr id="5" name="TextBox 4">
+            <a:extLst>
+              <a:ext uri="{FF2B5EF4-FFF2-40B4-BE49-F238E27FC236}">
+                <a16:creationId xmlns:a16="http://schemas.microsoft.com/office/drawing/2014/main" id="{9316CE6F-8E8B-4898-AA23-8E1BD967A709}"/>
+              </a:ext>
+            </a:extLst>
+          </p:cNvPr>
+          <p:cNvSpPr txBox="1"/>
+          <p:nvPr/>
+        </p:nvSpPr>
+        <p:spPr>
+          <a:xfrm>
+            <a:off x="1778466" y="4035105"/>
+            <a:ext cx="6568580" cy="1200329"/>
+          </a:xfrm>
+          <a:prstGeom prst="rect">
+            <a:avLst/>
+          </a:prstGeom>
+          <a:noFill/>
+        </p:spPr>
+        <p:txBody>
+          <a:bodyPr wrap="square" rtlCol="0">
+            <a:spAutoFit/>
+          </a:bodyPr>
+          <a:lstStyle/>
+          <a:p>
+            <a:r>
+              <a:rPr lang="en-US" dirty="0"/>
+              <a:t>ANOVA Numbers:</a:t>
+            </a:r>
+            <a:br>
+              <a:rPr lang="en-US" dirty="0"/>
+            </a:br>
+            <a:r>
+              <a:rPr lang="en-US" dirty="0"/>
+              <a:t>F- statistic: </a:t>
+            </a:r>
+            <a:r>
+              <a:rPr kumimoji="0" lang="en-US" altLang="en-US" sz="1800" b="0" i="0" u="none" strike="noStrike" cap="none" normalizeH="0" baseline="0" dirty="0">
+                <a:ln>
+                  <a:noFill/>
+                </a:ln>
+                <a:effectLst/>
+                <a:latin typeface="var(--vscode-editor-font-family)"/>
+              </a:rPr>
+              <a:t>462.39777712696065</a:t>
+            </a:r>
+          </a:p>
+          <a:p>
+            <a:r>
+              <a:rPr lang="en-US" dirty="0">
+                <a:latin typeface="var(--vscode-editor-font-family)"/>
+              </a:rPr>
+              <a:t>P-Value: 0.0</a:t>
+            </a:r>
+            <a:br>
+              <a:rPr lang="en-US" dirty="0"/>
+            </a:br>
+            <a:endParaRPr lang="en-US" dirty="0"/>
+          </a:p>
+        </p:txBody>
+      </p:sp>
+      <p:sp>
+        <p:nvSpPr>
+          <p:cNvPr id="6" name="Rectangle 1">
+            <a:extLst>
+              <a:ext uri="{FF2B5EF4-FFF2-40B4-BE49-F238E27FC236}">
+                <a16:creationId xmlns:a16="http://schemas.microsoft.com/office/drawing/2014/main" id="{DEC74051-D7DD-4348-8044-9D6D8DE9DB71}"/>
+              </a:ext>
+            </a:extLst>
+          </p:cNvPr>
+          <p:cNvSpPr>
+            <a:spLocks noChangeArrowheads="1"/>
+          </p:cNvSpPr>
+          <p:nvPr/>
+        </p:nvSpPr>
+        <p:spPr bwMode="auto">
+          <a:xfrm>
+            <a:off x="0" y="0"/>
+            <a:ext cx="12192000" cy="457200"/>
+          </a:xfrm>
+          <a:prstGeom prst="rect">
+            <a:avLst/>
+          </a:prstGeom>
+          <a:solidFill>
+            <a:srgbClr val="1E1E1E"/>
+          </a:solidFill>
+          <a:ln>
+            <a:noFill/>
+          </a:ln>
+          <a:effectLst/>
+          <a:extLst>
+            <a:ext uri="{91240B29-F687-4F45-9708-019B960494DF}">
+              <a14:hiddenLine xmlns:a14="http://schemas.microsoft.com/office/drawing/2010/main" w="9525">
+                <a:solidFill>
+                  <a:schemeClr val="tx1"/>
+                </a:solidFill>
+                <a:miter lim="800000"/>
+                <a:headEnd/>
+                <a:tailEnd/>
+              </a14:hiddenLine>
+            </a:ext>
+            <a:ext uri="{AF507438-7753-43E0-B8FC-AC1667EBCBE1}">
+              <a14:hiddenEffects xmlns:a14="http://schemas.microsoft.com/office/drawing/2010/main">
+                <a:effectLst>
+                  <a:outerShdw dist="35921" dir="2700000" algn="ctr" rotWithShape="0">
+                    <a:schemeClr val="bg2"/>
+                  </a:outerShdw>
+                </a:effectLst>
+              </a14:hiddenEffects>
+            </a:ext>
+          </a:extLst>
+        </p:spPr>
+        <p:txBody>
+          <a:bodyPr vert="horz" wrap="none" lIns="91440" tIns="45720" rIns="91440" bIns="45720" numCol="1" anchor="ctr" anchorCtr="0" compatLnSpc="1">
+            <a:prstTxWarp prst="textNoShape">
+              <a:avLst/>
+            </a:prstTxWarp>
+            <a:spAutoFit/>
+          </a:bodyPr>
+          <a:lstStyle/>
+          <a:p>
+            <a:pPr marL="0" marR="0" lvl="0" indent="0" algn="l" defTabSz="914400" rtl="0" eaLnBrk="0" fontAlgn="base" latinLnBrk="0" hangingPunct="0">
+              <a:lnSpc>
+                <a:spcPct val="100000"/>
+              </a:lnSpc>
+              <a:spcBef>
+                <a:spcPct val="0"/>
+              </a:spcBef>
+              <a:spcAft>
+                <a:spcPct val="0"/>
+              </a:spcAft>
+              <a:buClrTx/>
+              <a:buSzTx/>
+              <a:buFontTx/>
+              <a:buNone/>
+              <a:tabLst/>
+            </a:pPr>
+            <a:r>
+              <a:rPr kumimoji="0" lang="en-US" altLang="en-US" sz="1000" b="0" i="0" u="none" strike="noStrike" cap="none" normalizeH="0" baseline="0" dirty="0">
+                <a:ln>
+                  <a:noFill/>
+                </a:ln>
+                <a:solidFill>
+                  <a:srgbClr val="D4D4D4"/>
+                </a:solidFill>
+                <a:effectLst/>
+                <a:latin typeface="var(--vscode-editor-font-family)"/>
+              </a:rPr>
+              <a:t>statistic=462.39777712696065, </a:t>
+            </a:r>
+            <a:r>
+              <a:rPr kumimoji="0" lang="en-US" altLang="en-US" sz="1000" b="0" i="0" u="none" strike="noStrike" cap="none" normalizeH="0" baseline="0" dirty="0" err="1">
+                <a:ln>
+                  <a:noFill/>
+                </a:ln>
+                <a:solidFill>
+                  <a:srgbClr val="D4D4D4"/>
+                </a:solidFill>
+                <a:effectLst/>
+                <a:latin typeface="var(--vscode-editor-font-family)"/>
+              </a:rPr>
+              <a:t>pvalue</a:t>
+            </a:r>
+            <a:r>
+              <a:rPr kumimoji="0" lang="en-US" altLang="en-US" sz="1000" b="0" i="0" u="none" strike="noStrike" cap="none" normalizeH="0" baseline="0" dirty="0">
+                <a:ln>
+                  <a:noFill/>
+                </a:ln>
+                <a:solidFill>
+                  <a:srgbClr val="D4D4D4"/>
+                </a:solidFill>
+                <a:effectLst/>
+                <a:latin typeface="var(--vscode-editor-font-family)"/>
+              </a:rPr>
+              <a:t>=0.0)</a:t>
+            </a:r>
+            <a:r>
+              <a:rPr kumimoji="0" lang="en-US" altLang="en-US" sz="800" b="0" i="0" u="none" strike="noStrike" cap="none" normalizeH="0" baseline="0" dirty="0">
+                <a:ln>
+                  <a:noFill/>
+                </a:ln>
+                <a:solidFill>
+                  <a:schemeClr val="tx1"/>
+                </a:solidFill>
+                <a:effectLst/>
+              </a:rPr>
+              <a:t> </a:t>
+            </a:r>
+            <a:endParaRPr kumimoji="0" lang="en-US" altLang="en-US" sz="1800" b="0" i="0" u="none" strike="noStrike" cap="none" normalizeH="0" baseline="0" dirty="0">
+              <a:ln>
+                <a:noFill/>
+              </a:ln>
+              <a:solidFill>
+                <a:schemeClr val="tx1"/>
+              </a:solidFill>
+              <a:effectLst/>
+              <a:latin typeface="Arial" panose="020B0604020202020204" pitchFamily="34" charset="0"/>
+            </a:endParaRPr>
+          </a:p>
+        </p:txBody>
+      </p:sp>
     </p:spTree>
     <p:extLst>
       <p:ext uri="{BB962C8B-B14F-4D97-AF65-F5344CB8AC3E}">
-        <p14:creationId xmlns:p14="http://schemas.microsoft.com/office/powerpoint/2010/main" val="2856798474"/>
+        <p14:creationId xmlns:p14="http://schemas.microsoft.com/office/powerpoint/2010/main" val="3935500864"/>
       </p:ext>
     </p:extLst>
   </p:cSld>
@@ -7046,7 +7788,7 @@
           <p:cNvPr id="2" name="Title 1">
             <a:extLst>
               <a:ext uri="{FF2B5EF4-FFF2-40B4-BE49-F238E27FC236}">
-                <a16:creationId xmlns:a16="http://schemas.microsoft.com/office/drawing/2014/main" id="{152E58B8-0290-4A78-821D-05F5CABB8AC7}"/>
+                <a16:creationId xmlns:a16="http://schemas.microsoft.com/office/drawing/2014/main" id="{CB2C0901-96C1-4CEF-B9C7-7A21131A3A5E}"/>
               </a:ext>
             </a:extLst>
           </p:cNvPr>
@@ -7057,47 +7799,55 @@
             <p:ph type="title"/>
           </p:nvPr>
         </p:nvSpPr>
-        <p:spPr/>
+        <p:spPr>
+          <a:xfrm>
+            <a:off x="430928" y="5015366"/>
+            <a:ext cx="8828982" cy="1507067"/>
+          </a:xfrm>
+        </p:spPr>
         <p:txBody>
           <a:bodyPr/>
           <a:lstStyle/>
           <a:p>
             <a:r>
               <a:rPr lang="en-US" dirty="0"/>
-              <a:t>Graphs of interesting states</a:t>
-            </a:r>
-          </a:p>
-        </p:txBody>
-      </p:sp>
-      <p:sp>
-        <p:nvSpPr>
-          <p:cNvPr id="3" name="Content Placeholder 2">
+              <a:t>National mobility during covid-19</a:t>
+            </a:r>
+          </a:p>
+        </p:txBody>
+      </p:sp>
+      <p:pic>
+        <p:nvPicPr>
+          <p:cNvPr id="5" name="Content Placeholder 4">
             <a:extLst>
               <a:ext uri="{FF2B5EF4-FFF2-40B4-BE49-F238E27FC236}">
-                <a16:creationId xmlns:a16="http://schemas.microsoft.com/office/drawing/2014/main" id="{876D9C93-09A4-4901-A598-30E55F67A4EC}"/>
+                <a16:creationId xmlns:a16="http://schemas.microsoft.com/office/drawing/2014/main" id="{7DE26B88-B396-E344-B7CC-B90D4137F7FD}"/>
               </a:ext>
             </a:extLst>
           </p:cNvPr>
-          <p:cNvSpPr>
-            <a:spLocks noGrp="1"/>
-          </p:cNvSpPr>
+          <p:cNvPicPr>
+            <a:picLocks noGrp="1" noChangeAspect="1"/>
+          </p:cNvPicPr>
           <p:nvPr>
             <p:ph idx="1"/>
           </p:nvPr>
-        </p:nvSpPr>
-        <p:spPr/>
-        <p:txBody>
-          <a:bodyPr/>
-          <a:lstStyle/>
-          <a:p>
-            <a:endParaRPr lang="en-US"/>
-          </a:p>
-        </p:txBody>
-      </p:sp>
+        </p:nvPicPr>
+        <p:blipFill rotWithShape="1">
+          <a:blip r:embed="rId2"/>
+          <a:srcRect l="7548" t="6406" r="8272" b="6677"/>
+          <a:stretch/>
+        </p:blipFill>
+        <p:spPr>
+          <a:xfrm>
+            <a:off x="1608877" y="219656"/>
+            <a:ext cx="8974245" cy="5212080"/>
+          </a:xfrm>
+        </p:spPr>
+      </p:pic>
     </p:spTree>
     <p:extLst>
       <p:ext uri="{BB962C8B-B14F-4D97-AF65-F5344CB8AC3E}">
-        <p14:creationId xmlns:p14="http://schemas.microsoft.com/office/powerpoint/2010/main" val="1394950397"/>
+        <p14:creationId xmlns:p14="http://schemas.microsoft.com/office/powerpoint/2010/main" val="2856798474"/>
       </p:ext>
     </p:extLst>
   </p:cSld>
@@ -7129,7 +7879,7 @@
           <p:cNvPr id="2" name="Title 1">
             <a:extLst>
               <a:ext uri="{FF2B5EF4-FFF2-40B4-BE49-F238E27FC236}">
-                <a16:creationId xmlns:a16="http://schemas.microsoft.com/office/drawing/2014/main" id="{DD7F1410-A8AF-4F3C-87A4-EDFC2EB7FC68}"/>
+                <a16:creationId xmlns:a16="http://schemas.microsoft.com/office/drawing/2014/main" id="{152E58B8-0290-4A78-821D-05F5CABB8AC7}"/>
               </a:ext>
             </a:extLst>
           </p:cNvPr>
@@ -7140,47 +7890,58 @@
             <p:ph type="title"/>
           </p:nvPr>
         </p:nvSpPr>
-        <p:spPr/>
-        <p:txBody>
-          <a:bodyPr/>
+        <p:spPr>
+          <a:xfrm>
+            <a:off x="103031" y="4841501"/>
+            <a:ext cx="9903853" cy="2016499"/>
+          </a:xfrm>
+        </p:spPr>
+        <p:txBody>
+          <a:bodyPr>
+            <a:normAutofit/>
+          </a:bodyPr>
           <a:lstStyle/>
           <a:p>
             <a:r>
               <a:rPr lang="en-US" dirty="0"/>
-              <a:t>YoY graphs</a:t>
-            </a:r>
-          </a:p>
-        </p:txBody>
-      </p:sp>
-      <p:sp>
-        <p:nvSpPr>
-          <p:cNvPr id="3" name="Content Placeholder 2">
+              <a:t>State Grocery and pharmacy mobility</a:t>
+            </a:r>
+          </a:p>
+        </p:txBody>
+      </p:sp>
+      <p:pic>
+        <p:nvPicPr>
+          <p:cNvPr id="5" name="Content Placeholder 4" descr="Chart&#10;&#10;Description automatically generated">
             <a:extLst>
               <a:ext uri="{FF2B5EF4-FFF2-40B4-BE49-F238E27FC236}">
-                <a16:creationId xmlns:a16="http://schemas.microsoft.com/office/drawing/2014/main" id="{2F02A98F-67DC-4EFB-B0A2-C8E49CD8FBFF}"/>
+                <a16:creationId xmlns:a16="http://schemas.microsoft.com/office/drawing/2014/main" id="{38DFF0C0-C32B-43F1-ACB9-FAC853A4E340}"/>
               </a:ext>
             </a:extLst>
           </p:cNvPr>
-          <p:cNvSpPr>
-            <a:spLocks noGrp="1"/>
-          </p:cNvSpPr>
+          <p:cNvPicPr>
+            <a:picLocks noGrp="1" noChangeAspect="1"/>
+          </p:cNvPicPr>
           <p:nvPr>
             <p:ph idx="1"/>
           </p:nvPr>
-        </p:nvSpPr>
-        <p:spPr/>
-        <p:txBody>
-          <a:bodyPr/>
-          <a:lstStyle/>
-          <a:p>
-            <a:endParaRPr lang="en-US"/>
-          </a:p>
-        </p:txBody>
-      </p:sp>
+        </p:nvPicPr>
+        <p:blipFill>
+          <a:blip r:embed="rId2"/>
+          <a:stretch>
+            <a:fillRect/>
+          </a:stretch>
+        </p:blipFill>
+        <p:spPr>
+          <a:xfrm>
+            <a:off x="820238" y="239079"/>
+            <a:ext cx="10690568" cy="5212080"/>
+          </a:xfrm>
+        </p:spPr>
+      </p:pic>
     </p:spTree>
     <p:extLst>
       <p:ext uri="{BB962C8B-B14F-4D97-AF65-F5344CB8AC3E}">
-        <p14:creationId xmlns:p14="http://schemas.microsoft.com/office/powerpoint/2010/main" val="3078164528"/>
+        <p14:creationId xmlns:p14="http://schemas.microsoft.com/office/powerpoint/2010/main" val="1394950397"/>
       </p:ext>
     </p:extLst>
   </p:cSld>
@@ -7212,7 +7973,7 @@
           <p:cNvPr id="2" name="Title 1">
             <a:extLst>
               <a:ext uri="{FF2B5EF4-FFF2-40B4-BE49-F238E27FC236}">
-                <a16:creationId xmlns:a16="http://schemas.microsoft.com/office/drawing/2014/main" id="{BCF6BFCD-257A-40B2-ACF5-D9FBD751C7DB}"/>
+                <a16:creationId xmlns:a16="http://schemas.microsoft.com/office/drawing/2014/main" id="{DD7F1410-A8AF-4F3C-87A4-EDFC2EB7FC68}"/>
               </a:ext>
             </a:extLst>
           </p:cNvPr>
@@ -7223,47 +7984,56 @@
             <p:ph type="title"/>
           </p:nvPr>
         </p:nvSpPr>
-        <p:spPr/>
+        <p:spPr>
+          <a:xfrm>
+            <a:off x="167425" y="5177307"/>
+            <a:ext cx="9051187" cy="1519707"/>
+          </a:xfrm>
+        </p:spPr>
         <p:txBody>
           <a:bodyPr/>
           <a:lstStyle/>
           <a:p>
             <a:r>
               <a:rPr lang="en-US" dirty="0"/>
-              <a:t>Heatmap of variables (if I can get it working)</a:t>
-            </a:r>
-          </a:p>
-        </p:txBody>
-      </p:sp>
-      <p:sp>
-        <p:nvSpPr>
-          <p:cNvPr id="3" name="Content Placeholder 2">
+              <a:t>State Retail and recreation mobility</a:t>
+            </a:r>
+          </a:p>
+        </p:txBody>
+      </p:sp>
+      <p:pic>
+        <p:nvPicPr>
+          <p:cNvPr id="5" name="Content Placeholder 4" descr="Chart, line chart&#10;&#10;Description automatically generated">
             <a:extLst>
               <a:ext uri="{FF2B5EF4-FFF2-40B4-BE49-F238E27FC236}">
-                <a16:creationId xmlns:a16="http://schemas.microsoft.com/office/drawing/2014/main" id="{AF2A7004-B938-4B21-8115-3C7E69E675ED}"/>
+                <a16:creationId xmlns:a16="http://schemas.microsoft.com/office/drawing/2014/main" id="{FEC95E30-1BEA-443E-83A9-7FE2BD1BAB54}"/>
               </a:ext>
             </a:extLst>
           </p:cNvPr>
-          <p:cNvSpPr>
-            <a:spLocks noGrp="1"/>
-          </p:cNvSpPr>
+          <p:cNvPicPr>
+            <a:picLocks noGrp="1" noChangeAspect="1"/>
+          </p:cNvPicPr>
           <p:nvPr>
             <p:ph idx="1"/>
           </p:nvPr>
-        </p:nvSpPr>
-        <p:spPr/>
-        <p:txBody>
-          <a:bodyPr/>
-          <a:lstStyle/>
-          <a:p>
-            <a:endParaRPr lang="en-US"/>
-          </a:p>
-        </p:txBody>
-      </p:sp>
+        </p:nvPicPr>
+        <p:blipFill>
+          <a:blip r:embed="rId2"/>
+          <a:stretch>
+            <a:fillRect/>
+          </a:stretch>
+        </p:blipFill>
+        <p:spPr>
+          <a:xfrm>
+            <a:off x="750715" y="160986"/>
+            <a:ext cx="10690570" cy="5212080"/>
+          </a:xfrm>
+        </p:spPr>
+      </p:pic>
     </p:spTree>
     <p:extLst>
       <p:ext uri="{BB962C8B-B14F-4D97-AF65-F5344CB8AC3E}">
-        <p14:creationId xmlns:p14="http://schemas.microsoft.com/office/powerpoint/2010/main" val="2087543059"/>
+        <p14:creationId xmlns:p14="http://schemas.microsoft.com/office/powerpoint/2010/main" val="3078164528"/>
       </p:ext>
     </p:extLst>
   </p:cSld>
@@ -7548,15 +8318,6 @@
 </file>
 
 <file path=customXml/item1.xml><?xml version="1.0" encoding="utf-8"?>
-<p:properties xmlns:p="http://schemas.microsoft.com/office/2006/metadata/properties" xmlns:xsi="http://www.w3.org/2001/XMLSchema-instance" xmlns:pc="http://schemas.microsoft.com/office/infopath/2007/PartnerControls">
-  <documentManagement>
-    <Status xmlns="71af3243-3dd4-4a8d-8c0d-dd76da1f02a5">Not started</Status>
-    <MediaServiceKeyPoints xmlns="71af3243-3dd4-4a8d-8c0d-dd76da1f02a5" xsi:nil="true"/>
-  </documentManagement>
-</p:properties>
-</file>
-
-<file path=customXml/item2.xml><?xml version="1.0" encoding="utf-8"?>
 <?mso-contentType ?>
 <FormTemplates xmlns="http://schemas.microsoft.com/sharepoint/v3/contenttype/forms">
   <Display>DocumentLibraryForm</Display>
@@ -7565,7 +8326,7 @@
 </FormTemplates>
 </file>
 
-<file path=customXml/item3.xml><?xml version="1.0" encoding="utf-8"?>
+<file path=customXml/item2.xml><?xml version="1.0" encoding="utf-8"?>
 <ct:contentTypeSchema xmlns:ct="http://schemas.microsoft.com/office/2006/metadata/contentType" xmlns:ma="http://schemas.microsoft.com/office/2006/metadata/properties/metaAttributes" ct:_="" ma:_="" ma:contentTypeName="Document" ma:contentTypeID="0x01010079F111ED35F8CC479449609E8A0923A6" ma:contentTypeVersion="12" ma:contentTypeDescription="Create a new document." ma:contentTypeScope="" ma:versionID="a410dd7f93c95333ffa1b60ed6adedd1">
   <xsd:schema xmlns:xsd="http://www.w3.org/2001/XMLSchema" xmlns:xs="http://www.w3.org/2001/XMLSchema" xmlns:p="http://schemas.microsoft.com/office/2006/metadata/properties" xmlns:ns2="71af3243-3dd4-4a8d-8c0d-dd76da1f02a5" xmlns:ns3="16c05727-aa75-4e4a-9b5f-8a80a1165891" targetNamespace="http://schemas.microsoft.com/office/2006/metadata/properties" ma:root="true" ma:fieldsID="a936d9baba76aa3866493feff160faab" ns2:_="" ns3:_="">
     <xsd:import namespace="71af3243-3dd4-4a8d-8c0d-dd76da1f02a5"/>
@@ -7786,17 +8547,16 @@
 </ct:contentTypeSchema>
 </file>
 
-<file path=customXml/itemProps1.xml><?xml version="1.0" encoding="utf-8"?>
-<ds:datastoreItem xmlns:ds="http://schemas.openxmlformats.org/officeDocument/2006/customXml" ds:itemID="{A03EEFF0-FB57-4CB4-8BFC-DF397689E2ED}">
-  <ds:schemaRefs>
-    <ds:schemaRef ds:uri="http://schemas.microsoft.com/office/2006/metadata/properties"/>
-    <ds:schemaRef ds:uri="http://schemas.microsoft.com/office/infopath/2007/PartnerControls"/>
-    <ds:schemaRef ds:uri="71af3243-3dd4-4a8d-8c0d-dd76da1f02a5"/>
-  </ds:schemaRefs>
-</ds:datastoreItem>
+<file path=customXml/item3.xml><?xml version="1.0" encoding="utf-8"?>
+<p:properties xmlns:p="http://schemas.microsoft.com/office/2006/metadata/properties" xmlns:xsi="http://www.w3.org/2001/XMLSchema-instance" xmlns:pc="http://schemas.microsoft.com/office/infopath/2007/PartnerControls">
+  <documentManagement>
+    <Status xmlns="71af3243-3dd4-4a8d-8c0d-dd76da1f02a5">Not started</Status>
+    <MediaServiceKeyPoints xmlns="71af3243-3dd4-4a8d-8c0d-dd76da1f02a5" xsi:nil="true"/>
+  </documentManagement>
+</p:properties>
 </file>
 
-<file path=customXml/itemProps2.xml><?xml version="1.0" encoding="utf-8"?>
+<file path=customXml/itemProps1.xml><?xml version="1.0" encoding="utf-8"?>
 <ds:datastoreItem xmlns:ds="http://schemas.openxmlformats.org/officeDocument/2006/customXml" ds:itemID="{AA3F7EDC-E5B4-4BBC-9D2A-CBE6D46C37AD}">
   <ds:schemaRefs>
     <ds:schemaRef ds:uri="http://schemas.microsoft.com/sharepoint/v3/contenttype/forms"/>
@@ -7804,7 +8564,7 @@
 </ds:datastoreItem>
 </file>
 
-<file path=customXml/itemProps3.xml><?xml version="1.0" encoding="utf-8"?>
+<file path=customXml/itemProps2.xml><?xml version="1.0" encoding="utf-8"?>
 <ds:datastoreItem xmlns:ds="http://schemas.openxmlformats.org/officeDocument/2006/customXml" ds:itemID="{93932EF5-314F-409E-8020-FEE5FA0795B9}">
   <ds:schemaRefs>
     <ds:schemaRef ds:uri="http://schemas.microsoft.com/office/2006/metadata/contentType"/>
@@ -7821,4 +8581,14 @@
     <ds:schemaRef ds:uri="http://schemas.microsoft.com/internal/obd"/>
   </ds:schemaRefs>
 </ds:datastoreItem>
+</file>
+
+<file path=customXml/itemProps3.xml><?xml version="1.0" encoding="utf-8"?>
+<ds:datastoreItem xmlns:ds="http://schemas.openxmlformats.org/officeDocument/2006/customXml" ds:itemID="{A03EEFF0-FB57-4CB4-8BFC-DF397689E2ED}">
+  <ds:schemaRefs>
+    <ds:schemaRef ds:uri="http://schemas.microsoft.com/office/2006/metadata/properties"/>
+    <ds:schemaRef ds:uri="http://schemas.microsoft.com/office/infopath/2007/PartnerControls"/>
+    <ds:schemaRef ds:uri="71af3243-3dd4-4a8d-8c0d-dd76da1f02a5"/>
+  </ds:schemaRefs>
+</ds:datastoreItem>
 </file>
--- a/presentation.pptx
+++ b/presentation.pptx
@@ -11,16 +11,21 @@
     <p:sldId id="310" r:id="rId8"/>
     <p:sldId id="311" r:id="rId9"/>
     <p:sldId id="307" r:id="rId10"/>
-    <p:sldId id="303" r:id="rId11"/>
-    <p:sldId id="304" r:id="rId12"/>
-    <p:sldId id="305" r:id="rId13"/>
-    <p:sldId id="314" r:id="rId14"/>
-    <p:sldId id="315" r:id="rId15"/>
-    <p:sldId id="316" r:id="rId16"/>
-    <p:sldId id="312" r:id="rId17"/>
-    <p:sldId id="306" r:id="rId18"/>
-    <p:sldId id="308" r:id="rId19"/>
-    <p:sldId id="313" r:id="rId20"/>
+    <p:sldId id="322" r:id="rId11"/>
+    <p:sldId id="321" r:id="rId12"/>
+    <p:sldId id="303" r:id="rId13"/>
+    <p:sldId id="318" r:id="rId14"/>
+    <p:sldId id="314" r:id="rId15"/>
+    <p:sldId id="315" r:id="rId16"/>
+    <p:sldId id="316" r:id="rId17"/>
+    <p:sldId id="312" r:id="rId18"/>
+    <p:sldId id="319" r:id="rId19"/>
+    <p:sldId id="304" r:id="rId20"/>
+    <p:sldId id="305" r:id="rId21"/>
+    <p:sldId id="306" r:id="rId22"/>
+    <p:sldId id="308" r:id="rId23"/>
+    <p:sldId id="317" r:id="rId24"/>
+    <p:sldId id="313" r:id="rId25"/>
   </p:sldIdLst>
   <p:sldSz cx="12192000" cy="6858000"/>
   <p:notesSz cx="6858000" cy="9144000"/>
@@ -551,6 +556,18 @@
   <p:clrMapOvr>
     <a:masterClrMapping/>
   </p:clrMapOvr>
+  <mc:AlternateContent xmlns:mc="http://schemas.openxmlformats.org/markup-compatibility/2006">
+    <mc:Choice xmlns:p14="http://schemas.microsoft.com/office/powerpoint/2010/main" Requires="p14">
+      <p:transition spd="med" p14:dur="700">
+        <p:fade/>
+      </p:transition>
+    </mc:Choice>
+    <mc:Fallback>
+      <p:transition spd="med">
+        <p:fade/>
+      </p:transition>
+    </mc:Fallback>
+  </mc:AlternateContent>
 </p:sldLayout>
 </file>
 
@@ -812,6 +829,18 @@
   <p:clrMapOvr>
     <a:masterClrMapping/>
   </p:clrMapOvr>
+  <mc:AlternateContent xmlns:mc="http://schemas.openxmlformats.org/markup-compatibility/2006">
+    <mc:Choice xmlns:p14="http://schemas.microsoft.com/office/powerpoint/2010/main" Requires="p14">
+      <p:transition spd="med" p14:dur="700">
+        <p:fade/>
+      </p:transition>
+    </mc:Choice>
+    <mc:Fallback>
+      <p:transition spd="med">
+        <p:fade/>
+      </p:transition>
+    </mc:Fallback>
+  </mc:AlternateContent>
   <p:hf sldNum="0" hdr="0" ftr="0" dt="0"/>
 </p:sldLayout>
 </file>
@@ -1063,6 +1092,18 @@
   <p:clrMapOvr>
     <a:masterClrMapping/>
   </p:clrMapOvr>
+  <mc:AlternateContent xmlns:mc="http://schemas.openxmlformats.org/markup-compatibility/2006">
+    <mc:Choice xmlns:p14="http://schemas.microsoft.com/office/powerpoint/2010/main" Requires="p14">
+      <p:transition spd="med" p14:dur="700">
+        <p:fade/>
+      </p:transition>
+    </mc:Choice>
+    <mc:Fallback>
+      <p:transition spd="med">
+        <p:fade/>
+      </p:transition>
+    </mc:Fallback>
+  </mc:AlternateContent>
   <p:hf sldNum="0" hdr="0" ftr="0" dt="0"/>
 </p:sldLayout>
 </file>
@@ -1440,6 +1481,18 @@
   <p:clrMapOvr>
     <a:masterClrMapping/>
   </p:clrMapOvr>
+  <mc:AlternateContent xmlns:mc="http://schemas.openxmlformats.org/markup-compatibility/2006">
+    <mc:Choice xmlns:p14="http://schemas.microsoft.com/office/powerpoint/2010/main" Requires="p14">
+      <p:transition spd="med" p14:dur="700">
+        <p:fade/>
+      </p:transition>
+    </mc:Choice>
+    <mc:Fallback>
+      <p:transition spd="med">
+        <p:fade/>
+      </p:transition>
+    </mc:Fallback>
+  </mc:AlternateContent>
   <p:hf sldNum="0" hdr="0" ftr="0" dt="0"/>
 </p:sldLayout>
 </file>
@@ -1691,6 +1744,18 @@
   <p:clrMapOvr>
     <a:masterClrMapping/>
   </p:clrMapOvr>
+  <mc:AlternateContent xmlns:mc="http://schemas.openxmlformats.org/markup-compatibility/2006">
+    <mc:Choice xmlns:p14="http://schemas.microsoft.com/office/powerpoint/2010/main" Requires="p14">
+      <p:transition spd="med" p14:dur="700">
+        <p:fade/>
+      </p:transition>
+    </mc:Choice>
+    <mc:Fallback>
+      <p:transition spd="med">
+        <p:fade/>
+      </p:transition>
+    </mc:Fallback>
+  </mc:AlternateContent>
   <p:hf sldNum="0" hdr="0" ftr="0" dt="0"/>
 </p:sldLayout>
 </file>
@@ -2062,6 +2127,18 @@
   <p:clrMapOvr>
     <a:masterClrMapping/>
   </p:clrMapOvr>
+  <mc:AlternateContent xmlns:mc="http://schemas.openxmlformats.org/markup-compatibility/2006">
+    <mc:Choice xmlns:p14="http://schemas.microsoft.com/office/powerpoint/2010/main" Requires="p14">
+      <p:transition spd="med" p14:dur="700">
+        <p:fade/>
+      </p:transition>
+    </mc:Choice>
+    <mc:Fallback>
+      <p:transition spd="med">
+        <p:fade/>
+      </p:transition>
+    </mc:Fallback>
+  </mc:AlternateContent>
   <p:hf sldNum="0" hdr="0" ftr="0" dt="0"/>
 </p:sldLayout>
 </file>
@@ -2362,6 +2439,18 @@
   <p:clrMapOvr>
     <a:masterClrMapping/>
   </p:clrMapOvr>
+  <mc:AlternateContent xmlns:mc="http://schemas.openxmlformats.org/markup-compatibility/2006">
+    <mc:Choice xmlns:p14="http://schemas.microsoft.com/office/powerpoint/2010/main" Requires="p14">
+      <p:transition spd="med" p14:dur="700">
+        <p:fade/>
+      </p:transition>
+    </mc:Choice>
+    <mc:Fallback>
+      <p:transition spd="med">
+        <p:fade/>
+      </p:transition>
+    </mc:Fallback>
+  </mc:AlternateContent>
   <p:hf sldNum="0" hdr="0" ftr="0" dt="0"/>
 </p:sldLayout>
 </file>
@@ -2537,6 +2626,18 @@
   <p:clrMapOvr>
     <a:masterClrMapping/>
   </p:clrMapOvr>
+  <mc:AlternateContent xmlns:mc="http://schemas.openxmlformats.org/markup-compatibility/2006">
+    <mc:Choice xmlns:p14="http://schemas.microsoft.com/office/powerpoint/2010/main" Requires="p14">
+      <p:transition spd="med" p14:dur="700">
+        <p:fade/>
+      </p:transition>
+    </mc:Choice>
+    <mc:Fallback>
+      <p:transition spd="med">
+        <p:fade/>
+      </p:transition>
+    </mc:Fallback>
+  </mc:AlternateContent>
   <p:hf sldNum="0" hdr="0" ftr="0" dt="0"/>
 </p:sldLayout>
 </file>
@@ -2718,6 +2819,18 @@
   <p:clrMapOvr>
     <a:masterClrMapping/>
   </p:clrMapOvr>
+  <mc:AlternateContent xmlns:mc="http://schemas.openxmlformats.org/markup-compatibility/2006">
+    <mc:Choice xmlns:p14="http://schemas.microsoft.com/office/powerpoint/2010/main" Requires="p14">
+      <p:transition spd="med" p14:dur="700">
+        <p:fade/>
+      </p:transition>
+    </mc:Choice>
+    <mc:Fallback>
+      <p:transition spd="med">
+        <p:fade/>
+      </p:transition>
+    </mc:Fallback>
+  </mc:AlternateContent>
   <p:hf sldNum="0" hdr="0" ftr="0" dt="0"/>
 </p:sldLayout>
 </file>
@@ -2889,6 +3002,18 @@
   <p:clrMapOvr>
     <a:masterClrMapping/>
   </p:clrMapOvr>
+  <mc:AlternateContent xmlns:mc="http://schemas.openxmlformats.org/markup-compatibility/2006">
+    <mc:Choice xmlns:p14="http://schemas.microsoft.com/office/powerpoint/2010/main" Requires="p14">
+      <p:transition spd="med" p14:dur="700">
+        <p:fade/>
+      </p:transition>
+    </mc:Choice>
+    <mc:Fallback>
+      <p:transition spd="med">
+        <p:fade/>
+      </p:transition>
+    </mc:Fallback>
+  </mc:AlternateContent>
 </p:sldLayout>
 </file>
 
@@ -3139,6 +3264,18 @@
   <p:clrMapOvr>
     <a:masterClrMapping/>
   </p:clrMapOvr>
+  <mc:AlternateContent xmlns:mc="http://schemas.openxmlformats.org/markup-compatibility/2006">
+    <mc:Choice xmlns:p14="http://schemas.microsoft.com/office/powerpoint/2010/main" Requires="p14">
+      <p:transition spd="med" p14:dur="700">
+        <p:fade/>
+      </p:transition>
+    </mc:Choice>
+    <mc:Fallback>
+      <p:transition spd="med">
+        <p:fade/>
+      </p:transition>
+    </mc:Fallback>
+  </mc:AlternateContent>
 </p:sldLayout>
 </file>
 
@@ -3375,6 +3512,18 @@
   <p:clrMapOvr>
     <a:masterClrMapping/>
   </p:clrMapOvr>
+  <mc:AlternateContent xmlns:mc="http://schemas.openxmlformats.org/markup-compatibility/2006">
+    <mc:Choice xmlns:p14="http://schemas.microsoft.com/office/powerpoint/2010/main" Requires="p14">
+      <p:transition spd="med" p14:dur="700">
+        <p:fade/>
+      </p:transition>
+    </mc:Choice>
+    <mc:Fallback>
+      <p:transition spd="med">
+        <p:fade/>
+      </p:transition>
+    </mc:Fallback>
+  </mc:AlternateContent>
 </p:sldLayout>
 </file>
 
@@ -3757,6 +3906,18 @@
   <p:clrMapOvr>
     <a:masterClrMapping/>
   </p:clrMapOvr>
+  <mc:AlternateContent xmlns:mc="http://schemas.openxmlformats.org/markup-compatibility/2006">
+    <mc:Choice xmlns:p14="http://schemas.microsoft.com/office/powerpoint/2010/main" Requires="p14">
+      <p:transition spd="med" p14:dur="700">
+        <p:fade/>
+      </p:transition>
+    </mc:Choice>
+    <mc:Fallback>
+      <p:transition spd="med">
+        <p:fade/>
+      </p:transition>
+    </mc:Fallback>
+  </mc:AlternateContent>
 </p:sldLayout>
 </file>
 
@@ -3875,6 +4036,18 @@
   <p:clrMapOvr>
     <a:masterClrMapping/>
   </p:clrMapOvr>
+  <mc:AlternateContent xmlns:mc="http://schemas.openxmlformats.org/markup-compatibility/2006">
+    <mc:Choice xmlns:p14="http://schemas.microsoft.com/office/powerpoint/2010/main" Requires="p14">
+      <p:transition spd="med" p14:dur="700">
+        <p:fade/>
+      </p:transition>
+    </mc:Choice>
+    <mc:Fallback>
+      <p:transition spd="med">
+        <p:fade/>
+      </p:transition>
+    </mc:Fallback>
+  </mc:AlternateContent>
 </p:sldLayout>
 </file>
 
@@ -3970,6 +4143,18 @@
   <p:clrMapOvr>
     <a:masterClrMapping/>
   </p:clrMapOvr>
+  <mc:AlternateContent xmlns:mc="http://schemas.openxmlformats.org/markup-compatibility/2006">
+    <mc:Choice xmlns:p14="http://schemas.microsoft.com/office/powerpoint/2010/main" Requires="p14">
+      <p:transition spd="med" p14:dur="700">
+        <p:fade/>
+      </p:transition>
+    </mc:Choice>
+    <mc:Fallback>
+      <p:transition spd="med">
+        <p:fade/>
+      </p:transition>
+    </mc:Fallback>
+  </mc:AlternateContent>
 </p:sldLayout>
 </file>
 
@@ -4226,6 +4411,18 @@
   <p:clrMapOvr>
     <a:masterClrMapping/>
   </p:clrMapOvr>
+  <mc:AlternateContent xmlns:mc="http://schemas.openxmlformats.org/markup-compatibility/2006">
+    <mc:Choice xmlns:p14="http://schemas.microsoft.com/office/powerpoint/2010/main" Requires="p14">
+      <p:transition spd="med" p14:dur="700">
+        <p:fade/>
+      </p:transition>
+    </mc:Choice>
+    <mc:Fallback>
+      <p:transition spd="med">
+        <p:fade/>
+      </p:transition>
+    </mc:Fallback>
+  </mc:AlternateContent>
 </p:sldLayout>
 </file>
 
@@ -4510,6 +4707,18 @@
   <p:clrMapOvr>
     <a:masterClrMapping/>
   </p:clrMapOvr>
+  <mc:AlternateContent xmlns:mc="http://schemas.openxmlformats.org/markup-compatibility/2006">
+    <mc:Choice xmlns:p14="http://schemas.microsoft.com/office/powerpoint/2010/main" Requires="p14">
+      <p:transition spd="med" p14:dur="700">
+        <p:fade/>
+      </p:transition>
+    </mc:Choice>
+    <mc:Fallback>
+      <p:transition spd="med">
+        <p:fade/>
+      </p:transition>
+    </mc:Fallback>
+  </mc:AlternateContent>
 </p:sldLayout>
 </file>
 
@@ -4973,6 +5182,18 @@
     <p:sldLayoutId id="2147483686" r:id="rId16"/>
     <p:sldLayoutId id="2147483687" r:id="rId17"/>
   </p:sldLayoutIdLst>
+  <mc:AlternateContent xmlns:mc="http://schemas.openxmlformats.org/markup-compatibility/2006">
+    <mc:Choice xmlns:p14="http://schemas.microsoft.com/office/powerpoint/2010/main" Requires="p14">
+      <p:transition spd="med" p14:dur="700">
+        <p:fade/>
+      </p:transition>
+    </mc:Choice>
+    <mc:Fallback>
+      <p:transition spd="med">
+        <p:fade/>
+      </p:transition>
+    </mc:Fallback>
+  </mc:AlternateContent>
   <p:hf sldNum="0" hdr="0" ftr="0" dt="0"/>
   <p:txStyles>
     <p:titleStyle>
@@ -5588,10 +5809,191 @@
   <p:clrMapOvr>
     <a:masterClrMapping/>
   </p:clrMapOvr>
+  <mc:AlternateContent xmlns:mc="http://schemas.openxmlformats.org/markup-compatibility/2006">
+    <mc:Choice xmlns:p14="http://schemas.microsoft.com/office/powerpoint/2010/main" Requires="p14">
+      <p:transition spd="med" p14:dur="700">
+        <p:fade/>
+      </p:transition>
+    </mc:Choice>
+    <mc:Fallback>
+      <p:transition spd="med">
+        <p:fade/>
+      </p:transition>
+    </mc:Fallback>
+  </mc:AlternateContent>
+  <p:timing>
+    <p:tnLst>
+      <p:par>
+        <p:cTn id="1" dur="indefinite" restart="never" nodeType="tmRoot">
+          <p:childTnLst>
+            <p:seq concurrent="1" nextAc="seek">
+              <p:cTn id="2" dur="indefinite" nodeType="mainSeq">
+                <p:childTnLst>
+                  <p:par>
+                    <p:cTn id="3" fill="hold">
+                      <p:stCondLst>
+                        <p:cond delay="indefinite"/>
+                      </p:stCondLst>
+                      <p:childTnLst>
+                        <p:par>
+                          <p:cTn id="4" fill="hold">
+                            <p:stCondLst>
+                              <p:cond delay="0"/>
+                            </p:stCondLst>
+                            <p:childTnLst>
+                              <p:par>
+                                <p:cTn id="5" presetID="1" presetClass="emph" presetSubtype="2" fill="hold" nodeType="clickEffect">
+                                  <p:stCondLst>
+                                    <p:cond delay="0"/>
+                                  </p:stCondLst>
+                                  <p:childTnLst>
+                                    <p:animClr clrSpc="rgb" dir="cw">
+                                      <p:cBhvr>
+                                        <p:cTn id="6" dur="2000" fill="hold"/>
+                                        <p:tgtEl>
+                                          <p:spTgt spid="4"/>
+                                        </p:tgtEl>
+                                        <p:attrNameLst>
+                                          <p:attrName>fillcolor</p:attrName>
+                                        </p:attrNameLst>
+                                      </p:cBhvr>
+                                      <p:to>
+                                        <a:schemeClr val="accent2"/>
+                                      </p:to>
+                                    </p:animClr>
+                                    <p:set>
+                                      <p:cBhvr>
+                                        <p:cTn id="7" dur="2000" fill="hold"/>
+                                        <p:tgtEl>
+                                          <p:spTgt spid="4"/>
+                                        </p:tgtEl>
+                                        <p:attrNameLst>
+                                          <p:attrName>fill.type</p:attrName>
+                                        </p:attrNameLst>
+                                      </p:cBhvr>
+                                      <p:to>
+                                        <p:strVal val="solid"/>
+                                      </p:to>
+                                    </p:set>
+                                    <p:set>
+                                      <p:cBhvr>
+                                        <p:cTn id="8" dur="2000" fill="hold"/>
+                                        <p:tgtEl>
+                                          <p:spTgt spid="4"/>
+                                        </p:tgtEl>
+                                        <p:attrNameLst>
+                                          <p:attrName>fill.on</p:attrName>
+                                        </p:attrNameLst>
+                                      </p:cBhvr>
+                                      <p:to>
+                                        <p:strVal val="true"/>
+                                      </p:to>
+                                    </p:set>
+                                  </p:childTnLst>
+                                </p:cTn>
+                              </p:par>
+                            </p:childTnLst>
+                          </p:cTn>
+                        </p:par>
+                      </p:childTnLst>
+                    </p:cTn>
+                  </p:par>
+                </p:childTnLst>
+              </p:cTn>
+              <p:prevCondLst>
+                <p:cond evt="onPrev" delay="0">
+                  <p:tgtEl>
+                    <p:sldTgt/>
+                  </p:tgtEl>
+                </p:cond>
+              </p:prevCondLst>
+              <p:nextCondLst>
+                <p:cond evt="onNext" delay="0">
+                  <p:tgtEl>
+                    <p:sldTgt/>
+                  </p:tgtEl>
+                </p:cond>
+              </p:nextCondLst>
+            </p:seq>
+          </p:childTnLst>
+        </p:cTn>
+      </p:par>
+    </p:tnLst>
+  </p:timing>
 </p:sld>
 </file>
 
 <file path=ppt/slides/slide10.xml><?xml version="1.0" encoding="utf-8"?>
+<p:sld xmlns:a="http://schemas.openxmlformats.org/drawingml/2006/main" xmlns:r="http://schemas.openxmlformats.org/officeDocument/2006/relationships" xmlns:p="http://schemas.openxmlformats.org/presentationml/2006/main">
+  <p:cSld>
+    <p:spTree>
+      <p:nvGrpSpPr>
+        <p:cNvPr id="1" name=""/>
+        <p:cNvGrpSpPr/>
+        <p:nvPr/>
+      </p:nvGrpSpPr>
+      <p:grpSpPr>
+        <a:xfrm>
+          <a:off x="0" y="0"/>
+          <a:ext cx="0" cy="0"/>
+          <a:chOff x="0" y="0"/>
+          <a:chExt cx="0" cy="0"/>
+        </a:xfrm>
+      </p:grpSpPr>
+      <p:sp>
+        <p:nvSpPr>
+          <p:cNvPr id="2" name="Title 1">
+            <a:extLst>
+              <a:ext uri="{FF2B5EF4-FFF2-40B4-BE49-F238E27FC236}">
+                <a16:creationId xmlns:a16="http://schemas.microsoft.com/office/drawing/2014/main" id="{60CD9229-BF36-8A4A-9A96-4686336F35FD}"/>
+              </a:ext>
+            </a:extLst>
+          </p:cNvPr>
+          <p:cNvSpPr>
+            <a:spLocks noGrp="1"/>
+          </p:cNvSpPr>
+          <p:nvPr>
+            <p:ph type="title"/>
+          </p:nvPr>
+        </p:nvSpPr>
+        <p:spPr/>
+        <p:txBody>
+          <a:bodyPr/>
+          <a:lstStyle/>
+          <a:p>
+            <a:r>
+              <a:rPr lang="en-US" dirty="0"/>
+              <a:t>Year over year comparison</a:t>
+            </a:r>
+          </a:p>
+        </p:txBody>
+      </p:sp>
+    </p:spTree>
+    <p:extLst>
+      <p:ext uri="{BB962C8B-B14F-4D97-AF65-F5344CB8AC3E}">
+        <p14:creationId xmlns:p14="http://schemas.microsoft.com/office/powerpoint/2010/main" val="1381576605"/>
+      </p:ext>
+    </p:extLst>
+  </p:cSld>
+  <p:clrMapOvr>
+    <a:masterClrMapping/>
+  </p:clrMapOvr>
+  <mc:AlternateContent xmlns:mc="http://schemas.openxmlformats.org/markup-compatibility/2006">
+    <mc:Choice xmlns:p14="http://schemas.microsoft.com/office/powerpoint/2010/main" Requires="p14">
+      <p:transition spd="med" p14:dur="700">
+        <p:fade/>
+      </p:transition>
+    </mc:Choice>
+    <mc:Fallback>
+      <p:transition spd="med">
+        <p:fade/>
+      </p:transition>
+    </mc:Fallback>
+  </mc:AlternateContent>
+</p:sld>
+</file>
+
+<file path=ppt/slides/slide11.xml><?xml version="1.0" encoding="utf-8"?>
 <p:sld xmlns:a="http://schemas.openxmlformats.org/drawingml/2006/main" xmlns:r="http://schemas.openxmlformats.org/officeDocument/2006/relationships" xmlns:p="http://schemas.openxmlformats.org/presentationml/2006/main">
   <p:cSld>
     <p:spTree>
@@ -5715,10 +6117,22 @@
   <p:clrMapOvr>
     <a:masterClrMapping/>
   </p:clrMapOvr>
+  <mc:AlternateContent xmlns:mc="http://schemas.openxmlformats.org/markup-compatibility/2006">
+    <mc:Choice xmlns:p14="http://schemas.microsoft.com/office/powerpoint/2010/main" Requires="p14">
+      <p:transition spd="med" p14:dur="700">
+        <p:fade/>
+      </p:transition>
+    </mc:Choice>
+    <mc:Fallback>
+      <p:transition spd="med">
+        <p:fade/>
+      </p:transition>
+    </mc:Fallback>
+  </mc:AlternateContent>
 </p:sld>
 </file>
 
-<file path=ppt/slides/slide11.xml><?xml version="1.0" encoding="utf-8"?>
+<file path=ppt/slides/slide12.xml><?xml version="1.0" encoding="utf-8"?>
 <p:sld xmlns:a="http://schemas.openxmlformats.org/drawingml/2006/main" xmlns:r="http://schemas.openxmlformats.org/officeDocument/2006/relationships" xmlns:p="http://schemas.openxmlformats.org/presentationml/2006/main">
   <p:cSld>
     <p:spTree>
@@ -5842,10 +6256,22 @@
   <p:clrMapOvr>
     <a:masterClrMapping/>
   </p:clrMapOvr>
+  <mc:AlternateContent xmlns:mc="http://schemas.openxmlformats.org/markup-compatibility/2006">
+    <mc:Choice xmlns:p14="http://schemas.microsoft.com/office/powerpoint/2010/main" Requires="p14">
+      <p:transition spd="med" p14:dur="700">
+        <p:fade/>
+      </p:transition>
+    </mc:Choice>
+    <mc:Fallback>
+      <p:transition spd="med">
+        <p:fade/>
+      </p:transition>
+    </mc:Fallback>
+  </mc:AlternateContent>
 </p:sld>
 </file>
 
-<file path=ppt/slides/slide12.xml><?xml version="1.0" encoding="utf-8"?>
+<file path=ppt/slides/slide13.xml><?xml version="1.0" encoding="utf-8"?>
 <p:sld xmlns:a="http://schemas.openxmlformats.org/drawingml/2006/main" xmlns:r="http://schemas.openxmlformats.org/officeDocument/2006/relationships" xmlns:p="http://schemas.openxmlformats.org/presentationml/2006/main">
   <p:cSld>
     <p:spTree>
@@ -5964,10 +6390,22 @@
   <p:clrMapOvr>
     <a:masterClrMapping/>
   </p:clrMapOvr>
+  <mc:AlternateContent xmlns:mc="http://schemas.openxmlformats.org/markup-compatibility/2006">
+    <mc:Choice xmlns:p14="http://schemas.microsoft.com/office/powerpoint/2010/main" Requires="p14">
+      <p:transition spd="med" p14:dur="700">
+        <p:fade/>
+      </p:transition>
+    </mc:Choice>
+    <mc:Fallback>
+      <p:transition spd="med">
+        <p:fade/>
+      </p:transition>
+    </mc:Fallback>
+  </mc:AlternateContent>
 </p:sld>
 </file>
 
-<file path=ppt/slides/slide13.xml><?xml version="1.0" encoding="utf-8"?>
+<file path=ppt/slides/slide14.xml><?xml version="1.0" encoding="utf-8"?>
 <p:sld xmlns:a="http://schemas.openxmlformats.org/drawingml/2006/main" xmlns:r="http://schemas.openxmlformats.org/officeDocument/2006/relationships" xmlns:p="http://schemas.openxmlformats.org/presentationml/2006/main">
   <p:cSld>
     <p:spTree>
@@ -6086,98 +6524,18 @@
   <p:clrMapOvr>
     <a:masterClrMapping/>
   </p:clrMapOvr>
-</p:sld>
-</file>
-
-<file path=ppt/slides/slide14.xml><?xml version="1.0" encoding="utf-8"?>
-<p:sld xmlns:a="http://schemas.openxmlformats.org/drawingml/2006/main" xmlns:r="http://schemas.openxmlformats.org/officeDocument/2006/relationships" xmlns:p="http://schemas.openxmlformats.org/presentationml/2006/main">
-  <p:cSld>
-    <p:spTree>
-      <p:nvGrpSpPr>
-        <p:cNvPr id="1" name=""/>
-        <p:cNvGrpSpPr/>
-        <p:nvPr/>
-      </p:nvGrpSpPr>
-      <p:grpSpPr>
-        <a:xfrm>
-          <a:off x="0" y="0"/>
-          <a:ext cx="0" cy="0"/>
-          <a:chOff x="0" y="0"/>
-          <a:chExt cx="0" cy="0"/>
-        </a:xfrm>
-      </p:grpSpPr>
-      <p:sp>
-        <p:nvSpPr>
-          <p:cNvPr id="2" name="Title 1">
-            <a:extLst>
-              <a:ext uri="{FF2B5EF4-FFF2-40B4-BE49-F238E27FC236}">
-                <a16:creationId xmlns:a16="http://schemas.microsoft.com/office/drawing/2014/main" id="{BCF6BFCD-257A-40B2-ACF5-D9FBD751C7DB}"/>
-              </a:ext>
-            </a:extLst>
-          </p:cNvPr>
-          <p:cNvSpPr>
-            <a:spLocks noGrp="1"/>
-          </p:cNvSpPr>
-          <p:nvPr>
-            <p:ph type="title"/>
-          </p:nvPr>
-        </p:nvSpPr>
-        <p:spPr>
-          <a:xfrm>
-            <a:off x="167426" y="5267459"/>
-            <a:ext cx="11346288" cy="1507067"/>
-          </a:xfrm>
-        </p:spPr>
-        <p:txBody>
-          <a:bodyPr/>
-          <a:lstStyle/>
-          <a:p>
-            <a:r>
-              <a:rPr lang="en-US" dirty="0"/>
-              <a:t>Heatmap of retail visits during pandemic</a:t>
-            </a:r>
-          </a:p>
-        </p:txBody>
-      </p:sp>
-      <p:pic>
-        <p:nvPicPr>
-          <p:cNvPr id="5" name="Content Placeholder 4" descr="A map of the countries/regions&#10;&#10;Description automatically generated with low confidence">
-            <a:extLst>
-              <a:ext uri="{FF2B5EF4-FFF2-40B4-BE49-F238E27FC236}">
-                <a16:creationId xmlns:a16="http://schemas.microsoft.com/office/drawing/2014/main" id="{8DDCD218-05C4-4809-B329-E13845E99FB6}"/>
-              </a:ext>
-            </a:extLst>
-          </p:cNvPr>
-          <p:cNvPicPr>
-            <a:picLocks noGrp="1" noChangeAspect="1"/>
-          </p:cNvPicPr>
-          <p:nvPr>
-            <p:ph idx="1"/>
-          </p:nvPr>
-        </p:nvPicPr>
-        <p:blipFill>
-          <a:blip r:embed="rId2"/>
-          <a:stretch>
-            <a:fillRect/>
-          </a:stretch>
-        </p:blipFill>
-        <p:spPr>
-          <a:xfrm>
-            <a:off x="2042160" y="240045"/>
-            <a:ext cx="8107679" cy="5212080"/>
-          </a:xfrm>
-        </p:spPr>
-      </p:pic>
-    </p:spTree>
-    <p:extLst>
-      <p:ext uri="{BB962C8B-B14F-4D97-AF65-F5344CB8AC3E}">
-        <p14:creationId xmlns:p14="http://schemas.microsoft.com/office/powerpoint/2010/main" val="2087543059"/>
-      </p:ext>
-    </p:extLst>
-  </p:cSld>
-  <p:clrMapOvr>
-    <a:masterClrMapping/>
-  </p:clrMapOvr>
+  <mc:AlternateContent xmlns:mc="http://schemas.openxmlformats.org/markup-compatibility/2006">
+    <mc:Choice xmlns:p14="http://schemas.microsoft.com/office/powerpoint/2010/main" Requires="p14">
+      <p:transition spd="med" p14:dur="700">
+        <p:fade/>
+      </p:transition>
+    </mc:Choice>
+    <mc:Fallback>
+      <p:transition spd="med">
+        <p:fade/>
+      </p:transition>
+    </mc:Fallback>
+  </mc:AlternateContent>
 </p:sld>
 </file>
 
@@ -6203,7 +6561,7 @@
           <p:cNvPr id="2" name="Title 1">
             <a:extLst>
               <a:ext uri="{FF2B5EF4-FFF2-40B4-BE49-F238E27FC236}">
-                <a16:creationId xmlns:a16="http://schemas.microsoft.com/office/drawing/2014/main" id="{5EB616CF-1A75-4758-A1D9-DCAFAF76B967}"/>
+                <a16:creationId xmlns:a16="http://schemas.microsoft.com/office/drawing/2014/main" id="{21BC8E9C-AD3A-3547-9474-FF4C5AD256AF}"/>
               </a:ext>
             </a:extLst>
           </p:cNvPr>
@@ -6214,16 +6572,19 @@
             <p:ph type="title"/>
           </p:nvPr>
         </p:nvSpPr>
-        <p:spPr/>
-        <p:txBody>
-          <a:bodyPr>
-            <a:normAutofit/>
-          </a:bodyPr>
+        <p:spPr>
+          <a:xfrm>
+            <a:off x="549049" y="177355"/>
+            <a:ext cx="8534400" cy="1507067"/>
+          </a:xfrm>
+        </p:spPr>
+        <p:txBody>
+          <a:bodyPr/>
           <a:lstStyle/>
           <a:p>
             <a:r>
               <a:rPr lang="en-US" dirty="0"/>
-              <a:t>summary</a:t>
+              <a:t>State breakouts</a:t>
             </a:r>
           </a:p>
         </p:txBody>
@@ -6233,7 +6594,7 @@
           <p:cNvPr id="3" name="Content Placeholder 2">
             <a:extLst>
               <a:ext uri="{FF2B5EF4-FFF2-40B4-BE49-F238E27FC236}">
-                <a16:creationId xmlns:a16="http://schemas.microsoft.com/office/drawing/2014/main" id="{F5013E97-3D30-40D5-B6BD-99C0D2D62DA3}"/>
+                <a16:creationId xmlns:a16="http://schemas.microsoft.com/office/drawing/2014/main" id="{951CD5AE-F797-F440-A4B6-16B068B6B89B}"/>
               </a:ext>
             </a:extLst>
           </p:cNvPr>
@@ -6244,25 +6605,310 @@
             <p:ph idx="1"/>
           </p:nvPr>
         </p:nvSpPr>
-        <p:spPr/>
-        <p:txBody>
-          <a:bodyPr/>
-          <a:lstStyle/>
-          <a:p>
-            <a:endParaRPr lang="en-US"/>
+        <p:spPr>
+          <a:xfrm>
+            <a:off x="385009" y="1260909"/>
+            <a:ext cx="10366409" cy="5597091"/>
+          </a:xfrm>
+        </p:spPr>
+        <p:txBody>
+          <a:bodyPr>
+            <a:normAutofit fontScale="62500" lnSpcReduction="20000"/>
+          </a:bodyPr>
+          <a:lstStyle/>
+          <a:p>
+            <a:r>
+              <a:rPr lang="en-US" dirty="0">
+                <a:solidFill>
+                  <a:schemeClr val="tx1"/>
+                </a:solidFill>
+              </a:rPr>
+              <a:t>California</a:t>
+            </a:r>
+          </a:p>
+          <a:p>
+            <a:pPr lvl="1"/>
+            <a:r>
+              <a:rPr lang="en-US" dirty="0">
+                <a:solidFill>
+                  <a:schemeClr val="tx1"/>
+                </a:solidFill>
+              </a:rPr>
+              <a:t>Shutdown: March 19 2020</a:t>
+            </a:r>
+          </a:p>
+          <a:p>
+            <a:pPr lvl="1"/>
+            <a:r>
+              <a:rPr lang="en-US" dirty="0">
+                <a:solidFill>
+                  <a:schemeClr val="tx1"/>
+                </a:solidFill>
+              </a:rPr>
+              <a:t>Total Cases as of 5 May 2021: 3.3 Million</a:t>
+            </a:r>
+            <a:br>
+              <a:rPr lang="en-US" dirty="0">
+                <a:solidFill>
+                  <a:schemeClr val="tx1"/>
+                </a:solidFill>
+              </a:rPr>
+            </a:br>
+            <a:endParaRPr lang="en-US" dirty="0">
+              <a:solidFill>
+                <a:schemeClr val="tx1"/>
+              </a:solidFill>
+            </a:endParaRPr>
+          </a:p>
+          <a:p>
+            <a:r>
+              <a:rPr lang="en-US" dirty="0">
+                <a:solidFill>
+                  <a:schemeClr val="tx1"/>
+                </a:solidFill>
+              </a:rPr>
+              <a:t>Wyoming</a:t>
+            </a:r>
+          </a:p>
+          <a:p>
+            <a:pPr lvl="1"/>
+            <a:r>
+              <a:rPr lang="en-US" dirty="0">
+                <a:solidFill>
+                  <a:schemeClr val="tx1"/>
+                </a:solidFill>
+              </a:rPr>
+              <a:t>Shutdown: State of Emergency declared but no Stay-at-Home ordered</a:t>
+            </a:r>
+          </a:p>
+          <a:p>
+            <a:pPr lvl="1"/>
+            <a:r>
+              <a:rPr lang="en-US" dirty="0">
+                <a:solidFill>
+                  <a:schemeClr val="tx1"/>
+                </a:solidFill>
+              </a:rPr>
+              <a:t>Total Cases as of 5 May 2021: 50 Thousand</a:t>
+            </a:r>
+          </a:p>
+          <a:p>
+            <a:pPr lvl="1"/>
+            <a:r>
+              <a:rPr lang="en-US" dirty="0">
+                <a:solidFill>
+                  <a:schemeClr val="tx1"/>
+                </a:solidFill>
+              </a:rPr>
+              <a:t>Last state to report a COVID related death</a:t>
+            </a:r>
+            <a:br>
+              <a:rPr lang="en-US" dirty="0">
+                <a:solidFill>
+                  <a:schemeClr val="tx1"/>
+                </a:solidFill>
+              </a:rPr>
+            </a:br>
+            <a:endParaRPr lang="en-US" dirty="0">
+              <a:solidFill>
+                <a:schemeClr val="tx1"/>
+              </a:solidFill>
+            </a:endParaRPr>
+          </a:p>
+          <a:p>
+            <a:r>
+              <a:rPr lang="en-US" dirty="0">
+                <a:solidFill>
+                  <a:schemeClr val="tx1"/>
+                </a:solidFill>
+              </a:rPr>
+              <a:t>Hawaii</a:t>
+            </a:r>
+          </a:p>
+          <a:p>
+            <a:pPr lvl="1"/>
+            <a:r>
+              <a:rPr lang="en-US" dirty="0">
+                <a:solidFill>
+                  <a:schemeClr val="tx1"/>
+                </a:solidFill>
+              </a:rPr>
+              <a:t>Shutdown: March 25th 2020</a:t>
+            </a:r>
+          </a:p>
+          <a:p>
+            <a:pPr lvl="1"/>
+            <a:r>
+              <a:rPr lang="en-US" dirty="0">
+                <a:solidFill>
+                  <a:schemeClr val="tx1"/>
+                </a:solidFill>
+              </a:rPr>
+              <a:t>Total Cases as of 5 May 2021: 31 Thousand</a:t>
+            </a:r>
+          </a:p>
+          <a:p>
+            <a:pPr lvl="1"/>
+            <a:endParaRPr lang="en-US" dirty="0">
+              <a:solidFill>
+                <a:schemeClr val="tx1"/>
+              </a:solidFill>
+            </a:endParaRPr>
+          </a:p>
+          <a:p>
+            <a:r>
+              <a:rPr lang="en-US" dirty="0">
+                <a:solidFill>
+                  <a:schemeClr val="tx1"/>
+                </a:solidFill>
+              </a:rPr>
+              <a:t>Florida</a:t>
+            </a:r>
+          </a:p>
+          <a:p>
+            <a:pPr lvl="1"/>
+            <a:r>
+              <a:rPr lang="en-US" dirty="0">
+                <a:solidFill>
+                  <a:schemeClr val="tx1"/>
+                </a:solidFill>
+              </a:rPr>
+              <a:t>Shutdown: April 3</a:t>
+            </a:r>
+            <a:r>
+              <a:rPr lang="en-US" baseline="30000" dirty="0">
+                <a:solidFill>
+                  <a:schemeClr val="tx1"/>
+                </a:solidFill>
+              </a:rPr>
+              <a:t>rd</a:t>
+            </a:r>
+            <a:r>
+              <a:rPr lang="en-US" dirty="0">
+                <a:solidFill>
+                  <a:schemeClr val="tx1"/>
+                </a:solidFill>
+              </a:rPr>
+              <a:t> 2020</a:t>
+            </a:r>
+          </a:p>
+          <a:p>
+            <a:pPr lvl="1"/>
+            <a:r>
+              <a:rPr lang="en-US" dirty="0">
+                <a:solidFill>
+                  <a:schemeClr val="tx1"/>
+                </a:solidFill>
+              </a:rPr>
+              <a:t>Total Cases as of 5 May 2021: 2.2 Million</a:t>
+            </a:r>
+          </a:p>
+          <a:p>
+            <a:pPr lvl="1"/>
+            <a:r>
+              <a:rPr lang="en-US" dirty="0">
+                <a:solidFill>
+                  <a:schemeClr val="tx1"/>
+                </a:solidFill>
+              </a:rPr>
+              <a:t>First state to completely reopen</a:t>
+            </a:r>
+          </a:p>
+          <a:p>
+            <a:pPr lvl="1"/>
+            <a:r>
+              <a:rPr lang="en-US" dirty="0">
+                <a:solidFill>
+                  <a:schemeClr val="tx1"/>
+                </a:solidFill>
+              </a:rPr>
+              <a:t>Experienced a “mini-surge” mid-April 2021</a:t>
+            </a:r>
+          </a:p>
+          <a:p>
+            <a:pPr lvl="1"/>
+            <a:endParaRPr lang="en-US" dirty="0">
+              <a:solidFill>
+                <a:schemeClr val="tx1"/>
+              </a:solidFill>
+            </a:endParaRPr>
+          </a:p>
+          <a:p>
+            <a:r>
+              <a:rPr lang="en-US" dirty="0">
+                <a:solidFill>
+                  <a:schemeClr val="tx1"/>
+                </a:solidFill>
+              </a:rPr>
+              <a:t>North Dakota</a:t>
+            </a:r>
+          </a:p>
+          <a:p>
+            <a:pPr lvl="1"/>
+            <a:r>
+              <a:rPr lang="en-US" dirty="0">
+                <a:solidFill>
+                  <a:schemeClr val="tx1"/>
+                </a:solidFill>
+              </a:rPr>
+              <a:t>Shutdown: State of Emergency declared March 13</a:t>
+            </a:r>
+            <a:r>
+              <a:rPr lang="en-US" baseline="30000" dirty="0">
+                <a:solidFill>
+                  <a:schemeClr val="tx1"/>
+                </a:solidFill>
+              </a:rPr>
+              <a:t>th</a:t>
+            </a:r>
+            <a:r>
+              <a:rPr lang="en-US" dirty="0">
+                <a:solidFill>
+                  <a:schemeClr val="tx1"/>
+                </a:solidFill>
+              </a:rPr>
+              <a:t> but no Stay-at-Home ordered</a:t>
+            </a:r>
+          </a:p>
+          <a:p>
+            <a:pPr lvl="1"/>
+            <a:r>
+              <a:rPr lang="en-US" dirty="0">
+                <a:solidFill>
+                  <a:schemeClr val="tx1"/>
+                </a:solidFill>
+              </a:rPr>
+              <a:t>Total Cases as of 11 March 2021: 101 Thousand</a:t>
+            </a:r>
+          </a:p>
+          <a:p>
+            <a:pPr lvl="1"/>
+            <a:endParaRPr lang="en-US" dirty="0"/>
           </a:p>
         </p:txBody>
       </p:sp>
     </p:spTree>
     <p:extLst>
       <p:ext uri="{BB962C8B-B14F-4D97-AF65-F5344CB8AC3E}">
-        <p14:creationId xmlns:p14="http://schemas.microsoft.com/office/powerpoint/2010/main" val="2661428305"/>
+        <p14:creationId xmlns:p14="http://schemas.microsoft.com/office/powerpoint/2010/main" val="773893782"/>
       </p:ext>
     </p:extLst>
   </p:cSld>
   <p:clrMapOvr>
     <a:masterClrMapping/>
   </p:clrMapOvr>
+  <mc:AlternateContent xmlns:mc="http://schemas.openxmlformats.org/markup-compatibility/2006">
+    <mc:Choice xmlns:p14="http://schemas.microsoft.com/office/powerpoint/2010/main" Requires="p14">
+      <p:transition spd="med" p14:dur="700">
+        <p:fade/>
+      </p:transition>
+    </mc:Choice>
+    <mc:Fallback>
+      <p:transition spd="med">
+        <p:fade/>
+      </p:transition>
+    </mc:Fallback>
+  </mc:AlternateContent>
 </p:sld>
 </file>
 
@@ -6288,7 +6934,7 @@
           <p:cNvPr id="2" name="Title 1">
             <a:extLst>
               <a:ext uri="{FF2B5EF4-FFF2-40B4-BE49-F238E27FC236}">
-                <a16:creationId xmlns:a16="http://schemas.microsoft.com/office/drawing/2014/main" id="{EAFC60FF-2626-9342-81CC-398155965C32}"/>
+                <a16:creationId xmlns:a16="http://schemas.microsoft.com/office/drawing/2014/main" id="{152E58B8-0290-4A78-821D-05F5CABB8AC7}"/>
               </a:ext>
             </a:extLst>
           </p:cNvPr>
@@ -6299,28 +6945,384 @@
             <p:ph type="title"/>
           </p:nvPr>
         </p:nvSpPr>
-        <p:spPr/>
-        <p:txBody>
-          <a:bodyPr/>
+        <p:spPr>
+          <a:xfrm>
+            <a:off x="103031" y="4841501"/>
+            <a:ext cx="9903853" cy="2016499"/>
+          </a:xfrm>
+        </p:spPr>
+        <p:txBody>
+          <a:bodyPr>
+            <a:normAutofit/>
+          </a:bodyPr>
           <a:lstStyle/>
           <a:p>
             <a:r>
               <a:rPr lang="en-US" dirty="0"/>
-              <a:t>Any Questions?</a:t>
-            </a:r>
-          </a:p>
-        </p:txBody>
-      </p:sp>
+              <a:t>State Grocery and pharmacy mobility</a:t>
+            </a:r>
+          </a:p>
+        </p:txBody>
+      </p:sp>
+      <p:pic>
+        <p:nvPicPr>
+          <p:cNvPr id="5" name="Content Placeholder 4" descr="Chart&#10;&#10;Description automatically generated">
+            <a:extLst>
+              <a:ext uri="{FF2B5EF4-FFF2-40B4-BE49-F238E27FC236}">
+                <a16:creationId xmlns:a16="http://schemas.microsoft.com/office/drawing/2014/main" id="{38DFF0C0-C32B-43F1-ACB9-FAC853A4E340}"/>
+              </a:ext>
+            </a:extLst>
+          </p:cNvPr>
+          <p:cNvPicPr>
+            <a:picLocks noGrp="1" noChangeAspect="1"/>
+          </p:cNvPicPr>
+          <p:nvPr>
+            <p:ph idx="1"/>
+          </p:nvPr>
+        </p:nvPicPr>
+        <p:blipFill>
+          <a:blip r:embed="rId2"/>
+          <a:stretch>
+            <a:fillRect/>
+          </a:stretch>
+        </p:blipFill>
+        <p:spPr>
+          <a:xfrm>
+            <a:off x="820238" y="239079"/>
+            <a:ext cx="10690568" cy="5212080"/>
+          </a:xfrm>
+        </p:spPr>
+      </p:pic>
     </p:spTree>
     <p:extLst>
       <p:ext uri="{BB962C8B-B14F-4D97-AF65-F5344CB8AC3E}">
-        <p14:creationId xmlns:p14="http://schemas.microsoft.com/office/powerpoint/2010/main" val="1485530803"/>
+        <p14:creationId xmlns:p14="http://schemas.microsoft.com/office/powerpoint/2010/main" val="1394950397"/>
       </p:ext>
     </p:extLst>
   </p:cSld>
   <p:clrMapOvr>
     <a:masterClrMapping/>
   </p:clrMapOvr>
+  <mc:AlternateContent xmlns:mc="http://schemas.openxmlformats.org/markup-compatibility/2006">
+    <mc:Choice xmlns:p14="http://schemas.microsoft.com/office/powerpoint/2010/main" Requires="p14">
+      <p:transition spd="med" p14:dur="700">
+        <p:fade/>
+      </p:transition>
+    </mc:Choice>
+    <mc:Fallback>
+      <p:transition spd="med">
+        <p:fade/>
+      </p:transition>
+    </mc:Fallback>
+  </mc:AlternateContent>
+</p:sld>
+</file>
+
+<file path=ppt/slides/slide17.xml><?xml version="1.0" encoding="utf-8"?>
+<p:sld xmlns:a="http://schemas.openxmlformats.org/drawingml/2006/main" xmlns:r="http://schemas.openxmlformats.org/officeDocument/2006/relationships" xmlns:p="http://schemas.openxmlformats.org/presentationml/2006/main">
+  <p:cSld>
+    <p:spTree>
+      <p:nvGrpSpPr>
+        <p:cNvPr id="1" name=""/>
+        <p:cNvGrpSpPr/>
+        <p:nvPr/>
+      </p:nvGrpSpPr>
+      <p:grpSpPr>
+        <a:xfrm>
+          <a:off x="0" y="0"/>
+          <a:ext cx="0" cy="0"/>
+          <a:chOff x="0" y="0"/>
+          <a:chExt cx="0" cy="0"/>
+        </a:xfrm>
+      </p:grpSpPr>
+      <p:sp>
+        <p:nvSpPr>
+          <p:cNvPr id="2" name="Title 1">
+            <a:extLst>
+              <a:ext uri="{FF2B5EF4-FFF2-40B4-BE49-F238E27FC236}">
+                <a16:creationId xmlns:a16="http://schemas.microsoft.com/office/drawing/2014/main" id="{DD7F1410-A8AF-4F3C-87A4-EDFC2EB7FC68}"/>
+              </a:ext>
+            </a:extLst>
+          </p:cNvPr>
+          <p:cNvSpPr>
+            <a:spLocks noGrp="1"/>
+          </p:cNvSpPr>
+          <p:nvPr>
+            <p:ph type="title"/>
+          </p:nvPr>
+        </p:nvSpPr>
+        <p:spPr>
+          <a:xfrm>
+            <a:off x="167425" y="5177307"/>
+            <a:ext cx="9051187" cy="1519707"/>
+          </a:xfrm>
+        </p:spPr>
+        <p:txBody>
+          <a:bodyPr/>
+          <a:lstStyle/>
+          <a:p>
+            <a:r>
+              <a:rPr lang="en-US" dirty="0"/>
+              <a:t>State Retail and recreation mobility</a:t>
+            </a:r>
+          </a:p>
+        </p:txBody>
+      </p:sp>
+      <p:pic>
+        <p:nvPicPr>
+          <p:cNvPr id="5" name="Content Placeholder 4" descr="Chart, line chart&#10;&#10;Description automatically generated">
+            <a:extLst>
+              <a:ext uri="{FF2B5EF4-FFF2-40B4-BE49-F238E27FC236}">
+                <a16:creationId xmlns:a16="http://schemas.microsoft.com/office/drawing/2014/main" id="{FEC95E30-1BEA-443E-83A9-7FE2BD1BAB54}"/>
+              </a:ext>
+            </a:extLst>
+          </p:cNvPr>
+          <p:cNvPicPr>
+            <a:picLocks noGrp="1" noChangeAspect="1"/>
+          </p:cNvPicPr>
+          <p:nvPr>
+            <p:ph idx="1"/>
+          </p:nvPr>
+        </p:nvPicPr>
+        <p:blipFill>
+          <a:blip r:embed="rId2"/>
+          <a:stretch>
+            <a:fillRect/>
+          </a:stretch>
+        </p:blipFill>
+        <p:spPr>
+          <a:xfrm>
+            <a:off x="750715" y="160986"/>
+            <a:ext cx="10690570" cy="5212080"/>
+          </a:xfrm>
+        </p:spPr>
+      </p:pic>
+    </p:spTree>
+    <p:extLst>
+      <p:ext uri="{BB962C8B-B14F-4D97-AF65-F5344CB8AC3E}">
+        <p14:creationId xmlns:p14="http://schemas.microsoft.com/office/powerpoint/2010/main" val="3078164528"/>
+      </p:ext>
+    </p:extLst>
+  </p:cSld>
+  <p:clrMapOvr>
+    <a:masterClrMapping/>
+  </p:clrMapOvr>
+  <mc:AlternateContent xmlns:mc="http://schemas.openxmlformats.org/markup-compatibility/2006">
+    <mc:Choice xmlns:p14="http://schemas.microsoft.com/office/powerpoint/2010/main" Requires="p14">
+      <p:transition spd="med" p14:dur="700">
+        <p:fade/>
+      </p:transition>
+    </mc:Choice>
+    <mc:Fallback>
+      <p:transition spd="med">
+        <p:fade/>
+      </p:transition>
+    </mc:Fallback>
+  </mc:AlternateContent>
+</p:sld>
+</file>
+
+<file path=ppt/slides/slide18.xml><?xml version="1.0" encoding="utf-8"?>
+<p:sld xmlns:a="http://schemas.openxmlformats.org/drawingml/2006/main" xmlns:r="http://schemas.openxmlformats.org/officeDocument/2006/relationships" xmlns:p="http://schemas.openxmlformats.org/presentationml/2006/main">
+  <p:cSld>
+    <p:spTree>
+      <p:nvGrpSpPr>
+        <p:cNvPr id="1" name=""/>
+        <p:cNvGrpSpPr/>
+        <p:nvPr/>
+      </p:nvGrpSpPr>
+      <p:grpSpPr>
+        <a:xfrm>
+          <a:off x="0" y="0"/>
+          <a:ext cx="0" cy="0"/>
+          <a:chOff x="0" y="0"/>
+          <a:chExt cx="0" cy="0"/>
+        </a:xfrm>
+      </p:grpSpPr>
+      <p:sp>
+        <p:nvSpPr>
+          <p:cNvPr id="2" name="Title 1">
+            <a:extLst>
+              <a:ext uri="{FF2B5EF4-FFF2-40B4-BE49-F238E27FC236}">
+                <a16:creationId xmlns:a16="http://schemas.microsoft.com/office/drawing/2014/main" id="{BCF6BFCD-257A-40B2-ACF5-D9FBD751C7DB}"/>
+              </a:ext>
+            </a:extLst>
+          </p:cNvPr>
+          <p:cNvSpPr>
+            <a:spLocks noGrp="1"/>
+          </p:cNvSpPr>
+          <p:nvPr>
+            <p:ph type="title"/>
+          </p:nvPr>
+        </p:nvSpPr>
+        <p:spPr>
+          <a:xfrm>
+            <a:off x="167426" y="5267459"/>
+            <a:ext cx="11346288" cy="1507067"/>
+          </a:xfrm>
+        </p:spPr>
+        <p:txBody>
+          <a:bodyPr/>
+          <a:lstStyle/>
+          <a:p>
+            <a:r>
+              <a:rPr lang="en-US" dirty="0"/>
+              <a:t>Heatmap of retail visits</a:t>
+            </a:r>
+          </a:p>
+        </p:txBody>
+      </p:sp>
+      <p:pic>
+        <p:nvPicPr>
+          <p:cNvPr id="8" name="Content Placeholder 7">
+            <a:extLst>
+              <a:ext uri="{FF2B5EF4-FFF2-40B4-BE49-F238E27FC236}">
+                <a16:creationId xmlns:a16="http://schemas.microsoft.com/office/drawing/2014/main" id="{1D1D322A-2379-A24A-8843-E528BF3B449F}"/>
+              </a:ext>
+            </a:extLst>
+          </p:cNvPr>
+          <p:cNvPicPr>
+            <a:picLocks noGrp="1" noChangeAspect="1"/>
+          </p:cNvPicPr>
+          <p:nvPr>
+            <p:ph idx="1"/>
+          </p:nvPr>
+        </p:nvPicPr>
+        <p:blipFill>
+          <a:blip r:embed="rId2"/>
+          <a:stretch>
+            <a:fillRect/>
+          </a:stretch>
+        </p:blipFill>
+        <p:spPr>
+          <a:xfrm>
+            <a:off x="2042160" y="294396"/>
+            <a:ext cx="8107680" cy="5212080"/>
+          </a:xfrm>
+        </p:spPr>
+      </p:pic>
+    </p:spTree>
+    <p:extLst>
+      <p:ext uri="{BB962C8B-B14F-4D97-AF65-F5344CB8AC3E}">
+        <p14:creationId xmlns:p14="http://schemas.microsoft.com/office/powerpoint/2010/main" val="2087543059"/>
+      </p:ext>
+    </p:extLst>
+  </p:cSld>
+  <p:clrMapOvr>
+    <a:masterClrMapping/>
+  </p:clrMapOvr>
+  <mc:AlternateContent xmlns:mc="http://schemas.openxmlformats.org/markup-compatibility/2006">
+    <mc:Choice xmlns:p14="http://schemas.microsoft.com/office/powerpoint/2010/main" Requires="p14">
+      <p:transition spd="med" p14:dur="700">
+        <p:fade/>
+      </p:transition>
+    </mc:Choice>
+    <mc:Fallback>
+      <p:transition spd="med">
+        <p:fade/>
+      </p:transition>
+    </mc:Fallback>
+  </mc:AlternateContent>
+</p:sld>
+</file>
+
+<file path=ppt/slides/slide19.xml><?xml version="1.0" encoding="utf-8"?>
+<p:sld xmlns:a="http://schemas.openxmlformats.org/drawingml/2006/main" xmlns:r="http://schemas.openxmlformats.org/officeDocument/2006/relationships" xmlns:p="http://schemas.openxmlformats.org/presentationml/2006/main">
+  <p:cSld>
+    <p:spTree>
+      <p:nvGrpSpPr>
+        <p:cNvPr id="1" name=""/>
+        <p:cNvGrpSpPr/>
+        <p:nvPr/>
+      </p:nvGrpSpPr>
+      <p:grpSpPr>
+        <a:xfrm>
+          <a:off x="0" y="0"/>
+          <a:ext cx="0" cy="0"/>
+          <a:chOff x="0" y="0"/>
+          <a:chExt cx="0" cy="0"/>
+        </a:xfrm>
+      </p:grpSpPr>
+      <p:sp>
+        <p:nvSpPr>
+          <p:cNvPr id="2" name="Title 1">
+            <a:extLst>
+              <a:ext uri="{FF2B5EF4-FFF2-40B4-BE49-F238E27FC236}">
+                <a16:creationId xmlns:a16="http://schemas.microsoft.com/office/drawing/2014/main" id="{5EB616CF-1A75-4758-A1D9-DCAFAF76B967}"/>
+              </a:ext>
+            </a:extLst>
+          </p:cNvPr>
+          <p:cNvSpPr>
+            <a:spLocks noGrp="1"/>
+          </p:cNvSpPr>
+          <p:nvPr>
+            <p:ph type="title"/>
+          </p:nvPr>
+        </p:nvSpPr>
+        <p:spPr/>
+        <p:txBody>
+          <a:bodyPr>
+            <a:normAutofit/>
+          </a:bodyPr>
+          <a:lstStyle/>
+          <a:p>
+            <a:r>
+              <a:rPr lang="en-US" dirty="0"/>
+              <a:t>summary</a:t>
+            </a:r>
+          </a:p>
+        </p:txBody>
+      </p:sp>
+      <p:sp>
+        <p:nvSpPr>
+          <p:cNvPr id="3" name="Content Placeholder 2">
+            <a:extLst>
+              <a:ext uri="{FF2B5EF4-FFF2-40B4-BE49-F238E27FC236}">
+                <a16:creationId xmlns:a16="http://schemas.microsoft.com/office/drawing/2014/main" id="{F5013E97-3D30-40D5-B6BD-99C0D2D62DA3}"/>
+              </a:ext>
+            </a:extLst>
+          </p:cNvPr>
+          <p:cNvSpPr>
+            <a:spLocks noGrp="1"/>
+          </p:cNvSpPr>
+          <p:nvPr>
+            <p:ph idx="1"/>
+          </p:nvPr>
+        </p:nvSpPr>
+        <p:spPr/>
+        <p:txBody>
+          <a:bodyPr/>
+          <a:lstStyle/>
+          <a:p>
+            <a:r>
+              <a:rPr lang="en-US" dirty="0"/>
+              <a:t>Stuff looks right. The end.</a:t>
+            </a:r>
+          </a:p>
+        </p:txBody>
+      </p:sp>
+    </p:spTree>
+    <p:extLst>
+      <p:ext uri="{BB962C8B-B14F-4D97-AF65-F5344CB8AC3E}">
+        <p14:creationId xmlns:p14="http://schemas.microsoft.com/office/powerpoint/2010/main" val="2661428305"/>
+      </p:ext>
+    </p:extLst>
+  </p:cSld>
+  <p:clrMapOvr>
+    <a:masterClrMapping/>
+  </p:clrMapOvr>
+  <mc:AlternateContent xmlns:mc="http://schemas.openxmlformats.org/markup-compatibility/2006">
+    <mc:Choice xmlns:p14="http://schemas.microsoft.com/office/powerpoint/2010/main" Requires="p14">
+      <p:transition spd="med" p14:dur="700">
+        <p:fade/>
+      </p:transition>
+    </mc:Choice>
+    <mc:Fallback>
+      <p:transition spd="med">
+        <p:fade/>
+      </p:transition>
+    </mc:Fallback>
+  </mc:AlternateContent>
 </p:sld>
 </file>
 
@@ -6552,6 +7554,18 @@
   <p:clrMapOvr>
     <a:masterClrMapping/>
   </p:clrMapOvr>
+  <mc:AlternateContent xmlns:mc="http://schemas.openxmlformats.org/markup-compatibility/2006">
+    <mc:Choice xmlns:p14="http://schemas.microsoft.com/office/powerpoint/2010/main" Requires="p14">
+      <p:transition spd="med" p14:dur="700">
+        <p:fade/>
+      </p:transition>
+    </mc:Choice>
+    <mc:Fallback>
+      <p:transition spd="med">
+        <p:fade/>
+      </p:transition>
+    </mc:Fallback>
+  </mc:AlternateContent>
   <p:timing>
     <p:tnLst>
       <p:par>
@@ -6694,6 +7708,200 @@
 </p:sld>
 </file>
 
+<file path=ppt/slides/slide20.xml><?xml version="1.0" encoding="utf-8"?>
+<p:sld xmlns:a="http://schemas.openxmlformats.org/drawingml/2006/main" xmlns:r="http://schemas.openxmlformats.org/officeDocument/2006/relationships" xmlns:p="http://schemas.openxmlformats.org/presentationml/2006/main">
+  <p:cSld>
+    <p:spTree>
+      <p:nvGrpSpPr>
+        <p:cNvPr id="1" name=""/>
+        <p:cNvGrpSpPr/>
+        <p:nvPr/>
+      </p:nvGrpSpPr>
+      <p:grpSpPr>
+        <a:xfrm>
+          <a:off x="0" y="0"/>
+          <a:ext cx="0" cy="0"/>
+          <a:chOff x="0" y="0"/>
+          <a:chExt cx="0" cy="0"/>
+        </a:xfrm>
+      </p:grpSpPr>
+      <p:sp>
+        <p:nvSpPr>
+          <p:cNvPr id="2" name="Title 1">
+            <a:extLst>
+              <a:ext uri="{FF2B5EF4-FFF2-40B4-BE49-F238E27FC236}">
+                <a16:creationId xmlns:a16="http://schemas.microsoft.com/office/drawing/2014/main" id="{A5C920CD-6AF0-EE4C-836F-84ED0096CD6D}"/>
+              </a:ext>
+            </a:extLst>
+          </p:cNvPr>
+          <p:cNvSpPr>
+            <a:spLocks noGrp="1"/>
+          </p:cNvSpPr>
+          <p:nvPr>
+            <p:ph type="title"/>
+          </p:nvPr>
+        </p:nvSpPr>
+        <p:spPr>
+          <a:xfrm>
+            <a:off x="231629" y="5004568"/>
+            <a:ext cx="9651279" cy="1507067"/>
+          </a:xfrm>
+        </p:spPr>
+        <p:txBody>
+          <a:bodyPr/>
+          <a:lstStyle/>
+          <a:p>
+            <a:r>
+              <a:rPr lang="en-US" dirty="0"/>
+              <a:t>Further research and team thoughts</a:t>
+            </a:r>
+          </a:p>
+        </p:txBody>
+      </p:sp>
+      <p:sp>
+        <p:nvSpPr>
+          <p:cNvPr id="3" name="Content Placeholder 2">
+            <a:extLst>
+              <a:ext uri="{FF2B5EF4-FFF2-40B4-BE49-F238E27FC236}">
+                <a16:creationId xmlns:a16="http://schemas.microsoft.com/office/drawing/2014/main" id="{1D176809-EF59-024C-BF11-25CAE08BA297}"/>
+              </a:ext>
+            </a:extLst>
+          </p:cNvPr>
+          <p:cNvSpPr>
+            <a:spLocks noGrp="1"/>
+          </p:cNvSpPr>
+          <p:nvPr>
+            <p:ph idx="1"/>
+          </p:nvPr>
+        </p:nvSpPr>
+        <p:spPr/>
+        <p:txBody>
+          <a:bodyPr/>
+          <a:lstStyle/>
+          <a:p>
+            <a:r>
+              <a:rPr lang="en-US" dirty="0">
+                <a:solidFill>
+                  <a:schemeClr val="tx1"/>
+                </a:solidFill>
+              </a:rPr>
+              <a:t>Adding a multi-variable linear regression to describe the magnitude of the variables.</a:t>
+            </a:r>
+          </a:p>
+          <a:p>
+            <a:r>
+              <a:rPr lang="en-US" dirty="0">
+                <a:solidFill>
+                  <a:schemeClr val="tx1"/>
+                </a:solidFill>
+              </a:rPr>
+              <a:t>Finding additional data sources to provide 2019 data for a more realistic baseline and further year comparisons.</a:t>
+            </a:r>
+          </a:p>
+          <a:p>
+            <a:endParaRPr lang="en-US" dirty="0">
+              <a:solidFill>
+                <a:schemeClr val="tx1"/>
+              </a:solidFill>
+            </a:endParaRPr>
+          </a:p>
+        </p:txBody>
+      </p:sp>
+    </p:spTree>
+    <p:extLst>
+      <p:ext uri="{BB962C8B-B14F-4D97-AF65-F5344CB8AC3E}">
+        <p14:creationId xmlns:p14="http://schemas.microsoft.com/office/powerpoint/2010/main" val="3768529567"/>
+      </p:ext>
+    </p:extLst>
+  </p:cSld>
+  <p:clrMapOvr>
+    <a:masterClrMapping/>
+  </p:clrMapOvr>
+  <mc:AlternateContent xmlns:mc="http://schemas.openxmlformats.org/markup-compatibility/2006">
+    <mc:Choice xmlns:p14="http://schemas.microsoft.com/office/powerpoint/2010/main" Requires="p14">
+      <p:transition spd="med" p14:dur="700">
+        <p:fade/>
+      </p:transition>
+    </mc:Choice>
+    <mc:Fallback>
+      <p:transition spd="med">
+        <p:fade/>
+      </p:transition>
+    </mc:Fallback>
+  </mc:AlternateContent>
+</p:sld>
+</file>
+
+<file path=ppt/slides/slide21.xml><?xml version="1.0" encoding="utf-8"?>
+<p:sld xmlns:a="http://schemas.openxmlformats.org/drawingml/2006/main" xmlns:r="http://schemas.openxmlformats.org/officeDocument/2006/relationships" xmlns:p="http://schemas.openxmlformats.org/presentationml/2006/main">
+  <p:cSld>
+    <p:spTree>
+      <p:nvGrpSpPr>
+        <p:cNvPr id="1" name=""/>
+        <p:cNvGrpSpPr/>
+        <p:nvPr/>
+      </p:nvGrpSpPr>
+      <p:grpSpPr>
+        <a:xfrm>
+          <a:off x="0" y="0"/>
+          <a:ext cx="0" cy="0"/>
+          <a:chOff x="0" y="0"/>
+          <a:chExt cx="0" cy="0"/>
+        </a:xfrm>
+      </p:grpSpPr>
+      <p:sp>
+        <p:nvSpPr>
+          <p:cNvPr id="2" name="Title 1">
+            <a:extLst>
+              <a:ext uri="{FF2B5EF4-FFF2-40B4-BE49-F238E27FC236}">
+                <a16:creationId xmlns:a16="http://schemas.microsoft.com/office/drawing/2014/main" id="{EAFC60FF-2626-9342-81CC-398155965C32}"/>
+              </a:ext>
+            </a:extLst>
+          </p:cNvPr>
+          <p:cNvSpPr>
+            <a:spLocks noGrp="1"/>
+          </p:cNvSpPr>
+          <p:nvPr>
+            <p:ph type="title"/>
+          </p:nvPr>
+        </p:nvSpPr>
+        <p:spPr/>
+        <p:txBody>
+          <a:bodyPr/>
+          <a:lstStyle/>
+          <a:p>
+            <a:r>
+              <a:rPr lang="en-US" dirty="0"/>
+              <a:t>Any Questions?</a:t>
+            </a:r>
+          </a:p>
+        </p:txBody>
+      </p:sp>
+    </p:spTree>
+    <p:extLst>
+      <p:ext uri="{BB962C8B-B14F-4D97-AF65-F5344CB8AC3E}">
+        <p14:creationId xmlns:p14="http://schemas.microsoft.com/office/powerpoint/2010/main" val="1485530803"/>
+      </p:ext>
+    </p:extLst>
+  </p:cSld>
+  <p:clrMapOvr>
+    <a:masterClrMapping/>
+  </p:clrMapOvr>
+  <mc:AlternateContent xmlns:mc="http://schemas.openxmlformats.org/markup-compatibility/2006">
+    <mc:Choice xmlns:p14="http://schemas.microsoft.com/office/powerpoint/2010/main" Requires="p14">
+      <p:transition spd="med" p14:dur="700">
+        <p:fade/>
+      </p:transition>
+    </mc:Choice>
+    <mc:Fallback>
+      <p:transition spd="med">
+        <p:fade/>
+      </p:transition>
+    </mc:Fallback>
+  </mc:AlternateContent>
+</p:sld>
+</file>
+
 <file path=ppt/slides/slide3.xml><?xml version="1.0" encoding="utf-8"?>
 <p:sld xmlns:a="http://schemas.openxmlformats.org/drawingml/2006/main" xmlns:r="http://schemas.openxmlformats.org/officeDocument/2006/relationships" xmlns:p="http://schemas.openxmlformats.org/presentationml/2006/main">
   <p:cSld>
@@ -6789,7 +7997,7 @@
         </p:nvSpPr>
         <p:spPr>
           <a:xfrm>
-            <a:off x="684212" y="485244"/>
+            <a:off x="135729" y="5184511"/>
             <a:ext cx="8534400" cy="1507067"/>
           </a:xfrm>
         </p:spPr>
@@ -7121,7 +8329,7 @@
         </p:nvSpPr>
         <p:spPr>
           <a:xfrm>
-            <a:off x="684212" y="2068511"/>
+            <a:off x="679253" y="784622"/>
             <a:ext cx="8534400" cy="3615267"/>
           </a:xfrm>
         </p:spPr>
@@ -7172,6 +8380,18 @@
   <p:clrMapOvr>
     <a:masterClrMapping/>
   </p:clrMapOvr>
+  <mc:AlternateContent xmlns:mc="http://schemas.openxmlformats.org/markup-compatibility/2006">
+    <mc:Choice xmlns:p14="http://schemas.microsoft.com/office/powerpoint/2010/main" Requires="p14">
+      <p:transition spd="med" p14:dur="700">
+        <p:fade/>
+      </p:transition>
+    </mc:Choice>
+    <mc:Fallback>
+      <p:transition spd="med">
+        <p:fade/>
+      </p:transition>
+    </mc:Fallback>
+  </mc:AlternateContent>
 </p:sld>
 </file>
 
@@ -7247,7 +8467,7 @@
                   <a:schemeClr val="tx1"/>
                 </a:solidFill>
               </a:rPr>
-              <a:t>The data used only goes back to the beginning of the pandemic, roughly March 2020. </a:t>
+              <a:t>The data used only goes back to the beginning of the pandemic, roughly February 2020. </a:t>
             </a:r>
           </a:p>
           <a:p>
@@ -7267,7 +8487,7 @@
                   <a:schemeClr val="tx1"/>
                 </a:solidFill>
               </a:rPr>
-              <a:t>We do not have enough movement data from before the pandemic to establish a good baseline. </a:t>
+              <a:t>Parks also are a place that fluctuates based on the time of year. Visitation will be higher during the warmer months. </a:t>
             </a:r>
           </a:p>
           <a:p>
@@ -7277,7 +8497,7 @@
                   <a:schemeClr val="tx1"/>
                 </a:solidFill>
               </a:rPr>
-              <a:t>Parks also are a place that fluctuates based on the time of year. Visitation will be higher during the warmer months. </a:t>
+              <a:t>This dataset also includes weekends and holidays leading to some decreases in data</a:t>
             </a:r>
           </a:p>
           <a:p>
@@ -7306,6 +8526,18 @@
   <p:clrMapOvr>
     <a:masterClrMapping/>
   </p:clrMapOvr>
+  <mc:AlternateContent xmlns:mc="http://schemas.openxmlformats.org/markup-compatibility/2006">
+    <mc:Choice xmlns:p14="http://schemas.microsoft.com/office/powerpoint/2010/main" Requires="p14">
+      <p:transition spd="med" p14:dur="700">
+        <p:fade/>
+      </p:transition>
+    </mc:Choice>
+    <mc:Fallback>
+      <p:transition spd="med">
+        <p:fade/>
+      </p:transition>
+    </mc:Fallback>
+  </mc:AlternateContent>
 </p:sld>
 </file>
 
@@ -7401,7 +8633,7 @@
                   <a:schemeClr val="tx1"/>
                 </a:solidFill>
               </a:rPr>
-              <a:t>Datetime - To convert date column data into actual dates</a:t>
+              <a:t>Datetime - To convert date column data into actual dates and to pull the days for the year over year comparison</a:t>
             </a:r>
           </a:p>
           <a:p>
@@ -7419,7 +8651,7 @@
                   <a:schemeClr val="tx1"/>
                 </a:solidFill>
               </a:rPr>
-              <a:t> – to plot dates as x-axis tick marks</a:t>
+              <a:t> – To plot dates as x-axis tick marks</a:t>
             </a:r>
           </a:p>
           <a:p>
@@ -7437,7 +8669,7 @@
                   <a:schemeClr val="tx1"/>
                 </a:solidFill>
               </a:rPr>
-              <a:t> was used for the heatmap. </a:t>
+              <a:t> – To create the US state heatmap</a:t>
             </a:r>
           </a:p>
           <a:p>
@@ -7459,6 +8691,18 @@
   <p:clrMapOvr>
     <a:masterClrMapping/>
   </p:clrMapOvr>
+  <mc:AlternateContent xmlns:mc="http://schemas.openxmlformats.org/markup-compatibility/2006">
+    <mc:Choice xmlns:p14="http://schemas.microsoft.com/office/powerpoint/2010/main" Requires="p14">
+      <p:transition spd="med" p14:dur="700">
+        <p:fade/>
+      </p:transition>
+    </mc:Choice>
+    <mc:Fallback>
+      <p:transition spd="med">
+        <p:fade/>
+      </p:transition>
+    </mc:Fallback>
+  </mc:AlternateContent>
 </p:sld>
 </file>
 
@@ -7497,7 +8741,7 @@
         </p:nvSpPr>
         <p:spPr>
           <a:xfrm>
-            <a:off x="851992" y="309615"/>
+            <a:off x="285322" y="4893733"/>
             <a:ext cx="8534400" cy="1507067"/>
           </a:xfrm>
         </p:spPr>
@@ -7528,7 +8772,7 @@
         </p:nvSpPr>
         <p:spPr>
           <a:xfrm>
-            <a:off x="1644242" y="2306972"/>
+            <a:off x="1473666" y="1040504"/>
             <a:ext cx="9244668" cy="923330"/>
           </a:xfrm>
           <a:prstGeom prst="rect">
@@ -7563,7 +8807,7 @@
         </p:nvSpPr>
         <p:spPr>
           <a:xfrm>
-            <a:off x="1778466" y="4035105"/>
+            <a:off x="1473666" y="2547138"/>
             <a:ext cx="6568580" cy="1200329"/>
           </a:xfrm>
           <a:prstGeom prst="rect">
@@ -7629,7 +8873,7 @@
         </p:nvSpPr>
         <p:spPr bwMode="auto">
           <a:xfrm>
-            <a:off x="0" y="0"/>
+            <a:off x="0" y="6400800"/>
             <a:ext cx="12192000" cy="457200"/>
           </a:xfrm>
           <a:prstGeom prst="rect">
@@ -7763,6 +9007,18 @@
   <p:clrMapOvr>
     <a:masterClrMapping/>
   </p:clrMapOvr>
+  <mc:AlternateContent xmlns:mc="http://schemas.openxmlformats.org/markup-compatibility/2006">
+    <mc:Choice xmlns:p14="http://schemas.microsoft.com/office/powerpoint/2010/main" Requires="p14">
+      <p:transition spd="med" p14:dur="700">
+        <p:fade/>
+      </p:transition>
+    </mc:Choice>
+    <mc:Fallback>
+      <p:transition spd="med">
+        <p:fade/>
+      </p:transition>
+    </mc:Fallback>
+  </mc:AlternateContent>
 </p:sld>
 </file>
 
@@ -7788,7 +9044,7 @@
           <p:cNvPr id="2" name="Title 1">
             <a:extLst>
               <a:ext uri="{FF2B5EF4-FFF2-40B4-BE49-F238E27FC236}">
-                <a16:creationId xmlns:a16="http://schemas.microsoft.com/office/drawing/2014/main" id="{CB2C0901-96C1-4CEF-B9C7-7A21131A3A5E}"/>
+                <a16:creationId xmlns:a16="http://schemas.microsoft.com/office/drawing/2014/main" id="{AFD05530-2533-264E-8DC6-338940AF1010}"/>
               </a:ext>
             </a:extLst>
           </p:cNvPr>
@@ -7799,61 +9055,115 @@
             <p:ph type="title"/>
           </p:nvPr>
         </p:nvSpPr>
-        <p:spPr>
-          <a:xfrm>
-            <a:off x="430928" y="5015366"/>
-            <a:ext cx="8828982" cy="1507067"/>
-          </a:xfrm>
-        </p:spPr>
-        <p:txBody>
-          <a:bodyPr/>
+        <p:spPr/>
+        <p:txBody>
+          <a:bodyPr>
+            <a:normAutofit/>
+          </a:bodyPr>
           <a:lstStyle/>
           <a:p>
             <a:r>
               <a:rPr lang="en-US" dirty="0"/>
-              <a:t>National mobility during covid-19</a:t>
-            </a:r>
-          </a:p>
-        </p:txBody>
-      </p:sp>
-      <p:pic>
-        <p:nvPicPr>
-          <p:cNvPr id="5" name="Content Placeholder 4">
+              <a:t>A note from google</a:t>
+            </a:r>
+            <a:br>
+              <a:rPr lang="en-US" dirty="0"/>
+            </a:br>
+            <a:r>
+              <a:rPr lang="en-US" sz="1100" dirty="0" err="1"/>
+              <a:t>www.google.com</a:t>
+            </a:r>
+            <a:r>
+              <a:rPr lang="en-US" sz="1100" dirty="0"/>
+              <a:t>/covid19/mobility/</a:t>
+            </a:r>
+          </a:p>
+        </p:txBody>
+      </p:sp>
+      <p:sp>
+        <p:nvSpPr>
+          <p:cNvPr id="3" name="Content Placeholder 2">
             <a:extLst>
               <a:ext uri="{FF2B5EF4-FFF2-40B4-BE49-F238E27FC236}">
-                <a16:creationId xmlns:a16="http://schemas.microsoft.com/office/drawing/2014/main" id="{7DE26B88-B396-E344-B7CC-B90D4137F7FD}"/>
+                <a16:creationId xmlns:a16="http://schemas.microsoft.com/office/drawing/2014/main" id="{476E5E37-9379-C74C-A9D4-E01539E8867A}"/>
               </a:ext>
             </a:extLst>
           </p:cNvPr>
-          <p:cNvPicPr>
-            <a:picLocks noGrp="1" noChangeAspect="1"/>
-          </p:cNvPicPr>
+          <p:cNvSpPr>
+            <a:spLocks noGrp="1"/>
+          </p:cNvSpPr>
           <p:nvPr>
             <p:ph idx="1"/>
           </p:nvPr>
-        </p:nvPicPr>
-        <p:blipFill rotWithShape="1">
-          <a:blip r:embed="rId2"/>
-          <a:srcRect l="7548" t="6406" r="8272" b="6677"/>
-          <a:stretch/>
-        </p:blipFill>
+        </p:nvSpPr>
         <p:spPr>
           <a:xfrm>
-            <a:off x="1608877" y="219656"/>
-            <a:ext cx="8974245" cy="5212080"/>
+            <a:off x="563418" y="685800"/>
+            <a:ext cx="8655194" cy="4274127"/>
           </a:xfrm>
         </p:spPr>
-      </p:pic>
+        <p:txBody>
+          <a:bodyPr>
+            <a:normAutofit fontScale="92500" lnSpcReduction="20000"/>
+          </a:bodyPr>
+          <a:lstStyle/>
+          <a:p>
+            <a:r>
+              <a:rPr lang="en-US" dirty="0">
+                <a:solidFill>
+                  <a:schemeClr val="tx1"/>
+                </a:solidFill>
+              </a:rPr>
+              <a:t>These Community Mobility Reports aim to provide insights into what has changed in response to policies aimed at combating COVID-19. The reports chart movement trends over time by geography, across different categories of places such as retail and recreation, groceries and pharmacies, parks, transit stations, workplaces, and residential.</a:t>
+            </a:r>
+          </a:p>
+          <a:p>
+            <a:r>
+              <a:rPr lang="en-US" dirty="0">
+                <a:solidFill>
+                  <a:schemeClr val="tx1"/>
+                </a:solidFill>
+              </a:rPr>
+              <a:t>The Community Mobility Reports were developed to be helpful while adhering to our stringent privacy protocols and protecting people’s privacy. No personally identifiable information, such as an individual’s location, contacts or movement, will be made available at any point.</a:t>
+            </a:r>
+          </a:p>
+          <a:p>
+            <a:r>
+              <a:rPr lang="en-US" dirty="0">
+                <a:solidFill>
+                  <a:schemeClr val="tx1"/>
+                </a:solidFill>
+              </a:rPr>
+              <a:t>Insights in these reports are created with aggregated, anonymized sets of data from users who have turned on the Location History setting, which is off by default. People who have Location History turned on can choose to turn it off at any time from their Google Account and can always delete Location History data directly from their Timeline.</a:t>
+            </a:r>
+          </a:p>
+          <a:p>
+            <a:endParaRPr lang="en-US" dirty="0"/>
+          </a:p>
+        </p:txBody>
+      </p:sp>
     </p:spTree>
     <p:extLst>
       <p:ext uri="{BB962C8B-B14F-4D97-AF65-F5344CB8AC3E}">
-        <p14:creationId xmlns:p14="http://schemas.microsoft.com/office/powerpoint/2010/main" val="2856798474"/>
+        <p14:creationId xmlns:p14="http://schemas.microsoft.com/office/powerpoint/2010/main" val="1300960892"/>
       </p:ext>
     </p:extLst>
   </p:cSld>
   <p:clrMapOvr>
     <a:masterClrMapping/>
   </p:clrMapOvr>
+  <mc:AlternateContent xmlns:mc="http://schemas.openxmlformats.org/markup-compatibility/2006">
+    <mc:Choice xmlns:p14="http://schemas.microsoft.com/office/powerpoint/2010/main" Requires="p14">
+      <p:transition spd="med" p14:dur="700">
+        <p:fade/>
+      </p:transition>
+    </mc:Choice>
+    <mc:Fallback>
+      <p:transition spd="med">
+        <p:fade/>
+      </p:transition>
+    </mc:Fallback>
+  </mc:AlternateContent>
 </p:sld>
 </file>
 
@@ -7879,7 +9189,7 @@
           <p:cNvPr id="2" name="Title 1">
             <a:extLst>
               <a:ext uri="{FF2B5EF4-FFF2-40B4-BE49-F238E27FC236}">
-                <a16:creationId xmlns:a16="http://schemas.microsoft.com/office/drawing/2014/main" id="{152E58B8-0290-4A78-821D-05F5CABB8AC7}"/>
+                <a16:creationId xmlns:a16="http://schemas.microsoft.com/office/drawing/2014/main" id="{8E7CC7BF-CAA9-4247-92DC-BF3797E8860B}"/>
               </a:ext>
             </a:extLst>
           </p:cNvPr>
@@ -7890,12 +9200,35 @@
             <p:ph type="title"/>
           </p:nvPr>
         </p:nvSpPr>
-        <p:spPr>
-          <a:xfrm>
-            <a:off x="103031" y="4841501"/>
-            <a:ext cx="9903853" cy="2016499"/>
-          </a:xfrm>
-        </p:spPr>
+        <p:spPr/>
+        <p:txBody>
+          <a:bodyPr/>
+          <a:lstStyle/>
+          <a:p>
+            <a:r>
+              <a:rPr lang="en-US" dirty="0"/>
+              <a:t>Data considerations</a:t>
+            </a:r>
+          </a:p>
+        </p:txBody>
+      </p:sp>
+      <p:sp>
+        <p:nvSpPr>
+          <p:cNvPr id="3" name="Content Placeholder 2">
+            <a:extLst>
+              <a:ext uri="{FF2B5EF4-FFF2-40B4-BE49-F238E27FC236}">
+                <a16:creationId xmlns:a16="http://schemas.microsoft.com/office/drawing/2014/main" id="{8C0E5684-ED5B-3047-A9F0-3C380B8D2ED6}"/>
+              </a:ext>
+            </a:extLst>
+          </p:cNvPr>
+          <p:cNvSpPr>
+            <a:spLocks noGrp="1"/>
+          </p:cNvSpPr>
+          <p:nvPr>
+            <p:ph idx="1"/>
+          </p:nvPr>
+        </p:nvSpPr>
+        <p:spPr/>
         <p:txBody>
           <a:bodyPr>
             <a:normAutofit/>
@@ -7903,51 +9236,68 @@
           <a:lstStyle/>
           <a:p>
             <a:r>
-              <a:rPr lang="en-US" dirty="0"/>
-              <a:t>State Grocery and pharmacy mobility</a:t>
-            </a:r>
-          </a:p>
-        </p:txBody>
-      </p:sp>
-      <p:pic>
-        <p:nvPicPr>
-          <p:cNvPr id="5" name="Content Placeholder 4" descr="Chart&#10;&#10;Description automatically generated">
-            <a:extLst>
-              <a:ext uri="{FF2B5EF4-FFF2-40B4-BE49-F238E27FC236}">
-                <a16:creationId xmlns:a16="http://schemas.microsoft.com/office/drawing/2014/main" id="{38DFF0C0-C32B-43F1-ACB9-FAC853A4E340}"/>
-              </a:ext>
-            </a:extLst>
-          </p:cNvPr>
-          <p:cNvPicPr>
-            <a:picLocks noGrp="1" noChangeAspect="1"/>
-          </p:cNvPicPr>
-          <p:nvPr>
-            <p:ph idx="1"/>
-          </p:nvPr>
-        </p:nvPicPr>
-        <p:blipFill>
-          <a:blip r:embed="rId2"/>
-          <a:stretch>
-            <a:fillRect/>
-          </a:stretch>
-        </p:blipFill>
-        <p:spPr>
-          <a:xfrm>
-            <a:off x="820238" y="239079"/>
-            <a:ext cx="10690568" cy="5212080"/>
-          </a:xfrm>
-        </p:spPr>
-      </p:pic>
+              <a:rPr lang="en-US" dirty="0">
+                <a:solidFill>
+                  <a:schemeClr val="tx1"/>
+                </a:solidFill>
+              </a:rPr>
+              <a:t>The baseline is an aggregate of five weeks of data from January to February 2020</a:t>
+            </a:r>
+          </a:p>
+          <a:p>
+            <a:r>
+              <a:rPr lang="en-US" dirty="0">
+                <a:solidFill>
+                  <a:schemeClr val="tx1"/>
+                </a:solidFill>
+              </a:rPr>
+              <a:t>All other data is the percent change from this baseline number</a:t>
+            </a:r>
+          </a:p>
+          <a:p>
+            <a:r>
+              <a:rPr lang="en-US" dirty="0">
+                <a:solidFill>
+                  <a:schemeClr val="tx1"/>
+                </a:solidFill>
+              </a:rPr>
+              <a:t>Factors that influence spikes in the data include: Weekends, and holidays.</a:t>
+            </a:r>
+          </a:p>
+          <a:p>
+            <a:r>
+              <a:rPr lang="en-US" dirty="0">
+                <a:solidFill>
+                  <a:schemeClr val="tx1"/>
+                </a:solidFill>
+              </a:rPr>
+              <a:t>Park data is influenced by seasonality and weather</a:t>
+            </a:r>
+          </a:p>
+        </p:txBody>
+      </p:sp>
     </p:spTree>
     <p:extLst>
       <p:ext uri="{BB962C8B-B14F-4D97-AF65-F5344CB8AC3E}">
-        <p14:creationId xmlns:p14="http://schemas.microsoft.com/office/powerpoint/2010/main" val="1394950397"/>
+        <p14:creationId xmlns:p14="http://schemas.microsoft.com/office/powerpoint/2010/main" val="1619972634"/>
       </p:ext>
     </p:extLst>
   </p:cSld>
   <p:clrMapOvr>
     <a:masterClrMapping/>
   </p:clrMapOvr>
+  <mc:AlternateContent xmlns:mc="http://schemas.openxmlformats.org/markup-compatibility/2006">
+    <mc:Choice xmlns:p14="http://schemas.microsoft.com/office/powerpoint/2010/main" Requires="p14">
+      <p:transition spd="med" p14:dur="700">
+        <p:fade/>
+      </p:transition>
+    </mc:Choice>
+    <mc:Fallback>
+      <p:transition spd="med">
+        <p:fade/>
+      </p:transition>
+    </mc:Fallback>
+  </mc:AlternateContent>
 </p:sld>
 </file>
 
@@ -7973,7 +9323,7 @@
           <p:cNvPr id="2" name="Title 1">
             <a:extLst>
               <a:ext uri="{FF2B5EF4-FFF2-40B4-BE49-F238E27FC236}">
-                <a16:creationId xmlns:a16="http://schemas.microsoft.com/office/drawing/2014/main" id="{DD7F1410-A8AF-4F3C-87A4-EDFC2EB7FC68}"/>
+                <a16:creationId xmlns:a16="http://schemas.microsoft.com/office/drawing/2014/main" id="{CB2C0901-96C1-4CEF-B9C7-7A21131A3A5E}"/>
               </a:ext>
             </a:extLst>
           </p:cNvPr>
@@ -7986,8 +9336,8 @@
         </p:nvSpPr>
         <p:spPr>
           <a:xfrm>
-            <a:off x="167425" y="5177307"/>
-            <a:ext cx="9051187" cy="1519707"/>
+            <a:off x="430928" y="5015366"/>
+            <a:ext cx="8828982" cy="1507067"/>
           </a:xfrm>
         </p:spPr>
         <p:txBody>
@@ -7996,17 +9346,60 @@
           <a:p>
             <a:r>
               <a:rPr lang="en-US" dirty="0"/>
-              <a:t>State Retail and recreation mobility</a:t>
-            </a:r>
-          </a:p>
-        </p:txBody>
-      </p:sp>
+              <a:t>National mobility during covid-19</a:t>
+            </a:r>
+          </a:p>
+        </p:txBody>
+      </p:sp>
+      <p:cxnSp>
+        <p:nvCxnSpPr>
+          <p:cNvPr id="4" name="Straight Connector 3">
+            <a:extLst>
+              <a:ext uri="{FF2B5EF4-FFF2-40B4-BE49-F238E27FC236}">
+                <a16:creationId xmlns:a16="http://schemas.microsoft.com/office/drawing/2014/main" id="{227D1BC5-6928-DA41-AFAD-B6D3B0D3865D}"/>
+              </a:ext>
+            </a:extLst>
+          </p:cNvPr>
+          <p:cNvCxnSpPr>
+            <a:cxnSpLocks/>
+          </p:cNvCxnSpPr>
+          <p:nvPr/>
+        </p:nvCxnSpPr>
+        <p:spPr>
+          <a:xfrm flipV="1">
+            <a:off x="2128345" y="2853560"/>
+            <a:ext cx="8257314" cy="1"/>
+          </a:xfrm>
+          <a:prstGeom prst="line">
+            <a:avLst/>
+          </a:prstGeom>
+          <a:ln w="19050">
+            <a:solidFill>
+              <a:schemeClr val="accent1"/>
+            </a:solidFill>
+          </a:ln>
+        </p:spPr>
+        <p:style>
+          <a:lnRef idx="1">
+            <a:schemeClr val="accent1"/>
+          </a:lnRef>
+          <a:fillRef idx="0">
+            <a:schemeClr val="accent1"/>
+          </a:fillRef>
+          <a:effectRef idx="0">
+            <a:schemeClr val="accent1"/>
+          </a:effectRef>
+          <a:fontRef idx="minor">
+            <a:schemeClr val="tx1"/>
+          </a:fontRef>
+        </p:style>
+      </p:cxnSp>
       <p:pic>
         <p:nvPicPr>
-          <p:cNvPr id="5" name="Content Placeholder 4" descr="Chart, line chart&#10;&#10;Description automatically generated">
+          <p:cNvPr id="11" name="Content Placeholder 10">
             <a:extLst>
               <a:ext uri="{FF2B5EF4-FFF2-40B4-BE49-F238E27FC236}">
-                <a16:creationId xmlns:a16="http://schemas.microsoft.com/office/drawing/2014/main" id="{FEC95E30-1BEA-443E-83A9-7FE2BD1BAB54}"/>
+                <a16:creationId xmlns:a16="http://schemas.microsoft.com/office/drawing/2014/main" id="{128BC31B-210C-D04E-BEF5-1C1191DAECA4}"/>
               </a:ext>
             </a:extLst>
           </p:cNvPr>
@@ -8017,29 +9410,40 @@
             <p:ph idx="1"/>
           </p:nvPr>
         </p:nvPicPr>
-        <p:blipFill>
+        <p:blipFill rotWithShape="1">
           <a:blip r:embed="rId2"/>
-          <a:stretch>
-            <a:fillRect/>
-          </a:stretch>
+          <a:srcRect l="7554" t="4568" r="4930" b="3927"/>
+          <a:stretch/>
         </p:blipFill>
         <p:spPr>
           <a:xfrm>
-            <a:off x="750715" y="160986"/>
-            <a:ext cx="10690570" cy="5212080"/>
+            <a:off x="1665056" y="157017"/>
+            <a:ext cx="8861888" cy="5212080"/>
           </a:xfrm>
         </p:spPr>
       </p:pic>
     </p:spTree>
     <p:extLst>
       <p:ext uri="{BB962C8B-B14F-4D97-AF65-F5344CB8AC3E}">
-        <p14:creationId xmlns:p14="http://schemas.microsoft.com/office/powerpoint/2010/main" val="3078164528"/>
+        <p14:creationId xmlns:p14="http://schemas.microsoft.com/office/powerpoint/2010/main" val="2856798474"/>
       </p:ext>
     </p:extLst>
   </p:cSld>
   <p:clrMapOvr>
     <a:masterClrMapping/>
   </p:clrMapOvr>
+  <mc:AlternateContent xmlns:mc="http://schemas.openxmlformats.org/markup-compatibility/2006">
+    <mc:Choice xmlns:p14="http://schemas.microsoft.com/office/powerpoint/2010/main" Requires="p14">
+      <p:transition spd="med" p14:dur="700">
+        <p:fade/>
+      </p:transition>
+    </mc:Choice>
+    <mc:Fallback>
+      <p:transition spd="med">
+        <p:fade/>
+      </p:transition>
+    </mc:Fallback>
+  </mc:AlternateContent>
 </p:sld>
 </file>
 

--- a/presentation.pptx
+++ b/presentation.pptx
@@ -14,18 +14,17 @@
     <p:sldId id="322" r:id="rId11"/>
     <p:sldId id="321" r:id="rId12"/>
     <p:sldId id="303" r:id="rId13"/>
-    <p:sldId id="318" r:id="rId14"/>
-    <p:sldId id="314" r:id="rId15"/>
-    <p:sldId id="315" r:id="rId16"/>
-    <p:sldId id="316" r:id="rId17"/>
-    <p:sldId id="312" r:id="rId18"/>
-    <p:sldId id="319" r:id="rId19"/>
-    <p:sldId id="304" r:id="rId20"/>
-    <p:sldId id="305" r:id="rId21"/>
-    <p:sldId id="306" r:id="rId22"/>
-    <p:sldId id="308" r:id="rId23"/>
-    <p:sldId id="317" r:id="rId24"/>
-    <p:sldId id="313" r:id="rId25"/>
+    <p:sldId id="314" r:id="rId14"/>
+    <p:sldId id="315" r:id="rId15"/>
+    <p:sldId id="316" r:id="rId16"/>
+    <p:sldId id="312" r:id="rId17"/>
+    <p:sldId id="319" r:id="rId18"/>
+    <p:sldId id="304" r:id="rId19"/>
+    <p:sldId id="305" r:id="rId20"/>
+    <p:sldId id="306" r:id="rId21"/>
+    <p:sldId id="308" r:id="rId22"/>
+    <p:sldId id="317" r:id="rId23"/>
+    <p:sldId id="313" r:id="rId24"/>
   </p:sldIdLst>
   <p:sldSz cx="12192000" cy="6858000"/>
   <p:notesSz cx="6858000" cy="9144000"/>
@@ -323,7 +322,7 @@
           <a:p>
             <a:fld id="{9184DA70-C731-4C70-880D-CCD4705E623C}" type="datetime1">
               <a:rPr lang="en-US" smtClean="0"/>
-              <a:t>5/4/21</a:t>
+              <a:t>5/6/2021</a:t>
             </a:fld>
             <a:endParaRPr lang="en-US" dirty="0"/>
           </a:p>
@@ -556,13 +555,13 @@
   <p:clrMapOvr>
     <a:masterClrMapping/>
   </p:clrMapOvr>
-  <mc:AlternateContent xmlns:mc="http://schemas.openxmlformats.org/markup-compatibility/2006">
-    <mc:Choice xmlns:p14="http://schemas.microsoft.com/office/powerpoint/2010/main" Requires="p14">
+  <mc:AlternateContent xmlns:mc="http://schemas.openxmlformats.org/markup-compatibility/2006" xmlns:p14="http://schemas.microsoft.com/office/powerpoint/2010/main">
+    <mc:Choice Requires="p14">
       <p:transition spd="med" p14:dur="700">
         <p:fade/>
       </p:transition>
     </mc:Choice>
-    <mc:Fallback>
+    <mc:Fallback xmlns="">
       <p:transition spd="med">
         <p:fade/>
       </p:transition>
@@ -771,7 +770,7 @@
           <a:p>
             <a:fld id="{62D6E202-B606-4609-B914-27C9371A1F6D}" type="datetime1">
               <a:rPr lang="en-US" smtClean="0"/>
-              <a:t>5/4/21</a:t>
+              <a:t>5/6/2021</a:t>
             </a:fld>
             <a:endParaRPr lang="en-US" dirty="0"/>
           </a:p>
@@ -829,13 +828,13 @@
   <p:clrMapOvr>
     <a:masterClrMapping/>
   </p:clrMapOvr>
-  <mc:AlternateContent xmlns:mc="http://schemas.openxmlformats.org/markup-compatibility/2006">
-    <mc:Choice xmlns:p14="http://schemas.microsoft.com/office/powerpoint/2010/main" Requires="p14">
+  <mc:AlternateContent xmlns:mc="http://schemas.openxmlformats.org/markup-compatibility/2006" xmlns:p14="http://schemas.microsoft.com/office/powerpoint/2010/main">
+    <mc:Choice Requires="p14">
       <p:transition spd="med" p14:dur="700">
         <p:fade/>
       </p:transition>
     </mc:Choice>
-    <mc:Fallback>
+    <mc:Fallback xmlns="">
       <p:transition spd="med">
         <p:fade/>
       </p:transition>
@@ -1034,7 +1033,7 @@
           <a:p>
             <a:fld id="{62D6E202-B606-4609-B914-27C9371A1F6D}" type="datetime1">
               <a:rPr lang="en-US" smtClean="0"/>
-              <a:t>5/4/21</a:t>
+              <a:t>5/6/2021</a:t>
             </a:fld>
             <a:endParaRPr lang="en-US" dirty="0"/>
           </a:p>
@@ -1092,13 +1091,13 @@
   <p:clrMapOvr>
     <a:masterClrMapping/>
   </p:clrMapOvr>
-  <mc:AlternateContent xmlns:mc="http://schemas.openxmlformats.org/markup-compatibility/2006">
-    <mc:Choice xmlns:p14="http://schemas.microsoft.com/office/powerpoint/2010/main" Requires="p14">
+  <mc:AlternateContent xmlns:mc="http://schemas.openxmlformats.org/markup-compatibility/2006" xmlns:p14="http://schemas.microsoft.com/office/powerpoint/2010/main">
+    <mc:Choice Requires="p14">
       <p:transition spd="med" p14:dur="700">
         <p:fade/>
       </p:transition>
     </mc:Choice>
-    <mc:Fallback>
+    <mc:Fallback xmlns="">
       <p:transition spd="med">
         <p:fade/>
       </p:transition>
@@ -1355,7 +1354,7 @@
           <a:p>
             <a:fld id="{62D6E202-B606-4609-B914-27C9371A1F6D}" type="datetime1">
               <a:rPr lang="en-US" smtClean="0"/>
-              <a:t>5/4/21</a:t>
+              <a:t>5/6/2021</a:t>
             </a:fld>
             <a:endParaRPr lang="en-US" dirty="0"/>
           </a:p>
@@ -1481,13 +1480,13 @@
   <p:clrMapOvr>
     <a:masterClrMapping/>
   </p:clrMapOvr>
-  <mc:AlternateContent xmlns:mc="http://schemas.openxmlformats.org/markup-compatibility/2006">
-    <mc:Choice xmlns:p14="http://schemas.microsoft.com/office/powerpoint/2010/main" Requires="p14">
+  <mc:AlternateContent xmlns:mc="http://schemas.openxmlformats.org/markup-compatibility/2006" xmlns:p14="http://schemas.microsoft.com/office/powerpoint/2010/main">
+    <mc:Choice Requires="p14">
       <p:transition spd="med" p14:dur="700">
         <p:fade/>
       </p:transition>
     </mc:Choice>
-    <mc:Fallback>
+    <mc:Fallback xmlns="">
       <p:transition spd="med">
         <p:fade/>
       </p:transition>
@@ -1686,7 +1685,7 @@
           <a:p>
             <a:fld id="{62D6E202-B606-4609-B914-27C9371A1F6D}" type="datetime1">
               <a:rPr lang="en-US" smtClean="0"/>
-              <a:t>5/4/21</a:t>
+              <a:t>5/6/2021</a:t>
             </a:fld>
             <a:endParaRPr lang="en-US" dirty="0"/>
           </a:p>
@@ -1744,13 +1743,13 @@
   <p:clrMapOvr>
     <a:masterClrMapping/>
   </p:clrMapOvr>
-  <mc:AlternateContent xmlns:mc="http://schemas.openxmlformats.org/markup-compatibility/2006">
-    <mc:Choice xmlns:p14="http://schemas.microsoft.com/office/powerpoint/2010/main" Requires="p14">
+  <mc:AlternateContent xmlns:mc="http://schemas.openxmlformats.org/markup-compatibility/2006" xmlns:p14="http://schemas.microsoft.com/office/powerpoint/2010/main">
+    <mc:Choice Requires="p14">
       <p:transition spd="med" p14:dur="700">
         <p:fade/>
       </p:transition>
     </mc:Choice>
-    <mc:Fallback>
+    <mc:Fallback xmlns="">
       <p:transition spd="med">
         <p:fade/>
       </p:transition>
@@ -2001,7 +2000,7 @@
           <a:p>
             <a:fld id="{62D6E202-B606-4609-B914-27C9371A1F6D}" type="datetime1">
               <a:rPr lang="en-US" smtClean="0"/>
-              <a:t>5/4/21</a:t>
+              <a:t>5/6/2021</a:t>
             </a:fld>
             <a:endParaRPr lang="en-US" dirty="0"/>
           </a:p>
@@ -2127,13 +2126,13 @@
   <p:clrMapOvr>
     <a:masterClrMapping/>
   </p:clrMapOvr>
-  <mc:AlternateContent xmlns:mc="http://schemas.openxmlformats.org/markup-compatibility/2006">
-    <mc:Choice xmlns:p14="http://schemas.microsoft.com/office/powerpoint/2010/main" Requires="p14">
+  <mc:AlternateContent xmlns:mc="http://schemas.openxmlformats.org/markup-compatibility/2006" xmlns:p14="http://schemas.microsoft.com/office/powerpoint/2010/main">
+    <mc:Choice Requires="p14">
       <p:transition spd="med" p14:dur="700">
         <p:fade/>
       </p:transition>
     </mc:Choice>
-    <mc:Fallback>
+    <mc:Fallback xmlns="">
       <p:transition spd="med">
         <p:fade/>
       </p:transition>
@@ -2381,7 +2380,7 @@
           <a:p>
             <a:fld id="{62D6E202-B606-4609-B914-27C9371A1F6D}" type="datetime1">
               <a:rPr lang="en-US" smtClean="0"/>
-              <a:t>5/4/21</a:t>
+              <a:t>5/6/2021</a:t>
             </a:fld>
             <a:endParaRPr lang="en-US" dirty="0"/>
           </a:p>
@@ -2439,13 +2438,13 @@
   <p:clrMapOvr>
     <a:masterClrMapping/>
   </p:clrMapOvr>
-  <mc:AlternateContent xmlns:mc="http://schemas.openxmlformats.org/markup-compatibility/2006">
-    <mc:Choice xmlns:p14="http://schemas.microsoft.com/office/powerpoint/2010/main" Requires="p14">
+  <mc:AlternateContent xmlns:mc="http://schemas.openxmlformats.org/markup-compatibility/2006" xmlns:p14="http://schemas.microsoft.com/office/powerpoint/2010/main">
+    <mc:Choice Requires="p14">
       <p:transition spd="med" p14:dur="700">
         <p:fade/>
       </p:transition>
     </mc:Choice>
-    <mc:Fallback>
+    <mc:Fallback xmlns="">
       <p:transition spd="med">
         <p:fade/>
       </p:transition>
@@ -2568,7 +2567,7 @@
           <a:p>
             <a:fld id="{62D6E202-B606-4609-B914-27C9371A1F6D}" type="datetime1">
               <a:rPr lang="en-US" smtClean="0"/>
-              <a:t>5/4/21</a:t>
+              <a:t>5/6/2021</a:t>
             </a:fld>
             <a:endParaRPr lang="en-US" dirty="0"/>
           </a:p>
@@ -2626,13 +2625,13 @@
   <p:clrMapOvr>
     <a:masterClrMapping/>
   </p:clrMapOvr>
-  <mc:AlternateContent xmlns:mc="http://schemas.openxmlformats.org/markup-compatibility/2006">
-    <mc:Choice xmlns:p14="http://schemas.microsoft.com/office/powerpoint/2010/main" Requires="p14">
+  <mc:AlternateContent xmlns:mc="http://schemas.openxmlformats.org/markup-compatibility/2006" xmlns:p14="http://schemas.microsoft.com/office/powerpoint/2010/main">
+    <mc:Choice Requires="p14">
       <p:transition spd="med" p14:dur="700">
         <p:fade/>
       </p:transition>
     </mc:Choice>
-    <mc:Fallback>
+    <mc:Fallback xmlns="">
       <p:transition spd="med">
         <p:fade/>
       </p:transition>
@@ -2761,7 +2760,7 @@
           <a:p>
             <a:fld id="{62D6E202-B606-4609-B914-27C9371A1F6D}" type="datetime1">
               <a:rPr lang="en-US" smtClean="0"/>
-              <a:t>5/4/21</a:t>
+              <a:t>5/6/2021</a:t>
             </a:fld>
             <a:endParaRPr lang="en-US" dirty="0"/>
           </a:p>
@@ -2819,13 +2818,13 @@
   <p:clrMapOvr>
     <a:masterClrMapping/>
   </p:clrMapOvr>
-  <mc:AlternateContent xmlns:mc="http://schemas.openxmlformats.org/markup-compatibility/2006">
-    <mc:Choice xmlns:p14="http://schemas.microsoft.com/office/powerpoint/2010/main" Requires="p14">
+  <mc:AlternateContent xmlns:mc="http://schemas.openxmlformats.org/markup-compatibility/2006" xmlns:p14="http://schemas.microsoft.com/office/powerpoint/2010/main">
+    <mc:Choice Requires="p14">
       <p:transition spd="med" p14:dur="700">
         <p:fade/>
       </p:transition>
     </mc:Choice>
-    <mc:Fallback>
+    <mc:Fallback xmlns="">
       <p:transition spd="med">
         <p:fade/>
       </p:transition>
@@ -2944,7 +2943,7 @@
           <a:p>
             <a:fld id="{4BE1D723-8F53-4F53-90B0-1982A396982E}" type="datetime1">
               <a:rPr lang="en-US" smtClean="0"/>
-              <a:t>5/4/21</a:t>
+              <a:t>5/6/2021</a:t>
             </a:fld>
             <a:endParaRPr lang="en-US" dirty="0"/>
           </a:p>
@@ -3002,13 +3001,13 @@
   <p:clrMapOvr>
     <a:masterClrMapping/>
   </p:clrMapOvr>
-  <mc:AlternateContent xmlns:mc="http://schemas.openxmlformats.org/markup-compatibility/2006">
-    <mc:Choice xmlns:p14="http://schemas.microsoft.com/office/powerpoint/2010/main" Requires="p14">
+  <mc:AlternateContent xmlns:mc="http://schemas.openxmlformats.org/markup-compatibility/2006" xmlns:p14="http://schemas.microsoft.com/office/powerpoint/2010/main">
+    <mc:Choice Requires="p14">
       <p:transition spd="med" p14:dur="700">
         <p:fade/>
       </p:transition>
     </mc:Choice>
-    <mc:Fallback>
+    <mc:Fallback xmlns="">
       <p:transition spd="med">
         <p:fade/>
       </p:transition>
@@ -3206,7 +3205,7 @@
           <a:p>
             <a:fld id="{97669AF7-7BEB-44E4-9852-375E34362B5B}" type="datetime1">
               <a:rPr lang="en-US" smtClean="0"/>
-              <a:t>5/4/21</a:t>
+              <a:t>5/6/2021</a:t>
             </a:fld>
             <a:endParaRPr lang="en-US" dirty="0"/>
           </a:p>
@@ -3264,13 +3263,13 @@
   <p:clrMapOvr>
     <a:masterClrMapping/>
   </p:clrMapOvr>
-  <mc:AlternateContent xmlns:mc="http://schemas.openxmlformats.org/markup-compatibility/2006">
-    <mc:Choice xmlns:p14="http://schemas.microsoft.com/office/powerpoint/2010/main" Requires="p14">
+  <mc:AlternateContent xmlns:mc="http://schemas.openxmlformats.org/markup-compatibility/2006" xmlns:p14="http://schemas.microsoft.com/office/powerpoint/2010/main">
+    <mc:Choice Requires="p14">
       <p:transition spd="med" p14:dur="700">
         <p:fade/>
       </p:transition>
     </mc:Choice>
-    <mc:Fallback>
+    <mc:Fallback xmlns="">
       <p:transition spd="med">
         <p:fade/>
       </p:transition>
@@ -3454,7 +3453,7 @@
           <a:p>
             <a:fld id="{BAAAC38D-0552-4C82-B593-E6124DFADBE2}" type="datetime1">
               <a:rPr lang="en-US" smtClean="0"/>
-              <a:t>5/4/21</a:t>
+              <a:t>5/6/2021</a:t>
             </a:fld>
             <a:endParaRPr lang="en-US" dirty="0"/>
           </a:p>
@@ -3512,13 +3511,13 @@
   <p:clrMapOvr>
     <a:masterClrMapping/>
   </p:clrMapOvr>
-  <mc:AlternateContent xmlns:mc="http://schemas.openxmlformats.org/markup-compatibility/2006">
-    <mc:Choice xmlns:p14="http://schemas.microsoft.com/office/powerpoint/2010/main" Requires="p14">
+  <mc:AlternateContent xmlns:mc="http://schemas.openxmlformats.org/markup-compatibility/2006" xmlns:p14="http://schemas.microsoft.com/office/powerpoint/2010/main">
+    <mc:Choice Requires="p14">
       <p:transition spd="med" p14:dur="700">
         <p:fade/>
       </p:transition>
     </mc:Choice>
-    <mc:Fallback>
+    <mc:Fallback xmlns="">
       <p:transition spd="med">
         <p:fade/>
       </p:transition>
@@ -3848,7 +3847,7 @@
           <a:p>
             <a:fld id="{D9DF0F1C-5577-4ACB-BB62-DF8F3C494C7E}" type="datetime1">
               <a:rPr lang="en-US" smtClean="0"/>
-              <a:t>5/4/21</a:t>
+              <a:t>5/6/2021</a:t>
             </a:fld>
             <a:endParaRPr lang="en-US" dirty="0"/>
           </a:p>
@@ -3906,13 +3905,13 @@
   <p:clrMapOvr>
     <a:masterClrMapping/>
   </p:clrMapOvr>
-  <mc:AlternateContent xmlns:mc="http://schemas.openxmlformats.org/markup-compatibility/2006">
-    <mc:Choice xmlns:p14="http://schemas.microsoft.com/office/powerpoint/2010/main" Requires="p14">
+  <mc:AlternateContent xmlns:mc="http://schemas.openxmlformats.org/markup-compatibility/2006" xmlns:p14="http://schemas.microsoft.com/office/powerpoint/2010/main">
+    <mc:Choice Requires="p14">
       <p:transition spd="med" p14:dur="700">
         <p:fade/>
       </p:transition>
     </mc:Choice>
-    <mc:Fallback>
+    <mc:Fallback xmlns="">
       <p:transition spd="med">
         <p:fade/>
       </p:transition>
@@ -3978,7 +3977,7 @@
           <a:p>
             <a:fld id="{1775B394-D9F9-4F0C-B15D-605F45CB9E9F}" type="datetime1">
               <a:rPr lang="en-US" smtClean="0"/>
-              <a:t>5/4/21</a:t>
+              <a:t>5/6/2021</a:t>
             </a:fld>
             <a:endParaRPr lang="en-US" dirty="0"/>
           </a:p>
@@ -4036,13 +4035,13 @@
   <p:clrMapOvr>
     <a:masterClrMapping/>
   </p:clrMapOvr>
-  <mc:AlternateContent xmlns:mc="http://schemas.openxmlformats.org/markup-compatibility/2006">
-    <mc:Choice xmlns:p14="http://schemas.microsoft.com/office/powerpoint/2010/main" Requires="p14">
+  <mc:AlternateContent xmlns:mc="http://schemas.openxmlformats.org/markup-compatibility/2006" xmlns:p14="http://schemas.microsoft.com/office/powerpoint/2010/main">
+    <mc:Choice Requires="p14">
       <p:transition spd="med" p14:dur="700">
         <p:fade/>
       </p:transition>
     </mc:Choice>
-    <mc:Fallback>
+    <mc:Fallback xmlns="">
       <p:transition spd="med">
         <p:fade/>
       </p:transition>
@@ -4085,7 +4084,7 @@
           <a:p>
             <a:fld id="{39667345-2558-425A-8533-9BFDBCE15005}" type="datetime1">
               <a:rPr lang="en-US" smtClean="0"/>
-              <a:t>5/4/21</a:t>
+              <a:t>5/6/2021</a:t>
             </a:fld>
             <a:endParaRPr lang="en-US" dirty="0"/>
           </a:p>
@@ -4143,13 +4142,13 @@
   <p:clrMapOvr>
     <a:masterClrMapping/>
   </p:clrMapOvr>
-  <mc:AlternateContent xmlns:mc="http://schemas.openxmlformats.org/markup-compatibility/2006">
-    <mc:Choice xmlns:p14="http://schemas.microsoft.com/office/powerpoint/2010/main" Requires="p14">
+  <mc:AlternateContent xmlns:mc="http://schemas.openxmlformats.org/markup-compatibility/2006" xmlns:p14="http://schemas.microsoft.com/office/powerpoint/2010/main">
+    <mc:Choice Requires="p14">
       <p:transition spd="med" p14:dur="700">
         <p:fade/>
       </p:transition>
     </mc:Choice>
-    <mc:Fallback>
+    <mc:Fallback xmlns="">
       <p:transition spd="med">
         <p:fade/>
       </p:transition>
@@ -4352,7 +4351,7 @@
           <a:p>
             <a:fld id="{92BEA474-078D-4E9B-9B14-09A87B19DC46}" type="datetime1">
               <a:rPr lang="en-US" smtClean="0"/>
-              <a:t>5/4/21</a:t>
+              <a:t>5/6/2021</a:t>
             </a:fld>
             <a:endParaRPr lang="en-US" dirty="0"/>
           </a:p>
@@ -4411,13 +4410,13 @@
   <p:clrMapOvr>
     <a:masterClrMapping/>
   </p:clrMapOvr>
-  <mc:AlternateContent xmlns:mc="http://schemas.openxmlformats.org/markup-compatibility/2006">
-    <mc:Choice xmlns:p14="http://schemas.microsoft.com/office/powerpoint/2010/main" Requires="p14">
+  <mc:AlternateContent xmlns:mc="http://schemas.openxmlformats.org/markup-compatibility/2006" xmlns:p14="http://schemas.microsoft.com/office/powerpoint/2010/main">
+    <mc:Choice Requires="p14">
       <p:transition spd="med" p14:dur="700">
         <p:fade/>
       </p:transition>
     </mc:Choice>
-    <mc:Fallback>
+    <mc:Fallback xmlns="">
       <p:transition spd="med">
         <p:fade/>
       </p:transition>
@@ -4648,7 +4647,7 @@
           <a:p>
             <a:fld id="{4907D986-8816-4272-A432-0437A28A9828}" type="datetime1">
               <a:rPr lang="en-US" smtClean="0"/>
-              <a:t>5/4/21</a:t>
+              <a:t>5/6/2021</a:t>
             </a:fld>
             <a:endParaRPr lang="en-US" dirty="0"/>
           </a:p>
@@ -4707,13 +4706,13 @@
   <p:clrMapOvr>
     <a:masterClrMapping/>
   </p:clrMapOvr>
-  <mc:AlternateContent xmlns:mc="http://schemas.openxmlformats.org/markup-compatibility/2006">
-    <mc:Choice xmlns:p14="http://schemas.microsoft.com/office/powerpoint/2010/main" Requires="p14">
+  <mc:AlternateContent xmlns:mc="http://schemas.openxmlformats.org/markup-compatibility/2006" xmlns:p14="http://schemas.microsoft.com/office/powerpoint/2010/main">
+    <mc:Choice Requires="p14">
       <p:transition spd="med" p14:dur="700">
         <p:fade/>
       </p:transition>
     </mc:Choice>
-    <mc:Fallback>
+    <mc:Fallback xmlns="">
       <p:transition spd="med">
         <p:fade/>
       </p:transition>
@@ -5067,7 +5066,7 @@
           <a:p>
             <a:fld id="{62D6E202-B606-4609-B914-27C9371A1F6D}" type="datetime1">
               <a:rPr lang="en-US" smtClean="0"/>
-              <a:t>5/4/21</a:t>
+              <a:t>5/6/2021</a:t>
             </a:fld>
             <a:endParaRPr lang="en-US" dirty="0"/>
           </a:p>
@@ -5182,13 +5181,13 @@
     <p:sldLayoutId id="2147483686" r:id="rId16"/>
     <p:sldLayoutId id="2147483687" r:id="rId17"/>
   </p:sldLayoutIdLst>
-  <mc:AlternateContent xmlns:mc="http://schemas.openxmlformats.org/markup-compatibility/2006">
-    <mc:Choice xmlns:p14="http://schemas.microsoft.com/office/powerpoint/2010/main" Requires="p14">
+  <mc:AlternateContent xmlns:mc="http://schemas.openxmlformats.org/markup-compatibility/2006" xmlns:p14="http://schemas.microsoft.com/office/powerpoint/2010/main">
+    <mc:Choice Requires="p14">
       <p:transition spd="med" p14:dur="700">
         <p:fade/>
       </p:transition>
     </mc:Choice>
-    <mc:Fallback>
+    <mc:Fallback xmlns="">
       <p:transition spd="med">
         <p:fade/>
       </p:transition>
@@ -5809,13 +5808,13 @@
   <p:clrMapOvr>
     <a:masterClrMapping/>
   </p:clrMapOvr>
-  <mc:AlternateContent xmlns:mc="http://schemas.openxmlformats.org/markup-compatibility/2006">
-    <mc:Choice xmlns:p14="http://schemas.microsoft.com/office/powerpoint/2010/main" Requires="p14">
+  <mc:AlternateContent xmlns:mc="http://schemas.openxmlformats.org/markup-compatibility/2006" xmlns:p14="http://schemas.microsoft.com/office/powerpoint/2010/main">
+    <mc:Choice Requires="p14">
       <p:transition spd="med" p14:dur="700">
         <p:fade/>
       </p:transition>
     </mc:Choice>
-    <mc:Fallback>
+    <mc:Fallback xmlns="">
       <p:transition spd="med">
         <p:fade/>
       </p:transition>
@@ -5945,76 +5944,6 @@
           <p:cNvPr id="2" name="Title 1">
             <a:extLst>
               <a:ext uri="{FF2B5EF4-FFF2-40B4-BE49-F238E27FC236}">
-                <a16:creationId xmlns:a16="http://schemas.microsoft.com/office/drawing/2014/main" id="{60CD9229-BF36-8A4A-9A96-4686336F35FD}"/>
-              </a:ext>
-            </a:extLst>
-          </p:cNvPr>
-          <p:cNvSpPr>
-            <a:spLocks noGrp="1"/>
-          </p:cNvSpPr>
-          <p:nvPr>
-            <p:ph type="title"/>
-          </p:nvPr>
-        </p:nvSpPr>
-        <p:spPr/>
-        <p:txBody>
-          <a:bodyPr/>
-          <a:lstStyle/>
-          <a:p>
-            <a:r>
-              <a:rPr lang="en-US" dirty="0"/>
-              <a:t>Year over year comparison</a:t>
-            </a:r>
-          </a:p>
-        </p:txBody>
-      </p:sp>
-    </p:spTree>
-    <p:extLst>
-      <p:ext uri="{BB962C8B-B14F-4D97-AF65-F5344CB8AC3E}">
-        <p14:creationId xmlns:p14="http://schemas.microsoft.com/office/powerpoint/2010/main" val="1381576605"/>
-      </p:ext>
-    </p:extLst>
-  </p:cSld>
-  <p:clrMapOvr>
-    <a:masterClrMapping/>
-  </p:clrMapOvr>
-  <mc:AlternateContent xmlns:mc="http://schemas.openxmlformats.org/markup-compatibility/2006">
-    <mc:Choice xmlns:p14="http://schemas.microsoft.com/office/powerpoint/2010/main" Requires="p14">
-      <p:transition spd="med" p14:dur="700">
-        <p:fade/>
-      </p:transition>
-    </mc:Choice>
-    <mc:Fallback>
-      <p:transition spd="med">
-        <p:fade/>
-      </p:transition>
-    </mc:Fallback>
-  </mc:AlternateContent>
-</p:sld>
-</file>
-
-<file path=ppt/slides/slide11.xml><?xml version="1.0" encoding="utf-8"?>
-<p:sld xmlns:a="http://schemas.openxmlformats.org/drawingml/2006/main" xmlns:r="http://schemas.openxmlformats.org/officeDocument/2006/relationships" xmlns:p="http://schemas.openxmlformats.org/presentationml/2006/main">
-  <p:cSld>
-    <p:spTree>
-      <p:nvGrpSpPr>
-        <p:cNvPr id="1" name=""/>
-        <p:cNvGrpSpPr/>
-        <p:nvPr/>
-      </p:nvGrpSpPr>
-      <p:grpSpPr>
-        <a:xfrm>
-          <a:off x="0" y="0"/>
-          <a:ext cx="0" cy="0"/>
-          <a:chOff x="0" y="0"/>
-          <a:chExt cx="0" cy="0"/>
-        </a:xfrm>
-      </p:grpSpPr>
-      <p:sp>
-        <p:nvSpPr>
-          <p:cNvPr id="2" name="Title 1">
-            <a:extLst>
-              <a:ext uri="{FF2B5EF4-FFF2-40B4-BE49-F238E27FC236}">
                 <a16:creationId xmlns:a16="http://schemas.microsoft.com/office/drawing/2014/main" id="{172685EB-9451-4644-BB8C-1887E09914D9}"/>
               </a:ext>
             </a:extLst>
@@ -6117,13 +6046,13 @@
   <p:clrMapOvr>
     <a:masterClrMapping/>
   </p:clrMapOvr>
-  <mc:AlternateContent xmlns:mc="http://schemas.openxmlformats.org/markup-compatibility/2006">
-    <mc:Choice xmlns:p14="http://schemas.microsoft.com/office/powerpoint/2010/main" Requires="p14">
+  <mc:AlternateContent xmlns:mc="http://schemas.openxmlformats.org/markup-compatibility/2006" xmlns:p14="http://schemas.microsoft.com/office/powerpoint/2010/main">
+    <mc:Choice Requires="p14">
       <p:transition spd="med" p14:dur="700">
         <p:fade/>
       </p:transition>
     </mc:Choice>
-    <mc:Fallback>
+    <mc:Fallback xmlns="">
       <p:transition spd="med">
         <p:fade/>
       </p:transition>
@@ -6132,7 +6061,7 @@
 </p:sld>
 </file>
 
-<file path=ppt/slides/slide12.xml><?xml version="1.0" encoding="utf-8"?>
+<file path=ppt/slides/slide11.xml><?xml version="1.0" encoding="utf-8"?>
 <p:sld xmlns:a="http://schemas.openxmlformats.org/drawingml/2006/main" xmlns:r="http://schemas.openxmlformats.org/officeDocument/2006/relationships" xmlns:p="http://schemas.openxmlformats.org/presentationml/2006/main">
   <p:cSld>
     <p:spTree>
@@ -6256,13 +6185,13 @@
   <p:clrMapOvr>
     <a:masterClrMapping/>
   </p:clrMapOvr>
-  <mc:AlternateContent xmlns:mc="http://schemas.openxmlformats.org/markup-compatibility/2006">
-    <mc:Choice xmlns:p14="http://schemas.microsoft.com/office/powerpoint/2010/main" Requires="p14">
+  <mc:AlternateContent xmlns:mc="http://schemas.openxmlformats.org/markup-compatibility/2006" xmlns:p14="http://schemas.microsoft.com/office/powerpoint/2010/main">
+    <mc:Choice Requires="p14">
       <p:transition spd="med" p14:dur="700">
         <p:fade/>
       </p:transition>
     </mc:Choice>
-    <mc:Fallback>
+    <mc:Fallback xmlns="">
       <p:transition spd="med">
         <p:fade/>
       </p:transition>
@@ -6271,7 +6200,7 @@
 </p:sld>
 </file>
 
-<file path=ppt/slides/slide13.xml><?xml version="1.0" encoding="utf-8"?>
+<file path=ppt/slides/slide12.xml><?xml version="1.0" encoding="utf-8"?>
 <p:sld xmlns:a="http://schemas.openxmlformats.org/drawingml/2006/main" xmlns:r="http://schemas.openxmlformats.org/officeDocument/2006/relationships" xmlns:p="http://schemas.openxmlformats.org/presentationml/2006/main">
   <p:cSld>
     <p:spTree>
@@ -6390,13 +6319,13 @@
   <p:clrMapOvr>
     <a:masterClrMapping/>
   </p:clrMapOvr>
-  <mc:AlternateContent xmlns:mc="http://schemas.openxmlformats.org/markup-compatibility/2006">
-    <mc:Choice xmlns:p14="http://schemas.microsoft.com/office/powerpoint/2010/main" Requires="p14">
+  <mc:AlternateContent xmlns:mc="http://schemas.openxmlformats.org/markup-compatibility/2006" xmlns:p14="http://schemas.microsoft.com/office/powerpoint/2010/main">
+    <mc:Choice Requires="p14">
       <p:transition spd="med" p14:dur="700">
         <p:fade/>
       </p:transition>
     </mc:Choice>
-    <mc:Fallback>
+    <mc:Fallback xmlns="">
       <p:transition spd="med">
         <p:fade/>
       </p:transition>
@@ -6405,7 +6334,7 @@
 </p:sld>
 </file>
 
-<file path=ppt/slides/slide14.xml><?xml version="1.0" encoding="utf-8"?>
+<file path=ppt/slides/slide13.xml><?xml version="1.0" encoding="utf-8"?>
 <p:sld xmlns:a="http://schemas.openxmlformats.org/drawingml/2006/main" xmlns:r="http://schemas.openxmlformats.org/officeDocument/2006/relationships" xmlns:p="http://schemas.openxmlformats.org/presentationml/2006/main">
   <p:cSld>
     <p:spTree>
@@ -6524,13 +6453,386 @@
   <p:clrMapOvr>
     <a:masterClrMapping/>
   </p:clrMapOvr>
-  <mc:AlternateContent xmlns:mc="http://schemas.openxmlformats.org/markup-compatibility/2006">
-    <mc:Choice xmlns:p14="http://schemas.microsoft.com/office/powerpoint/2010/main" Requires="p14">
+  <mc:AlternateContent xmlns:mc="http://schemas.openxmlformats.org/markup-compatibility/2006" xmlns:p14="http://schemas.microsoft.com/office/powerpoint/2010/main">
+    <mc:Choice Requires="p14">
       <p:transition spd="med" p14:dur="700">
         <p:fade/>
       </p:transition>
     </mc:Choice>
-    <mc:Fallback>
+    <mc:Fallback xmlns="">
+      <p:transition spd="med">
+        <p:fade/>
+      </p:transition>
+    </mc:Fallback>
+  </mc:AlternateContent>
+</p:sld>
+</file>
+
+<file path=ppt/slides/slide14.xml><?xml version="1.0" encoding="utf-8"?>
+<p:sld xmlns:a="http://schemas.openxmlformats.org/drawingml/2006/main" xmlns:r="http://schemas.openxmlformats.org/officeDocument/2006/relationships" xmlns:p="http://schemas.openxmlformats.org/presentationml/2006/main">
+  <p:cSld>
+    <p:spTree>
+      <p:nvGrpSpPr>
+        <p:cNvPr id="1" name=""/>
+        <p:cNvGrpSpPr/>
+        <p:nvPr/>
+      </p:nvGrpSpPr>
+      <p:grpSpPr>
+        <a:xfrm>
+          <a:off x="0" y="0"/>
+          <a:ext cx="0" cy="0"/>
+          <a:chOff x="0" y="0"/>
+          <a:chExt cx="0" cy="0"/>
+        </a:xfrm>
+      </p:grpSpPr>
+      <p:sp>
+        <p:nvSpPr>
+          <p:cNvPr id="2" name="Title 1">
+            <a:extLst>
+              <a:ext uri="{FF2B5EF4-FFF2-40B4-BE49-F238E27FC236}">
+                <a16:creationId xmlns:a16="http://schemas.microsoft.com/office/drawing/2014/main" id="{21BC8E9C-AD3A-3547-9474-FF4C5AD256AF}"/>
+              </a:ext>
+            </a:extLst>
+          </p:cNvPr>
+          <p:cNvSpPr>
+            <a:spLocks noGrp="1"/>
+          </p:cNvSpPr>
+          <p:nvPr>
+            <p:ph type="title"/>
+          </p:nvPr>
+        </p:nvSpPr>
+        <p:spPr>
+          <a:xfrm>
+            <a:off x="549049" y="177355"/>
+            <a:ext cx="8534400" cy="1507067"/>
+          </a:xfrm>
+        </p:spPr>
+        <p:txBody>
+          <a:bodyPr/>
+          <a:lstStyle/>
+          <a:p>
+            <a:r>
+              <a:rPr lang="en-US" dirty="0"/>
+              <a:t>State breakouts</a:t>
+            </a:r>
+          </a:p>
+        </p:txBody>
+      </p:sp>
+      <p:sp>
+        <p:nvSpPr>
+          <p:cNvPr id="3" name="Content Placeholder 2">
+            <a:extLst>
+              <a:ext uri="{FF2B5EF4-FFF2-40B4-BE49-F238E27FC236}">
+                <a16:creationId xmlns:a16="http://schemas.microsoft.com/office/drawing/2014/main" id="{951CD5AE-F797-F440-A4B6-16B068B6B89B}"/>
+              </a:ext>
+            </a:extLst>
+          </p:cNvPr>
+          <p:cNvSpPr>
+            <a:spLocks noGrp="1"/>
+          </p:cNvSpPr>
+          <p:nvPr>
+            <p:ph idx="1"/>
+          </p:nvPr>
+        </p:nvSpPr>
+        <p:spPr>
+          <a:xfrm>
+            <a:off x="385009" y="1260909"/>
+            <a:ext cx="10366409" cy="5597091"/>
+          </a:xfrm>
+        </p:spPr>
+        <p:txBody>
+          <a:bodyPr>
+            <a:normAutofit fontScale="62500" lnSpcReduction="20000"/>
+          </a:bodyPr>
+          <a:lstStyle/>
+          <a:p>
+            <a:r>
+              <a:rPr lang="en-US" dirty="0">
+                <a:solidFill>
+                  <a:schemeClr val="tx1"/>
+                </a:solidFill>
+              </a:rPr>
+              <a:t>California</a:t>
+            </a:r>
+          </a:p>
+          <a:p>
+            <a:pPr lvl="1"/>
+            <a:r>
+              <a:rPr lang="en-US" dirty="0">
+                <a:solidFill>
+                  <a:schemeClr val="tx1"/>
+                </a:solidFill>
+              </a:rPr>
+              <a:t>Shutdown: March 19 2020</a:t>
+            </a:r>
+          </a:p>
+          <a:p>
+            <a:pPr lvl="1"/>
+            <a:r>
+              <a:rPr lang="en-US" dirty="0">
+                <a:solidFill>
+                  <a:schemeClr val="tx1"/>
+                </a:solidFill>
+              </a:rPr>
+              <a:t>Total Cases as of 5 May 2021: 3.3 Million</a:t>
+            </a:r>
+            <a:br>
+              <a:rPr lang="en-US" dirty="0">
+                <a:solidFill>
+                  <a:schemeClr val="tx1"/>
+                </a:solidFill>
+              </a:rPr>
+            </a:br>
+            <a:endParaRPr lang="en-US" dirty="0">
+              <a:solidFill>
+                <a:schemeClr val="tx1"/>
+              </a:solidFill>
+            </a:endParaRPr>
+          </a:p>
+          <a:p>
+            <a:r>
+              <a:rPr lang="en-US" dirty="0">
+                <a:solidFill>
+                  <a:schemeClr val="tx1"/>
+                </a:solidFill>
+              </a:rPr>
+              <a:t>Wyoming</a:t>
+            </a:r>
+          </a:p>
+          <a:p>
+            <a:pPr lvl="1"/>
+            <a:r>
+              <a:rPr lang="en-US" dirty="0">
+                <a:solidFill>
+                  <a:schemeClr val="tx1"/>
+                </a:solidFill>
+              </a:rPr>
+              <a:t>Shutdown: State of Emergency declared but no Stay-at-Home ordered</a:t>
+            </a:r>
+          </a:p>
+          <a:p>
+            <a:pPr lvl="1"/>
+            <a:r>
+              <a:rPr lang="en-US" dirty="0">
+                <a:solidFill>
+                  <a:schemeClr val="tx1"/>
+                </a:solidFill>
+              </a:rPr>
+              <a:t>Total Cases as of 5 May 2021: 50 Thousand</a:t>
+            </a:r>
+          </a:p>
+          <a:p>
+            <a:pPr lvl="1"/>
+            <a:r>
+              <a:rPr lang="en-US" dirty="0">
+                <a:solidFill>
+                  <a:schemeClr val="tx1"/>
+                </a:solidFill>
+              </a:rPr>
+              <a:t>Last state to report a COVID related death</a:t>
+            </a:r>
+            <a:br>
+              <a:rPr lang="en-US" dirty="0">
+                <a:solidFill>
+                  <a:schemeClr val="tx1"/>
+                </a:solidFill>
+              </a:rPr>
+            </a:br>
+            <a:endParaRPr lang="en-US" dirty="0">
+              <a:solidFill>
+                <a:schemeClr val="tx1"/>
+              </a:solidFill>
+            </a:endParaRPr>
+          </a:p>
+          <a:p>
+            <a:r>
+              <a:rPr lang="en-US" dirty="0">
+                <a:solidFill>
+                  <a:schemeClr val="tx1"/>
+                </a:solidFill>
+              </a:rPr>
+              <a:t>Hawaii</a:t>
+            </a:r>
+          </a:p>
+          <a:p>
+            <a:pPr lvl="1"/>
+            <a:r>
+              <a:rPr lang="en-US" dirty="0">
+                <a:solidFill>
+                  <a:schemeClr val="tx1"/>
+                </a:solidFill>
+              </a:rPr>
+              <a:t>Shutdown: March 25th 2020</a:t>
+            </a:r>
+          </a:p>
+          <a:p>
+            <a:pPr lvl="1"/>
+            <a:r>
+              <a:rPr lang="en-US" dirty="0">
+                <a:solidFill>
+                  <a:schemeClr val="tx1"/>
+                </a:solidFill>
+              </a:rPr>
+              <a:t>Total Cases as of 5 May 2021: 31 Thousand</a:t>
+            </a:r>
+          </a:p>
+          <a:p>
+            <a:pPr lvl="1"/>
+            <a:endParaRPr lang="en-US" dirty="0">
+              <a:solidFill>
+                <a:schemeClr val="tx1"/>
+              </a:solidFill>
+            </a:endParaRPr>
+          </a:p>
+          <a:p>
+            <a:r>
+              <a:rPr lang="en-US" dirty="0">
+                <a:solidFill>
+                  <a:schemeClr val="tx1"/>
+                </a:solidFill>
+              </a:rPr>
+              <a:t>Florida</a:t>
+            </a:r>
+          </a:p>
+          <a:p>
+            <a:pPr lvl="1"/>
+            <a:r>
+              <a:rPr lang="en-US" dirty="0">
+                <a:solidFill>
+                  <a:schemeClr val="tx1"/>
+                </a:solidFill>
+              </a:rPr>
+              <a:t>Shutdown: April 3</a:t>
+            </a:r>
+            <a:r>
+              <a:rPr lang="en-US" baseline="30000" dirty="0">
+                <a:solidFill>
+                  <a:schemeClr val="tx1"/>
+                </a:solidFill>
+              </a:rPr>
+              <a:t>rd</a:t>
+            </a:r>
+            <a:r>
+              <a:rPr lang="en-US" dirty="0">
+                <a:solidFill>
+                  <a:schemeClr val="tx1"/>
+                </a:solidFill>
+              </a:rPr>
+              <a:t> 2020</a:t>
+            </a:r>
+          </a:p>
+          <a:p>
+            <a:pPr lvl="1"/>
+            <a:r>
+              <a:rPr lang="en-US" dirty="0">
+                <a:solidFill>
+                  <a:schemeClr val="tx1"/>
+                </a:solidFill>
+              </a:rPr>
+              <a:t>Total Cases as of 5 May 2021: 2.2 Million</a:t>
+            </a:r>
+          </a:p>
+          <a:p>
+            <a:pPr lvl="1"/>
+            <a:r>
+              <a:rPr lang="en-US" dirty="0">
+                <a:solidFill>
+                  <a:schemeClr val="tx1"/>
+                </a:solidFill>
+              </a:rPr>
+              <a:t>First state to completely reopen</a:t>
+            </a:r>
+          </a:p>
+          <a:p>
+            <a:pPr lvl="1"/>
+            <a:r>
+              <a:rPr lang="en-US" dirty="0">
+                <a:solidFill>
+                  <a:schemeClr val="tx1"/>
+                </a:solidFill>
+              </a:rPr>
+              <a:t>Experienced a “mini-surge” mid-April 2021</a:t>
+            </a:r>
+          </a:p>
+          <a:p>
+            <a:pPr lvl="1"/>
+            <a:endParaRPr lang="en-US" dirty="0">
+              <a:solidFill>
+                <a:schemeClr val="tx1"/>
+              </a:solidFill>
+            </a:endParaRPr>
+          </a:p>
+          <a:p>
+            <a:r>
+              <a:rPr lang="en-US" dirty="0">
+                <a:solidFill>
+                  <a:schemeClr val="tx1"/>
+                </a:solidFill>
+              </a:rPr>
+              <a:t>North Dakota</a:t>
+            </a:r>
+          </a:p>
+          <a:p>
+            <a:pPr lvl="1"/>
+            <a:r>
+              <a:rPr lang="en-US" dirty="0">
+                <a:solidFill>
+                  <a:schemeClr val="tx1"/>
+                </a:solidFill>
+              </a:rPr>
+              <a:t>Shutdown: State of Emergency declared March 13</a:t>
+            </a:r>
+            <a:r>
+              <a:rPr lang="en-US" baseline="30000" dirty="0">
+                <a:solidFill>
+                  <a:schemeClr val="tx1"/>
+                </a:solidFill>
+              </a:rPr>
+              <a:t>th</a:t>
+            </a:r>
+            <a:r>
+              <a:rPr lang="en-US" dirty="0">
+                <a:solidFill>
+                  <a:schemeClr val="tx1"/>
+                </a:solidFill>
+              </a:rPr>
+              <a:t> but no Stay-at-Home ordered</a:t>
+            </a:r>
+          </a:p>
+          <a:p>
+            <a:pPr lvl="1"/>
+            <a:r>
+              <a:rPr lang="en-US" dirty="0">
+                <a:solidFill>
+                  <a:schemeClr val="tx1"/>
+                </a:solidFill>
+              </a:rPr>
+              <a:t>Total Cases as of 11 March 2021: 101 Thousand</a:t>
+            </a:r>
+          </a:p>
+          <a:p>
+            <a:pPr lvl="1"/>
+            <a:endParaRPr lang="en-US" dirty="0"/>
+          </a:p>
+        </p:txBody>
+      </p:sp>
+    </p:spTree>
+    <p:extLst>
+      <p:ext uri="{BB962C8B-B14F-4D97-AF65-F5344CB8AC3E}">
+        <p14:creationId xmlns:p14="http://schemas.microsoft.com/office/powerpoint/2010/main" val="773893782"/>
+      </p:ext>
+    </p:extLst>
+  </p:cSld>
+  <p:clrMapOvr>
+    <a:masterClrMapping/>
+  </p:clrMapOvr>
+  <mc:AlternateContent xmlns:mc="http://schemas.openxmlformats.org/markup-compatibility/2006" xmlns:p14="http://schemas.microsoft.com/office/powerpoint/2010/main">
+    <mc:Choice Requires="p14">
+      <p:transition spd="med" p14:dur="700">
+        <p:fade/>
+      </p:transition>
+    </mc:Choice>
+    <mc:Fallback xmlns="">
       <p:transition spd="med">
         <p:fade/>
       </p:transition>
@@ -6561,7 +6863,7 @@
           <p:cNvPr id="2" name="Title 1">
             <a:extLst>
               <a:ext uri="{FF2B5EF4-FFF2-40B4-BE49-F238E27FC236}">
-                <a16:creationId xmlns:a16="http://schemas.microsoft.com/office/drawing/2014/main" id="{21BC8E9C-AD3A-3547-9474-FF4C5AD256AF}"/>
+                <a16:creationId xmlns:a16="http://schemas.microsoft.com/office/drawing/2014/main" id="{152E58B8-0290-4A78-821D-05F5CABB8AC7}"/>
               </a:ext>
             </a:extLst>
           </p:cNvPr>
@@ -6574,336 +6876,69 @@
         </p:nvSpPr>
         <p:spPr>
           <a:xfrm>
-            <a:off x="549049" y="177355"/>
-            <a:ext cx="8534400" cy="1507067"/>
+            <a:off x="103031" y="4841501"/>
+            <a:ext cx="9903853" cy="2016499"/>
           </a:xfrm>
         </p:spPr>
         <p:txBody>
-          <a:bodyPr/>
+          <a:bodyPr>
+            <a:normAutofit/>
+          </a:bodyPr>
           <a:lstStyle/>
           <a:p>
             <a:r>
               <a:rPr lang="en-US" dirty="0"/>
-              <a:t>State breakouts</a:t>
-            </a:r>
-          </a:p>
-        </p:txBody>
-      </p:sp>
-      <p:sp>
-        <p:nvSpPr>
-          <p:cNvPr id="3" name="Content Placeholder 2">
+              <a:t>State Grocery and pharmacy mobility</a:t>
+            </a:r>
+          </a:p>
+        </p:txBody>
+      </p:sp>
+      <p:pic>
+        <p:nvPicPr>
+          <p:cNvPr id="7" name="Content Placeholder 6" descr="Chart, line chart&#10;&#10;Description automatically generated">
             <a:extLst>
               <a:ext uri="{FF2B5EF4-FFF2-40B4-BE49-F238E27FC236}">
-                <a16:creationId xmlns:a16="http://schemas.microsoft.com/office/drawing/2014/main" id="{951CD5AE-F797-F440-A4B6-16B068B6B89B}"/>
+                <a16:creationId xmlns:a16="http://schemas.microsoft.com/office/drawing/2014/main" id="{F75A1E87-68A5-4794-9426-6BB1290AEBF3}"/>
               </a:ext>
             </a:extLst>
           </p:cNvPr>
-          <p:cNvSpPr>
-            <a:spLocks noGrp="1"/>
-          </p:cNvSpPr>
+          <p:cNvPicPr>
+            <a:picLocks noGrp="1" noChangeAspect="1"/>
+          </p:cNvPicPr>
           <p:nvPr>
             <p:ph idx="1"/>
           </p:nvPr>
-        </p:nvSpPr>
+        </p:nvPicPr>
+        <p:blipFill>
+          <a:blip r:embed="rId2"/>
+          <a:stretch>
+            <a:fillRect/>
+          </a:stretch>
+        </p:blipFill>
         <p:spPr>
           <a:xfrm>
-            <a:off x="385009" y="1260909"/>
-            <a:ext cx="10366409" cy="5597091"/>
+            <a:off x="603674" y="177214"/>
+            <a:ext cx="10984652" cy="5355457"/>
           </a:xfrm>
         </p:spPr>
-        <p:txBody>
-          <a:bodyPr>
-            <a:normAutofit fontScale="62500" lnSpcReduction="20000"/>
-          </a:bodyPr>
-          <a:lstStyle/>
-          <a:p>
-            <a:r>
-              <a:rPr lang="en-US" dirty="0">
-                <a:solidFill>
-                  <a:schemeClr val="tx1"/>
-                </a:solidFill>
-              </a:rPr>
-              <a:t>California</a:t>
-            </a:r>
-          </a:p>
-          <a:p>
-            <a:pPr lvl="1"/>
-            <a:r>
-              <a:rPr lang="en-US" dirty="0">
-                <a:solidFill>
-                  <a:schemeClr val="tx1"/>
-                </a:solidFill>
-              </a:rPr>
-              <a:t>Shutdown: March 19 2020</a:t>
-            </a:r>
-          </a:p>
-          <a:p>
-            <a:pPr lvl="1"/>
-            <a:r>
-              <a:rPr lang="en-US" dirty="0">
-                <a:solidFill>
-                  <a:schemeClr val="tx1"/>
-                </a:solidFill>
-              </a:rPr>
-              <a:t>Total Cases as of 5 May 2021: 3.3 Million</a:t>
-            </a:r>
-            <a:br>
-              <a:rPr lang="en-US" dirty="0">
-                <a:solidFill>
-                  <a:schemeClr val="tx1"/>
-                </a:solidFill>
-              </a:rPr>
-            </a:br>
-            <a:endParaRPr lang="en-US" dirty="0">
-              <a:solidFill>
-                <a:schemeClr val="tx1"/>
-              </a:solidFill>
-            </a:endParaRPr>
-          </a:p>
-          <a:p>
-            <a:r>
-              <a:rPr lang="en-US" dirty="0">
-                <a:solidFill>
-                  <a:schemeClr val="tx1"/>
-                </a:solidFill>
-              </a:rPr>
-              <a:t>Wyoming</a:t>
-            </a:r>
-          </a:p>
-          <a:p>
-            <a:pPr lvl="1"/>
-            <a:r>
-              <a:rPr lang="en-US" dirty="0">
-                <a:solidFill>
-                  <a:schemeClr val="tx1"/>
-                </a:solidFill>
-              </a:rPr>
-              <a:t>Shutdown: State of Emergency declared but no Stay-at-Home ordered</a:t>
-            </a:r>
-          </a:p>
-          <a:p>
-            <a:pPr lvl="1"/>
-            <a:r>
-              <a:rPr lang="en-US" dirty="0">
-                <a:solidFill>
-                  <a:schemeClr val="tx1"/>
-                </a:solidFill>
-              </a:rPr>
-              <a:t>Total Cases as of 5 May 2021: 50 Thousand</a:t>
-            </a:r>
-          </a:p>
-          <a:p>
-            <a:pPr lvl="1"/>
-            <a:r>
-              <a:rPr lang="en-US" dirty="0">
-                <a:solidFill>
-                  <a:schemeClr val="tx1"/>
-                </a:solidFill>
-              </a:rPr>
-              <a:t>Last state to report a COVID related death</a:t>
-            </a:r>
-            <a:br>
-              <a:rPr lang="en-US" dirty="0">
-                <a:solidFill>
-                  <a:schemeClr val="tx1"/>
-                </a:solidFill>
-              </a:rPr>
-            </a:br>
-            <a:endParaRPr lang="en-US" dirty="0">
-              <a:solidFill>
-                <a:schemeClr val="tx1"/>
-              </a:solidFill>
-            </a:endParaRPr>
-          </a:p>
-          <a:p>
-            <a:r>
-              <a:rPr lang="en-US" dirty="0">
-                <a:solidFill>
-                  <a:schemeClr val="tx1"/>
-                </a:solidFill>
-              </a:rPr>
-              <a:t>Hawaii</a:t>
-            </a:r>
-          </a:p>
-          <a:p>
-            <a:pPr lvl="1"/>
-            <a:r>
-              <a:rPr lang="en-US" dirty="0">
-                <a:solidFill>
-                  <a:schemeClr val="tx1"/>
-                </a:solidFill>
-              </a:rPr>
-              <a:t>Shutdown: March 25th 2020</a:t>
-            </a:r>
-          </a:p>
-          <a:p>
-            <a:pPr lvl="1"/>
-            <a:r>
-              <a:rPr lang="en-US" dirty="0">
-                <a:solidFill>
-                  <a:schemeClr val="tx1"/>
-                </a:solidFill>
-              </a:rPr>
-              <a:t>Total Cases as of 5 May 2021: 31 Thousand</a:t>
-            </a:r>
-          </a:p>
-          <a:p>
-            <a:pPr lvl="1"/>
-            <a:endParaRPr lang="en-US" dirty="0">
-              <a:solidFill>
-                <a:schemeClr val="tx1"/>
-              </a:solidFill>
-            </a:endParaRPr>
-          </a:p>
-          <a:p>
-            <a:r>
-              <a:rPr lang="en-US" dirty="0">
-                <a:solidFill>
-                  <a:schemeClr val="tx1"/>
-                </a:solidFill>
-              </a:rPr>
-              <a:t>Florida</a:t>
-            </a:r>
-          </a:p>
-          <a:p>
-            <a:pPr lvl="1"/>
-            <a:r>
-              <a:rPr lang="en-US" dirty="0">
-                <a:solidFill>
-                  <a:schemeClr val="tx1"/>
-                </a:solidFill>
-              </a:rPr>
-              <a:t>Shutdown: April 3</a:t>
-            </a:r>
-            <a:r>
-              <a:rPr lang="en-US" baseline="30000" dirty="0">
-                <a:solidFill>
-                  <a:schemeClr val="tx1"/>
-                </a:solidFill>
-              </a:rPr>
-              <a:t>rd</a:t>
-            </a:r>
-            <a:r>
-              <a:rPr lang="en-US" dirty="0">
-                <a:solidFill>
-                  <a:schemeClr val="tx1"/>
-                </a:solidFill>
-              </a:rPr>
-              <a:t> 2020</a:t>
-            </a:r>
-          </a:p>
-          <a:p>
-            <a:pPr lvl="1"/>
-            <a:r>
-              <a:rPr lang="en-US" dirty="0">
-                <a:solidFill>
-                  <a:schemeClr val="tx1"/>
-                </a:solidFill>
-              </a:rPr>
-              <a:t>Total Cases as of 5 May 2021: 2.2 Million</a:t>
-            </a:r>
-          </a:p>
-          <a:p>
-            <a:pPr lvl="1"/>
-            <a:r>
-              <a:rPr lang="en-US" dirty="0">
-                <a:solidFill>
-                  <a:schemeClr val="tx1"/>
-                </a:solidFill>
-              </a:rPr>
-              <a:t>First state to completely reopen</a:t>
-            </a:r>
-          </a:p>
-          <a:p>
-            <a:pPr lvl="1"/>
-            <a:r>
-              <a:rPr lang="en-US" dirty="0">
-                <a:solidFill>
-                  <a:schemeClr val="tx1"/>
-                </a:solidFill>
-              </a:rPr>
-              <a:t>Experienced a “mini-surge” mid-April 2021</a:t>
-            </a:r>
-          </a:p>
-          <a:p>
-            <a:pPr lvl="1"/>
-            <a:endParaRPr lang="en-US" dirty="0">
-              <a:solidFill>
-                <a:schemeClr val="tx1"/>
-              </a:solidFill>
-            </a:endParaRPr>
-          </a:p>
-          <a:p>
-            <a:r>
-              <a:rPr lang="en-US" dirty="0">
-                <a:solidFill>
-                  <a:schemeClr val="tx1"/>
-                </a:solidFill>
-              </a:rPr>
-              <a:t>North Dakota</a:t>
-            </a:r>
-          </a:p>
-          <a:p>
-            <a:pPr lvl="1"/>
-            <a:r>
-              <a:rPr lang="en-US" dirty="0">
-                <a:solidFill>
-                  <a:schemeClr val="tx1"/>
-                </a:solidFill>
-              </a:rPr>
-              <a:t>Shutdown: State of Emergency declared March 13</a:t>
-            </a:r>
-            <a:r>
-              <a:rPr lang="en-US" baseline="30000" dirty="0">
-                <a:solidFill>
-                  <a:schemeClr val="tx1"/>
-                </a:solidFill>
-              </a:rPr>
-              <a:t>th</a:t>
-            </a:r>
-            <a:r>
-              <a:rPr lang="en-US" dirty="0">
-                <a:solidFill>
-                  <a:schemeClr val="tx1"/>
-                </a:solidFill>
-              </a:rPr>
-              <a:t> but no Stay-at-Home ordered</a:t>
-            </a:r>
-          </a:p>
-          <a:p>
-            <a:pPr lvl="1"/>
-            <a:r>
-              <a:rPr lang="en-US" dirty="0">
-                <a:solidFill>
-                  <a:schemeClr val="tx1"/>
-                </a:solidFill>
-              </a:rPr>
-              <a:t>Total Cases as of 11 March 2021: 101 Thousand</a:t>
-            </a:r>
-          </a:p>
-          <a:p>
-            <a:pPr lvl="1"/>
-            <a:endParaRPr lang="en-US" dirty="0"/>
-          </a:p>
-        </p:txBody>
-      </p:sp>
+      </p:pic>
     </p:spTree>
     <p:extLst>
       <p:ext uri="{BB962C8B-B14F-4D97-AF65-F5344CB8AC3E}">
-        <p14:creationId xmlns:p14="http://schemas.microsoft.com/office/powerpoint/2010/main" val="773893782"/>
+        <p14:creationId xmlns:p14="http://schemas.microsoft.com/office/powerpoint/2010/main" val="1394950397"/>
       </p:ext>
     </p:extLst>
   </p:cSld>
   <p:clrMapOvr>
     <a:masterClrMapping/>
   </p:clrMapOvr>
-  <mc:AlternateContent xmlns:mc="http://schemas.openxmlformats.org/markup-compatibility/2006">
-    <mc:Choice xmlns:p14="http://schemas.microsoft.com/office/powerpoint/2010/main" Requires="p14">
+  <mc:AlternateContent xmlns:mc="http://schemas.openxmlformats.org/markup-compatibility/2006" xmlns:p14="http://schemas.microsoft.com/office/powerpoint/2010/main">
+    <mc:Choice Requires="p14">
       <p:transition spd="med" p14:dur="700">
         <p:fade/>
       </p:transition>
     </mc:Choice>
-    <mc:Fallback>
+    <mc:Fallback xmlns="">
       <p:transition spd="med">
         <p:fade/>
       </p:transition>
@@ -6934,7 +6969,7 @@
           <p:cNvPr id="2" name="Title 1">
             <a:extLst>
               <a:ext uri="{FF2B5EF4-FFF2-40B4-BE49-F238E27FC236}">
-                <a16:creationId xmlns:a16="http://schemas.microsoft.com/office/drawing/2014/main" id="{152E58B8-0290-4A78-821D-05F5CABB8AC7}"/>
+                <a16:creationId xmlns:a16="http://schemas.microsoft.com/office/drawing/2014/main" id="{DD7F1410-A8AF-4F3C-87A4-EDFC2EB7FC68}"/>
               </a:ext>
             </a:extLst>
           </p:cNvPr>
@@ -6947,29 +6982,27 @@
         </p:nvSpPr>
         <p:spPr>
           <a:xfrm>
-            <a:off x="103031" y="4841501"/>
-            <a:ext cx="9903853" cy="2016499"/>
+            <a:off x="167425" y="5177307"/>
+            <a:ext cx="9051187" cy="1519707"/>
           </a:xfrm>
         </p:spPr>
         <p:txBody>
-          <a:bodyPr>
-            <a:normAutofit/>
-          </a:bodyPr>
+          <a:bodyPr/>
           <a:lstStyle/>
           <a:p>
             <a:r>
               <a:rPr lang="en-US" dirty="0"/>
-              <a:t>State Grocery and pharmacy mobility</a:t>
+              <a:t>State Retail and recreation mobility</a:t>
             </a:r>
           </a:p>
         </p:txBody>
       </p:sp>
       <p:pic>
         <p:nvPicPr>
-          <p:cNvPr id="5" name="Content Placeholder 4" descr="Chart&#10;&#10;Description automatically generated">
+          <p:cNvPr id="7" name="Content Placeholder 6" descr="Chart, line chart&#10;&#10;Description automatically generated">
             <a:extLst>
               <a:ext uri="{FF2B5EF4-FFF2-40B4-BE49-F238E27FC236}">
-                <a16:creationId xmlns:a16="http://schemas.microsoft.com/office/drawing/2014/main" id="{38DFF0C0-C32B-43F1-ACB9-FAC853A4E340}"/>
+                <a16:creationId xmlns:a16="http://schemas.microsoft.com/office/drawing/2014/main" id="{111E8AE8-FD59-443A-9E1F-B8A25224CD63}"/>
               </a:ext>
             </a:extLst>
           </p:cNvPr>
@@ -6988,28 +7021,28 @@
         </p:blipFill>
         <p:spPr>
           <a:xfrm>
-            <a:off x="820238" y="239079"/>
-            <a:ext cx="10690568" cy="5212080"/>
+            <a:off x="588173" y="160986"/>
+            <a:ext cx="11015653" cy="5370571"/>
           </a:xfrm>
         </p:spPr>
       </p:pic>
     </p:spTree>
     <p:extLst>
       <p:ext uri="{BB962C8B-B14F-4D97-AF65-F5344CB8AC3E}">
-        <p14:creationId xmlns:p14="http://schemas.microsoft.com/office/powerpoint/2010/main" val="1394950397"/>
+        <p14:creationId xmlns:p14="http://schemas.microsoft.com/office/powerpoint/2010/main" val="3078164528"/>
       </p:ext>
     </p:extLst>
   </p:cSld>
   <p:clrMapOvr>
     <a:masterClrMapping/>
   </p:clrMapOvr>
-  <mc:AlternateContent xmlns:mc="http://schemas.openxmlformats.org/markup-compatibility/2006">
-    <mc:Choice xmlns:p14="http://schemas.microsoft.com/office/powerpoint/2010/main" Requires="p14">
+  <mc:AlternateContent xmlns:mc="http://schemas.openxmlformats.org/markup-compatibility/2006" xmlns:p14="http://schemas.microsoft.com/office/powerpoint/2010/main">
+    <mc:Choice Requires="p14">
       <p:transition spd="med" p14:dur="700">
         <p:fade/>
       </p:transition>
     </mc:Choice>
-    <mc:Fallback>
+    <mc:Fallback xmlns="">
       <p:transition spd="med">
         <p:fade/>
       </p:transition>
@@ -7040,7 +7073,7 @@
           <p:cNvPr id="2" name="Title 1">
             <a:extLst>
               <a:ext uri="{FF2B5EF4-FFF2-40B4-BE49-F238E27FC236}">
-                <a16:creationId xmlns:a16="http://schemas.microsoft.com/office/drawing/2014/main" id="{DD7F1410-A8AF-4F3C-87A4-EDFC2EB7FC68}"/>
+                <a16:creationId xmlns:a16="http://schemas.microsoft.com/office/drawing/2014/main" id="{BCF6BFCD-257A-40B2-ACF5-D9FBD751C7DB}"/>
               </a:ext>
             </a:extLst>
           </p:cNvPr>
@@ -7053,27 +7086,36 @@
         </p:nvSpPr>
         <p:spPr>
           <a:xfrm>
-            <a:off x="167425" y="5177307"/>
-            <a:ext cx="9051187" cy="1519707"/>
+            <a:off x="422856" y="5594630"/>
+            <a:ext cx="11346288" cy="680335"/>
           </a:xfrm>
         </p:spPr>
         <p:txBody>
-          <a:bodyPr/>
-          <a:lstStyle/>
-          <a:p>
-            <a:r>
-              <a:rPr lang="en-US" dirty="0"/>
-              <a:t>State Retail and recreation mobility</a:t>
-            </a:r>
+          <a:bodyPr>
+            <a:normAutofit fontScale="90000"/>
+          </a:bodyPr>
+          <a:lstStyle/>
+          <a:p>
+            <a:r>
+              <a:rPr lang="en-US" sz="2800" dirty="0"/>
+              <a:t>Heatmap of retail visits</a:t>
+            </a:r>
+            <a:br>
+              <a:rPr lang="en-US" sz="1000" dirty="0"/>
+            </a:br>
+            <a:br>
+              <a:rPr lang="en-US" sz="1000" dirty="0"/>
+            </a:br>
+            <a:endParaRPr lang="en-US" sz="1000" dirty="0"/>
           </a:p>
         </p:txBody>
       </p:sp>
       <p:pic>
         <p:nvPicPr>
-          <p:cNvPr id="5" name="Content Placeholder 4" descr="Chart, line chart&#10;&#10;Description automatically generated">
+          <p:cNvPr id="8" name="Content Placeholder 7">
             <a:extLst>
               <a:ext uri="{FF2B5EF4-FFF2-40B4-BE49-F238E27FC236}">
-                <a16:creationId xmlns:a16="http://schemas.microsoft.com/office/drawing/2014/main" id="{FEC95E30-1BEA-443E-83A9-7FE2BD1BAB54}"/>
+                <a16:creationId xmlns:a16="http://schemas.microsoft.com/office/drawing/2014/main" id="{1D1D322A-2379-A24A-8843-E528BF3B449F}"/>
               </a:ext>
             </a:extLst>
           </p:cNvPr>
@@ -7092,28 +7134,75 @@
         </p:blipFill>
         <p:spPr>
           <a:xfrm>
-            <a:off x="750715" y="160986"/>
-            <a:ext cx="10690570" cy="5212080"/>
+            <a:off x="2042160" y="294396"/>
+            <a:ext cx="8107680" cy="5212080"/>
           </a:xfrm>
         </p:spPr>
       </p:pic>
+      <p:sp>
+        <p:nvSpPr>
+          <p:cNvPr id="3" name="TextBox 2">
+            <a:extLst>
+              <a:ext uri="{FF2B5EF4-FFF2-40B4-BE49-F238E27FC236}">
+                <a16:creationId xmlns:a16="http://schemas.microsoft.com/office/drawing/2014/main" id="{E8445100-1D1E-4515-A5D5-1EEADAA4EDE2}"/>
+              </a:ext>
+            </a:extLst>
+          </p:cNvPr>
+          <p:cNvSpPr txBox="1"/>
+          <p:nvPr/>
+        </p:nvSpPr>
+        <p:spPr>
+          <a:xfrm>
+            <a:off x="578840" y="6069365"/>
+            <a:ext cx="9798342" cy="738664"/>
+          </a:xfrm>
+          <a:prstGeom prst="rect">
+            <a:avLst/>
+          </a:prstGeom>
+          <a:noFill/>
+        </p:spPr>
+        <p:txBody>
+          <a:bodyPr wrap="square" rtlCol="0">
+            <a:spAutoFit/>
+          </a:bodyPr>
+          <a:lstStyle/>
+          <a:p>
+            <a:r>
+              <a:rPr lang="en-US" sz="1400" dirty="0"/>
+              <a:t>ANOVA:</a:t>
+            </a:r>
+          </a:p>
+          <a:p>
+            <a:r>
+              <a:rPr lang="en-US" sz="1400" dirty="0"/>
+              <a:t>We chose a p-value of 0.05 for this particular test, and predictably our p-value was far below this threshold at </a:t>
+            </a:r>
+          </a:p>
+          <a:p>
+            <a:r>
+              <a:rPr lang="en-US" sz="1400" dirty="0"/>
+              <a:t>p-value=6.332117146935177e-214</a:t>
+            </a:r>
+          </a:p>
+        </p:txBody>
+      </p:sp>
     </p:spTree>
     <p:extLst>
       <p:ext uri="{BB962C8B-B14F-4D97-AF65-F5344CB8AC3E}">
-        <p14:creationId xmlns:p14="http://schemas.microsoft.com/office/powerpoint/2010/main" val="3078164528"/>
+        <p14:creationId xmlns:p14="http://schemas.microsoft.com/office/powerpoint/2010/main" val="2087543059"/>
       </p:ext>
     </p:extLst>
   </p:cSld>
   <p:clrMapOvr>
     <a:masterClrMapping/>
   </p:clrMapOvr>
-  <mc:AlternateContent xmlns:mc="http://schemas.openxmlformats.org/markup-compatibility/2006">
-    <mc:Choice xmlns:p14="http://schemas.microsoft.com/office/powerpoint/2010/main" Requires="p14">
+  <mc:AlternateContent xmlns:mc="http://schemas.openxmlformats.org/markup-compatibility/2006" xmlns:p14="http://schemas.microsoft.com/office/powerpoint/2010/main">
+    <mc:Choice Requires="p14">
       <p:transition spd="med" p14:dur="700">
         <p:fade/>
       </p:transition>
     </mc:Choice>
-    <mc:Fallback>
+    <mc:Fallback xmlns="">
       <p:transition spd="med">
         <p:fade/>
       </p:transition>
@@ -7144,7 +7233,7 @@
           <p:cNvPr id="2" name="Title 1">
             <a:extLst>
               <a:ext uri="{FF2B5EF4-FFF2-40B4-BE49-F238E27FC236}">
-                <a16:creationId xmlns:a16="http://schemas.microsoft.com/office/drawing/2014/main" id="{BCF6BFCD-257A-40B2-ACF5-D9FBD751C7DB}"/>
+                <a16:creationId xmlns:a16="http://schemas.microsoft.com/office/drawing/2014/main" id="{5EB616CF-1A75-4758-A1D9-DCAFAF76B967}"/>
               </a:ext>
             </a:extLst>
           </p:cNvPr>
@@ -7157,67 +7246,108 @@
         </p:nvSpPr>
         <p:spPr>
           <a:xfrm>
-            <a:off x="167426" y="5267459"/>
-            <a:ext cx="11346288" cy="1507067"/>
+            <a:off x="575155" y="49712"/>
+            <a:ext cx="8534400" cy="1507067"/>
           </a:xfrm>
         </p:spPr>
         <p:txBody>
-          <a:bodyPr/>
+          <a:bodyPr>
+            <a:normAutofit/>
+          </a:bodyPr>
           <a:lstStyle/>
           <a:p>
             <a:r>
               <a:rPr lang="en-US" dirty="0"/>
-              <a:t>Heatmap of retail visits</a:t>
-            </a:r>
-          </a:p>
-        </p:txBody>
-      </p:sp>
-      <p:pic>
-        <p:nvPicPr>
-          <p:cNvPr id="8" name="Content Placeholder 7">
+              <a:t>summary</a:t>
+            </a:r>
+          </a:p>
+        </p:txBody>
+      </p:sp>
+      <p:sp>
+        <p:nvSpPr>
+          <p:cNvPr id="3" name="Content Placeholder 2">
             <a:extLst>
               <a:ext uri="{FF2B5EF4-FFF2-40B4-BE49-F238E27FC236}">
-                <a16:creationId xmlns:a16="http://schemas.microsoft.com/office/drawing/2014/main" id="{1D1D322A-2379-A24A-8843-E528BF3B449F}"/>
+                <a16:creationId xmlns:a16="http://schemas.microsoft.com/office/drawing/2014/main" id="{F5013E97-3D30-40D5-B6BD-99C0D2D62DA3}"/>
               </a:ext>
             </a:extLst>
           </p:cNvPr>
-          <p:cNvPicPr>
-            <a:picLocks noGrp="1" noChangeAspect="1"/>
-          </p:cNvPicPr>
+          <p:cNvSpPr>
+            <a:spLocks noGrp="1"/>
+          </p:cNvSpPr>
           <p:nvPr>
             <p:ph idx="1"/>
           </p:nvPr>
-        </p:nvPicPr>
-        <p:blipFill>
-          <a:blip r:embed="rId2"/>
-          <a:stretch>
-            <a:fillRect/>
-          </a:stretch>
-        </p:blipFill>
+        </p:nvSpPr>
         <p:spPr>
           <a:xfrm>
-            <a:off x="2042160" y="294396"/>
-            <a:ext cx="8107680" cy="5212080"/>
+            <a:off x="675823" y="1621366"/>
+            <a:ext cx="8534400" cy="3615267"/>
           </a:xfrm>
         </p:spPr>
-      </p:pic>
+        <p:txBody>
+          <a:bodyPr>
+            <a:normAutofit lnSpcReduction="10000"/>
+          </a:bodyPr>
+          <a:lstStyle/>
+          <a:p>
+            <a:endParaRPr lang="en-US" dirty="0"/>
+          </a:p>
+          <a:p>
+            <a:r>
+              <a:rPr lang="en-US" dirty="0">
+                <a:solidFill>
+                  <a:schemeClr val="tx1"/>
+                </a:solidFill>
+              </a:rPr>
+              <a:t>We found that there is a statistically significant relationship between states and movement data. </a:t>
+            </a:r>
+          </a:p>
+          <a:p>
+            <a:r>
+              <a:rPr lang="en-US" dirty="0">
+                <a:solidFill>
+                  <a:schemeClr val="tx1"/>
+                </a:solidFill>
+              </a:rPr>
+              <a:t>We did find that grocery stores and pharmacies showed a smaller retraction in number of visitors during the pandemic. </a:t>
+            </a:r>
+          </a:p>
+          <a:p>
+            <a:r>
+              <a:rPr lang="en-US" dirty="0">
+                <a:solidFill>
+                  <a:schemeClr val="tx1"/>
+                </a:solidFill>
+              </a:rPr>
+              <a:t>We also found that the pandemic had a significant effect on all types of movement data except parks, which saw a large upswing. This upswing can be explained by a seasonal swing, and by people’s willingness to engage in outdoor activities compared to indoor activities during the pandemic. </a:t>
+            </a:r>
+          </a:p>
+          <a:p>
+            <a:endParaRPr lang="en-US" dirty="0"/>
+          </a:p>
+          <a:p>
+            <a:endParaRPr lang="en-US" dirty="0"/>
+          </a:p>
+        </p:txBody>
+      </p:sp>
     </p:spTree>
     <p:extLst>
       <p:ext uri="{BB962C8B-B14F-4D97-AF65-F5344CB8AC3E}">
-        <p14:creationId xmlns:p14="http://schemas.microsoft.com/office/powerpoint/2010/main" val="2087543059"/>
+        <p14:creationId xmlns:p14="http://schemas.microsoft.com/office/powerpoint/2010/main" val="2661428305"/>
       </p:ext>
     </p:extLst>
   </p:cSld>
   <p:clrMapOvr>
     <a:masterClrMapping/>
   </p:clrMapOvr>
-  <mc:AlternateContent xmlns:mc="http://schemas.openxmlformats.org/markup-compatibility/2006">
-    <mc:Choice xmlns:p14="http://schemas.microsoft.com/office/powerpoint/2010/main" Requires="p14">
+  <mc:AlternateContent xmlns:mc="http://schemas.openxmlformats.org/markup-compatibility/2006" xmlns:p14="http://schemas.microsoft.com/office/powerpoint/2010/main">
+    <mc:Choice Requires="p14">
       <p:transition spd="med" p14:dur="700">
         <p:fade/>
       </p:transition>
     </mc:Choice>
-    <mc:Fallback>
+    <mc:Fallback xmlns="">
       <p:transition spd="med">
         <p:fade/>
       </p:transition>
@@ -7248,7 +7378,7 @@
           <p:cNvPr id="2" name="Title 1">
             <a:extLst>
               <a:ext uri="{FF2B5EF4-FFF2-40B4-BE49-F238E27FC236}">
-                <a16:creationId xmlns:a16="http://schemas.microsoft.com/office/drawing/2014/main" id="{5EB616CF-1A75-4758-A1D9-DCAFAF76B967}"/>
+                <a16:creationId xmlns:a16="http://schemas.microsoft.com/office/drawing/2014/main" id="{A5C920CD-6AF0-EE4C-836F-84ED0096CD6D}"/>
               </a:ext>
             </a:extLst>
           </p:cNvPr>
@@ -7259,16 +7389,19 @@
             <p:ph type="title"/>
           </p:nvPr>
         </p:nvSpPr>
-        <p:spPr/>
-        <p:txBody>
-          <a:bodyPr>
-            <a:normAutofit/>
-          </a:bodyPr>
+        <p:spPr>
+          <a:xfrm>
+            <a:off x="231629" y="5004568"/>
+            <a:ext cx="9651279" cy="1507067"/>
+          </a:xfrm>
+        </p:spPr>
+        <p:txBody>
+          <a:bodyPr/>
           <a:lstStyle/>
           <a:p>
             <a:r>
               <a:rPr lang="en-US" dirty="0"/>
-              <a:t>summary</a:t>
+              <a:t>Further research and team thoughts</a:t>
             </a:r>
           </a:p>
         </p:txBody>
@@ -7278,7 +7411,7 @@
           <p:cNvPr id="3" name="Content Placeholder 2">
             <a:extLst>
               <a:ext uri="{FF2B5EF4-FFF2-40B4-BE49-F238E27FC236}">
-                <a16:creationId xmlns:a16="http://schemas.microsoft.com/office/drawing/2014/main" id="{F5013E97-3D30-40D5-B6BD-99C0D2D62DA3}"/>
+                <a16:creationId xmlns:a16="http://schemas.microsoft.com/office/drawing/2014/main" id="{1D176809-EF59-024C-BF11-25CAE08BA297}"/>
               </a:ext>
             </a:extLst>
           </p:cNvPr>
@@ -7289,35 +7422,71 @@
             <p:ph idx="1"/>
           </p:nvPr>
         </p:nvSpPr>
-        <p:spPr/>
+        <p:spPr>
+          <a:xfrm>
+            <a:off x="659045" y="895525"/>
+            <a:ext cx="8534400" cy="3615267"/>
+          </a:xfrm>
+        </p:spPr>
         <p:txBody>
           <a:bodyPr/>
           <a:lstStyle/>
           <a:p>
             <a:r>
-              <a:rPr lang="en-US" dirty="0"/>
-              <a:t>Stuff looks right. The end.</a:t>
-            </a:r>
+              <a:rPr lang="en-US" dirty="0">
+                <a:solidFill>
+                  <a:schemeClr val="tx1"/>
+                </a:solidFill>
+              </a:rPr>
+              <a:t>Adding a multi-variable linear regression using case data would be interesting. That way we could make a predictive model that would project future cases based on movement data. </a:t>
+            </a:r>
+          </a:p>
+          <a:p>
+            <a:r>
+              <a:rPr lang="en-US" dirty="0">
+                <a:solidFill>
+                  <a:schemeClr val="tx1"/>
+                </a:solidFill>
+              </a:rPr>
+              <a:t>Finding additional data sources to provide 2019 data for a more realistic baseline and further year comparisons. </a:t>
+            </a:r>
+          </a:p>
+          <a:p>
+            <a:r>
+              <a:rPr lang="en-US" dirty="0">
+                <a:solidFill>
+                  <a:schemeClr val="tx1"/>
+                </a:solidFill>
+              </a:rPr>
+              <a:t>Drilling down into county-level data for a more complete look at the rural/urban divide that exists during the pandemic. </a:t>
+            </a:r>
+          </a:p>
+          <a:p>
+            <a:endParaRPr lang="en-US" dirty="0">
+              <a:solidFill>
+                <a:schemeClr val="tx1"/>
+              </a:solidFill>
+            </a:endParaRPr>
           </a:p>
         </p:txBody>
       </p:sp>
     </p:spTree>
     <p:extLst>
       <p:ext uri="{BB962C8B-B14F-4D97-AF65-F5344CB8AC3E}">
-        <p14:creationId xmlns:p14="http://schemas.microsoft.com/office/powerpoint/2010/main" val="2661428305"/>
+        <p14:creationId xmlns:p14="http://schemas.microsoft.com/office/powerpoint/2010/main" val="3768529567"/>
       </p:ext>
     </p:extLst>
   </p:cSld>
   <p:clrMapOvr>
     <a:masterClrMapping/>
   </p:clrMapOvr>
-  <mc:AlternateContent xmlns:mc="http://schemas.openxmlformats.org/markup-compatibility/2006">
-    <mc:Choice xmlns:p14="http://schemas.microsoft.com/office/powerpoint/2010/main" Requires="p14">
+  <mc:AlternateContent xmlns:mc="http://schemas.openxmlformats.org/markup-compatibility/2006" xmlns:p14="http://schemas.microsoft.com/office/powerpoint/2010/main">
+    <mc:Choice Requires="p14">
       <p:transition spd="med" p14:dur="700">
         <p:fade/>
       </p:transition>
     </mc:Choice>
-    <mc:Fallback>
+    <mc:Fallback xmlns="">
       <p:transition spd="med">
         <p:fade/>
       </p:transition>
@@ -7554,13 +7723,13 @@
   <p:clrMapOvr>
     <a:masterClrMapping/>
   </p:clrMapOvr>
-  <mc:AlternateContent xmlns:mc="http://schemas.openxmlformats.org/markup-compatibility/2006">
-    <mc:Choice xmlns:p14="http://schemas.microsoft.com/office/powerpoint/2010/main" Requires="p14">
+  <mc:AlternateContent xmlns:mc="http://schemas.openxmlformats.org/markup-compatibility/2006" xmlns:p14="http://schemas.microsoft.com/office/powerpoint/2010/main">
+    <mc:Choice Requires="p14">
       <p:transition spd="med" p14:dur="700">
         <p:fade/>
       </p:transition>
     </mc:Choice>
-    <mc:Fallback>
+    <mc:Fallback xmlns="">
       <p:transition spd="med">
         <p:fade/>
       </p:transition>
@@ -7730,130 +7899,6 @@
           <p:cNvPr id="2" name="Title 1">
             <a:extLst>
               <a:ext uri="{FF2B5EF4-FFF2-40B4-BE49-F238E27FC236}">
-                <a16:creationId xmlns:a16="http://schemas.microsoft.com/office/drawing/2014/main" id="{A5C920CD-6AF0-EE4C-836F-84ED0096CD6D}"/>
-              </a:ext>
-            </a:extLst>
-          </p:cNvPr>
-          <p:cNvSpPr>
-            <a:spLocks noGrp="1"/>
-          </p:cNvSpPr>
-          <p:nvPr>
-            <p:ph type="title"/>
-          </p:nvPr>
-        </p:nvSpPr>
-        <p:spPr>
-          <a:xfrm>
-            <a:off x="231629" y="5004568"/>
-            <a:ext cx="9651279" cy="1507067"/>
-          </a:xfrm>
-        </p:spPr>
-        <p:txBody>
-          <a:bodyPr/>
-          <a:lstStyle/>
-          <a:p>
-            <a:r>
-              <a:rPr lang="en-US" dirty="0"/>
-              <a:t>Further research and team thoughts</a:t>
-            </a:r>
-          </a:p>
-        </p:txBody>
-      </p:sp>
-      <p:sp>
-        <p:nvSpPr>
-          <p:cNvPr id="3" name="Content Placeholder 2">
-            <a:extLst>
-              <a:ext uri="{FF2B5EF4-FFF2-40B4-BE49-F238E27FC236}">
-                <a16:creationId xmlns:a16="http://schemas.microsoft.com/office/drawing/2014/main" id="{1D176809-EF59-024C-BF11-25CAE08BA297}"/>
-              </a:ext>
-            </a:extLst>
-          </p:cNvPr>
-          <p:cNvSpPr>
-            <a:spLocks noGrp="1"/>
-          </p:cNvSpPr>
-          <p:nvPr>
-            <p:ph idx="1"/>
-          </p:nvPr>
-        </p:nvSpPr>
-        <p:spPr/>
-        <p:txBody>
-          <a:bodyPr/>
-          <a:lstStyle/>
-          <a:p>
-            <a:r>
-              <a:rPr lang="en-US" dirty="0">
-                <a:solidFill>
-                  <a:schemeClr val="tx1"/>
-                </a:solidFill>
-              </a:rPr>
-              <a:t>Adding a multi-variable linear regression to describe the magnitude of the variables.</a:t>
-            </a:r>
-          </a:p>
-          <a:p>
-            <a:r>
-              <a:rPr lang="en-US" dirty="0">
-                <a:solidFill>
-                  <a:schemeClr val="tx1"/>
-                </a:solidFill>
-              </a:rPr>
-              <a:t>Finding additional data sources to provide 2019 data for a more realistic baseline and further year comparisons.</a:t>
-            </a:r>
-          </a:p>
-          <a:p>
-            <a:endParaRPr lang="en-US" dirty="0">
-              <a:solidFill>
-                <a:schemeClr val="tx1"/>
-              </a:solidFill>
-            </a:endParaRPr>
-          </a:p>
-        </p:txBody>
-      </p:sp>
-    </p:spTree>
-    <p:extLst>
-      <p:ext uri="{BB962C8B-B14F-4D97-AF65-F5344CB8AC3E}">
-        <p14:creationId xmlns:p14="http://schemas.microsoft.com/office/powerpoint/2010/main" val="3768529567"/>
-      </p:ext>
-    </p:extLst>
-  </p:cSld>
-  <p:clrMapOvr>
-    <a:masterClrMapping/>
-  </p:clrMapOvr>
-  <mc:AlternateContent xmlns:mc="http://schemas.openxmlformats.org/markup-compatibility/2006">
-    <mc:Choice xmlns:p14="http://schemas.microsoft.com/office/powerpoint/2010/main" Requires="p14">
-      <p:transition spd="med" p14:dur="700">
-        <p:fade/>
-      </p:transition>
-    </mc:Choice>
-    <mc:Fallback>
-      <p:transition spd="med">
-        <p:fade/>
-      </p:transition>
-    </mc:Fallback>
-  </mc:AlternateContent>
-</p:sld>
-</file>
-
-<file path=ppt/slides/slide21.xml><?xml version="1.0" encoding="utf-8"?>
-<p:sld xmlns:a="http://schemas.openxmlformats.org/drawingml/2006/main" xmlns:r="http://schemas.openxmlformats.org/officeDocument/2006/relationships" xmlns:p="http://schemas.openxmlformats.org/presentationml/2006/main">
-  <p:cSld>
-    <p:spTree>
-      <p:nvGrpSpPr>
-        <p:cNvPr id="1" name=""/>
-        <p:cNvGrpSpPr/>
-        <p:nvPr/>
-      </p:nvGrpSpPr>
-      <p:grpSpPr>
-        <a:xfrm>
-          <a:off x="0" y="0"/>
-          <a:ext cx="0" cy="0"/>
-          <a:chOff x="0" y="0"/>
-          <a:chExt cx="0" cy="0"/>
-        </a:xfrm>
-      </p:grpSpPr>
-      <p:sp>
-        <p:nvSpPr>
-          <p:cNvPr id="2" name="Title 1">
-            <a:extLst>
-              <a:ext uri="{FF2B5EF4-FFF2-40B4-BE49-F238E27FC236}">
                 <a16:creationId xmlns:a16="http://schemas.microsoft.com/office/drawing/2014/main" id="{EAFC60FF-2626-9342-81CC-398155965C32}"/>
               </a:ext>
             </a:extLst>
@@ -7887,13 +7932,13 @@
   <p:clrMapOvr>
     <a:masterClrMapping/>
   </p:clrMapOvr>
-  <mc:AlternateContent xmlns:mc="http://schemas.openxmlformats.org/markup-compatibility/2006">
-    <mc:Choice xmlns:p14="http://schemas.microsoft.com/office/powerpoint/2010/main" Requires="p14">
+  <mc:AlternateContent xmlns:mc="http://schemas.openxmlformats.org/markup-compatibility/2006" xmlns:p14="http://schemas.microsoft.com/office/powerpoint/2010/main">
+    <mc:Choice Requires="p14">
       <p:transition spd="med" p14:dur="700">
         <p:fade/>
       </p:transition>
     </mc:Choice>
-    <mc:Fallback>
+    <mc:Fallback xmlns="">
       <p:transition spd="med">
         <p:fade/>
       </p:transition>
@@ -8345,7 +8390,7 @@
                   <a:schemeClr val="tx1"/>
                 </a:solidFill>
               </a:rPr>
-              <a:t>An increase in Coronavirus cases will result in a decrease in the number of visitors at parks and a decline in the usage of the transit system.</a:t>
+              <a:t>An increase in Coronavirus cases will result in a decrease in the number of visitors at all locations and a decline in the usage of the transit system.</a:t>
             </a:r>
           </a:p>
           <a:p>
@@ -8380,13 +8425,13 @@
   <p:clrMapOvr>
     <a:masterClrMapping/>
   </p:clrMapOvr>
-  <mc:AlternateContent xmlns:mc="http://schemas.openxmlformats.org/markup-compatibility/2006">
-    <mc:Choice xmlns:p14="http://schemas.microsoft.com/office/powerpoint/2010/main" Requires="p14">
+  <mc:AlternateContent xmlns:mc="http://schemas.openxmlformats.org/markup-compatibility/2006" xmlns:p14="http://schemas.microsoft.com/office/powerpoint/2010/main">
+    <mc:Choice Requires="p14">
       <p:transition spd="med" p14:dur="700">
         <p:fade/>
       </p:transition>
     </mc:Choice>
-    <mc:Fallback>
+    <mc:Fallback xmlns="">
       <p:transition spd="med">
         <p:fade/>
       </p:transition>
@@ -8526,13 +8571,13 @@
   <p:clrMapOvr>
     <a:masterClrMapping/>
   </p:clrMapOvr>
-  <mc:AlternateContent xmlns:mc="http://schemas.openxmlformats.org/markup-compatibility/2006">
-    <mc:Choice xmlns:p14="http://schemas.microsoft.com/office/powerpoint/2010/main" Requires="p14">
+  <mc:AlternateContent xmlns:mc="http://schemas.openxmlformats.org/markup-compatibility/2006" xmlns:p14="http://schemas.microsoft.com/office/powerpoint/2010/main">
+    <mc:Choice Requires="p14">
       <p:transition spd="med" p14:dur="700">
         <p:fade/>
       </p:transition>
     </mc:Choice>
-    <mc:Fallback>
+    <mc:Fallback xmlns="">
       <p:transition spd="med">
         <p:fade/>
       </p:transition>
@@ -8691,13 +8736,13 @@
   <p:clrMapOvr>
     <a:masterClrMapping/>
   </p:clrMapOvr>
-  <mc:AlternateContent xmlns:mc="http://schemas.openxmlformats.org/markup-compatibility/2006">
-    <mc:Choice xmlns:p14="http://schemas.microsoft.com/office/powerpoint/2010/main" Requires="p14">
+  <mc:AlternateContent xmlns:mc="http://schemas.openxmlformats.org/markup-compatibility/2006" xmlns:p14="http://schemas.microsoft.com/office/powerpoint/2010/main">
+    <mc:Choice Requires="p14">
       <p:transition spd="med" p14:dur="700">
         <p:fade/>
       </p:transition>
     </mc:Choice>
-    <mc:Fallback>
+    <mc:Fallback xmlns="">
       <p:transition spd="med">
         <p:fade/>
       </p:transition>
@@ -9007,13 +9052,13 @@
   <p:clrMapOvr>
     <a:masterClrMapping/>
   </p:clrMapOvr>
-  <mc:AlternateContent xmlns:mc="http://schemas.openxmlformats.org/markup-compatibility/2006">
-    <mc:Choice xmlns:p14="http://schemas.microsoft.com/office/powerpoint/2010/main" Requires="p14">
+  <mc:AlternateContent xmlns:mc="http://schemas.openxmlformats.org/markup-compatibility/2006" xmlns:p14="http://schemas.microsoft.com/office/powerpoint/2010/main">
+    <mc:Choice Requires="p14">
       <p:transition spd="med" p14:dur="700">
         <p:fade/>
       </p:transition>
     </mc:Choice>
-    <mc:Fallback>
+    <mc:Fallback xmlns="">
       <p:transition spd="med">
         <p:fade/>
       </p:transition>
@@ -9152,13 +9197,13 @@
   <p:clrMapOvr>
     <a:masterClrMapping/>
   </p:clrMapOvr>
-  <mc:AlternateContent xmlns:mc="http://schemas.openxmlformats.org/markup-compatibility/2006">
-    <mc:Choice xmlns:p14="http://schemas.microsoft.com/office/powerpoint/2010/main" Requires="p14">
+  <mc:AlternateContent xmlns:mc="http://schemas.openxmlformats.org/markup-compatibility/2006" xmlns:p14="http://schemas.microsoft.com/office/powerpoint/2010/main">
+    <mc:Choice Requires="p14">
       <p:transition spd="med" p14:dur="700">
         <p:fade/>
       </p:transition>
     </mc:Choice>
-    <mc:Fallback>
+    <mc:Fallback xmlns="">
       <p:transition spd="med">
         <p:fade/>
       </p:transition>
@@ -9286,13 +9331,13 @@
   <p:clrMapOvr>
     <a:masterClrMapping/>
   </p:clrMapOvr>
-  <mc:AlternateContent xmlns:mc="http://schemas.openxmlformats.org/markup-compatibility/2006">
-    <mc:Choice xmlns:p14="http://schemas.microsoft.com/office/powerpoint/2010/main" Requires="p14">
+  <mc:AlternateContent xmlns:mc="http://schemas.openxmlformats.org/markup-compatibility/2006" xmlns:p14="http://schemas.microsoft.com/office/powerpoint/2010/main">
+    <mc:Choice Requires="p14">
       <p:transition spd="med" p14:dur="700">
         <p:fade/>
       </p:transition>
     </mc:Choice>
-    <mc:Fallback>
+    <mc:Fallback xmlns="">
       <p:transition spd="med">
         <p:fade/>
       </p:transition>
@@ -9396,10 +9441,10 @@
       </p:cxnSp>
       <p:pic>
         <p:nvPicPr>
-          <p:cNvPr id="11" name="Content Placeholder 10">
+          <p:cNvPr id="6" name="Content Placeholder 5">
             <a:extLst>
               <a:ext uri="{FF2B5EF4-FFF2-40B4-BE49-F238E27FC236}">
-                <a16:creationId xmlns:a16="http://schemas.microsoft.com/office/drawing/2014/main" id="{128BC31B-210C-D04E-BEF5-1C1191DAECA4}"/>
+                <a16:creationId xmlns:a16="http://schemas.microsoft.com/office/drawing/2014/main" id="{26BAFB04-0455-44FC-BBE0-D07661EAAC71}"/>
               </a:ext>
             </a:extLst>
           </p:cNvPr>
@@ -9410,16 +9455,20 @@
             <p:ph idx="1"/>
           </p:nvPr>
         </p:nvPicPr>
-        <p:blipFill rotWithShape="1">
+        <p:blipFill>
           <a:blip r:embed="rId2"/>
-          <a:srcRect l="7554" t="4568" r="4930" b="3927"/>
-          <a:stretch/>
+          <a:stretch>
+            <a:fillRect/>
+          </a:stretch>
         </p:blipFill>
         <p:spPr>
           <a:xfrm>
-            <a:off x="1665056" y="157017"/>
-            <a:ext cx="8861888" cy="5212080"/>
+            <a:off x="963391" y="87437"/>
+            <a:ext cx="9180569" cy="5164071"/>
           </a:xfrm>
+          <a:prstGeom prst="rect">
+            <a:avLst/>
+          </a:prstGeom>
         </p:spPr>
       </p:pic>
     </p:spTree>
@@ -9432,13 +9481,13 @@
   <p:clrMapOvr>
     <a:masterClrMapping/>
   </p:clrMapOvr>
-  <mc:AlternateContent xmlns:mc="http://schemas.openxmlformats.org/markup-compatibility/2006">
-    <mc:Choice xmlns:p14="http://schemas.microsoft.com/office/powerpoint/2010/main" Requires="p14">
+  <mc:AlternateContent xmlns:mc="http://schemas.openxmlformats.org/markup-compatibility/2006" xmlns:p14="http://schemas.microsoft.com/office/powerpoint/2010/main">
+    <mc:Choice Requires="p14">
       <p:transition spd="med" p14:dur="700">
         <p:fade/>
       </p:transition>
     </mc:Choice>
-    <mc:Fallback>
+    <mc:Fallback xmlns="">
       <p:transition spd="med">
         <p:fade/>
       </p:transition>
@@ -9722,12 +9771,12 @@
 </file>
 
 <file path=customXml/item1.xml><?xml version="1.0" encoding="utf-8"?>
-<?mso-contentType ?>
-<FormTemplates xmlns="http://schemas.microsoft.com/sharepoint/v3/contenttype/forms">
-  <Display>DocumentLibraryForm</Display>
-  <Edit>DocumentLibraryForm</Edit>
-  <New>DocumentLibraryForm</New>
-</FormTemplates>
+<p:properties xmlns:p="http://schemas.microsoft.com/office/2006/metadata/properties" xmlns:xsi="http://www.w3.org/2001/XMLSchema-instance" xmlns:pc="http://schemas.microsoft.com/office/infopath/2007/PartnerControls">
+  <documentManagement>
+    <Status xmlns="71af3243-3dd4-4a8d-8c0d-dd76da1f02a5">Not started</Status>
+    <MediaServiceKeyPoints xmlns="71af3243-3dd4-4a8d-8c0d-dd76da1f02a5" xsi:nil="true"/>
+  </documentManagement>
+</p:properties>
 </file>
 
 <file path=customXml/item2.xml><?xml version="1.0" encoding="utf-8"?>
@@ -9952,18 +10001,20 @@
 </file>
 
 <file path=customXml/item3.xml><?xml version="1.0" encoding="utf-8"?>
-<p:properties xmlns:p="http://schemas.microsoft.com/office/2006/metadata/properties" xmlns:xsi="http://www.w3.org/2001/XMLSchema-instance" xmlns:pc="http://schemas.microsoft.com/office/infopath/2007/PartnerControls">
-  <documentManagement>
-    <Status xmlns="71af3243-3dd4-4a8d-8c0d-dd76da1f02a5">Not started</Status>
-    <MediaServiceKeyPoints xmlns="71af3243-3dd4-4a8d-8c0d-dd76da1f02a5" xsi:nil="true"/>
-  </documentManagement>
-</p:properties>
+<?mso-contentType ?>
+<FormTemplates xmlns="http://schemas.microsoft.com/sharepoint/v3/contenttype/forms">
+  <Display>DocumentLibraryForm</Display>
+  <Edit>DocumentLibraryForm</Edit>
+  <New>DocumentLibraryForm</New>
+</FormTemplates>
 </file>
 
 <file path=customXml/itemProps1.xml><?xml version="1.0" encoding="utf-8"?>
-<ds:datastoreItem xmlns:ds="http://schemas.openxmlformats.org/officeDocument/2006/customXml" ds:itemID="{AA3F7EDC-E5B4-4BBC-9D2A-CBE6D46C37AD}">
+<ds:datastoreItem xmlns:ds="http://schemas.openxmlformats.org/officeDocument/2006/customXml" ds:itemID="{A03EEFF0-FB57-4CB4-8BFC-DF397689E2ED}">
   <ds:schemaRefs>
-    <ds:schemaRef ds:uri="http://schemas.microsoft.com/sharepoint/v3/contenttype/forms"/>
+    <ds:schemaRef ds:uri="http://schemas.microsoft.com/office/2006/metadata/properties"/>
+    <ds:schemaRef ds:uri="http://schemas.microsoft.com/office/infopath/2007/PartnerControls"/>
+    <ds:schemaRef ds:uri="71af3243-3dd4-4a8d-8c0d-dd76da1f02a5"/>
   </ds:schemaRefs>
 </ds:datastoreItem>
 </file>
@@ -9988,11 +10039,9 @@
 </file>
 
 <file path=customXml/itemProps3.xml><?xml version="1.0" encoding="utf-8"?>
-<ds:datastoreItem xmlns:ds="http://schemas.openxmlformats.org/officeDocument/2006/customXml" ds:itemID="{A03EEFF0-FB57-4CB4-8BFC-DF397689E2ED}">
+<ds:datastoreItem xmlns:ds="http://schemas.openxmlformats.org/officeDocument/2006/customXml" ds:itemID="{AA3F7EDC-E5B4-4BBC-9D2A-CBE6D46C37AD}">
   <ds:schemaRefs>
-    <ds:schemaRef ds:uri="http://schemas.microsoft.com/office/2006/metadata/properties"/>
-    <ds:schemaRef ds:uri="http://schemas.microsoft.com/office/infopath/2007/PartnerControls"/>
-    <ds:schemaRef ds:uri="71af3243-3dd4-4a8d-8c0d-dd76da1f02a5"/>
+    <ds:schemaRef ds:uri="http://schemas.microsoft.com/sharepoint/v3/contenttype/forms"/>
   </ds:schemaRefs>
 </ds:datastoreItem>
 </file>
--- a/presentation.pptx
+++ b/presentation.pptx
@@ -10,21 +10,20 @@
     <p:sldId id="302" r:id="rId7"/>
     <p:sldId id="310" r:id="rId8"/>
     <p:sldId id="311" r:id="rId9"/>
-    <p:sldId id="307" r:id="rId10"/>
-    <p:sldId id="322" r:id="rId11"/>
-    <p:sldId id="321" r:id="rId12"/>
-    <p:sldId id="303" r:id="rId13"/>
-    <p:sldId id="314" r:id="rId14"/>
-    <p:sldId id="315" r:id="rId15"/>
-    <p:sldId id="316" r:id="rId16"/>
-    <p:sldId id="312" r:id="rId17"/>
-    <p:sldId id="319" r:id="rId18"/>
-    <p:sldId id="304" r:id="rId19"/>
-    <p:sldId id="305" r:id="rId20"/>
-    <p:sldId id="306" r:id="rId21"/>
-    <p:sldId id="308" r:id="rId22"/>
-    <p:sldId id="317" r:id="rId23"/>
-    <p:sldId id="313" r:id="rId24"/>
+    <p:sldId id="322" r:id="rId10"/>
+    <p:sldId id="321" r:id="rId11"/>
+    <p:sldId id="303" r:id="rId12"/>
+    <p:sldId id="314" r:id="rId13"/>
+    <p:sldId id="315" r:id="rId14"/>
+    <p:sldId id="316" r:id="rId15"/>
+    <p:sldId id="312" r:id="rId16"/>
+    <p:sldId id="319" r:id="rId17"/>
+    <p:sldId id="304" r:id="rId18"/>
+    <p:sldId id="305" r:id="rId19"/>
+    <p:sldId id="306" r:id="rId20"/>
+    <p:sldId id="308" r:id="rId21"/>
+    <p:sldId id="317" r:id="rId22"/>
+    <p:sldId id="313" r:id="rId23"/>
   </p:sldIdLst>
   <p:sldSz cx="12192000" cy="6858000"/>
   <p:notesSz cx="6858000" cy="9144000"/>
@@ -5941,6 +5940,55 @@
       </p:grpSpPr>
       <p:sp>
         <p:nvSpPr>
+          <p:cNvPr id="5" name="Rectangle 4">
+            <a:extLst>
+              <a:ext uri="{FF2B5EF4-FFF2-40B4-BE49-F238E27FC236}">
+                <a16:creationId xmlns:a16="http://schemas.microsoft.com/office/drawing/2014/main" id="{52E5F8CA-6EFA-4098-BE66-83ACBA84FA74}"/>
+              </a:ext>
+            </a:extLst>
+          </p:cNvPr>
+          <p:cNvSpPr/>
+          <p:nvPr/>
+        </p:nvSpPr>
+        <p:spPr>
+          <a:xfrm>
+            <a:off x="721881" y="484895"/>
+            <a:ext cx="10479520" cy="4299048"/>
+          </a:xfrm>
+          <a:prstGeom prst="rect">
+            <a:avLst/>
+          </a:prstGeom>
+          <a:solidFill>
+            <a:schemeClr val="tx1"/>
+          </a:solidFill>
+        </p:spPr>
+        <p:style>
+          <a:lnRef idx="2">
+            <a:schemeClr val="accent1">
+              <a:shade val="50000"/>
+            </a:schemeClr>
+          </a:lnRef>
+          <a:fillRef idx="1">
+            <a:schemeClr val="accent1"/>
+          </a:fillRef>
+          <a:effectRef idx="0">
+            <a:schemeClr val="accent1"/>
+          </a:effectRef>
+          <a:fontRef idx="minor">
+            <a:schemeClr val="lt1"/>
+          </a:fontRef>
+        </p:style>
+        <p:txBody>
+          <a:bodyPr rtlCol="0" anchor="ctr"/>
+          <a:lstStyle/>
+          <a:p>
+            <a:pPr algn="ctr"/>
+            <a:endParaRPr lang="en-US"/>
+          </a:p>
+        </p:txBody>
+      </p:sp>
+      <p:sp>
+        <p:nvSpPr>
           <p:cNvPr id="2" name="Title 1">
             <a:extLst>
               <a:ext uri="{FF2B5EF4-FFF2-40B4-BE49-F238E27FC236}">
@@ -5957,8 +6005,8 @@
         </p:nvSpPr>
         <p:spPr>
           <a:xfrm>
-            <a:off x="581181" y="4624915"/>
-            <a:ext cx="9734796" cy="1507067"/>
+            <a:off x="684211" y="4487332"/>
+            <a:ext cx="9000701" cy="1810437"/>
           </a:xfrm>
         </p:spPr>
         <p:txBody>
@@ -5967,17 +6015,17 @@
           <a:p>
             <a:r>
               <a:rPr lang="en-US" dirty="0"/>
-              <a:t>Grocery and pharmacy comparison</a:t>
+              <a:t>Retail and recreation comparison</a:t>
             </a:r>
           </a:p>
         </p:txBody>
       </p:sp>
       <p:pic>
         <p:nvPicPr>
-          <p:cNvPr id="6" name="Content Placeholder 5">
+          <p:cNvPr id="9" name="Content Placeholder 8" descr="A picture containing chart&#10;&#10;Description automatically generated">
             <a:extLst>
               <a:ext uri="{FF2B5EF4-FFF2-40B4-BE49-F238E27FC236}">
-                <a16:creationId xmlns:a16="http://schemas.microsoft.com/office/drawing/2014/main" id="{9229A8E9-1B53-4E4B-A297-87F5C154A13C}"/>
+                <a16:creationId xmlns:a16="http://schemas.microsoft.com/office/drawing/2014/main" id="{47685DC2-7DF3-4AC0-A389-A4AFD6B03482}"/>
               </a:ext>
             </a:extLst>
           </p:cNvPr>
@@ -5985,7 +6033,7 @@
             <a:picLocks noGrp="1" noChangeAspect="1"/>
           </p:cNvPicPr>
           <p:nvPr>
-            <p:ph sz="half" idx="1"/>
+            <p:ph sz="half" idx="2"/>
           </p:nvPr>
         </p:nvPicPr>
         <p:blipFill>
@@ -5996,20 +6044,17 @@
         </p:blipFill>
         <p:spPr>
           <a:xfrm>
-            <a:off x="5835763" y="723902"/>
-            <a:ext cx="4937125" cy="3291416"/>
+            <a:off x="5754849" y="875276"/>
+            <a:ext cx="5277430" cy="3518286"/>
           </a:xfrm>
-          <a:solidFill>
-            <a:schemeClr val="tx1"/>
-          </a:solidFill>
         </p:spPr>
       </p:pic>
       <p:pic>
         <p:nvPicPr>
-          <p:cNvPr id="8" name="Content Placeholder 7">
+          <p:cNvPr id="13" name="Content Placeholder 12" descr="Chart, line chart&#10;&#10;Description automatically generated">
             <a:extLst>
               <a:ext uri="{FF2B5EF4-FFF2-40B4-BE49-F238E27FC236}">
-                <a16:creationId xmlns:a16="http://schemas.microsoft.com/office/drawing/2014/main" id="{A44E0A42-3522-7348-BAC5-17F68F6D6803}"/>
+                <a16:creationId xmlns:a16="http://schemas.microsoft.com/office/drawing/2014/main" id="{15829468-620E-4DDD-94E2-5D310E3737D1}"/>
               </a:ext>
             </a:extLst>
           </p:cNvPr>
@@ -6017,7 +6062,7 @@
             <a:picLocks noGrp="1" noChangeAspect="1"/>
           </p:cNvPicPr>
           <p:nvPr>
-            <p:ph sz="half" idx="2"/>
+            <p:ph sz="half" idx="1"/>
           </p:nvPr>
         </p:nvPicPr>
         <p:blipFill>
@@ -6028,18 +6073,15 @@
         </p:blipFill>
         <p:spPr>
           <a:xfrm>
-            <a:off x="684212" y="726018"/>
-            <a:ext cx="4933950" cy="3289300"/>
+            <a:off x="818570" y="848519"/>
+            <a:ext cx="5277430" cy="3518286"/>
           </a:xfrm>
-          <a:solidFill>
-            <a:schemeClr val="tx1"/>
-          </a:solidFill>
         </p:spPr>
       </p:pic>
     </p:spTree>
     <p:extLst>
       <p:ext uri="{BB962C8B-B14F-4D97-AF65-F5344CB8AC3E}">
-        <p14:creationId xmlns:p14="http://schemas.microsoft.com/office/powerpoint/2010/main" val="1692805677"/>
+        <p14:creationId xmlns:p14="http://schemas.microsoft.com/office/powerpoint/2010/main" val="701807338"/>
       </p:ext>
     </p:extLst>
   </p:cSld>
@@ -6080,6 +6122,55 @@
       </p:grpSpPr>
       <p:sp>
         <p:nvSpPr>
+          <p:cNvPr id="5" name="Rectangle 4">
+            <a:extLst>
+              <a:ext uri="{FF2B5EF4-FFF2-40B4-BE49-F238E27FC236}">
+                <a16:creationId xmlns:a16="http://schemas.microsoft.com/office/drawing/2014/main" id="{BBF866E4-2AB6-40B5-BFAE-73F81F35EFFD}"/>
+              </a:ext>
+            </a:extLst>
+          </p:cNvPr>
+          <p:cNvSpPr/>
+          <p:nvPr/>
+        </p:nvSpPr>
+        <p:spPr>
+          <a:xfrm>
+            <a:off x="721881" y="484895"/>
+            <a:ext cx="10479520" cy="4299048"/>
+          </a:xfrm>
+          <a:prstGeom prst="rect">
+            <a:avLst/>
+          </a:prstGeom>
+          <a:solidFill>
+            <a:schemeClr val="tx1"/>
+          </a:solidFill>
+        </p:spPr>
+        <p:style>
+          <a:lnRef idx="2">
+            <a:schemeClr val="accent1">
+              <a:shade val="50000"/>
+            </a:schemeClr>
+          </a:lnRef>
+          <a:fillRef idx="1">
+            <a:schemeClr val="accent1"/>
+          </a:fillRef>
+          <a:effectRef idx="0">
+            <a:schemeClr val="accent1"/>
+          </a:effectRef>
+          <a:fontRef idx="minor">
+            <a:schemeClr val="lt1"/>
+          </a:fontRef>
+        </p:style>
+        <p:txBody>
+          <a:bodyPr rtlCol="0" anchor="ctr"/>
+          <a:lstStyle/>
+          <a:p>
+            <a:pPr algn="ctr"/>
+            <a:endParaRPr lang="en-US"/>
+          </a:p>
+        </p:txBody>
+      </p:sp>
+      <p:sp>
+        <p:nvSpPr>
           <p:cNvPr id="2" name="Title 1">
             <a:extLst>
               <a:ext uri="{FF2B5EF4-FFF2-40B4-BE49-F238E27FC236}">
@@ -6094,29 +6185,24 @@
             <p:ph type="title"/>
           </p:nvPr>
         </p:nvSpPr>
-        <p:spPr>
-          <a:xfrm>
-            <a:off x="684211" y="4487332"/>
-            <a:ext cx="9000701" cy="1810437"/>
-          </a:xfrm>
-        </p:spPr>
+        <p:spPr/>
         <p:txBody>
           <a:bodyPr/>
           <a:lstStyle/>
           <a:p>
             <a:r>
               <a:rPr lang="en-US" dirty="0"/>
-              <a:t>Retail and recreation comparison</a:t>
+              <a:t>Transit station comparison</a:t>
             </a:r>
           </a:p>
         </p:txBody>
       </p:sp>
       <p:pic>
         <p:nvPicPr>
-          <p:cNvPr id="6" name="Content Placeholder 5">
+          <p:cNvPr id="9" name="Content Placeholder 8" descr="Chart, line chart&#10;&#10;Description automatically generated">
             <a:extLst>
               <a:ext uri="{FF2B5EF4-FFF2-40B4-BE49-F238E27FC236}">
-                <a16:creationId xmlns:a16="http://schemas.microsoft.com/office/drawing/2014/main" id="{3A9574D8-174E-534D-81D6-56F2285789ED}"/>
+                <a16:creationId xmlns:a16="http://schemas.microsoft.com/office/drawing/2014/main" id="{25FF1E04-91F7-4E15-B33A-44C40B3C97EA}"/>
               </a:ext>
             </a:extLst>
           </p:cNvPr>
@@ -6124,7 +6210,7 @@
             <a:picLocks noGrp="1" noChangeAspect="1"/>
           </p:cNvPicPr>
           <p:nvPr>
-            <p:ph sz="half" idx="1"/>
+            <p:ph sz="half" idx="2"/>
           </p:nvPr>
         </p:nvPicPr>
         <p:blipFill>
@@ -6135,20 +6221,17 @@
         </p:blipFill>
         <p:spPr>
           <a:xfrm>
-            <a:off x="684213" y="847461"/>
-            <a:ext cx="4937125" cy="3291416"/>
+            <a:off x="5743181" y="810685"/>
+            <a:ext cx="5458220" cy="3638813"/>
           </a:xfrm>
-          <a:solidFill>
-            <a:schemeClr val="tx1"/>
-          </a:solidFill>
         </p:spPr>
       </p:pic>
       <p:pic>
         <p:nvPicPr>
-          <p:cNvPr id="8" name="Content Placeholder 7">
+          <p:cNvPr id="13" name="Content Placeholder 12" descr="Chart, line chart&#10;&#10;Description automatically generated">
             <a:extLst>
               <a:ext uri="{FF2B5EF4-FFF2-40B4-BE49-F238E27FC236}">
-                <a16:creationId xmlns:a16="http://schemas.microsoft.com/office/drawing/2014/main" id="{265D2112-5BE1-B24D-8784-4EC5FD79EA63}"/>
+                <a16:creationId xmlns:a16="http://schemas.microsoft.com/office/drawing/2014/main" id="{C33AE9D5-81C0-4C93-9AF3-86EDD177916F}"/>
               </a:ext>
             </a:extLst>
           </p:cNvPr>
@@ -6156,7 +6239,7 @@
             <a:picLocks noGrp="1" noChangeAspect="1"/>
           </p:cNvPicPr>
           <p:nvPr>
-            <p:ph sz="half" idx="2"/>
+            <p:ph sz="half" idx="1"/>
           </p:nvPr>
         </p:nvPicPr>
         <p:blipFill>
@@ -6167,18 +6250,15 @@
         </p:blipFill>
         <p:spPr>
           <a:xfrm>
-            <a:off x="5808663" y="848519"/>
-            <a:ext cx="4933950" cy="3289300"/>
+            <a:off x="684213" y="847460"/>
+            <a:ext cx="5481695" cy="3654463"/>
           </a:xfrm>
-          <a:solidFill>
-            <a:schemeClr val="tx1"/>
-          </a:solidFill>
         </p:spPr>
       </p:pic>
     </p:spTree>
     <p:extLst>
       <p:ext uri="{BB962C8B-B14F-4D97-AF65-F5344CB8AC3E}">
-        <p14:creationId xmlns:p14="http://schemas.microsoft.com/office/powerpoint/2010/main" val="701807338"/>
+        <p14:creationId xmlns:p14="http://schemas.microsoft.com/office/powerpoint/2010/main" val="504997362"/>
       </p:ext>
     </p:extLst>
   </p:cSld>
@@ -6219,10 +6299,59 @@
       </p:grpSpPr>
       <p:sp>
         <p:nvSpPr>
+          <p:cNvPr id="5" name="Rectangle 4">
+            <a:extLst>
+              <a:ext uri="{FF2B5EF4-FFF2-40B4-BE49-F238E27FC236}">
+                <a16:creationId xmlns:a16="http://schemas.microsoft.com/office/drawing/2014/main" id="{7AFF01FD-DB38-41CD-B23D-D5D78C5A07D8}"/>
+              </a:ext>
+            </a:extLst>
+          </p:cNvPr>
+          <p:cNvSpPr/>
+          <p:nvPr/>
+        </p:nvSpPr>
+        <p:spPr>
+          <a:xfrm>
+            <a:off x="721881" y="484895"/>
+            <a:ext cx="10479520" cy="4299048"/>
+          </a:xfrm>
+          <a:prstGeom prst="rect">
+            <a:avLst/>
+          </a:prstGeom>
+          <a:solidFill>
+            <a:schemeClr val="tx1"/>
+          </a:solidFill>
+        </p:spPr>
+        <p:style>
+          <a:lnRef idx="2">
+            <a:schemeClr val="accent1">
+              <a:shade val="50000"/>
+            </a:schemeClr>
+          </a:lnRef>
+          <a:fillRef idx="1">
+            <a:schemeClr val="accent1"/>
+          </a:fillRef>
+          <a:effectRef idx="0">
+            <a:schemeClr val="accent1"/>
+          </a:effectRef>
+          <a:fontRef idx="minor">
+            <a:schemeClr val="lt1"/>
+          </a:fontRef>
+        </p:style>
+        <p:txBody>
+          <a:bodyPr rtlCol="0" anchor="ctr"/>
+          <a:lstStyle/>
+          <a:p>
+            <a:pPr algn="ctr"/>
+            <a:endParaRPr lang="en-US"/>
+          </a:p>
+        </p:txBody>
+      </p:sp>
+      <p:sp>
+        <p:nvSpPr>
           <p:cNvPr id="2" name="Title 1">
             <a:extLst>
               <a:ext uri="{FF2B5EF4-FFF2-40B4-BE49-F238E27FC236}">
-                <a16:creationId xmlns:a16="http://schemas.microsoft.com/office/drawing/2014/main" id="{172685EB-9451-4644-BB8C-1887E09914D9}"/>
+                <a16:creationId xmlns:a16="http://schemas.microsoft.com/office/drawing/2014/main" id="{BB4E9A05-DAF2-4E60-90C7-DEC3ABD8C529}"/>
               </a:ext>
             </a:extLst>
           </p:cNvPr>
@@ -6240,17 +6369,17 @@
           <a:p>
             <a:r>
               <a:rPr lang="en-US" dirty="0"/>
-              <a:t>Transit station comparison</a:t>
+              <a:t>Workplace comparison</a:t>
             </a:r>
           </a:p>
         </p:txBody>
       </p:sp>
       <p:pic>
         <p:nvPicPr>
-          <p:cNvPr id="6" name="Content Placeholder 5">
+          <p:cNvPr id="8" name="Content Placeholder 7" descr="A picture containing graphical user interface&#10;&#10;Description automatically generated">
             <a:extLst>
               <a:ext uri="{FF2B5EF4-FFF2-40B4-BE49-F238E27FC236}">
-                <a16:creationId xmlns:a16="http://schemas.microsoft.com/office/drawing/2014/main" id="{07E4C37E-29EC-B642-9C63-DD4208A2388B}"/>
+                <a16:creationId xmlns:a16="http://schemas.microsoft.com/office/drawing/2014/main" id="{20EA1E44-C78F-4089-A2C1-BB6912DE3533}"/>
               </a:ext>
             </a:extLst>
           </p:cNvPr>
@@ -6258,7 +6387,7 @@
             <a:picLocks noGrp="1" noChangeAspect="1"/>
           </p:cNvPicPr>
           <p:nvPr>
-            <p:ph sz="half" idx="1"/>
+            <p:ph sz="half" idx="2"/>
           </p:nvPr>
         </p:nvPicPr>
         <p:blipFill>
@@ -6269,20 +6398,17 @@
         </p:blipFill>
         <p:spPr>
           <a:xfrm>
-            <a:off x="684213" y="847461"/>
-            <a:ext cx="4937125" cy="3291416"/>
+            <a:off x="5790190" y="733202"/>
+            <a:ext cx="5571366" cy="3714244"/>
           </a:xfrm>
-          <a:solidFill>
-            <a:schemeClr val="tx1"/>
-          </a:solidFill>
         </p:spPr>
       </p:pic>
       <p:pic>
         <p:nvPicPr>
-          <p:cNvPr id="8" name="Content Placeholder 7">
+          <p:cNvPr id="13" name="Content Placeholder 12" descr="Chart, line chart&#10;&#10;Description automatically generated">
             <a:extLst>
               <a:ext uri="{FF2B5EF4-FFF2-40B4-BE49-F238E27FC236}">
-                <a16:creationId xmlns:a16="http://schemas.microsoft.com/office/drawing/2014/main" id="{E164724F-4DA9-1047-925A-908B92593EB9}"/>
+                <a16:creationId xmlns:a16="http://schemas.microsoft.com/office/drawing/2014/main" id="{0FD2E0DE-7654-45E2-8F21-3AD46D370123}"/>
               </a:ext>
             </a:extLst>
           </p:cNvPr>
@@ -6290,7 +6416,7 @@
             <a:picLocks noGrp="1" noChangeAspect="1"/>
           </p:cNvPicPr>
           <p:nvPr>
-            <p:ph sz="half" idx="2"/>
+            <p:ph sz="half" idx="1"/>
           </p:nvPr>
         </p:nvPicPr>
         <p:blipFill>
@@ -6301,18 +6427,15 @@
         </p:blipFill>
         <p:spPr>
           <a:xfrm>
-            <a:off x="5808663" y="848519"/>
-            <a:ext cx="4933950" cy="3289300"/>
+            <a:off x="684212" y="772029"/>
+            <a:ext cx="5572956" cy="3715303"/>
           </a:xfrm>
-          <a:solidFill>
-            <a:schemeClr val="tx1"/>
-          </a:solidFill>
         </p:spPr>
       </p:pic>
     </p:spTree>
     <p:extLst>
       <p:ext uri="{BB962C8B-B14F-4D97-AF65-F5344CB8AC3E}">
-        <p14:creationId xmlns:p14="http://schemas.microsoft.com/office/powerpoint/2010/main" val="504997362"/>
+        <p14:creationId xmlns:p14="http://schemas.microsoft.com/office/powerpoint/2010/main" val="21956008"/>
       </p:ext>
     </p:extLst>
   </p:cSld>
@@ -6356,140 +6479,6 @@
           <p:cNvPr id="2" name="Title 1">
             <a:extLst>
               <a:ext uri="{FF2B5EF4-FFF2-40B4-BE49-F238E27FC236}">
-                <a16:creationId xmlns:a16="http://schemas.microsoft.com/office/drawing/2014/main" id="{BB4E9A05-DAF2-4E60-90C7-DEC3ABD8C529}"/>
-              </a:ext>
-            </a:extLst>
-          </p:cNvPr>
-          <p:cNvSpPr>
-            <a:spLocks noGrp="1"/>
-          </p:cNvSpPr>
-          <p:nvPr>
-            <p:ph type="title"/>
-          </p:nvPr>
-        </p:nvSpPr>
-        <p:spPr/>
-        <p:txBody>
-          <a:bodyPr/>
-          <a:lstStyle/>
-          <a:p>
-            <a:r>
-              <a:rPr lang="en-US" dirty="0"/>
-              <a:t>Workplace comparison</a:t>
-            </a:r>
-          </a:p>
-        </p:txBody>
-      </p:sp>
-      <p:pic>
-        <p:nvPicPr>
-          <p:cNvPr id="7" name="Content Placeholder 6">
-            <a:extLst>
-              <a:ext uri="{FF2B5EF4-FFF2-40B4-BE49-F238E27FC236}">
-                <a16:creationId xmlns:a16="http://schemas.microsoft.com/office/drawing/2014/main" id="{43B7A296-F041-E546-ACEE-615D3B56F2BB}"/>
-              </a:ext>
-            </a:extLst>
-          </p:cNvPr>
-          <p:cNvPicPr>
-            <a:picLocks noGrp="1" noChangeAspect="1"/>
-          </p:cNvPicPr>
-          <p:nvPr>
-            <p:ph sz="half" idx="1"/>
-          </p:nvPr>
-        </p:nvPicPr>
-        <p:blipFill>
-          <a:blip r:embed="rId2"/>
-          <a:stretch>
-            <a:fillRect/>
-          </a:stretch>
-        </p:blipFill>
-        <p:spPr>
-          <a:xfrm>
-            <a:off x="684213" y="847461"/>
-            <a:ext cx="4937125" cy="3291416"/>
-          </a:xfrm>
-          <a:solidFill>
-            <a:schemeClr val="tx1"/>
-          </a:solidFill>
-        </p:spPr>
-      </p:pic>
-      <p:pic>
-        <p:nvPicPr>
-          <p:cNvPr id="9" name="Content Placeholder 8">
-            <a:extLst>
-              <a:ext uri="{FF2B5EF4-FFF2-40B4-BE49-F238E27FC236}">
-                <a16:creationId xmlns:a16="http://schemas.microsoft.com/office/drawing/2014/main" id="{3D730261-315D-9D4E-B519-93CC7C634AB0}"/>
-              </a:ext>
-            </a:extLst>
-          </p:cNvPr>
-          <p:cNvPicPr>
-            <a:picLocks noGrp="1" noChangeAspect="1"/>
-          </p:cNvPicPr>
-          <p:nvPr>
-            <p:ph sz="half" idx="2"/>
-          </p:nvPr>
-        </p:nvPicPr>
-        <p:blipFill>
-          <a:blip r:embed="rId3"/>
-          <a:stretch>
-            <a:fillRect/>
-          </a:stretch>
-        </p:blipFill>
-        <p:spPr>
-          <a:xfrm>
-            <a:off x="5808663" y="848519"/>
-            <a:ext cx="4933950" cy="3289300"/>
-          </a:xfrm>
-          <a:solidFill>
-            <a:schemeClr val="tx1"/>
-          </a:solidFill>
-        </p:spPr>
-      </p:pic>
-    </p:spTree>
-    <p:extLst>
-      <p:ext uri="{BB962C8B-B14F-4D97-AF65-F5344CB8AC3E}">
-        <p14:creationId xmlns:p14="http://schemas.microsoft.com/office/powerpoint/2010/main" val="21956008"/>
-      </p:ext>
-    </p:extLst>
-  </p:cSld>
-  <p:clrMapOvr>
-    <a:masterClrMapping/>
-  </p:clrMapOvr>
-  <mc:AlternateContent xmlns:mc="http://schemas.openxmlformats.org/markup-compatibility/2006" xmlns:p14="http://schemas.microsoft.com/office/powerpoint/2010/main">
-    <mc:Choice Requires="p14">
-      <p:transition spd="med" p14:dur="700">
-        <p:fade/>
-      </p:transition>
-    </mc:Choice>
-    <mc:Fallback xmlns="">
-      <p:transition spd="med">
-        <p:fade/>
-      </p:transition>
-    </mc:Fallback>
-  </mc:AlternateContent>
-</p:sld>
-</file>
-
-<file path=ppt/slides/slide14.xml><?xml version="1.0" encoding="utf-8"?>
-<p:sld xmlns:a="http://schemas.openxmlformats.org/drawingml/2006/main" xmlns:r="http://schemas.openxmlformats.org/officeDocument/2006/relationships" xmlns:p="http://schemas.openxmlformats.org/presentationml/2006/main">
-  <p:cSld>
-    <p:spTree>
-      <p:nvGrpSpPr>
-        <p:cNvPr id="1" name=""/>
-        <p:cNvGrpSpPr/>
-        <p:nvPr/>
-      </p:nvGrpSpPr>
-      <p:grpSpPr>
-        <a:xfrm>
-          <a:off x="0" y="0"/>
-          <a:ext cx="0" cy="0"/>
-          <a:chOff x="0" y="0"/>
-          <a:chExt cx="0" cy="0"/>
-        </a:xfrm>
-      </p:grpSpPr>
-      <p:sp>
-        <p:nvSpPr>
-          <p:cNvPr id="2" name="Title 1">
-            <a:extLst>
-              <a:ext uri="{FF2B5EF4-FFF2-40B4-BE49-F238E27FC236}">
                 <a16:creationId xmlns:a16="http://schemas.microsoft.com/office/drawing/2014/main" id="{21BC8E9C-AD3A-3547-9474-FF4C5AD256AF}"/>
               </a:ext>
             </a:extLst>
@@ -6841,7 +6830,7 @@
 </p:sld>
 </file>
 
-<file path=ppt/slides/slide15.xml><?xml version="1.0" encoding="utf-8"?>
+<file path=ppt/slides/slide14.xml><?xml version="1.0" encoding="utf-8"?>
 <p:sld xmlns:a="http://schemas.openxmlformats.org/drawingml/2006/main" xmlns:r="http://schemas.openxmlformats.org/officeDocument/2006/relationships" xmlns:p="http://schemas.openxmlformats.org/presentationml/2006/main">
   <p:cSld>
     <p:spTree>
@@ -6947,7 +6936,7 @@
 </p:sld>
 </file>
 
-<file path=ppt/slides/slide16.xml><?xml version="1.0" encoding="utf-8"?>
+<file path=ppt/slides/slide15.xml><?xml version="1.0" encoding="utf-8"?>
 <p:sld xmlns:a="http://schemas.openxmlformats.org/drawingml/2006/main" xmlns:r="http://schemas.openxmlformats.org/officeDocument/2006/relationships" xmlns:p="http://schemas.openxmlformats.org/presentationml/2006/main">
   <p:cSld>
     <p:spTree>
@@ -7051,6 +7040,166 @@
 </p:sld>
 </file>
 
+<file path=ppt/slides/slide16.xml><?xml version="1.0" encoding="utf-8"?>
+<p:sld xmlns:a="http://schemas.openxmlformats.org/drawingml/2006/main" xmlns:r="http://schemas.openxmlformats.org/officeDocument/2006/relationships" xmlns:p="http://schemas.openxmlformats.org/presentationml/2006/main">
+  <p:cSld>
+    <p:spTree>
+      <p:nvGrpSpPr>
+        <p:cNvPr id="1" name=""/>
+        <p:cNvGrpSpPr/>
+        <p:nvPr/>
+      </p:nvGrpSpPr>
+      <p:grpSpPr>
+        <a:xfrm>
+          <a:off x="0" y="0"/>
+          <a:ext cx="0" cy="0"/>
+          <a:chOff x="0" y="0"/>
+          <a:chExt cx="0" cy="0"/>
+        </a:xfrm>
+      </p:grpSpPr>
+      <p:sp>
+        <p:nvSpPr>
+          <p:cNvPr id="2" name="Title 1">
+            <a:extLst>
+              <a:ext uri="{FF2B5EF4-FFF2-40B4-BE49-F238E27FC236}">
+                <a16:creationId xmlns:a16="http://schemas.microsoft.com/office/drawing/2014/main" id="{BCF6BFCD-257A-40B2-ACF5-D9FBD751C7DB}"/>
+              </a:ext>
+            </a:extLst>
+          </p:cNvPr>
+          <p:cNvSpPr>
+            <a:spLocks noGrp="1"/>
+          </p:cNvSpPr>
+          <p:nvPr>
+            <p:ph type="title"/>
+          </p:nvPr>
+        </p:nvSpPr>
+        <p:spPr>
+          <a:xfrm>
+            <a:off x="422856" y="5594630"/>
+            <a:ext cx="11346288" cy="680335"/>
+          </a:xfrm>
+        </p:spPr>
+        <p:txBody>
+          <a:bodyPr>
+            <a:normAutofit fontScale="90000"/>
+          </a:bodyPr>
+          <a:lstStyle/>
+          <a:p>
+            <a:r>
+              <a:rPr lang="en-US" sz="2800" dirty="0"/>
+              <a:t>Heatmap of retail visits</a:t>
+            </a:r>
+            <a:br>
+              <a:rPr lang="en-US" sz="1000" dirty="0"/>
+            </a:br>
+            <a:br>
+              <a:rPr lang="en-US" sz="1000" dirty="0"/>
+            </a:br>
+            <a:endParaRPr lang="en-US" sz="1000" dirty="0"/>
+          </a:p>
+        </p:txBody>
+      </p:sp>
+      <p:pic>
+        <p:nvPicPr>
+          <p:cNvPr id="8" name="Content Placeholder 7">
+            <a:extLst>
+              <a:ext uri="{FF2B5EF4-FFF2-40B4-BE49-F238E27FC236}">
+                <a16:creationId xmlns:a16="http://schemas.microsoft.com/office/drawing/2014/main" id="{1D1D322A-2379-A24A-8843-E528BF3B449F}"/>
+              </a:ext>
+            </a:extLst>
+          </p:cNvPr>
+          <p:cNvPicPr>
+            <a:picLocks noGrp="1" noChangeAspect="1"/>
+          </p:cNvPicPr>
+          <p:nvPr>
+            <p:ph idx="1"/>
+          </p:nvPr>
+        </p:nvPicPr>
+        <p:blipFill>
+          <a:blip r:embed="rId2"/>
+          <a:stretch>
+            <a:fillRect/>
+          </a:stretch>
+        </p:blipFill>
+        <p:spPr>
+          <a:xfrm>
+            <a:off x="2042160" y="294396"/>
+            <a:ext cx="8107680" cy="5212080"/>
+          </a:xfrm>
+        </p:spPr>
+      </p:pic>
+      <p:sp>
+        <p:nvSpPr>
+          <p:cNvPr id="3" name="TextBox 2">
+            <a:extLst>
+              <a:ext uri="{FF2B5EF4-FFF2-40B4-BE49-F238E27FC236}">
+                <a16:creationId xmlns:a16="http://schemas.microsoft.com/office/drawing/2014/main" id="{E8445100-1D1E-4515-A5D5-1EEADAA4EDE2}"/>
+              </a:ext>
+            </a:extLst>
+          </p:cNvPr>
+          <p:cNvSpPr txBox="1"/>
+          <p:nvPr/>
+        </p:nvSpPr>
+        <p:spPr>
+          <a:xfrm>
+            <a:off x="578840" y="6069365"/>
+            <a:ext cx="9798342" cy="738664"/>
+          </a:xfrm>
+          <a:prstGeom prst="rect">
+            <a:avLst/>
+          </a:prstGeom>
+          <a:noFill/>
+        </p:spPr>
+        <p:txBody>
+          <a:bodyPr wrap="square" rtlCol="0">
+            <a:spAutoFit/>
+          </a:bodyPr>
+          <a:lstStyle/>
+          <a:p>
+            <a:r>
+              <a:rPr lang="en-US" sz="1400" dirty="0"/>
+              <a:t>ANOVA:</a:t>
+            </a:r>
+          </a:p>
+          <a:p>
+            <a:r>
+              <a:rPr lang="en-US" sz="1400" dirty="0"/>
+              <a:t>We chose a p-value of 0.05 for this particular test, and predictably our p-value was far below this threshold at </a:t>
+            </a:r>
+          </a:p>
+          <a:p>
+            <a:r>
+              <a:rPr lang="en-US" sz="1400" dirty="0"/>
+              <a:t>p-value=6.332117146935177e-214</a:t>
+            </a:r>
+          </a:p>
+        </p:txBody>
+      </p:sp>
+    </p:spTree>
+    <p:extLst>
+      <p:ext uri="{BB962C8B-B14F-4D97-AF65-F5344CB8AC3E}">
+        <p14:creationId xmlns:p14="http://schemas.microsoft.com/office/powerpoint/2010/main" val="2087543059"/>
+      </p:ext>
+    </p:extLst>
+  </p:cSld>
+  <p:clrMapOvr>
+    <a:masterClrMapping/>
+  </p:clrMapOvr>
+  <mc:AlternateContent xmlns:mc="http://schemas.openxmlformats.org/markup-compatibility/2006" xmlns:p14="http://schemas.microsoft.com/office/powerpoint/2010/main">
+    <mc:Choice Requires="p14">
+      <p:transition spd="med" p14:dur="700">
+        <p:fade/>
+      </p:transition>
+    </mc:Choice>
+    <mc:Fallback xmlns="">
+      <p:transition spd="med">
+        <p:fade/>
+      </p:transition>
+    </mc:Fallback>
+  </mc:AlternateContent>
+</p:sld>
+</file>
+
 <file path=ppt/slides/slide17.xml><?xml version="1.0" encoding="utf-8"?>
 <p:sld xmlns:a="http://schemas.openxmlformats.org/drawingml/2006/main" xmlns:r="http://schemas.openxmlformats.org/officeDocument/2006/relationships" xmlns:p="http://schemas.openxmlformats.org/presentationml/2006/main">
   <p:cSld>
@@ -7073,7 +7222,7 @@
           <p:cNvPr id="2" name="Title 1">
             <a:extLst>
               <a:ext uri="{FF2B5EF4-FFF2-40B4-BE49-F238E27FC236}">
-                <a16:creationId xmlns:a16="http://schemas.microsoft.com/office/drawing/2014/main" id="{BCF6BFCD-257A-40B2-ACF5-D9FBD751C7DB}"/>
+                <a16:creationId xmlns:a16="http://schemas.microsoft.com/office/drawing/2014/main" id="{5EB616CF-1A75-4758-A1D9-DCAFAF76B967}"/>
               </a:ext>
             </a:extLst>
           </p:cNvPr>
@@ -7086,110 +7235,95 @@
         </p:nvSpPr>
         <p:spPr>
           <a:xfrm>
-            <a:off x="422856" y="5594630"/>
-            <a:ext cx="11346288" cy="680335"/>
+            <a:off x="575155" y="49712"/>
+            <a:ext cx="8534400" cy="1507067"/>
           </a:xfrm>
         </p:spPr>
         <p:txBody>
           <a:bodyPr>
-            <a:normAutofit fontScale="90000"/>
+            <a:normAutofit/>
           </a:bodyPr>
           <a:lstStyle/>
           <a:p>
             <a:r>
-              <a:rPr lang="en-US" sz="2800" dirty="0"/>
-              <a:t>Heatmap of retail visits</a:t>
-            </a:r>
-            <a:br>
-              <a:rPr lang="en-US" sz="1000" dirty="0"/>
-            </a:br>
-            <a:br>
-              <a:rPr lang="en-US" sz="1000" dirty="0"/>
-            </a:br>
-            <a:endParaRPr lang="en-US" sz="1000" dirty="0"/>
-          </a:p>
-        </p:txBody>
-      </p:sp>
-      <p:pic>
-        <p:nvPicPr>
-          <p:cNvPr id="8" name="Content Placeholder 7">
+              <a:rPr lang="en-US" dirty="0"/>
+              <a:t>summary</a:t>
+            </a:r>
+          </a:p>
+        </p:txBody>
+      </p:sp>
+      <p:sp>
+        <p:nvSpPr>
+          <p:cNvPr id="3" name="Content Placeholder 2">
             <a:extLst>
               <a:ext uri="{FF2B5EF4-FFF2-40B4-BE49-F238E27FC236}">
-                <a16:creationId xmlns:a16="http://schemas.microsoft.com/office/drawing/2014/main" id="{1D1D322A-2379-A24A-8843-E528BF3B449F}"/>
+                <a16:creationId xmlns:a16="http://schemas.microsoft.com/office/drawing/2014/main" id="{F5013E97-3D30-40D5-B6BD-99C0D2D62DA3}"/>
               </a:ext>
             </a:extLst>
           </p:cNvPr>
-          <p:cNvPicPr>
-            <a:picLocks noGrp="1" noChangeAspect="1"/>
-          </p:cNvPicPr>
+          <p:cNvSpPr>
+            <a:spLocks noGrp="1"/>
+          </p:cNvSpPr>
           <p:nvPr>
             <p:ph idx="1"/>
           </p:nvPr>
-        </p:nvPicPr>
-        <p:blipFill>
-          <a:blip r:embed="rId2"/>
-          <a:stretch>
-            <a:fillRect/>
-          </a:stretch>
-        </p:blipFill>
+        </p:nvSpPr>
         <p:spPr>
           <a:xfrm>
-            <a:off x="2042160" y="294396"/>
-            <a:ext cx="8107680" cy="5212080"/>
+            <a:off x="675823" y="1621366"/>
+            <a:ext cx="8534400" cy="3615267"/>
           </a:xfrm>
         </p:spPr>
-      </p:pic>
-      <p:sp>
-        <p:nvSpPr>
-          <p:cNvPr id="3" name="TextBox 2">
-            <a:extLst>
-              <a:ext uri="{FF2B5EF4-FFF2-40B4-BE49-F238E27FC236}">
-                <a16:creationId xmlns:a16="http://schemas.microsoft.com/office/drawing/2014/main" id="{E8445100-1D1E-4515-A5D5-1EEADAA4EDE2}"/>
-              </a:ext>
-            </a:extLst>
-          </p:cNvPr>
-          <p:cNvSpPr txBox="1"/>
-          <p:nvPr/>
-        </p:nvSpPr>
-        <p:spPr>
-          <a:xfrm>
-            <a:off x="578840" y="6069365"/>
-            <a:ext cx="9798342" cy="738664"/>
-          </a:xfrm>
-          <a:prstGeom prst="rect">
-            <a:avLst/>
-          </a:prstGeom>
-          <a:noFill/>
-        </p:spPr>
-        <p:txBody>
-          <a:bodyPr wrap="square" rtlCol="0">
-            <a:spAutoFit/>
+        <p:txBody>
+          <a:bodyPr>
+            <a:normAutofit lnSpcReduction="10000"/>
           </a:bodyPr>
           <a:lstStyle/>
           <a:p>
-            <a:r>
-              <a:rPr lang="en-US" sz="1400" dirty="0"/>
-              <a:t>ANOVA:</a:t>
-            </a:r>
-          </a:p>
-          <a:p>
-            <a:r>
-              <a:rPr lang="en-US" sz="1400" dirty="0"/>
-              <a:t>We chose a p-value of 0.05 for this particular test, and predictably our p-value was far below this threshold at </a:t>
-            </a:r>
-          </a:p>
-          <a:p>
-            <a:r>
-              <a:rPr lang="en-US" sz="1400" dirty="0"/>
-              <a:t>p-value=6.332117146935177e-214</a:t>
-            </a:r>
+            <a:endParaRPr lang="en-US" dirty="0"/>
+          </a:p>
+          <a:p>
+            <a:r>
+              <a:rPr lang="en-US" dirty="0">
+                <a:solidFill>
+                  <a:schemeClr val="tx1"/>
+                </a:solidFill>
+              </a:rPr>
+              <a:t>We found that there is a statistically significant relationship between states and movement data. </a:t>
+            </a:r>
+          </a:p>
+          <a:p>
+            <a:r>
+              <a:rPr lang="en-US" dirty="0">
+                <a:solidFill>
+                  <a:schemeClr val="tx1"/>
+                </a:solidFill>
+              </a:rPr>
+              <a:t>We did find that grocery stores and pharmacies showed a smaller retraction in number of visitors during the pandemic. </a:t>
+            </a:r>
+          </a:p>
+          <a:p>
+            <a:r>
+              <a:rPr lang="en-US" dirty="0">
+                <a:solidFill>
+                  <a:schemeClr val="tx1"/>
+                </a:solidFill>
+              </a:rPr>
+              <a:t>We also found that the pandemic had a significant effect on all types of movement data except parks, which saw a large upswing. This upswing can be explained by a seasonal swing, and by people’s willingness to engage in outdoor activities compared to indoor activities during the pandemic. </a:t>
+            </a:r>
+          </a:p>
+          <a:p>
+            <a:endParaRPr lang="en-US" dirty="0"/>
+          </a:p>
+          <a:p>
+            <a:endParaRPr lang="en-US" dirty="0"/>
           </a:p>
         </p:txBody>
       </p:sp>
     </p:spTree>
     <p:extLst>
       <p:ext uri="{BB962C8B-B14F-4D97-AF65-F5344CB8AC3E}">
-        <p14:creationId xmlns:p14="http://schemas.microsoft.com/office/powerpoint/2010/main" val="2087543059"/>
+        <p14:creationId xmlns:p14="http://schemas.microsoft.com/office/powerpoint/2010/main" val="2661428305"/>
       </p:ext>
     </p:extLst>
   </p:cSld>
@@ -7233,7 +7367,7 @@
           <p:cNvPr id="2" name="Title 1">
             <a:extLst>
               <a:ext uri="{FF2B5EF4-FFF2-40B4-BE49-F238E27FC236}">
-                <a16:creationId xmlns:a16="http://schemas.microsoft.com/office/drawing/2014/main" id="{5EB616CF-1A75-4758-A1D9-DCAFAF76B967}"/>
+                <a16:creationId xmlns:a16="http://schemas.microsoft.com/office/drawing/2014/main" id="{A5C920CD-6AF0-EE4C-836F-84ED0096CD6D}"/>
               </a:ext>
             </a:extLst>
           </p:cNvPr>
@@ -7246,19 +7380,17 @@
         </p:nvSpPr>
         <p:spPr>
           <a:xfrm>
-            <a:off x="575155" y="49712"/>
-            <a:ext cx="8534400" cy="1507067"/>
+            <a:off x="231629" y="5004568"/>
+            <a:ext cx="9651279" cy="1507067"/>
           </a:xfrm>
         </p:spPr>
         <p:txBody>
-          <a:bodyPr>
-            <a:normAutofit/>
-          </a:bodyPr>
+          <a:bodyPr/>
           <a:lstStyle/>
           <a:p>
             <a:r>
               <a:rPr lang="en-US" dirty="0"/>
-              <a:t>summary</a:t>
+              <a:t>Further research and team thoughts</a:t>
             </a:r>
           </a:p>
         </p:txBody>
@@ -7268,7 +7400,7 @@
           <p:cNvPr id="3" name="Content Placeholder 2">
             <a:extLst>
               <a:ext uri="{FF2B5EF4-FFF2-40B4-BE49-F238E27FC236}">
-                <a16:creationId xmlns:a16="http://schemas.microsoft.com/office/drawing/2014/main" id="{F5013E97-3D30-40D5-B6BD-99C0D2D62DA3}"/>
+                <a16:creationId xmlns:a16="http://schemas.microsoft.com/office/drawing/2014/main" id="{1D176809-EF59-024C-BF11-25CAE08BA297}"/>
               </a:ext>
             </a:extLst>
           </p:cNvPr>
@@ -7281,18 +7413,13 @@
         </p:nvSpPr>
         <p:spPr>
           <a:xfrm>
-            <a:off x="675823" y="1621366"/>
+            <a:off x="659045" y="895525"/>
             <a:ext cx="8534400" cy="3615267"/>
           </a:xfrm>
         </p:spPr>
         <p:txBody>
-          <a:bodyPr>
-            <a:normAutofit lnSpcReduction="10000"/>
-          </a:bodyPr>
-          <a:lstStyle/>
-          <a:p>
-            <a:endParaRPr lang="en-US" dirty="0"/>
-          </a:p>
+          <a:bodyPr/>
+          <a:lstStyle/>
           <a:p>
             <a:r>
               <a:rPr lang="en-US" dirty="0">
@@ -7300,7 +7427,7 @@
                   <a:schemeClr val="tx1"/>
                 </a:solidFill>
               </a:rPr>
-              <a:t>We found that there is a statistically significant relationship between states and movement data. </a:t>
+              <a:t>Adding a multi-variable linear regression using case data would be interesting. That way we could make a predictive model that would project future cases based on movement data. </a:t>
             </a:r>
           </a:p>
           <a:p>
@@ -7310,7 +7437,7 @@
                   <a:schemeClr val="tx1"/>
                 </a:solidFill>
               </a:rPr>
-              <a:t>We did find that grocery stores and pharmacies showed a smaller retraction in number of visitors during the pandemic. </a:t>
+              <a:t>Finding additional data sources to provide 2019 data for a more realistic baseline and further year comparisons. </a:t>
             </a:r>
           </a:p>
           <a:p>
@@ -7320,21 +7447,22 @@
                   <a:schemeClr val="tx1"/>
                 </a:solidFill>
               </a:rPr>
-              <a:t>We also found that the pandemic had a significant effect on all types of movement data except parks, which saw a large upswing. This upswing can be explained by a seasonal swing, and by people’s willingness to engage in outdoor activities compared to indoor activities during the pandemic. </a:t>
-            </a:r>
-          </a:p>
-          <a:p>
-            <a:endParaRPr lang="en-US" dirty="0"/>
-          </a:p>
-          <a:p>
-            <a:endParaRPr lang="en-US" dirty="0"/>
+              <a:t>Drilling down into county-level data for a more complete look at the rural/urban divide that exists during the pandemic. </a:t>
+            </a:r>
+          </a:p>
+          <a:p>
+            <a:endParaRPr lang="en-US" dirty="0">
+              <a:solidFill>
+                <a:schemeClr val="tx1"/>
+              </a:solidFill>
+            </a:endParaRPr>
           </a:p>
         </p:txBody>
       </p:sp>
     </p:spTree>
     <p:extLst>
       <p:ext uri="{BB962C8B-B14F-4D97-AF65-F5344CB8AC3E}">
-        <p14:creationId xmlns:p14="http://schemas.microsoft.com/office/powerpoint/2010/main" val="2661428305"/>
+        <p14:creationId xmlns:p14="http://schemas.microsoft.com/office/powerpoint/2010/main" val="3768529567"/>
       </p:ext>
     </p:extLst>
   </p:cSld>
@@ -7378,7 +7506,7 @@
           <p:cNvPr id="2" name="Title 1">
             <a:extLst>
               <a:ext uri="{FF2B5EF4-FFF2-40B4-BE49-F238E27FC236}">
-                <a16:creationId xmlns:a16="http://schemas.microsoft.com/office/drawing/2014/main" id="{A5C920CD-6AF0-EE4C-836F-84ED0096CD6D}"/>
+                <a16:creationId xmlns:a16="http://schemas.microsoft.com/office/drawing/2014/main" id="{EAFC60FF-2626-9342-81CC-398155965C32}"/>
               </a:ext>
             </a:extLst>
           </p:cNvPr>
@@ -7389,91 +7517,22 @@
             <p:ph type="title"/>
           </p:nvPr>
         </p:nvSpPr>
-        <p:spPr>
-          <a:xfrm>
-            <a:off x="231629" y="5004568"/>
-            <a:ext cx="9651279" cy="1507067"/>
-          </a:xfrm>
-        </p:spPr>
+        <p:spPr/>
         <p:txBody>
           <a:bodyPr/>
           <a:lstStyle/>
           <a:p>
             <a:r>
               <a:rPr lang="en-US" dirty="0"/>
-              <a:t>Further research and team thoughts</a:t>
-            </a:r>
-          </a:p>
-        </p:txBody>
-      </p:sp>
-      <p:sp>
-        <p:nvSpPr>
-          <p:cNvPr id="3" name="Content Placeholder 2">
-            <a:extLst>
-              <a:ext uri="{FF2B5EF4-FFF2-40B4-BE49-F238E27FC236}">
-                <a16:creationId xmlns:a16="http://schemas.microsoft.com/office/drawing/2014/main" id="{1D176809-EF59-024C-BF11-25CAE08BA297}"/>
-              </a:ext>
-            </a:extLst>
-          </p:cNvPr>
-          <p:cNvSpPr>
-            <a:spLocks noGrp="1"/>
-          </p:cNvSpPr>
-          <p:nvPr>
-            <p:ph idx="1"/>
-          </p:nvPr>
-        </p:nvSpPr>
-        <p:spPr>
-          <a:xfrm>
-            <a:off x="659045" y="895525"/>
-            <a:ext cx="8534400" cy="3615267"/>
-          </a:xfrm>
-        </p:spPr>
-        <p:txBody>
-          <a:bodyPr/>
-          <a:lstStyle/>
-          <a:p>
-            <a:r>
-              <a:rPr lang="en-US" dirty="0">
-                <a:solidFill>
-                  <a:schemeClr val="tx1"/>
-                </a:solidFill>
-              </a:rPr>
-              <a:t>Adding a multi-variable linear regression using case data would be interesting. That way we could make a predictive model that would project future cases based on movement data. </a:t>
-            </a:r>
-          </a:p>
-          <a:p>
-            <a:r>
-              <a:rPr lang="en-US" dirty="0">
-                <a:solidFill>
-                  <a:schemeClr val="tx1"/>
-                </a:solidFill>
-              </a:rPr>
-              <a:t>Finding additional data sources to provide 2019 data for a more realistic baseline and further year comparisons. </a:t>
-            </a:r>
-          </a:p>
-          <a:p>
-            <a:r>
-              <a:rPr lang="en-US" dirty="0">
-                <a:solidFill>
-                  <a:schemeClr val="tx1"/>
-                </a:solidFill>
-              </a:rPr>
-              <a:t>Drilling down into county-level data for a more complete look at the rural/urban divide that exists during the pandemic. </a:t>
-            </a:r>
-          </a:p>
-          <a:p>
-            <a:endParaRPr lang="en-US" dirty="0">
-              <a:solidFill>
-                <a:schemeClr val="tx1"/>
-              </a:solidFill>
-            </a:endParaRPr>
+              <a:t>Any Questions?</a:t>
+            </a:r>
           </a:p>
         </p:txBody>
       </p:sp>
     </p:spTree>
     <p:extLst>
       <p:ext uri="{BB962C8B-B14F-4D97-AF65-F5344CB8AC3E}">
-        <p14:creationId xmlns:p14="http://schemas.microsoft.com/office/powerpoint/2010/main" val="3768529567"/>
+        <p14:creationId xmlns:p14="http://schemas.microsoft.com/office/powerpoint/2010/main" val="1485530803"/>
       </p:ext>
     </p:extLst>
   </p:cSld>
@@ -7874,76 +7933,6 @@
       <p:bldP spid="3" grpId="0" build="p"/>
     </p:bldLst>
   </p:timing>
-</p:sld>
-</file>
-
-<file path=ppt/slides/slide20.xml><?xml version="1.0" encoding="utf-8"?>
-<p:sld xmlns:a="http://schemas.openxmlformats.org/drawingml/2006/main" xmlns:r="http://schemas.openxmlformats.org/officeDocument/2006/relationships" xmlns:p="http://schemas.openxmlformats.org/presentationml/2006/main">
-  <p:cSld>
-    <p:spTree>
-      <p:nvGrpSpPr>
-        <p:cNvPr id="1" name=""/>
-        <p:cNvGrpSpPr/>
-        <p:nvPr/>
-      </p:nvGrpSpPr>
-      <p:grpSpPr>
-        <a:xfrm>
-          <a:off x="0" y="0"/>
-          <a:ext cx="0" cy="0"/>
-          <a:chOff x="0" y="0"/>
-          <a:chExt cx="0" cy="0"/>
-        </a:xfrm>
-      </p:grpSpPr>
-      <p:sp>
-        <p:nvSpPr>
-          <p:cNvPr id="2" name="Title 1">
-            <a:extLst>
-              <a:ext uri="{FF2B5EF4-FFF2-40B4-BE49-F238E27FC236}">
-                <a16:creationId xmlns:a16="http://schemas.microsoft.com/office/drawing/2014/main" id="{EAFC60FF-2626-9342-81CC-398155965C32}"/>
-              </a:ext>
-            </a:extLst>
-          </p:cNvPr>
-          <p:cNvSpPr>
-            <a:spLocks noGrp="1"/>
-          </p:cNvSpPr>
-          <p:nvPr>
-            <p:ph type="title"/>
-          </p:nvPr>
-        </p:nvSpPr>
-        <p:spPr/>
-        <p:txBody>
-          <a:bodyPr/>
-          <a:lstStyle/>
-          <a:p>
-            <a:r>
-              <a:rPr lang="en-US" dirty="0"/>
-              <a:t>Any Questions?</a:t>
-            </a:r>
-          </a:p>
-        </p:txBody>
-      </p:sp>
-    </p:spTree>
-    <p:extLst>
-      <p:ext uri="{BB962C8B-B14F-4D97-AF65-F5344CB8AC3E}">
-        <p14:creationId xmlns:p14="http://schemas.microsoft.com/office/powerpoint/2010/main" val="1485530803"/>
-      </p:ext>
-    </p:extLst>
-  </p:cSld>
-  <p:clrMapOvr>
-    <a:masterClrMapping/>
-  </p:clrMapOvr>
-  <mc:AlternateContent xmlns:mc="http://schemas.openxmlformats.org/markup-compatibility/2006" xmlns:p14="http://schemas.microsoft.com/office/powerpoint/2010/main">
-    <mc:Choice Requires="p14">
-      <p:transition spd="med" p14:dur="700">
-        <p:fade/>
-      </p:transition>
-    </mc:Choice>
-    <mc:Fallback xmlns="">
-      <p:transition spd="med">
-        <p:fade/>
-      </p:transition>
-    </mc:Fallback>
-  </mc:AlternateContent>
 </p:sld>
 </file>
 
@@ -8773,7 +8762,7 @@
           <p:cNvPr id="2" name="Title 1">
             <a:extLst>
               <a:ext uri="{FF2B5EF4-FFF2-40B4-BE49-F238E27FC236}">
-                <a16:creationId xmlns:a16="http://schemas.microsoft.com/office/drawing/2014/main" id="{446CBE06-FA0E-401D-96A6-48A5BB928C46}"/>
+                <a16:creationId xmlns:a16="http://schemas.microsoft.com/office/drawing/2014/main" id="{AFD05530-2533-264E-8DC6-338940AF1010}"/>
               </a:ext>
             </a:extLst>
           </p:cNvPr>
@@ -8784,12 +8773,7 @@
             <p:ph type="title"/>
           </p:nvPr>
         </p:nvSpPr>
-        <p:spPr>
-          <a:xfrm>
-            <a:off x="285322" y="4893733"/>
-            <a:ext cx="8534400" cy="1507067"/>
-          </a:xfrm>
-        </p:spPr>
+        <p:spPr/>
         <p:txBody>
           <a:bodyPr>
             <a:normAutofit/>
@@ -8798,254 +8782,88 @@
           <a:p>
             <a:r>
               <a:rPr lang="en-US" dirty="0"/>
-              <a:t>ANOVA</a:t>
-            </a:r>
-          </a:p>
-        </p:txBody>
-      </p:sp>
-      <p:sp>
-        <p:nvSpPr>
-          <p:cNvPr id="4" name="TextBox 3">
+              <a:t>A note from google</a:t>
+            </a:r>
+            <a:br>
+              <a:rPr lang="en-US" dirty="0"/>
+            </a:br>
+            <a:r>
+              <a:rPr lang="en-US" sz="1100" dirty="0" err="1"/>
+              <a:t>www.google.com</a:t>
+            </a:r>
+            <a:r>
+              <a:rPr lang="en-US" sz="1100" dirty="0"/>
+              <a:t>/covid19/mobility/</a:t>
+            </a:r>
+          </a:p>
+        </p:txBody>
+      </p:sp>
+      <p:sp>
+        <p:nvSpPr>
+          <p:cNvPr id="3" name="Content Placeholder 2">
             <a:extLst>
               <a:ext uri="{FF2B5EF4-FFF2-40B4-BE49-F238E27FC236}">
-                <a16:creationId xmlns:a16="http://schemas.microsoft.com/office/drawing/2014/main" id="{A1E9553E-53CF-49DB-B19B-B7E91B0BE908}"/>
+                <a16:creationId xmlns:a16="http://schemas.microsoft.com/office/drawing/2014/main" id="{476E5E37-9379-C74C-A9D4-E01539E8867A}"/>
               </a:ext>
             </a:extLst>
           </p:cNvPr>
-          <p:cNvSpPr txBox="1"/>
-          <p:nvPr/>
+          <p:cNvSpPr>
+            <a:spLocks noGrp="1"/>
+          </p:cNvSpPr>
+          <p:nvPr>
+            <p:ph idx="1"/>
+          </p:nvPr>
         </p:nvSpPr>
         <p:spPr>
           <a:xfrm>
-            <a:off x="1473666" y="1040504"/>
-            <a:ext cx="9244668" cy="923330"/>
+            <a:off x="563418" y="685800"/>
+            <a:ext cx="8655194" cy="4274127"/>
           </a:xfrm>
-          <a:prstGeom prst="rect">
-            <a:avLst/>
-          </a:prstGeom>
-          <a:noFill/>
         </p:spPr>
         <p:txBody>
-          <a:bodyPr wrap="square" rtlCol="0">
-            <a:spAutoFit/>
+          <a:bodyPr>
+            <a:normAutofit fontScale="92500" lnSpcReduction="20000"/>
           </a:bodyPr>
           <a:lstStyle/>
           <a:p>
             <a:r>
-              <a:rPr lang="en-US" dirty="0"/>
-              <a:t>With a p-value so small that it is not within the precision scope of a floating point number, we feel confident in rejecting the null hypothesis, and saying that the relationship between cases and people’s movement is statistically significant. </a:t>
-            </a:r>
-          </a:p>
-        </p:txBody>
-      </p:sp>
-      <p:sp>
-        <p:nvSpPr>
-          <p:cNvPr id="5" name="TextBox 4">
-            <a:extLst>
-              <a:ext uri="{FF2B5EF4-FFF2-40B4-BE49-F238E27FC236}">
-                <a16:creationId xmlns:a16="http://schemas.microsoft.com/office/drawing/2014/main" id="{9316CE6F-8E8B-4898-AA23-8E1BD967A709}"/>
-              </a:ext>
-            </a:extLst>
-          </p:cNvPr>
-          <p:cNvSpPr txBox="1"/>
-          <p:nvPr/>
-        </p:nvSpPr>
-        <p:spPr>
-          <a:xfrm>
-            <a:off x="1473666" y="2547138"/>
-            <a:ext cx="6568580" cy="1200329"/>
-          </a:xfrm>
-          <a:prstGeom prst="rect">
-            <a:avLst/>
-          </a:prstGeom>
-          <a:noFill/>
-        </p:spPr>
-        <p:txBody>
-          <a:bodyPr wrap="square" rtlCol="0">
-            <a:spAutoFit/>
-          </a:bodyPr>
-          <a:lstStyle/>
-          <a:p>
-            <a:r>
-              <a:rPr lang="en-US" dirty="0"/>
-              <a:t>ANOVA Numbers:</a:t>
-            </a:r>
-            <a:br>
-              <a:rPr lang="en-US" dirty="0"/>
-            </a:br>
-            <a:r>
-              <a:rPr lang="en-US" dirty="0"/>
-              <a:t>F- statistic: </a:t>
-            </a:r>
-            <a:r>
-              <a:rPr kumimoji="0" lang="en-US" altLang="en-US" sz="1800" b="0" i="0" u="none" strike="noStrike" cap="none" normalizeH="0" baseline="0" dirty="0">
-                <a:ln>
-                  <a:noFill/>
-                </a:ln>
-                <a:effectLst/>
-                <a:latin typeface="var(--vscode-editor-font-family)"/>
+              <a:rPr lang="en-US" dirty="0">
+                <a:solidFill>
+                  <a:schemeClr val="tx1"/>
+                </a:solidFill>
               </a:rPr>
-              <a:t>462.39777712696065</a:t>
+              <a:t>These Community Mobility Reports aim to provide insights into what has changed in response to policies aimed at combating COVID-19. The reports chart movement trends over time by geography, across different categories of places such as retail and recreation, groceries and pharmacies, parks, transit stations, workplaces, and residential.</a:t>
             </a:r>
           </a:p>
           <a:p>
             <a:r>
               <a:rPr lang="en-US" dirty="0">
-                <a:latin typeface="var(--vscode-editor-font-family)"/>
+                <a:solidFill>
+                  <a:schemeClr val="tx1"/>
+                </a:solidFill>
               </a:rPr>
-              <a:t>P-Value: 0.0</a:t>
-            </a:r>
-            <a:br>
-              <a:rPr lang="en-US" dirty="0"/>
-            </a:br>
+              <a:t>The Community Mobility Reports were developed to be helpful while adhering to our stringent privacy protocols and protecting people’s privacy. No personally identifiable information, such as an individual’s location, contacts or movement, will be made available at any point.</a:t>
+            </a:r>
+          </a:p>
+          <a:p>
+            <a:r>
+              <a:rPr lang="en-US" dirty="0">
+                <a:solidFill>
+                  <a:schemeClr val="tx1"/>
+                </a:solidFill>
+              </a:rPr>
+              <a:t>Insights in these reports are created with aggregated, anonymized sets of data from users who have turned on the Location History setting, which is off by default. People who have Location History turned on can choose to turn it off at any time from their Google Account and can always delete Location History data directly from their Timeline.</a:t>
+            </a:r>
+          </a:p>
+          <a:p>
             <a:endParaRPr lang="en-US" dirty="0"/>
-          </a:p>
-        </p:txBody>
-      </p:sp>
-      <p:sp>
-        <p:nvSpPr>
-          <p:cNvPr id="6" name="Rectangle 1">
-            <a:extLst>
-              <a:ext uri="{FF2B5EF4-FFF2-40B4-BE49-F238E27FC236}">
-                <a16:creationId xmlns:a16="http://schemas.microsoft.com/office/drawing/2014/main" id="{DEC74051-D7DD-4348-8044-9D6D8DE9DB71}"/>
-              </a:ext>
-            </a:extLst>
-          </p:cNvPr>
-          <p:cNvSpPr>
-            <a:spLocks noChangeArrowheads="1"/>
-          </p:cNvSpPr>
-          <p:nvPr/>
-        </p:nvSpPr>
-        <p:spPr bwMode="auto">
-          <a:xfrm>
-            <a:off x="0" y="6400800"/>
-            <a:ext cx="12192000" cy="457200"/>
-          </a:xfrm>
-          <a:prstGeom prst="rect">
-            <a:avLst/>
-          </a:prstGeom>
-          <a:solidFill>
-            <a:srgbClr val="1E1E1E"/>
-          </a:solidFill>
-          <a:ln>
-            <a:noFill/>
-          </a:ln>
-          <a:effectLst/>
-          <a:extLst>
-            <a:ext uri="{91240B29-F687-4F45-9708-019B960494DF}">
-              <a14:hiddenLine xmlns:a14="http://schemas.microsoft.com/office/drawing/2010/main" w="9525">
-                <a:solidFill>
-                  <a:schemeClr val="tx1"/>
-                </a:solidFill>
-                <a:miter lim="800000"/>
-                <a:headEnd/>
-                <a:tailEnd/>
-              </a14:hiddenLine>
-            </a:ext>
-            <a:ext uri="{AF507438-7753-43E0-B8FC-AC1667EBCBE1}">
-              <a14:hiddenEffects xmlns:a14="http://schemas.microsoft.com/office/drawing/2010/main">
-                <a:effectLst>
-                  <a:outerShdw dist="35921" dir="2700000" algn="ctr" rotWithShape="0">
-                    <a:schemeClr val="bg2"/>
-                  </a:outerShdw>
-                </a:effectLst>
-              </a14:hiddenEffects>
-            </a:ext>
-          </a:extLst>
-        </p:spPr>
-        <p:txBody>
-          <a:bodyPr vert="horz" wrap="none" lIns="91440" tIns="45720" rIns="91440" bIns="45720" numCol="1" anchor="ctr" anchorCtr="0" compatLnSpc="1">
-            <a:prstTxWarp prst="textNoShape">
-              <a:avLst/>
-            </a:prstTxWarp>
-            <a:spAutoFit/>
-          </a:bodyPr>
-          <a:lstStyle/>
-          <a:p>
-            <a:pPr marL="0" marR="0" lvl="0" indent="0" algn="l" defTabSz="914400" rtl="0" eaLnBrk="0" fontAlgn="base" latinLnBrk="0" hangingPunct="0">
-              <a:lnSpc>
-                <a:spcPct val="100000"/>
-              </a:lnSpc>
-              <a:spcBef>
-                <a:spcPct val="0"/>
-              </a:spcBef>
-              <a:spcAft>
-                <a:spcPct val="0"/>
-              </a:spcAft>
-              <a:buClrTx/>
-              <a:buSzTx/>
-              <a:buFontTx/>
-              <a:buNone/>
-              <a:tabLst/>
-            </a:pPr>
-            <a:r>
-              <a:rPr kumimoji="0" lang="en-US" altLang="en-US" sz="1000" b="0" i="0" u="none" strike="noStrike" cap="none" normalizeH="0" baseline="0" dirty="0">
-                <a:ln>
-                  <a:noFill/>
-                </a:ln>
-                <a:solidFill>
-                  <a:srgbClr val="D4D4D4"/>
-                </a:solidFill>
-                <a:effectLst/>
-                <a:latin typeface="var(--vscode-editor-font-family)"/>
-              </a:rPr>
-              <a:t>statistic=462.39777712696065, </a:t>
-            </a:r>
-            <a:r>
-              <a:rPr kumimoji="0" lang="en-US" altLang="en-US" sz="1000" b="0" i="0" u="none" strike="noStrike" cap="none" normalizeH="0" baseline="0" dirty="0" err="1">
-                <a:ln>
-                  <a:noFill/>
-                </a:ln>
-                <a:solidFill>
-                  <a:srgbClr val="D4D4D4"/>
-                </a:solidFill>
-                <a:effectLst/>
-                <a:latin typeface="var(--vscode-editor-font-family)"/>
-              </a:rPr>
-              <a:t>pvalue</a:t>
-            </a:r>
-            <a:r>
-              <a:rPr kumimoji="0" lang="en-US" altLang="en-US" sz="1000" b="0" i="0" u="none" strike="noStrike" cap="none" normalizeH="0" baseline="0" dirty="0">
-                <a:ln>
-                  <a:noFill/>
-                </a:ln>
-                <a:solidFill>
-                  <a:srgbClr val="D4D4D4"/>
-                </a:solidFill>
-                <a:effectLst/>
-                <a:latin typeface="var(--vscode-editor-font-family)"/>
-              </a:rPr>
-              <a:t>=0.0)</a:t>
-            </a:r>
-            <a:r>
-              <a:rPr kumimoji="0" lang="en-US" altLang="en-US" sz="800" b="0" i="0" u="none" strike="noStrike" cap="none" normalizeH="0" baseline="0" dirty="0">
-                <a:ln>
-                  <a:noFill/>
-                </a:ln>
-                <a:solidFill>
-                  <a:schemeClr val="tx1"/>
-                </a:solidFill>
-                <a:effectLst/>
-              </a:rPr>
-              <a:t> </a:t>
-            </a:r>
-            <a:endParaRPr kumimoji="0" lang="en-US" altLang="en-US" sz="1800" b="0" i="0" u="none" strike="noStrike" cap="none" normalizeH="0" baseline="0" dirty="0">
-              <a:ln>
-                <a:noFill/>
-              </a:ln>
-              <a:solidFill>
-                <a:schemeClr val="tx1"/>
-              </a:solidFill>
-              <a:effectLst/>
-              <a:latin typeface="Arial" panose="020B0604020202020204" pitchFamily="34" charset="0"/>
-            </a:endParaRPr>
           </a:p>
         </p:txBody>
       </p:sp>
     </p:spTree>
     <p:extLst>
       <p:ext uri="{BB962C8B-B14F-4D97-AF65-F5344CB8AC3E}">
-        <p14:creationId xmlns:p14="http://schemas.microsoft.com/office/powerpoint/2010/main" val="3935500864"/>
+        <p14:creationId xmlns:p14="http://schemas.microsoft.com/office/powerpoint/2010/main" val="1300960892"/>
       </p:ext>
     </p:extLst>
   </p:cSld>
@@ -9089,151 +8907,6 @@
           <p:cNvPr id="2" name="Title 1">
             <a:extLst>
               <a:ext uri="{FF2B5EF4-FFF2-40B4-BE49-F238E27FC236}">
-                <a16:creationId xmlns:a16="http://schemas.microsoft.com/office/drawing/2014/main" id="{AFD05530-2533-264E-8DC6-338940AF1010}"/>
-              </a:ext>
-            </a:extLst>
-          </p:cNvPr>
-          <p:cNvSpPr>
-            <a:spLocks noGrp="1"/>
-          </p:cNvSpPr>
-          <p:nvPr>
-            <p:ph type="title"/>
-          </p:nvPr>
-        </p:nvSpPr>
-        <p:spPr/>
-        <p:txBody>
-          <a:bodyPr>
-            <a:normAutofit/>
-          </a:bodyPr>
-          <a:lstStyle/>
-          <a:p>
-            <a:r>
-              <a:rPr lang="en-US" dirty="0"/>
-              <a:t>A note from google</a:t>
-            </a:r>
-            <a:br>
-              <a:rPr lang="en-US" dirty="0"/>
-            </a:br>
-            <a:r>
-              <a:rPr lang="en-US" sz="1100" dirty="0" err="1"/>
-              <a:t>www.google.com</a:t>
-            </a:r>
-            <a:r>
-              <a:rPr lang="en-US" sz="1100" dirty="0"/>
-              <a:t>/covid19/mobility/</a:t>
-            </a:r>
-          </a:p>
-        </p:txBody>
-      </p:sp>
-      <p:sp>
-        <p:nvSpPr>
-          <p:cNvPr id="3" name="Content Placeholder 2">
-            <a:extLst>
-              <a:ext uri="{FF2B5EF4-FFF2-40B4-BE49-F238E27FC236}">
-                <a16:creationId xmlns:a16="http://schemas.microsoft.com/office/drawing/2014/main" id="{476E5E37-9379-C74C-A9D4-E01539E8867A}"/>
-              </a:ext>
-            </a:extLst>
-          </p:cNvPr>
-          <p:cNvSpPr>
-            <a:spLocks noGrp="1"/>
-          </p:cNvSpPr>
-          <p:nvPr>
-            <p:ph idx="1"/>
-          </p:nvPr>
-        </p:nvSpPr>
-        <p:spPr>
-          <a:xfrm>
-            <a:off x="563418" y="685800"/>
-            <a:ext cx="8655194" cy="4274127"/>
-          </a:xfrm>
-        </p:spPr>
-        <p:txBody>
-          <a:bodyPr>
-            <a:normAutofit fontScale="92500" lnSpcReduction="20000"/>
-          </a:bodyPr>
-          <a:lstStyle/>
-          <a:p>
-            <a:r>
-              <a:rPr lang="en-US" dirty="0">
-                <a:solidFill>
-                  <a:schemeClr val="tx1"/>
-                </a:solidFill>
-              </a:rPr>
-              <a:t>These Community Mobility Reports aim to provide insights into what has changed in response to policies aimed at combating COVID-19. The reports chart movement trends over time by geography, across different categories of places such as retail and recreation, groceries and pharmacies, parks, transit stations, workplaces, and residential.</a:t>
-            </a:r>
-          </a:p>
-          <a:p>
-            <a:r>
-              <a:rPr lang="en-US" dirty="0">
-                <a:solidFill>
-                  <a:schemeClr val="tx1"/>
-                </a:solidFill>
-              </a:rPr>
-              <a:t>The Community Mobility Reports were developed to be helpful while adhering to our stringent privacy protocols and protecting people’s privacy. No personally identifiable information, such as an individual’s location, contacts or movement, will be made available at any point.</a:t>
-            </a:r>
-          </a:p>
-          <a:p>
-            <a:r>
-              <a:rPr lang="en-US" dirty="0">
-                <a:solidFill>
-                  <a:schemeClr val="tx1"/>
-                </a:solidFill>
-              </a:rPr>
-              <a:t>Insights in these reports are created with aggregated, anonymized sets of data from users who have turned on the Location History setting, which is off by default. People who have Location History turned on can choose to turn it off at any time from their Google Account and can always delete Location History data directly from their Timeline.</a:t>
-            </a:r>
-          </a:p>
-          <a:p>
-            <a:endParaRPr lang="en-US" dirty="0"/>
-          </a:p>
-        </p:txBody>
-      </p:sp>
-    </p:spTree>
-    <p:extLst>
-      <p:ext uri="{BB962C8B-B14F-4D97-AF65-F5344CB8AC3E}">
-        <p14:creationId xmlns:p14="http://schemas.microsoft.com/office/powerpoint/2010/main" val="1300960892"/>
-      </p:ext>
-    </p:extLst>
-  </p:cSld>
-  <p:clrMapOvr>
-    <a:masterClrMapping/>
-  </p:clrMapOvr>
-  <mc:AlternateContent xmlns:mc="http://schemas.openxmlformats.org/markup-compatibility/2006" xmlns:p14="http://schemas.microsoft.com/office/powerpoint/2010/main">
-    <mc:Choice Requires="p14">
-      <p:transition spd="med" p14:dur="700">
-        <p:fade/>
-      </p:transition>
-    </mc:Choice>
-    <mc:Fallback xmlns="">
-      <p:transition spd="med">
-        <p:fade/>
-      </p:transition>
-    </mc:Fallback>
-  </mc:AlternateContent>
-</p:sld>
-</file>
-
-<file path=ppt/slides/slide8.xml><?xml version="1.0" encoding="utf-8"?>
-<p:sld xmlns:a="http://schemas.openxmlformats.org/drawingml/2006/main" xmlns:r="http://schemas.openxmlformats.org/officeDocument/2006/relationships" xmlns:p="http://schemas.openxmlformats.org/presentationml/2006/main">
-  <p:cSld>
-    <p:spTree>
-      <p:nvGrpSpPr>
-        <p:cNvPr id="1" name=""/>
-        <p:cNvGrpSpPr/>
-        <p:nvPr/>
-      </p:nvGrpSpPr>
-      <p:grpSpPr>
-        <a:xfrm>
-          <a:off x="0" y="0"/>
-          <a:ext cx="0" cy="0"/>
-          <a:chOff x="0" y="0"/>
-          <a:chExt cx="0" cy="0"/>
-        </a:xfrm>
-      </p:grpSpPr>
-      <p:sp>
-        <p:nvSpPr>
-          <p:cNvPr id="2" name="Title 1">
-            <a:extLst>
-              <a:ext uri="{FF2B5EF4-FFF2-40B4-BE49-F238E27FC236}">
                 <a16:creationId xmlns:a16="http://schemas.microsoft.com/office/drawing/2014/main" id="{8E7CC7BF-CAA9-4247-92DC-BF3797E8860B}"/>
               </a:ext>
             </a:extLst>
@@ -9346,7 +9019,7 @@
 </p:sld>
 </file>
 
-<file path=ppt/slides/slide9.xml><?xml version="1.0" encoding="utf-8"?>
+<file path=ppt/slides/slide8.xml><?xml version="1.0" encoding="utf-8"?>
 <p:sld xmlns:a="http://schemas.openxmlformats.org/drawingml/2006/main" xmlns:r="http://schemas.openxmlformats.org/officeDocument/2006/relationships" xmlns:p="http://schemas.openxmlformats.org/presentationml/2006/main">
   <p:cSld>
     <p:spTree>
@@ -9475,6 +9148,219 @@
     <p:extLst>
       <p:ext uri="{BB962C8B-B14F-4D97-AF65-F5344CB8AC3E}">
         <p14:creationId xmlns:p14="http://schemas.microsoft.com/office/powerpoint/2010/main" val="2856798474"/>
+      </p:ext>
+    </p:extLst>
+  </p:cSld>
+  <p:clrMapOvr>
+    <a:masterClrMapping/>
+  </p:clrMapOvr>
+  <mc:AlternateContent xmlns:mc="http://schemas.openxmlformats.org/markup-compatibility/2006" xmlns:p14="http://schemas.microsoft.com/office/powerpoint/2010/main">
+    <mc:Choice Requires="p14">
+      <p:transition spd="med" p14:dur="700">
+        <p:fade/>
+      </p:transition>
+    </mc:Choice>
+    <mc:Fallback xmlns="">
+      <p:transition spd="med">
+        <p:fade/>
+      </p:transition>
+    </mc:Fallback>
+  </mc:AlternateContent>
+</p:sld>
+</file>
+
+<file path=ppt/slides/slide9.xml><?xml version="1.0" encoding="utf-8"?>
+<p:sld xmlns:a="http://schemas.openxmlformats.org/drawingml/2006/main" xmlns:r="http://schemas.openxmlformats.org/officeDocument/2006/relationships" xmlns:p="http://schemas.openxmlformats.org/presentationml/2006/main">
+  <p:cSld>
+    <p:spTree>
+      <p:nvGrpSpPr>
+        <p:cNvPr id="1" name=""/>
+        <p:cNvGrpSpPr/>
+        <p:nvPr/>
+      </p:nvGrpSpPr>
+      <p:grpSpPr>
+        <a:xfrm>
+          <a:off x="0" y="0"/>
+          <a:ext cx="0" cy="0"/>
+          <a:chOff x="0" y="0"/>
+          <a:chExt cx="0" cy="0"/>
+        </a:xfrm>
+      </p:grpSpPr>
+      <p:sp>
+        <p:nvSpPr>
+          <p:cNvPr id="31" name="Rectangle 30">
+            <a:extLst>
+              <a:ext uri="{FF2B5EF4-FFF2-40B4-BE49-F238E27FC236}">
+                <a16:creationId xmlns:a16="http://schemas.microsoft.com/office/drawing/2014/main" id="{D7998CE8-E491-42A1-B68C-7D0066F823A3}"/>
+              </a:ext>
+            </a:extLst>
+          </p:cNvPr>
+          <p:cNvSpPr/>
+          <p:nvPr/>
+        </p:nvSpPr>
+        <p:spPr>
+          <a:xfrm>
+            <a:off x="721881" y="484895"/>
+            <a:ext cx="10479520" cy="4299048"/>
+          </a:xfrm>
+          <a:prstGeom prst="rect">
+            <a:avLst/>
+          </a:prstGeom>
+          <a:solidFill>
+            <a:schemeClr val="tx1"/>
+          </a:solidFill>
+        </p:spPr>
+        <p:style>
+          <a:lnRef idx="2">
+            <a:schemeClr val="accent1">
+              <a:shade val="50000"/>
+            </a:schemeClr>
+          </a:lnRef>
+          <a:fillRef idx="1">
+            <a:schemeClr val="accent1"/>
+          </a:fillRef>
+          <a:effectRef idx="0">
+            <a:schemeClr val="accent1"/>
+          </a:effectRef>
+          <a:fontRef idx="minor">
+            <a:schemeClr val="lt1"/>
+          </a:fontRef>
+        </p:style>
+        <p:txBody>
+          <a:bodyPr rtlCol="0" anchor="ctr"/>
+          <a:lstStyle/>
+          <a:p>
+            <a:pPr algn="ctr"/>
+            <a:endParaRPr lang="en-US"/>
+          </a:p>
+        </p:txBody>
+      </p:sp>
+      <p:sp>
+        <p:nvSpPr>
+          <p:cNvPr id="2" name="Title 1">
+            <a:extLst>
+              <a:ext uri="{FF2B5EF4-FFF2-40B4-BE49-F238E27FC236}">
+                <a16:creationId xmlns:a16="http://schemas.microsoft.com/office/drawing/2014/main" id="{172685EB-9451-4644-BB8C-1887E09914D9}"/>
+              </a:ext>
+            </a:extLst>
+          </p:cNvPr>
+          <p:cNvSpPr>
+            <a:spLocks noGrp="1"/>
+          </p:cNvSpPr>
+          <p:nvPr>
+            <p:ph type="title"/>
+          </p:nvPr>
+        </p:nvSpPr>
+        <p:spPr>
+          <a:xfrm>
+            <a:off x="581181" y="4624915"/>
+            <a:ext cx="9734796" cy="1507067"/>
+          </a:xfrm>
+        </p:spPr>
+        <p:txBody>
+          <a:bodyPr/>
+          <a:lstStyle/>
+          <a:p>
+            <a:r>
+              <a:rPr lang="en-US" dirty="0"/>
+              <a:t>Grocery and pharmacy comparison</a:t>
+            </a:r>
+          </a:p>
+        </p:txBody>
+      </p:sp>
+      <p:pic>
+        <p:nvPicPr>
+          <p:cNvPr id="24" name="Picture 23" descr="Graphical user interface&#10;&#10;Description automatically generated with low confidence">
+            <a:extLst>
+              <a:ext uri="{FF2B5EF4-FFF2-40B4-BE49-F238E27FC236}">
+                <a16:creationId xmlns:a16="http://schemas.microsoft.com/office/drawing/2014/main" id="{A017987C-2F77-4AEB-9592-3DEBDF96A5D7}"/>
+              </a:ext>
+            </a:extLst>
+          </p:cNvPr>
+          <p:cNvPicPr>
+            <a:picLocks noChangeAspect="1"/>
+          </p:cNvPicPr>
+          <p:nvPr/>
+        </p:nvPicPr>
+        <p:blipFill>
+          <a:blip r:embed="rId2"/>
+          <a:stretch>
+            <a:fillRect/>
+          </a:stretch>
+        </p:blipFill>
+        <p:spPr>
+          <a:xfrm>
+            <a:off x="5808797" y="805848"/>
+            <a:ext cx="5485714" cy="3657143"/>
+          </a:xfrm>
+          <a:prstGeom prst="rect">
+            <a:avLst/>
+          </a:prstGeom>
+        </p:spPr>
+      </p:pic>
+      <p:pic>
+        <p:nvPicPr>
+          <p:cNvPr id="30" name="Content Placeholder 29" descr="A picture containing graphical user interface&#10;&#10;Description automatically generated">
+            <a:extLst>
+              <a:ext uri="{FF2B5EF4-FFF2-40B4-BE49-F238E27FC236}">
+                <a16:creationId xmlns:a16="http://schemas.microsoft.com/office/drawing/2014/main" id="{E5200767-335D-4624-8C8B-57316EE63A20}"/>
+              </a:ext>
+            </a:extLst>
+          </p:cNvPr>
+          <p:cNvPicPr>
+            <a:picLocks noGrp="1" noChangeAspect="1"/>
+          </p:cNvPicPr>
+          <p:nvPr>
+            <p:ph sz="half" idx="1"/>
+          </p:nvPr>
+        </p:nvPicPr>
+        <p:blipFill>
+          <a:blip r:embed="rId3"/>
+          <a:stretch>
+            <a:fillRect/>
+          </a:stretch>
+        </p:blipFill>
+        <p:spPr>
+          <a:xfrm>
+            <a:off x="721881" y="805849"/>
+            <a:ext cx="5485714" cy="3657142"/>
+          </a:xfrm>
+        </p:spPr>
+      </p:pic>
+      <p:sp>
+        <p:nvSpPr>
+          <p:cNvPr id="28" name="Content Placeholder 27">
+            <a:extLst>
+              <a:ext uri="{FF2B5EF4-FFF2-40B4-BE49-F238E27FC236}">
+                <a16:creationId xmlns:a16="http://schemas.microsoft.com/office/drawing/2014/main" id="{2727CB76-F02C-4448-B421-14A154C01314}"/>
+              </a:ext>
+            </a:extLst>
+          </p:cNvPr>
+          <p:cNvSpPr>
+            <a:spLocks noGrp="1"/>
+          </p:cNvSpPr>
+          <p:nvPr>
+            <p:ph sz="half" idx="2"/>
+          </p:nvPr>
+        </p:nvSpPr>
+        <p:spPr>
+          <a:xfrm>
+            <a:off x="7673879" y="7326747"/>
+            <a:ext cx="4934479" cy="3615266"/>
+          </a:xfrm>
+        </p:spPr>
+        <p:txBody>
+          <a:bodyPr/>
+          <a:lstStyle/>
+          <a:p>
+            <a:endParaRPr lang="en-US" dirty="0"/>
+          </a:p>
+        </p:txBody>
+      </p:sp>
+    </p:spTree>
+    <p:extLst>
+      <p:ext uri="{BB962C8B-B14F-4D97-AF65-F5344CB8AC3E}">
+        <p14:creationId xmlns:p14="http://schemas.microsoft.com/office/powerpoint/2010/main" val="1692805677"/>
       </p:ext>
     </p:extLst>
   </p:cSld>
@@ -9771,12 +9657,12 @@
 </file>
 
 <file path=customXml/item1.xml><?xml version="1.0" encoding="utf-8"?>
-<p:properties xmlns:p="http://schemas.microsoft.com/office/2006/metadata/properties" xmlns:xsi="http://www.w3.org/2001/XMLSchema-instance" xmlns:pc="http://schemas.microsoft.com/office/infopath/2007/PartnerControls">
-  <documentManagement>
-    <Status xmlns="71af3243-3dd4-4a8d-8c0d-dd76da1f02a5">Not started</Status>
-    <MediaServiceKeyPoints xmlns="71af3243-3dd4-4a8d-8c0d-dd76da1f02a5" xsi:nil="true"/>
-  </documentManagement>
-</p:properties>
+<?mso-contentType ?>
+<FormTemplates xmlns="http://schemas.microsoft.com/sharepoint/v3/contenttype/forms">
+  <Display>DocumentLibraryForm</Display>
+  <Edit>DocumentLibraryForm</Edit>
+  <New>DocumentLibraryForm</New>
+</FormTemplates>
 </file>
 
 <file path=customXml/item2.xml><?xml version="1.0" encoding="utf-8"?>
@@ -10001,20 +9887,18 @@
 </file>
 
 <file path=customXml/item3.xml><?xml version="1.0" encoding="utf-8"?>
-<?mso-contentType ?>
-<FormTemplates xmlns="http://schemas.microsoft.com/sharepoint/v3/contenttype/forms">
-  <Display>DocumentLibraryForm</Display>
-  <Edit>DocumentLibraryForm</Edit>
-  <New>DocumentLibraryForm</New>
-</FormTemplates>
+<p:properties xmlns:p="http://schemas.microsoft.com/office/2006/metadata/properties" xmlns:xsi="http://www.w3.org/2001/XMLSchema-instance" xmlns:pc="http://schemas.microsoft.com/office/infopath/2007/PartnerControls">
+  <documentManagement>
+    <Status xmlns="71af3243-3dd4-4a8d-8c0d-dd76da1f02a5">Not started</Status>
+    <MediaServiceKeyPoints xmlns="71af3243-3dd4-4a8d-8c0d-dd76da1f02a5" xsi:nil="true"/>
+  </documentManagement>
+</p:properties>
 </file>
 
 <file path=customXml/itemProps1.xml><?xml version="1.0" encoding="utf-8"?>
-<ds:datastoreItem xmlns:ds="http://schemas.openxmlformats.org/officeDocument/2006/customXml" ds:itemID="{A03EEFF0-FB57-4CB4-8BFC-DF397689E2ED}">
+<ds:datastoreItem xmlns:ds="http://schemas.openxmlformats.org/officeDocument/2006/customXml" ds:itemID="{AA3F7EDC-E5B4-4BBC-9D2A-CBE6D46C37AD}">
   <ds:schemaRefs>
-    <ds:schemaRef ds:uri="http://schemas.microsoft.com/office/2006/metadata/properties"/>
-    <ds:schemaRef ds:uri="http://schemas.microsoft.com/office/infopath/2007/PartnerControls"/>
-    <ds:schemaRef ds:uri="71af3243-3dd4-4a8d-8c0d-dd76da1f02a5"/>
+    <ds:schemaRef ds:uri="http://schemas.microsoft.com/sharepoint/v3/contenttype/forms"/>
   </ds:schemaRefs>
 </ds:datastoreItem>
 </file>
@@ -10039,9 +9923,11 @@
 </file>
 
 <file path=customXml/itemProps3.xml><?xml version="1.0" encoding="utf-8"?>
-<ds:datastoreItem xmlns:ds="http://schemas.openxmlformats.org/officeDocument/2006/customXml" ds:itemID="{AA3F7EDC-E5B4-4BBC-9D2A-CBE6D46C37AD}">
+<ds:datastoreItem xmlns:ds="http://schemas.openxmlformats.org/officeDocument/2006/customXml" ds:itemID="{A03EEFF0-FB57-4CB4-8BFC-DF397689E2ED}">
   <ds:schemaRefs>
-    <ds:schemaRef ds:uri="http://schemas.microsoft.com/sharepoint/v3/contenttype/forms"/>
+    <ds:schemaRef ds:uri="http://schemas.microsoft.com/office/2006/metadata/properties"/>
+    <ds:schemaRef ds:uri="http://schemas.microsoft.com/office/infopath/2007/PartnerControls"/>
+    <ds:schemaRef ds:uri="71af3243-3dd4-4a8d-8c0d-dd76da1f02a5"/>
   </ds:schemaRefs>
 </ds:datastoreItem>
 </file>